--- a/slides/4_Parameter.pptx
+++ b/slides/4_Parameter.pptx
@@ -7,15 +7,18 @@
   <p:sldIdLst>
     <p:sldId id="256" r:id="rId2"/>
     <p:sldId id="466" r:id="rId3"/>
-    <p:sldId id="467" r:id="rId4"/>
-    <p:sldId id="468" r:id="rId5"/>
-    <p:sldId id="469" r:id="rId6"/>
-    <p:sldId id="470" r:id="rId7"/>
-    <p:sldId id="471" r:id="rId8"/>
-    <p:sldId id="472" r:id="rId9"/>
-    <p:sldId id="473" r:id="rId10"/>
-    <p:sldId id="474" r:id="rId11"/>
-    <p:sldId id="524" r:id="rId12"/>
+    <p:sldId id="525" r:id="rId4"/>
+    <p:sldId id="467" r:id="rId5"/>
+    <p:sldId id="468" r:id="rId6"/>
+    <p:sldId id="469" r:id="rId7"/>
+    <p:sldId id="470" r:id="rId8"/>
+    <p:sldId id="471" r:id="rId9"/>
+    <p:sldId id="472" r:id="rId10"/>
+    <p:sldId id="473" r:id="rId11"/>
+    <p:sldId id="526" r:id="rId12"/>
+    <p:sldId id="474" r:id="rId13"/>
+    <p:sldId id="527" r:id="rId14"/>
+    <p:sldId id="524" r:id="rId15"/>
   </p:sldIdLst>
   <p:sldSz cx="12192000" cy="6858000"/>
   <p:notesSz cx="6858000" cy="9144000"/>
@@ -116,7 +119,7 @@
   </p:defaultTextStyle>
   <p:extLst>
     <p:ext uri="{EFAFB233-063F-42B5-8137-9DF3F51BA10A}">
-      <p15:sldGuideLst xmlns:p15="http://schemas.microsoft.com/office/powerpoint/2012/main"/>
+      <p15:sldGuideLst xmlns:p15="http://schemas.microsoft.com/office/powerpoint/2012/main" xmlns=""/>
     </p:ext>
   </p:extLst>
 </p:presentation>
@@ -845,7 +848,7 @@
             <a:fld id="{B61BEF0D-F0BB-DE4B-95CE-6DB70DBA9567}" type="datetimeFigureOut">
               <a:rPr lang="en-US" dirty="0"/>
               <a:pPr/>
-              <a:t>3/30/2021</a:t>
+              <a:t>4/27/2021</a:t>
             </a:fld>
             <a:endParaRPr lang="en-US" dirty="0"/>
           </a:p>
@@ -1093,7 +1096,7 @@
             <a:fld id="{B61BEF0D-F0BB-DE4B-95CE-6DB70DBA9567}" type="datetimeFigureOut">
               <a:rPr lang="en-US" dirty="0"/>
               <a:pPr/>
-              <a:t>3/30/2021</a:t>
+              <a:t>4/27/2021</a:t>
             </a:fld>
             <a:endParaRPr lang="en-US" dirty="0"/>
           </a:p>
@@ -1404,7 +1407,7 @@
             <a:fld id="{B61BEF0D-F0BB-DE4B-95CE-6DB70DBA9567}" type="datetimeFigureOut">
               <a:rPr lang="en-US" dirty="0"/>
               <a:pPr/>
-              <a:t>3/30/2021</a:t>
+              <a:t>4/27/2021</a:t>
             </a:fld>
             <a:endParaRPr lang="en-US" dirty="0"/>
           </a:p>
@@ -1742,7 +1745,7 @@
             <a:fld id="{B61BEF0D-F0BB-DE4B-95CE-6DB70DBA9567}" type="datetimeFigureOut">
               <a:rPr lang="en-US" dirty="0"/>
               <a:pPr/>
-              <a:t>3/30/2021</a:t>
+              <a:t>4/27/2021</a:t>
             </a:fld>
             <a:endParaRPr lang="en-US" dirty="0"/>
           </a:p>
@@ -2053,7 +2056,7 @@
             <a:fld id="{B61BEF0D-F0BB-DE4B-95CE-6DB70DBA9567}" type="datetimeFigureOut">
               <a:rPr lang="en-US" dirty="0"/>
               <a:pPr/>
-              <a:t>3/30/2021</a:t>
+              <a:t>4/27/2021</a:t>
             </a:fld>
             <a:endParaRPr lang="en-US" dirty="0"/>
           </a:p>
@@ -2443,7 +2446,7 @@
             <a:fld id="{B61BEF0D-F0BB-DE4B-95CE-6DB70DBA9567}" type="datetimeFigureOut">
               <a:rPr lang="en-US" dirty="0"/>
               <a:pPr/>
-              <a:t>3/30/2021</a:t>
+              <a:t>4/27/2021</a:t>
             </a:fld>
             <a:endParaRPr lang="en-US" dirty="0"/>
           </a:p>
@@ -2609,7 +2612,7 @@
           <a:p>
             <a:fld id="{55C6B4A9-1611-4792-9094-5F34BCA07E0B}" type="datetimeFigureOut">
               <a:rPr lang="en-US" dirty="0"/>
-              <a:t>3/30/2021</a:t>
+              <a:t>4/27/2021</a:t>
             </a:fld>
             <a:endParaRPr lang="en-US" dirty="0"/>
           </a:p>
@@ -2785,7 +2788,7 @@
             <a:fld id="{B61BEF0D-F0BB-DE4B-95CE-6DB70DBA9567}" type="datetimeFigureOut">
               <a:rPr lang="en-US" dirty="0"/>
               <a:pPr/>
-              <a:t>3/30/2021</a:t>
+              <a:t>4/27/2021</a:t>
             </a:fld>
             <a:endParaRPr lang="en-US" dirty="0"/>
           </a:p>
@@ -2958,7 +2961,7 @@
             <a:fld id="{B61BEF0D-F0BB-DE4B-95CE-6DB70DBA9567}" type="datetimeFigureOut">
               <a:rPr lang="en-US" dirty="0"/>
               <a:pPr/>
-              <a:t>3/30/2021</a:t>
+              <a:t>4/27/2021</a:t>
             </a:fld>
             <a:endParaRPr lang="en-US" dirty="0"/>
           </a:p>
@@ -3202,7 +3205,7 @@
             <a:fld id="{B61BEF0D-F0BB-DE4B-95CE-6DB70DBA9567}" type="datetimeFigureOut">
               <a:rPr lang="en-US" dirty="0"/>
               <a:pPr/>
-              <a:t>3/30/2021</a:t>
+              <a:t>4/27/2021</a:t>
             </a:fld>
             <a:endParaRPr lang="en-US" dirty="0"/>
           </a:p>
@@ -3430,7 +3433,7 @@
           <a:p>
             <a:fld id="{EB712588-04B1-427B-82EE-E8DB90309F08}" type="datetimeFigureOut">
               <a:rPr lang="en-US" dirty="0"/>
-              <a:t>3/30/2021</a:t>
+              <a:t>4/27/2021</a:t>
             </a:fld>
             <a:endParaRPr lang="en-US" dirty="0"/>
           </a:p>
@@ -3800,7 +3803,7 @@
             <a:fld id="{B61BEF0D-F0BB-DE4B-95CE-6DB70DBA9567}" type="datetimeFigureOut">
               <a:rPr lang="en-US" dirty="0"/>
               <a:pPr/>
-              <a:t>3/30/2021</a:t>
+              <a:t>4/27/2021</a:t>
             </a:fld>
             <a:endParaRPr lang="en-US" dirty="0"/>
           </a:p>
@@ -3920,7 +3923,7 @@
             <a:fld id="{B61BEF0D-F0BB-DE4B-95CE-6DB70DBA9567}" type="datetimeFigureOut">
               <a:rPr lang="en-US" dirty="0"/>
               <a:pPr/>
-              <a:t>3/30/2021</a:t>
+              <a:t>4/27/2021</a:t>
             </a:fld>
             <a:endParaRPr lang="en-US" dirty="0"/>
           </a:p>
@@ -4012,7 +4015,7 @@
             <a:fld id="{B61BEF0D-F0BB-DE4B-95CE-6DB70DBA9567}" type="datetimeFigureOut">
               <a:rPr lang="en-US" dirty="0"/>
               <a:pPr/>
-              <a:t>3/30/2021</a:t>
+              <a:t>4/27/2021</a:t>
             </a:fld>
             <a:endParaRPr lang="en-US" dirty="0"/>
           </a:p>
@@ -4263,7 +4266,7 @@
           <a:p>
             <a:fld id="{42A54C80-263E-416B-A8E0-580EDEADCBDC}" type="datetimeFigureOut">
               <a:rPr lang="en-US" dirty="0"/>
-              <a:t>3/30/2021</a:t>
+              <a:t>4/27/2021</a:t>
             </a:fld>
             <a:endParaRPr lang="en-US" dirty="0"/>
           </a:p>
@@ -4522,7 +4525,7 @@
             <a:fld id="{B61BEF0D-F0BB-DE4B-95CE-6DB70DBA9567}" type="datetimeFigureOut">
               <a:rPr lang="en-US" dirty="0"/>
               <a:pPr/>
-              <a:t>3/30/2021</a:t>
+              <a:t>4/27/2021</a:t>
             </a:fld>
             <a:endParaRPr lang="en-US" dirty="0"/>
           </a:p>
@@ -5262,7 +5265,7 @@
             <a:fld id="{B61BEF0D-F0BB-DE4B-95CE-6DB70DBA9567}" type="datetimeFigureOut">
               <a:rPr lang="en-US" dirty="0"/>
               <a:pPr/>
-              <a:t>3/30/2021</a:t>
+              <a:t>4/27/2021</a:t>
             </a:fld>
             <a:endParaRPr lang="en-US" dirty="0"/>
           </a:p>
@@ -6421,68 +6424,453 @@
             </a:r>
           </a:p>
           <a:p>
-            <a:r>
-              <a:rPr lang="fr-CA" sz="2400" dirty="0" err="1" smtClean="0">
-                <a:solidFill>
-                  <a:schemeClr val="tx1"/>
-                </a:solidFill>
+            <a:endParaRPr lang="fr-CA" sz="2400" dirty="0"/>
+          </a:p>
+        </p:txBody>
+      </p:sp>
+      <p:cxnSp>
+        <p:nvCxnSpPr>
+          <p:cNvPr id="34" name="Straight Arrow Connector 33"/>
+          <p:cNvCxnSpPr/>
+          <p:nvPr/>
+        </p:nvCxnSpPr>
+        <p:spPr>
+          <a:xfrm>
+            <a:off x="1509892" y="3583263"/>
+            <a:ext cx="289800" cy="0"/>
+          </a:xfrm>
+          <a:prstGeom prst="straightConnector1">
+            <a:avLst/>
+          </a:prstGeom>
+          <a:ln w="25400">
+            <a:solidFill>
+              <a:schemeClr val="tx1"/>
+            </a:solidFill>
+            <a:tailEnd type="arrow"/>
+          </a:ln>
+        </p:spPr>
+        <p:style>
+          <a:lnRef idx="1">
+            <a:schemeClr val="accent1"/>
+          </a:lnRef>
+          <a:fillRef idx="0">
+            <a:schemeClr val="accent1"/>
+          </a:fillRef>
+          <a:effectRef idx="0">
+            <a:schemeClr val="accent1"/>
+          </a:effectRef>
+          <a:fontRef idx="minor">
+            <a:schemeClr val="tx1"/>
+          </a:fontRef>
+        </p:style>
+      </p:cxnSp>
+      <p:sp>
+        <p:nvSpPr>
+          <p:cNvPr id="35" name="TextBox 34"/>
+          <p:cNvSpPr txBox="1"/>
+          <p:nvPr/>
+        </p:nvSpPr>
+        <p:spPr>
+          <a:xfrm>
+            <a:off x="779621" y="3367819"/>
+            <a:ext cx="792972" cy="430887"/>
+          </a:xfrm>
+          <a:prstGeom prst="rect">
+            <a:avLst/>
+          </a:prstGeom>
+          <a:noFill/>
+        </p:spPr>
+        <p:txBody>
+          <a:bodyPr wrap="square" rtlCol="0">
+            <a:spAutoFit/>
+          </a:bodyPr>
+          <a:lstStyle/>
+          <a:p>
+            <a:r>
+              <a:rPr lang="fr-CA" sz="2200" dirty="0" smtClean="0"/>
+              <a:t>POM</a:t>
+            </a:r>
+            <a:endParaRPr lang="en-US" sz="2200" dirty="0"/>
+          </a:p>
+        </p:txBody>
+      </p:sp>
+      <p:cxnSp>
+        <p:nvCxnSpPr>
+          <p:cNvPr id="36" name="Straight Arrow Connector 33"/>
+          <p:cNvCxnSpPr/>
+          <p:nvPr/>
+        </p:nvCxnSpPr>
+        <p:spPr>
+          <a:xfrm>
+            <a:off x="1497920" y="5451569"/>
+            <a:ext cx="289800" cy="0"/>
+          </a:xfrm>
+          <a:prstGeom prst="straightConnector1">
+            <a:avLst/>
+          </a:prstGeom>
+          <a:ln w="25400">
+            <a:solidFill>
+              <a:schemeClr val="tx1"/>
+            </a:solidFill>
+            <a:tailEnd type="arrow"/>
+          </a:ln>
+        </p:spPr>
+        <p:style>
+          <a:lnRef idx="1">
+            <a:schemeClr val="accent1"/>
+          </a:lnRef>
+          <a:fillRef idx="0">
+            <a:schemeClr val="accent1"/>
+          </a:fillRef>
+          <a:effectRef idx="0">
+            <a:schemeClr val="accent1"/>
+          </a:effectRef>
+          <a:fontRef idx="minor">
+            <a:schemeClr val="tx1"/>
+          </a:fontRef>
+        </p:style>
+      </p:cxnSp>
+      <p:sp>
+        <p:nvSpPr>
+          <p:cNvPr id="37" name="TextBox 34"/>
+          <p:cNvSpPr txBox="1"/>
+          <p:nvPr/>
+        </p:nvSpPr>
+        <p:spPr>
+          <a:xfrm>
+            <a:off x="767649" y="5236125"/>
+            <a:ext cx="792972" cy="430887"/>
+          </a:xfrm>
+          <a:prstGeom prst="rect">
+            <a:avLst/>
+          </a:prstGeom>
+          <a:noFill/>
+        </p:spPr>
+        <p:txBody>
+          <a:bodyPr wrap="square" rtlCol="0">
+            <a:spAutoFit/>
+          </a:bodyPr>
+          <a:lstStyle/>
+          <a:p>
+            <a:r>
+              <a:rPr lang="fr-CA" sz="2200" dirty="0" smtClean="0"/>
+              <a:t>POM</a:t>
+            </a:r>
+            <a:endParaRPr lang="en-US" sz="2200" dirty="0"/>
+          </a:p>
+        </p:txBody>
+      </p:sp>
+      <p:cxnSp>
+        <p:nvCxnSpPr>
+          <p:cNvPr id="38" name="Straight Arrow Connector 33"/>
+          <p:cNvCxnSpPr/>
+          <p:nvPr/>
+        </p:nvCxnSpPr>
+        <p:spPr>
+          <a:xfrm>
+            <a:off x="4470594" y="3565310"/>
+            <a:ext cx="289800" cy="0"/>
+          </a:xfrm>
+          <a:prstGeom prst="straightConnector1">
+            <a:avLst/>
+          </a:prstGeom>
+          <a:ln w="25400">
+            <a:solidFill>
+              <a:schemeClr val="tx1"/>
+            </a:solidFill>
+            <a:tailEnd type="arrow"/>
+          </a:ln>
+        </p:spPr>
+        <p:style>
+          <a:lnRef idx="1">
+            <a:schemeClr val="accent1"/>
+          </a:lnRef>
+          <a:fillRef idx="0">
+            <a:schemeClr val="accent1"/>
+          </a:fillRef>
+          <a:effectRef idx="0">
+            <a:schemeClr val="accent1"/>
+          </a:effectRef>
+          <a:fontRef idx="minor">
+            <a:schemeClr val="tx1"/>
+          </a:fontRef>
+        </p:style>
+      </p:cxnSp>
+      <p:sp>
+        <p:nvSpPr>
+          <p:cNvPr id="39" name="TextBox 34"/>
+          <p:cNvSpPr txBox="1"/>
+          <p:nvPr/>
+        </p:nvSpPr>
+        <p:spPr>
+          <a:xfrm>
+            <a:off x="3740323" y="3349866"/>
+            <a:ext cx="792972" cy="430887"/>
+          </a:xfrm>
+          <a:prstGeom prst="rect">
+            <a:avLst/>
+          </a:prstGeom>
+          <a:noFill/>
+        </p:spPr>
+        <p:txBody>
+          <a:bodyPr wrap="square" rtlCol="0">
+            <a:spAutoFit/>
+          </a:bodyPr>
+          <a:lstStyle/>
+          <a:p>
+            <a:r>
+              <a:rPr lang="fr-CA" sz="2200" dirty="0" smtClean="0"/>
+              <a:t>POM</a:t>
+            </a:r>
+            <a:endParaRPr lang="en-US" sz="2200" dirty="0"/>
+          </a:p>
+        </p:txBody>
+      </p:sp>
+      <p:cxnSp>
+        <p:nvCxnSpPr>
+          <p:cNvPr id="40" name="Straight Arrow Connector 33"/>
+          <p:cNvCxnSpPr/>
+          <p:nvPr/>
+        </p:nvCxnSpPr>
+        <p:spPr>
+          <a:xfrm>
+            <a:off x="4458622" y="5433616"/>
+            <a:ext cx="289800" cy="0"/>
+          </a:xfrm>
+          <a:prstGeom prst="straightConnector1">
+            <a:avLst/>
+          </a:prstGeom>
+          <a:ln w="25400">
+            <a:solidFill>
+              <a:schemeClr val="tx1"/>
+            </a:solidFill>
+            <a:tailEnd type="arrow"/>
+          </a:ln>
+        </p:spPr>
+        <p:style>
+          <a:lnRef idx="1">
+            <a:schemeClr val="accent1"/>
+          </a:lnRef>
+          <a:fillRef idx="0">
+            <a:schemeClr val="accent1"/>
+          </a:fillRef>
+          <a:effectRef idx="0">
+            <a:schemeClr val="accent1"/>
+          </a:effectRef>
+          <a:fontRef idx="minor">
+            <a:schemeClr val="tx1"/>
+          </a:fontRef>
+        </p:style>
+      </p:cxnSp>
+      <p:sp>
+        <p:nvSpPr>
+          <p:cNvPr id="41" name="TextBox 34"/>
+          <p:cNvSpPr txBox="1"/>
+          <p:nvPr/>
+        </p:nvSpPr>
+        <p:spPr>
+          <a:xfrm>
+            <a:off x="3728351" y="5218172"/>
+            <a:ext cx="792972" cy="430887"/>
+          </a:xfrm>
+          <a:prstGeom prst="rect">
+            <a:avLst/>
+          </a:prstGeom>
+          <a:noFill/>
+        </p:spPr>
+        <p:txBody>
+          <a:bodyPr wrap="square" rtlCol="0">
+            <a:spAutoFit/>
+          </a:bodyPr>
+          <a:lstStyle/>
+          <a:p>
+            <a:r>
+              <a:rPr lang="fr-CA" sz="2200" dirty="0" smtClean="0"/>
+              <a:t>POM</a:t>
+            </a:r>
+            <a:endParaRPr lang="en-US" sz="2200" dirty="0"/>
+          </a:p>
+        </p:txBody>
+      </p:sp>
+      <p:cxnSp>
+        <p:nvCxnSpPr>
+          <p:cNvPr id="42" name="Straight Arrow Connector 33"/>
+          <p:cNvCxnSpPr/>
+          <p:nvPr/>
+        </p:nvCxnSpPr>
+        <p:spPr>
+          <a:xfrm>
+            <a:off x="7486602" y="3565310"/>
+            <a:ext cx="289800" cy="0"/>
+          </a:xfrm>
+          <a:prstGeom prst="straightConnector1">
+            <a:avLst/>
+          </a:prstGeom>
+          <a:ln w="25400">
+            <a:solidFill>
+              <a:schemeClr val="tx1"/>
+            </a:solidFill>
+            <a:tailEnd type="arrow"/>
+          </a:ln>
+        </p:spPr>
+        <p:style>
+          <a:lnRef idx="1">
+            <a:schemeClr val="accent1"/>
+          </a:lnRef>
+          <a:fillRef idx="0">
+            <a:schemeClr val="accent1"/>
+          </a:fillRef>
+          <a:effectRef idx="0">
+            <a:schemeClr val="accent1"/>
+          </a:effectRef>
+          <a:fontRef idx="minor">
+            <a:schemeClr val="tx1"/>
+          </a:fontRef>
+        </p:style>
+      </p:cxnSp>
+      <p:sp>
+        <p:nvSpPr>
+          <p:cNvPr id="43" name="TextBox 34"/>
+          <p:cNvSpPr txBox="1"/>
+          <p:nvPr/>
+        </p:nvSpPr>
+        <p:spPr>
+          <a:xfrm>
+            <a:off x="6756331" y="3349866"/>
+            <a:ext cx="792972" cy="430887"/>
+          </a:xfrm>
+          <a:prstGeom prst="rect">
+            <a:avLst/>
+          </a:prstGeom>
+          <a:noFill/>
+        </p:spPr>
+        <p:txBody>
+          <a:bodyPr wrap="square" rtlCol="0">
+            <a:spAutoFit/>
+          </a:bodyPr>
+          <a:lstStyle/>
+          <a:p>
+            <a:r>
+              <a:rPr lang="fr-CA" sz="2200" dirty="0" smtClean="0"/>
+              <a:t>POM</a:t>
+            </a:r>
+            <a:endParaRPr lang="en-US" sz="2200" dirty="0"/>
+          </a:p>
+        </p:txBody>
+      </p:sp>
+      <p:cxnSp>
+        <p:nvCxnSpPr>
+          <p:cNvPr id="44" name="Straight Arrow Connector 33"/>
+          <p:cNvCxnSpPr/>
+          <p:nvPr/>
+        </p:nvCxnSpPr>
+        <p:spPr>
+          <a:xfrm>
+            <a:off x="7474630" y="5433616"/>
+            <a:ext cx="289800" cy="0"/>
+          </a:xfrm>
+          <a:prstGeom prst="straightConnector1">
+            <a:avLst/>
+          </a:prstGeom>
+          <a:ln w="25400">
+            <a:solidFill>
+              <a:schemeClr val="tx1"/>
+            </a:solidFill>
+            <a:tailEnd type="arrow"/>
+          </a:ln>
+        </p:spPr>
+        <p:style>
+          <a:lnRef idx="1">
+            <a:schemeClr val="accent1"/>
+          </a:lnRef>
+          <a:fillRef idx="0">
+            <a:schemeClr val="accent1"/>
+          </a:fillRef>
+          <a:effectRef idx="0">
+            <a:schemeClr val="accent1"/>
+          </a:effectRef>
+          <a:fontRef idx="minor">
+            <a:schemeClr val="tx1"/>
+          </a:fontRef>
+        </p:style>
+      </p:cxnSp>
+      <p:sp>
+        <p:nvSpPr>
+          <p:cNvPr id="45" name="TextBox 34"/>
+          <p:cNvSpPr txBox="1"/>
+          <p:nvPr/>
+        </p:nvSpPr>
+        <p:spPr>
+          <a:xfrm>
+            <a:off x="6744359" y="5218172"/>
+            <a:ext cx="792972" cy="430887"/>
+          </a:xfrm>
+          <a:prstGeom prst="rect">
+            <a:avLst/>
+          </a:prstGeom>
+          <a:noFill/>
+        </p:spPr>
+        <p:txBody>
+          <a:bodyPr wrap="square" rtlCol="0">
+            <a:spAutoFit/>
+          </a:bodyPr>
+          <a:lstStyle/>
+          <a:p>
+            <a:r>
+              <a:rPr lang="fr-CA" sz="2200" dirty="0" smtClean="0"/>
+              <a:t>POM</a:t>
+            </a:r>
+            <a:endParaRPr lang="en-US" sz="2200" dirty="0"/>
+          </a:p>
+        </p:txBody>
+      </p:sp>
+      <p:sp>
+        <p:nvSpPr>
+          <p:cNvPr id="46" name="ZoneTexte 45"/>
+          <p:cNvSpPr txBox="1"/>
+          <p:nvPr/>
+        </p:nvSpPr>
+        <p:spPr>
+          <a:xfrm>
+            <a:off x="8401561" y="6413589"/>
+            <a:ext cx="3685335" cy="369332"/>
+          </a:xfrm>
+          <a:prstGeom prst="rect">
+            <a:avLst/>
+          </a:prstGeom>
+          <a:noFill/>
+        </p:spPr>
+        <p:txBody>
+          <a:bodyPr wrap="square" rtlCol="0">
+            <a:spAutoFit/>
+          </a:bodyPr>
+          <a:lstStyle/>
+          <a:p>
+            <a:pPr algn="r"/>
+            <a:r>
+              <a:rPr lang="nl-NL" dirty="0" err="1" smtClean="0">
+                <a:latin typeface="Times New Roman" panose="02020603050405020304" pitchFamily="18" charset="0"/>
+                <a:cs typeface="Times New Roman" panose="02020603050405020304" pitchFamily="18" charset="0"/>
               </a:rPr>
-              <a:t>Choice</a:t>
-            </a:r>
-            <a:r>
-              <a:rPr lang="fr-CA" sz="2400" dirty="0" smtClean="0">
-                <a:solidFill>
-                  <a:schemeClr val="tx1"/>
-                </a:solidFill>
+              <a:t>Bauduin</a:t>
+            </a:r>
+            <a:r>
+              <a:rPr lang="nl-NL" dirty="0" smtClean="0">
+                <a:latin typeface="Times New Roman" panose="02020603050405020304" pitchFamily="18" charset="0"/>
+                <a:cs typeface="Times New Roman" panose="02020603050405020304" pitchFamily="18" charset="0"/>
               </a:rPr>
-              <a:t> of the best model </a:t>
-            </a:r>
-            <a:r>
-              <a:rPr lang="fr-CA" sz="2400" dirty="0" err="1" smtClean="0">
-                <a:solidFill>
-                  <a:schemeClr val="tx1"/>
-                </a:solidFill>
-              </a:rPr>
-              <a:t>among</a:t>
-            </a:r>
-            <a:r>
-              <a:rPr lang="fr-CA" sz="2400" dirty="0" smtClean="0">
-                <a:solidFill>
-                  <a:schemeClr val="tx1"/>
-                </a:solidFill>
-              </a:rPr>
-              <a:t> the 6 </a:t>
-            </a:r>
-            <a:r>
-              <a:rPr lang="fr-CA" sz="2400" dirty="0" err="1" smtClean="0">
-                <a:solidFill>
-                  <a:schemeClr val="tx1"/>
-                </a:solidFill>
-              </a:rPr>
-              <a:t>using</a:t>
-            </a:r>
-            <a:r>
-              <a:rPr lang="fr-CA" sz="2400" dirty="0" smtClean="0">
-                <a:solidFill>
-                  <a:schemeClr val="tx1"/>
-                </a:solidFill>
-              </a:rPr>
-              <a:t> POM</a:t>
-            </a:r>
-            <a:endParaRPr lang="fr-CA" sz="2400" dirty="0">
-              <a:solidFill>
-                <a:schemeClr val="tx1"/>
-              </a:solidFill>
+              <a:t> et al., 2016</a:t>
+            </a:r>
+            <a:endParaRPr lang="fr-FR" dirty="0">
+              <a:latin typeface="Times New Roman" panose="02020603050405020304" pitchFamily="18" charset="0"/>
+              <a:cs typeface="Times New Roman" panose="02020603050405020304" pitchFamily="18" charset="0"/>
             </a:endParaRPr>
-          </a:p>
-          <a:p>
-            <a:endParaRPr lang="fr-CA" sz="2400" dirty="0"/>
           </a:p>
         </p:txBody>
       </p:sp>
       <p:grpSp>
         <p:nvGrpSpPr>
-          <p:cNvPr id="4" name="Group 27"/>
+          <p:cNvPr id="47" name="Group 27"/>
           <p:cNvGrpSpPr/>
           <p:nvPr/>
         </p:nvGrpSpPr>
@@ -6499,7 +6887,7 @@
         </p:grpSpPr>
         <p:cxnSp>
           <p:nvCxnSpPr>
-            <p:cNvPr id="6" name="Straight Arrow Connector 29"/>
+            <p:cNvPr id="48" name="Straight Arrow Connector 29"/>
             <p:cNvCxnSpPr/>
             <p:nvPr/>
           </p:nvCxnSpPr>
@@ -6536,7 +6924,7 @@
         </p:cxnSp>
         <p:sp>
           <p:nvSpPr>
-            <p:cNvPr id="7" name="Rectangle 6"/>
+            <p:cNvPr id="49" name="Rectangle 48"/>
             <p:cNvSpPr/>
             <p:nvPr/>
           </p:nvSpPr>
@@ -6576,14 +6964,26 @@
             <a:lstStyle/>
             <a:p>
               <a:pPr algn="ctr"/>
-              <a:endParaRPr lang="en-US"/>
+              <a:r>
+                <a:rPr lang="en-US" dirty="0" smtClean="0">
+                  <a:solidFill>
+                    <a:schemeClr val="tx1"/>
+                  </a:solidFill>
+                </a:rPr>
+                <a:t>Random walk</a:t>
+              </a:r>
+              <a:endParaRPr lang="en-US" dirty="0">
+                <a:solidFill>
+                  <a:schemeClr val="tx1"/>
+                </a:solidFill>
+              </a:endParaRPr>
             </a:p>
           </p:txBody>
         </p:sp>
       </p:grpSp>
       <p:grpSp>
         <p:nvGrpSpPr>
-          <p:cNvPr id="8" name="Group 31"/>
+          <p:cNvPr id="50" name="Group 31"/>
           <p:cNvGrpSpPr/>
           <p:nvPr/>
         </p:nvGrpSpPr>
@@ -6600,7 +7000,7 @@
         </p:grpSpPr>
         <p:cxnSp>
           <p:nvCxnSpPr>
-            <p:cNvPr id="10" name="Straight Arrow Connector 33"/>
+            <p:cNvPr id="51" name="Straight Arrow Connector 33"/>
             <p:cNvCxnSpPr/>
             <p:nvPr/>
           </p:nvCxnSpPr>
@@ -6637,7 +7037,7 @@
         </p:cxnSp>
         <p:sp>
           <p:nvSpPr>
-            <p:cNvPr id="11" name="Rectangle 10"/>
+            <p:cNvPr id="52" name="Rectangle 51"/>
             <p:cNvSpPr/>
             <p:nvPr/>
           </p:nvSpPr>
@@ -6677,14 +7077,26 @@
             <a:lstStyle/>
             <a:p>
               <a:pPr algn="ctr"/>
-              <a:endParaRPr lang="en-US"/>
+              <a:r>
+                <a:rPr lang="en-US" dirty="0" smtClean="0">
+                  <a:solidFill>
+                    <a:schemeClr val="tx1"/>
+                  </a:solidFill>
+                </a:rPr>
+                <a:t>Correlated random walk</a:t>
+              </a:r>
+              <a:endParaRPr lang="en-US" dirty="0">
+                <a:solidFill>
+                  <a:schemeClr val="tx1"/>
+                </a:solidFill>
+              </a:endParaRPr>
             </a:p>
           </p:txBody>
         </p:sp>
       </p:grpSp>
       <p:grpSp>
         <p:nvGrpSpPr>
-          <p:cNvPr id="12" name="Group 35"/>
+          <p:cNvPr id="53" name="Group 35"/>
           <p:cNvGrpSpPr/>
           <p:nvPr/>
         </p:nvGrpSpPr>
@@ -6701,7 +7113,7 @@
         </p:grpSpPr>
         <p:cxnSp>
           <p:nvCxnSpPr>
-            <p:cNvPr id="14" name="Straight Arrow Connector 37"/>
+            <p:cNvPr id="54" name="Straight Arrow Connector 37"/>
             <p:cNvCxnSpPr/>
             <p:nvPr/>
           </p:nvCxnSpPr>
@@ -6738,7 +7150,7 @@
         </p:cxnSp>
         <p:sp>
           <p:nvSpPr>
-            <p:cNvPr id="15" name="Rectangle 14"/>
+            <p:cNvPr id="55" name="Rectangle 54"/>
             <p:cNvSpPr/>
             <p:nvPr/>
           </p:nvSpPr>
@@ -6778,14 +7190,26 @@
             <a:lstStyle/>
             <a:p>
               <a:pPr algn="ctr"/>
-              <a:endParaRPr lang="en-US"/>
+              <a:r>
+                <a:rPr lang="en-US" dirty="0" smtClean="0">
+                  <a:solidFill>
+                    <a:schemeClr val="tx1"/>
+                  </a:solidFill>
+                </a:rPr>
+                <a:t>Habitat-biased random walk</a:t>
+              </a:r>
+              <a:endParaRPr lang="en-US" dirty="0">
+                <a:solidFill>
+                  <a:schemeClr val="tx1"/>
+                </a:solidFill>
+              </a:endParaRPr>
             </a:p>
           </p:txBody>
         </p:sp>
       </p:grpSp>
       <p:grpSp>
         <p:nvGrpSpPr>
-          <p:cNvPr id="16" name="Group 39"/>
+          <p:cNvPr id="56" name="Group 39"/>
           <p:cNvGrpSpPr/>
           <p:nvPr/>
         </p:nvGrpSpPr>
@@ -6802,7 +7226,7 @@
         </p:grpSpPr>
         <p:cxnSp>
           <p:nvCxnSpPr>
-            <p:cNvPr id="18" name="Straight Arrow Connector 41"/>
+            <p:cNvPr id="57" name="Straight Arrow Connector 41"/>
             <p:cNvCxnSpPr/>
             <p:nvPr/>
           </p:nvCxnSpPr>
@@ -6839,7 +7263,7 @@
         </p:cxnSp>
         <p:sp>
           <p:nvSpPr>
-            <p:cNvPr id="19" name="Rectangle 18"/>
+            <p:cNvPr id="58" name="Rectangle 57"/>
             <p:cNvSpPr/>
             <p:nvPr/>
           </p:nvSpPr>
@@ -6879,14 +7303,26 @@
             <a:lstStyle/>
             <a:p>
               <a:pPr algn="ctr"/>
-              <a:endParaRPr lang="en-US"/>
+              <a:r>
+                <a:rPr lang="en-US" dirty="0" smtClean="0">
+                  <a:solidFill>
+                    <a:schemeClr val="tx1"/>
+                  </a:solidFill>
+                </a:rPr>
+                <a:t>…</a:t>
+              </a:r>
+              <a:endParaRPr lang="en-US" dirty="0">
+                <a:solidFill>
+                  <a:schemeClr val="tx1"/>
+                </a:solidFill>
+              </a:endParaRPr>
             </a:p>
           </p:txBody>
         </p:sp>
       </p:grpSp>
       <p:grpSp>
         <p:nvGrpSpPr>
-          <p:cNvPr id="20" name="Group 43"/>
+          <p:cNvPr id="59" name="Group 43"/>
           <p:cNvGrpSpPr/>
           <p:nvPr/>
         </p:nvGrpSpPr>
@@ -6903,7 +7339,7 @@
         </p:grpSpPr>
         <p:cxnSp>
           <p:nvCxnSpPr>
-            <p:cNvPr id="22" name="Straight Arrow Connector 45"/>
+            <p:cNvPr id="60" name="Straight Arrow Connector 45"/>
             <p:cNvCxnSpPr/>
             <p:nvPr/>
           </p:nvCxnSpPr>
@@ -6940,108 +7376,7 @@
         </p:cxnSp>
         <p:sp>
           <p:nvSpPr>
-            <p:cNvPr id="23" name="Rectangle 22"/>
-            <p:cNvSpPr/>
-            <p:nvPr/>
-          </p:nvSpPr>
-          <p:spPr>
-            <a:xfrm>
-              <a:off x="1189392" y="3068960"/>
-              <a:ext cx="1728192" cy="783296"/>
-            </a:xfrm>
-            <a:prstGeom prst="rect">
-              <a:avLst/>
-            </a:prstGeom>
-            <a:grpFill/>
-            <a:ln w="57150">
-              <a:solidFill>
-                <a:schemeClr val="tx1"/>
-              </a:solidFill>
-            </a:ln>
-          </p:spPr>
-          <p:style>
-            <a:lnRef idx="2">
-              <a:schemeClr val="accent1">
-                <a:shade val="50000"/>
-              </a:schemeClr>
-            </a:lnRef>
-            <a:fillRef idx="1">
-              <a:schemeClr val="accent1"/>
-            </a:fillRef>
-            <a:effectRef idx="0">
-              <a:schemeClr val="accent1"/>
-            </a:effectRef>
-            <a:fontRef idx="minor">
-              <a:schemeClr val="lt1"/>
-            </a:fontRef>
-          </p:style>
-          <p:txBody>
-            <a:bodyPr rtlCol="0" anchor="ctr"/>
-            <a:lstStyle/>
-            <a:p>
-              <a:pPr algn="ctr"/>
-              <a:endParaRPr lang="en-US"/>
-            </a:p>
-          </p:txBody>
-        </p:sp>
-      </p:grpSp>
-      <p:grpSp>
-        <p:nvGrpSpPr>
-          <p:cNvPr id="24" name="Group 47"/>
-          <p:cNvGrpSpPr/>
-          <p:nvPr/>
-        </p:nvGrpSpPr>
-        <p:grpSpPr>
-          <a:xfrm>
-            <a:off x="7752867" y="5084953"/>
-            <a:ext cx="1728192" cy="1152128"/>
-            <a:chOff x="1189392" y="3068960"/>
-            <a:chExt cx="1728192" cy="1152128"/>
-          </a:xfrm>
-          <a:solidFill>
-            <a:schemeClr val="bg1"/>
-          </a:solidFill>
-        </p:grpSpPr>
-        <p:cxnSp>
-          <p:nvCxnSpPr>
-            <p:cNvPr id="26" name="Straight Arrow Connector 49"/>
-            <p:cNvCxnSpPr/>
-            <p:nvPr/>
-          </p:nvCxnSpPr>
-          <p:spPr>
-            <a:xfrm flipH="1">
-              <a:off x="2050836" y="3861048"/>
-              <a:ext cx="884" cy="360040"/>
-            </a:xfrm>
-            <a:prstGeom prst="straightConnector1">
-              <a:avLst/>
-            </a:prstGeom>
-            <a:grpFill/>
-            <a:ln w="25400">
-              <a:solidFill>
-                <a:schemeClr val="tx1"/>
-              </a:solidFill>
-              <a:tailEnd type="arrow"/>
-            </a:ln>
-          </p:spPr>
-          <p:style>
-            <a:lnRef idx="1">
-              <a:schemeClr val="accent1"/>
-            </a:lnRef>
-            <a:fillRef idx="0">
-              <a:schemeClr val="accent1"/>
-            </a:fillRef>
-            <a:effectRef idx="0">
-              <a:schemeClr val="accent1"/>
-            </a:effectRef>
-            <a:fontRef idx="minor">
-              <a:schemeClr val="tx1"/>
-            </a:fontRef>
-          </p:style>
-        </p:cxnSp>
-        <p:sp>
-          <p:nvSpPr>
-            <p:cNvPr id="27" name="Rectangle 26"/>
+            <p:cNvPr id="61" name="Rectangle 60"/>
             <p:cNvSpPr/>
             <p:nvPr/>
           </p:nvSpPr>
@@ -7081,14 +7416,147 @@
             <a:lstStyle/>
             <a:p>
               <a:pPr algn="ctr"/>
-              <a:endParaRPr lang="en-US"/>
+              <a:r>
+                <a:rPr lang="en-US" dirty="0" smtClean="0">
+                  <a:solidFill>
+                    <a:schemeClr val="tx1"/>
+                  </a:solidFill>
+                </a:rPr>
+                <a:t>…</a:t>
+              </a:r>
+              <a:endParaRPr lang="en-US" dirty="0">
+                <a:solidFill>
+                  <a:schemeClr val="tx1"/>
+                </a:solidFill>
+              </a:endParaRPr>
+            </a:p>
+          </p:txBody>
+        </p:sp>
+      </p:grpSp>
+      <p:grpSp>
+        <p:nvGrpSpPr>
+          <p:cNvPr id="62" name="Group 47"/>
+          <p:cNvGrpSpPr/>
+          <p:nvPr/>
+        </p:nvGrpSpPr>
+        <p:grpSpPr>
+          <a:xfrm>
+            <a:off x="7752867" y="5084953"/>
+            <a:ext cx="1728192" cy="1152128"/>
+            <a:chOff x="1189392" y="3068960"/>
+            <a:chExt cx="1728192" cy="1152128"/>
+          </a:xfrm>
+          <a:solidFill>
+            <a:schemeClr val="bg1"/>
+          </a:solidFill>
+        </p:grpSpPr>
+        <p:cxnSp>
+          <p:nvCxnSpPr>
+            <p:cNvPr id="63" name="Straight Arrow Connector 49"/>
+            <p:cNvCxnSpPr/>
+            <p:nvPr/>
+          </p:nvCxnSpPr>
+          <p:spPr>
+            <a:xfrm flipH="1">
+              <a:off x="2050836" y="3861048"/>
+              <a:ext cx="884" cy="360040"/>
+            </a:xfrm>
+            <a:prstGeom prst="straightConnector1">
+              <a:avLst/>
+            </a:prstGeom>
+            <a:grpFill/>
+            <a:ln w="25400">
+              <a:solidFill>
+                <a:schemeClr val="tx1"/>
+              </a:solidFill>
+              <a:tailEnd type="arrow"/>
+            </a:ln>
+          </p:spPr>
+          <p:style>
+            <a:lnRef idx="1">
+              <a:schemeClr val="accent1"/>
+            </a:lnRef>
+            <a:fillRef idx="0">
+              <a:schemeClr val="accent1"/>
+            </a:fillRef>
+            <a:effectRef idx="0">
+              <a:schemeClr val="accent1"/>
+            </a:effectRef>
+            <a:fontRef idx="minor">
+              <a:schemeClr val="tx1"/>
+            </a:fontRef>
+          </p:style>
+        </p:cxnSp>
+        <p:sp>
+          <p:nvSpPr>
+            <p:cNvPr id="64" name="Rectangle 63"/>
+            <p:cNvSpPr/>
+            <p:nvPr/>
+          </p:nvSpPr>
+          <p:spPr>
+            <a:xfrm>
+              <a:off x="1189392" y="3068960"/>
+              <a:ext cx="1728192" cy="783296"/>
+            </a:xfrm>
+            <a:prstGeom prst="rect">
+              <a:avLst/>
+            </a:prstGeom>
+            <a:grpFill/>
+            <a:ln>
+              <a:solidFill>
+                <a:schemeClr val="tx1"/>
+              </a:solidFill>
+            </a:ln>
+          </p:spPr>
+          <p:style>
+            <a:lnRef idx="2">
+              <a:schemeClr val="accent1">
+                <a:shade val="50000"/>
+              </a:schemeClr>
+            </a:lnRef>
+            <a:fillRef idx="1">
+              <a:schemeClr val="accent1"/>
+            </a:fillRef>
+            <a:effectRef idx="0">
+              <a:schemeClr val="accent1"/>
+            </a:effectRef>
+            <a:fontRef idx="minor">
+              <a:schemeClr val="lt1"/>
+            </a:fontRef>
+          </p:style>
+          <p:txBody>
+            <a:bodyPr rtlCol="0" anchor="ctr"/>
+            <a:lstStyle/>
+            <a:p>
+              <a:pPr algn="ctr"/>
+              <a:r>
+                <a:rPr lang="en-US" dirty="0" smtClean="0">
+                  <a:solidFill>
+                    <a:schemeClr val="tx1"/>
+                  </a:solidFill>
+                </a:rPr>
+                <a:t>..</a:t>
+              </a:r>
+              <a:r>
+                <a:rPr lang="en-US" dirty="0" smtClean="0">
+                  <a:solidFill>
+                    <a:schemeClr val="tx1"/>
+                  </a:solidFill>
+                </a:rPr>
+                <a:t>.</a:t>
+              </a:r>
+              <a:endParaRPr lang="en-US" dirty="0">
+                <a:solidFill>
+                  <a:schemeClr val="tx1"/>
+                </a:solidFill>
+              </a:endParaRPr>
             </a:p>
           </p:txBody>
         </p:sp>
       </p:grpSp>
       <p:pic>
         <p:nvPicPr>
-          <p:cNvPr id="28" name="Picture 17"/>
+          <p:cNvPr id="65" name="Picture 17"/>
           <p:cNvPicPr>
             <a:picLocks noChangeAspect="1"/>
           </p:cNvPicPr>
@@ -7118,7 +7586,7 @@
       </p:pic>
       <p:pic>
         <p:nvPicPr>
-          <p:cNvPr id="29" name="Picture 17"/>
+          <p:cNvPr id="66" name="Picture 17"/>
           <p:cNvPicPr>
             <a:picLocks noChangeAspect="1"/>
           </p:cNvPicPr>
@@ -7148,7 +7616,7 @@
       </p:pic>
       <p:pic>
         <p:nvPicPr>
-          <p:cNvPr id="30" name="Picture 17"/>
+          <p:cNvPr id="67" name="Picture 17"/>
           <p:cNvPicPr>
             <a:picLocks noChangeAspect="1"/>
           </p:cNvPicPr>
@@ -7178,7 +7646,7 @@
       </p:pic>
       <p:pic>
         <p:nvPicPr>
-          <p:cNvPr id="31" name="Picture 17"/>
+          <p:cNvPr id="68" name="Picture 17"/>
           <p:cNvPicPr>
             <a:picLocks noChangeAspect="1"/>
           </p:cNvPicPr>
@@ -7208,7 +7676,7 @@
       </p:pic>
       <p:pic>
         <p:nvPicPr>
-          <p:cNvPr id="32" name="Picture 17"/>
+          <p:cNvPr id="69" name="Picture 17"/>
           <p:cNvPicPr>
             <a:picLocks noChangeAspect="1"/>
           </p:cNvPicPr>
@@ -7238,7 +7706,7 @@
       </p:pic>
       <p:pic>
         <p:nvPicPr>
-          <p:cNvPr id="33" name="Picture 17"/>
+          <p:cNvPr id="70" name="Picture 17"/>
           <p:cNvPicPr>
             <a:picLocks noChangeAspect="1"/>
           </p:cNvPicPr>
@@ -7266,54 +7734,10 @@
           </a:prstGeom>
         </p:spPr>
       </p:pic>
-      <p:sp>
-        <p:nvSpPr>
-          <p:cNvPr id="34" name="ZoneTexte 33"/>
-          <p:cNvSpPr txBox="1"/>
-          <p:nvPr/>
-        </p:nvSpPr>
-        <p:spPr>
-          <a:xfrm>
-            <a:off x="8401561" y="6413589"/>
-            <a:ext cx="3685335" cy="369332"/>
-          </a:xfrm>
-          <a:prstGeom prst="rect">
-            <a:avLst/>
-          </a:prstGeom>
-          <a:noFill/>
-        </p:spPr>
-        <p:txBody>
-          <a:bodyPr wrap="square" rtlCol="0">
-            <a:spAutoFit/>
-          </a:bodyPr>
-          <a:lstStyle/>
-          <a:p>
-            <a:pPr algn="r"/>
-            <a:r>
-              <a:rPr lang="nl-NL" dirty="0" err="1" smtClean="0">
-                <a:latin typeface="Times New Roman" panose="02020603050405020304" pitchFamily="18" charset="0"/>
-                <a:cs typeface="Times New Roman" panose="02020603050405020304" pitchFamily="18" charset="0"/>
-              </a:rPr>
-              <a:t>Bauduin</a:t>
-            </a:r>
-            <a:r>
-              <a:rPr lang="nl-NL" dirty="0" smtClean="0">
-                <a:latin typeface="Times New Roman" panose="02020603050405020304" pitchFamily="18" charset="0"/>
-                <a:cs typeface="Times New Roman" panose="02020603050405020304" pitchFamily="18" charset="0"/>
-              </a:rPr>
-              <a:t> et al., 2016</a:t>
-            </a:r>
-            <a:endParaRPr lang="fr-FR" dirty="0">
-              <a:latin typeface="Times New Roman" panose="02020603050405020304" pitchFamily="18" charset="0"/>
-              <a:cs typeface="Times New Roman" panose="02020603050405020304" pitchFamily="18" charset="0"/>
-            </a:endParaRPr>
-          </a:p>
-        </p:txBody>
-      </p:sp>
     </p:spTree>
     <p:extLst>
       <p:ext uri="{BB962C8B-B14F-4D97-AF65-F5344CB8AC3E}">
-        <p14:creationId xmlns:p14="http://schemas.microsoft.com/office/powerpoint/2010/main" val="2069859753"/>
+        <p14:creationId xmlns:p14="http://schemas.microsoft.com/office/powerpoint/2010/main" val="1461259984"/>
       </p:ext>
     </p:extLst>
   </p:cSld>
@@ -7363,6 +7787,3234 @@
           <a:lstStyle/>
           <a:p>
             <a:r>
+              <a:rPr lang="fr-CA" dirty="0" smtClean="0"/>
+              <a:t>Caribou model</a:t>
+            </a:r>
+            <a:endParaRPr lang="fr-CA" dirty="0"/>
+          </a:p>
+        </p:txBody>
+      </p:sp>
+      <p:sp>
+        <p:nvSpPr>
+          <p:cNvPr id="3" name="Espace réservé du contenu 2"/>
+          <p:cNvSpPr>
+            <a:spLocks noGrp="1"/>
+          </p:cNvSpPr>
+          <p:nvPr>
+            <p:ph idx="1"/>
+          </p:nvPr>
+        </p:nvSpPr>
+        <p:spPr>
+          <a:xfrm>
+            <a:off x="677334" y="1450428"/>
+            <a:ext cx="10158832" cy="5045469"/>
+          </a:xfrm>
+        </p:spPr>
+        <p:txBody>
+          <a:bodyPr>
+            <a:normAutofit fontScale="92500" lnSpcReduction="10000"/>
+          </a:bodyPr>
+          <a:lstStyle/>
+          <a:p>
+            <a:r>
+              <a:rPr lang="fr-CA" dirty="0" smtClean="0">
+                <a:solidFill>
+                  <a:schemeClr val="tx1"/>
+                </a:solidFill>
+              </a:rPr>
+              <a:t>For </a:t>
+            </a:r>
+            <a:r>
+              <a:rPr lang="fr-CA" dirty="0" err="1" smtClean="0">
+                <a:solidFill>
+                  <a:schemeClr val="tx1"/>
+                </a:solidFill>
+              </a:rPr>
+              <a:t>each</a:t>
+            </a:r>
+            <a:r>
+              <a:rPr lang="fr-CA" dirty="0" smtClean="0">
+                <a:solidFill>
+                  <a:schemeClr val="tx1"/>
+                </a:solidFill>
+              </a:rPr>
+              <a:t> model, </a:t>
+            </a:r>
+            <a:r>
+              <a:rPr lang="fr-CA" dirty="0" err="1" smtClean="0">
+                <a:solidFill>
+                  <a:schemeClr val="tx1"/>
+                </a:solidFill>
+              </a:rPr>
+              <a:t>we</a:t>
+            </a:r>
+            <a:r>
+              <a:rPr lang="fr-CA" dirty="0" smtClean="0">
+                <a:solidFill>
+                  <a:schemeClr val="tx1"/>
+                </a:solidFill>
+              </a:rPr>
+              <a:t> </a:t>
+            </a:r>
+            <a:r>
+              <a:rPr lang="fr-CA" dirty="0" err="1" smtClean="0">
+                <a:solidFill>
+                  <a:schemeClr val="tx1"/>
+                </a:solidFill>
+              </a:rPr>
+              <a:t>search</a:t>
+            </a:r>
+            <a:r>
+              <a:rPr lang="fr-CA" dirty="0" smtClean="0">
+                <a:solidFill>
+                  <a:schemeClr val="tx1"/>
+                </a:solidFill>
+              </a:rPr>
+              <a:t> for the </a:t>
+            </a:r>
+            <a:r>
+              <a:rPr lang="fr-CA" dirty="0" err="1" smtClean="0">
+                <a:solidFill>
+                  <a:schemeClr val="tx1"/>
+                </a:solidFill>
+              </a:rPr>
+              <a:t>parameter</a:t>
+            </a:r>
+            <a:r>
+              <a:rPr lang="fr-CA" dirty="0" smtClean="0">
+                <a:solidFill>
+                  <a:schemeClr val="tx1"/>
+                </a:solidFill>
+              </a:rPr>
+              <a:t> values to best </a:t>
+            </a:r>
+            <a:r>
+              <a:rPr lang="fr-CA" dirty="0" err="1" smtClean="0">
+                <a:solidFill>
+                  <a:schemeClr val="tx1"/>
+                </a:solidFill>
+              </a:rPr>
+              <a:t>reproduce</a:t>
+            </a:r>
+            <a:r>
+              <a:rPr lang="fr-CA" dirty="0" smtClean="0">
+                <a:solidFill>
+                  <a:schemeClr val="tx1"/>
+                </a:solidFill>
+              </a:rPr>
+              <a:t> </a:t>
+            </a:r>
+            <a:r>
+              <a:rPr lang="fr-CA" dirty="0" err="1" smtClean="0">
+                <a:solidFill>
+                  <a:schemeClr val="tx1"/>
+                </a:solidFill>
+              </a:rPr>
+              <a:t>our</a:t>
+            </a:r>
+            <a:r>
+              <a:rPr lang="fr-CA" dirty="0" smtClean="0">
+                <a:solidFill>
+                  <a:schemeClr val="tx1"/>
+                </a:solidFill>
+              </a:rPr>
+              <a:t> data/observations</a:t>
+            </a:r>
+          </a:p>
+          <a:p>
+            <a:endParaRPr lang="fr-CA" dirty="0" smtClean="0">
+              <a:solidFill>
+                <a:schemeClr val="tx1"/>
+              </a:solidFill>
+            </a:endParaRPr>
+          </a:p>
+          <a:p>
+            <a:pPr marL="0" indent="0">
+              <a:buNone/>
+            </a:pPr>
+            <a:r>
+              <a:rPr lang="fr-CA" dirty="0" smtClean="0">
+                <a:solidFill>
+                  <a:schemeClr val="tx1"/>
+                </a:solidFill>
+              </a:rPr>
+              <a:t>                         </a:t>
+            </a:r>
+            <a:r>
+              <a:rPr lang="fr-CA" u="sng" dirty="0" err="1" smtClean="0"/>
+              <a:t>Parameter</a:t>
+            </a:r>
+            <a:r>
+              <a:rPr lang="fr-CA" u="sng" dirty="0" smtClean="0"/>
+              <a:t> to </a:t>
+            </a:r>
+            <a:r>
+              <a:rPr lang="fr-CA" u="sng" dirty="0" err="1" smtClean="0"/>
+              <a:t>estimate</a:t>
+            </a:r>
+            <a:r>
+              <a:rPr lang="fr-CA" dirty="0" smtClean="0"/>
+              <a:t>: </a:t>
+            </a:r>
+            <a:r>
+              <a:rPr lang="fr-CA" dirty="0" err="1" smtClean="0"/>
+              <a:t>correlation</a:t>
+            </a:r>
+            <a:r>
+              <a:rPr lang="fr-CA" dirty="0" smtClean="0"/>
+              <a:t> </a:t>
+            </a:r>
+            <a:r>
+              <a:rPr lang="fr-CA" dirty="0" err="1" smtClean="0"/>
+              <a:t>probability</a:t>
+            </a:r>
+            <a:r>
+              <a:rPr lang="fr-CA" dirty="0" smtClean="0"/>
+              <a:t> (</a:t>
+            </a:r>
+            <a:r>
+              <a:rPr lang="fr-CA" dirty="0" err="1" smtClean="0"/>
+              <a:t>pCorr</a:t>
+            </a:r>
+            <a:r>
+              <a:rPr lang="fr-CA" dirty="0" smtClean="0"/>
+              <a:t>)</a:t>
+            </a:r>
+          </a:p>
+          <a:p>
+            <a:pPr marL="0" indent="0">
+              <a:buNone/>
+            </a:pPr>
+            <a:r>
+              <a:rPr lang="fr-CA" dirty="0"/>
+              <a:t> </a:t>
+            </a:r>
+            <a:r>
+              <a:rPr lang="fr-CA" dirty="0" smtClean="0"/>
+              <a:t>                        </a:t>
+            </a:r>
+            <a:r>
+              <a:rPr lang="fr-CA" u="sng" dirty="0" smtClean="0"/>
+              <a:t>Data</a:t>
+            </a:r>
+            <a:r>
+              <a:rPr lang="fr-CA" dirty="0" smtClean="0"/>
+              <a:t>: locations </a:t>
+            </a:r>
+            <a:r>
+              <a:rPr lang="fr-CA" dirty="0" err="1" smtClean="0"/>
+              <a:t>inside</a:t>
+            </a:r>
+            <a:r>
+              <a:rPr lang="fr-CA" dirty="0" smtClean="0"/>
+              <a:t> and </a:t>
+            </a:r>
+            <a:r>
+              <a:rPr lang="fr-CA" dirty="0" err="1" smtClean="0"/>
+              <a:t>outside</a:t>
+            </a:r>
+            <a:r>
+              <a:rPr lang="fr-CA" dirty="0" smtClean="0"/>
+              <a:t> home range (pattern 1)</a:t>
+            </a:r>
+          </a:p>
+          <a:p>
+            <a:pPr marL="0" indent="0">
+              <a:buNone/>
+            </a:pPr>
+            <a:r>
+              <a:rPr lang="fr-CA" dirty="0"/>
+              <a:t>	</a:t>
+            </a:r>
+            <a:r>
+              <a:rPr lang="fr-CA" dirty="0" smtClean="0"/>
+              <a:t>			</a:t>
+            </a:r>
+            <a:r>
+              <a:rPr lang="fr-CA" dirty="0"/>
+              <a:t> </a:t>
+            </a:r>
+            <a:r>
+              <a:rPr lang="fr-CA" dirty="0" smtClean="0"/>
+              <a:t>     </a:t>
+            </a:r>
+            <a:r>
+              <a:rPr lang="fr-CA" dirty="0" err="1" smtClean="0"/>
+              <a:t>number</a:t>
+            </a:r>
+            <a:r>
+              <a:rPr lang="fr-CA" dirty="0" smtClean="0"/>
+              <a:t> of road </a:t>
+            </a:r>
+            <a:r>
+              <a:rPr lang="fr-CA" dirty="0" err="1" smtClean="0"/>
+              <a:t>crossings</a:t>
+            </a:r>
+            <a:r>
+              <a:rPr lang="fr-CA" dirty="0" smtClean="0"/>
+              <a:t> (pattern 2)</a:t>
+            </a:r>
+          </a:p>
+          <a:p>
+            <a:pPr marL="0" indent="0">
+              <a:buNone/>
+            </a:pPr>
+            <a:r>
+              <a:rPr lang="fr-CA" dirty="0" smtClean="0"/>
+              <a:t>                         </a:t>
+            </a:r>
+            <a:r>
+              <a:rPr lang="fr-CA" u="sng" dirty="0" err="1" smtClean="0"/>
+              <a:t>Comparison</a:t>
+            </a:r>
+            <a:r>
+              <a:rPr lang="fr-CA" u="sng" dirty="0" smtClean="0"/>
+              <a:t> </a:t>
+            </a:r>
+            <a:r>
+              <a:rPr lang="fr-CA" u="sng" dirty="0" err="1" smtClean="0"/>
+              <a:t>metrics</a:t>
+            </a:r>
+            <a:r>
+              <a:rPr lang="fr-CA" dirty="0" smtClean="0"/>
+              <a:t>: </a:t>
+            </a:r>
+            <a:r>
+              <a:rPr lang="fr-CA" dirty="0" err="1" smtClean="0"/>
+              <a:t>absolute</a:t>
+            </a:r>
+            <a:r>
+              <a:rPr lang="fr-CA" dirty="0" smtClean="0"/>
+              <a:t> </a:t>
+            </a:r>
+            <a:r>
+              <a:rPr lang="fr-CA" dirty="0" err="1" smtClean="0"/>
+              <a:t>deviations</a:t>
+            </a:r>
+            <a:r>
+              <a:rPr lang="fr-CA" dirty="0" smtClean="0"/>
+              <a:t> (AD)</a:t>
+            </a:r>
+          </a:p>
+          <a:p>
+            <a:pPr marL="0" indent="0">
+              <a:buNone/>
+            </a:pPr>
+            <a:endParaRPr lang="fr-CA" dirty="0"/>
+          </a:p>
+          <a:p>
+            <a:pPr marL="0" indent="0">
+              <a:buNone/>
+            </a:pPr>
+            <a:r>
+              <a:rPr lang="fr-CA" u="sng" dirty="0" smtClean="0"/>
+              <a:t>Method</a:t>
+            </a:r>
+            <a:r>
+              <a:rPr lang="fr-CA" dirty="0" smtClean="0"/>
+              <a:t> (</a:t>
+            </a:r>
+            <a:r>
+              <a:rPr lang="fr-CA" dirty="0" err="1" smtClean="0"/>
+              <a:t>example</a:t>
+            </a:r>
+            <a:r>
+              <a:rPr lang="fr-CA" dirty="0" smtClean="0"/>
+              <a:t>): </a:t>
+            </a:r>
+          </a:p>
+          <a:p>
+            <a:pPr marL="0" indent="0">
+              <a:buNone/>
+            </a:pPr>
+            <a:r>
+              <a:rPr lang="fr-CA" dirty="0" err="1" smtClean="0"/>
+              <a:t>Run</a:t>
+            </a:r>
+            <a:r>
+              <a:rPr lang="fr-CA" dirty="0" smtClean="0"/>
+              <a:t> 100 simulations </a:t>
+            </a:r>
+            <a:r>
+              <a:rPr lang="fr-CA" dirty="0" err="1" smtClean="0"/>
+              <a:t>with</a:t>
+            </a:r>
+            <a:r>
+              <a:rPr lang="fr-CA" dirty="0" smtClean="0"/>
+              <a:t> </a:t>
+            </a:r>
+            <a:r>
+              <a:rPr lang="fr-CA" dirty="0" err="1" smtClean="0"/>
+              <a:t>pCorr</a:t>
+            </a:r>
+            <a:r>
+              <a:rPr lang="fr-CA" dirty="0" smtClean="0"/>
+              <a:t> == 0. </a:t>
+            </a:r>
+            <a:r>
+              <a:rPr lang="fr-CA" dirty="0" err="1" smtClean="0"/>
+              <a:t>Calculate</a:t>
+            </a:r>
+            <a:r>
+              <a:rPr lang="fr-CA" dirty="0" smtClean="0"/>
+              <a:t> </a:t>
+            </a:r>
+            <a:r>
+              <a:rPr lang="fr-CA" dirty="0" err="1" smtClean="0"/>
+              <a:t>mean</a:t>
+            </a:r>
+            <a:r>
+              <a:rPr lang="fr-CA" dirty="0" smtClean="0"/>
+              <a:t> AD for pattern 1 and for pattern 2.</a:t>
+            </a:r>
+          </a:p>
+          <a:p>
+            <a:pPr marL="0" indent="0">
+              <a:buNone/>
+            </a:pPr>
+            <a:r>
+              <a:rPr lang="fr-CA" dirty="0" err="1" smtClean="0"/>
+              <a:t>Run</a:t>
+            </a:r>
+            <a:r>
+              <a:rPr lang="fr-CA" dirty="0" smtClean="0"/>
+              <a:t> 100 simulations </a:t>
+            </a:r>
+            <a:r>
+              <a:rPr lang="fr-CA" dirty="0" err="1" smtClean="0"/>
+              <a:t>with</a:t>
+            </a:r>
+            <a:r>
+              <a:rPr lang="fr-CA" dirty="0" smtClean="0"/>
+              <a:t> </a:t>
+            </a:r>
+            <a:r>
+              <a:rPr lang="fr-CA" dirty="0" err="1"/>
+              <a:t>pCorr</a:t>
+            </a:r>
+            <a:r>
+              <a:rPr lang="fr-CA" dirty="0"/>
+              <a:t> == </a:t>
+            </a:r>
+            <a:r>
+              <a:rPr lang="fr-CA" dirty="0" smtClean="0"/>
+              <a:t>0. 05. </a:t>
+            </a:r>
+            <a:r>
+              <a:rPr lang="fr-CA" dirty="0" err="1"/>
+              <a:t>Calculate</a:t>
+            </a:r>
+            <a:r>
+              <a:rPr lang="fr-CA" dirty="0"/>
+              <a:t> </a:t>
+            </a:r>
+            <a:r>
+              <a:rPr lang="fr-CA" dirty="0" err="1"/>
+              <a:t>mean</a:t>
+            </a:r>
+            <a:r>
+              <a:rPr lang="fr-CA" dirty="0"/>
+              <a:t> </a:t>
+            </a:r>
+            <a:r>
+              <a:rPr lang="fr-CA" dirty="0" smtClean="0"/>
+              <a:t>AD for </a:t>
+            </a:r>
+            <a:r>
+              <a:rPr lang="fr-CA" dirty="0"/>
+              <a:t>pattern 1 and for pattern 2</a:t>
+            </a:r>
+            <a:r>
+              <a:rPr lang="fr-CA" dirty="0" smtClean="0"/>
+              <a:t>.</a:t>
+            </a:r>
+          </a:p>
+          <a:p>
+            <a:pPr marL="0" indent="0">
+              <a:buNone/>
+            </a:pPr>
+            <a:r>
+              <a:rPr lang="fr-CA" dirty="0" err="1"/>
+              <a:t>Run</a:t>
+            </a:r>
+            <a:r>
+              <a:rPr lang="fr-CA" dirty="0"/>
+              <a:t> 100 simulations </a:t>
+            </a:r>
+            <a:r>
+              <a:rPr lang="fr-CA" dirty="0" err="1"/>
+              <a:t>with</a:t>
+            </a:r>
+            <a:r>
+              <a:rPr lang="fr-CA" dirty="0"/>
+              <a:t> </a:t>
+            </a:r>
+            <a:r>
+              <a:rPr lang="fr-CA" dirty="0" err="1"/>
+              <a:t>pCorr</a:t>
+            </a:r>
+            <a:r>
+              <a:rPr lang="fr-CA" dirty="0"/>
+              <a:t> == 0. </a:t>
+            </a:r>
+            <a:r>
+              <a:rPr lang="fr-CA" dirty="0" smtClean="0"/>
+              <a:t>1. </a:t>
+            </a:r>
+            <a:r>
+              <a:rPr lang="fr-CA" dirty="0" err="1"/>
+              <a:t>Calculate</a:t>
+            </a:r>
+            <a:r>
+              <a:rPr lang="fr-CA" dirty="0"/>
+              <a:t> </a:t>
+            </a:r>
+            <a:r>
+              <a:rPr lang="fr-CA" dirty="0" err="1"/>
+              <a:t>mean</a:t>
+            </a:r>
+            <a:r>
+              <a:rPr lang="fr-CA" dirty="0"/>
+              <a:t> </a:t>
+            </a:r>
+            <a:r>
+              <a:rPr lang="fr-CA" dirty="0" smtClean="0"/>
+              <a:t>AD for </a:t>
+            </a:r>
+            <a:r>
+              <a:rPr lang="fr-CA" dirty="0"/>
+              <a:t>pattern 1 and for pattern 2</a:t>
+            </a:r>
+            <a:r>
+              <a:rPr lang="fr-CA" dirty="0" smtClean="0"/>
+              <a:t>.</a:t>
+            </a:r>
+          </a:p>
+          <a:p>
+            <a:pPr marL="0" indent="0">
+              <a:buNone/>
+            </a:pPr>
+            <a:r>
+              <a:rPr lang="fr-CA" dirty="0" smtClean="0"/>
+              <a:t>…</a:t>
+            </a:r>
+          </a:p>
+          <a:p>
+            <a:pPr marL="0" indent="0">
+              <a:buNone/>
+            </a:pPr>
+            <a:r>
+              <a:rPr lang="fr-CA" dirty="0" err="1"/>
+              <a:t>Run</a:t>
+            </a:r>
+            <a:r>
+              <a:rPr lang="fr-CA" dirty="0"/>
+              <a:t> 100 simulations </a:t>
+            </a:r>
+            <a:r>
+              <a:rPr lang="fr-CA" dirty="0" err="1"/>
+              <a:t>with</a:t>
+            </a:r>
+            <a:r>
+              <a:rPr lang="fr-CA" dirty="0"/>
+              <a:t> </a:t>
+            </a:r>
+            <a:r>
+              <a:rPr lang="fr-CA" dirty="0" err="1"/>
+              <a:t>pCorr</a:t>
+            </a:r>
+            <a:r>
+              <a:rPr lang="fr-CA" dirty="0"/>
+              <a:t> == </a:t>
+            </a:r>
+            <a:r>
+              <a:rPr lang="fr-CA" dirty="0" smtClean="0"/>
+              <a:t>1. </a:t>
+            </a:r>
+            <a:r>
+              <a:rPr lang="fr-CA" dirty="0" err="1"/>
+              <a:t>Calculate</a:t>
+            </a:r>
+            <a:r>
+              <a:rPr lang="fr-CA" dirty="0"/>
+              <a:t> </a:t>
+            </a:r>
+            <a:r>
+              <a:rPr lang="fr-CA" dirty="0" err="1"/>
+              <a:t>mean</a:t>
+            </a:r>
+            <a:r>
+              <a:rPr lang="fr-CA" dirty="0"/>
+              <a:t> </a:t>
+            </a:r>
+            <a:r>
+              <a:rPr lang="fr-CA" dirty="0" err="1" smtClean="0"/>
+              <a:t>ADfor</a:t>
+            </a:r>
+            <a:r>
+              <a:rPr lang="fr-CA" dirty="0" smtClean="0"/>
+              <a:t> </a:t>
+            </a:r>
+            <a:r>
+              <a:rPr lang="fr-CA" dirty="0"/>
+              <a:t>pattern 1 and for pattern 2</a:t>
+            </a:r>
+            <a:r>
+              <a:rPr lang="fr-CA" dirty="0" smtClean="0"/>
+              <a:t>.</a:t>
+            </a:r>
+          </a:p>
+          <a:p>
+            <a:pPr marL="0" indent="0">
+              <a:buNone/>
+            </a:pPr>
+            <a:r>
+              <a:rPr lang="fr-CA" dirty="0" smtClean="0"/>
+              <a:t>Select </a:t>
+            </a:r>
+            <a:r>
+              <a:rPr lang="fr-CA" dirty="0" err="1" smtClean="0"/>
+              <a:t>pCorr</a:t>
+            </a:r>
+            <a:r>
+              <a:rPr lang="fr-CA" dirty="0" smtClean="0"/>
+              <a:t> for </a:t>
+            </a:r>
+            <a:r>
+              <a:rPr lang="fr-CA" dirty="0" err="1" smtClean="0"/>
+              <a:t>which</a:t>
+            </a:r>
+            <a:r>
+              <a:rPr lang="fr-CA" dirty="0"/>
+              <a:t> </a:t>
+            </a:r>
+            <a:r>
+              <a:rPr lang="fr-CA" dirty="0" err="1" smtClean="0"/>
+              <a:t>mean</a:t>
+            </a:r>
+            <a:r>
+              <a:rPr lang="fr-CA" dirty="0" smtClean="0"/>
+              <a:t> AD for pattern 1 and for pattern 2 are the </a:t>
+            </a:r>
+            <a:r>
+              <a:rPr lang="fr-CA" dirty="0" err="1" smtClean="0"/>
+              <a:t>smallest</a:t>
+            </a:r>
+            <a:r>
+              <a:rPr lang="fr-CA" dirty="0" smtClean="0"/>
+              <a:t>.</a:t>
+            </a:r>
+            <a:endParaRPr lang="fr-CA" dirty="0"/>
+          </a:p>
+          <a:p>
+            <a:pPr marL="0" indent="0">
+              <a:buNone/>
+            </a:pPr>
+            <a:endParaRPr lang="fr-CA" dirty="0"/>
+          </a:p>
+          <a:p>
+            <a:pPr marL="0" indent="0">
+              <a:buNone/>
+            </a:pPr>
+            <a:endParaRPr lang="fr-CA" dirty="0"/>
+          </a:p>
+          <a:p>
+            <a:pPr marL="0" indent="0">
+              <a:buNone/>
+            </a:pPr>
+            <a:endParaRPr lang="fr-CA" dirty="0"/>
+          </a:p>
+        </p:txBody>
+      </p:sp>
+      <p:grpSp>
+        <p:nvGrpSpPr>
+          <p:cNvPr id="50" name="Group 31"/>
+          <p:cNvGrpSpPr/>
+          <p:nvPr/>
+        </p:nvGrpSpPr>
+        <p:grpSpPr>
+          <a:xfrm>
+            <a:off x="572422" y="2107050"/>
+            <a:ext cx="1728192" cy="1152128"/>
+            <a:chOff x="1189392" y="3068960"/>
+            <a:chExt cx="1728192" cy="1152128"/>
+          </a:xfrm>
+          <a:solidFill>
+            <a:schemeClr val="bg1"/>
+          </a:solidFill>
+        </p:grpSpPr>
+        <p:cxnSp>
+          <p:nvCxnSpPr>
+            <p:cNvPr id="51" name="Straight Arrow Connector 33"/>
+            <p:cNvCxnSpPr/>
+            <p:nvPr/>
+          </p:nvCxnSpPr>
+          <p:spPr>
+            <a:xfrm flipH="1">
+              <a:off x="2050836" y="3861048"/>
+              <a:ext cx="884" cy="360040"/>
+            </a:xfrm>
+            <a:prstGeom prst="straightConnector1">
+              <a:avLst/>
+            </a:prstGeom>
+            <a:grpFill/>
+            <a:ln w="25400">
+              <a:solidFill>
+                <a:schemeClr val="tx1"/>
+              </a:solidFill>
+              <a:tailEnd type="arrow"/>
+            </a:ln>
+          </p:spPr>
+          <p:style>
+            <a:lnRef idx="1">
+              <a:schemeClr val="accent1"/>
+            </a:lnRef>
+            <a:fillRef idx="0">
+              <a:schemeClr val="accent1"/>
+            </a:fillRef>
+            <a:effectRef idx="0">
+              <a:schemeClr val="accent1"/>
+            </a:effectRef>
+            <a:fontRef idx="minor">
+              <a:schemeClr val="tx1"/>
+            </a:fontRef>
+          </p:style>
+        </p:cxnSp>
+        <p:sp>
+          <p:nvSpPr>
+            <p:cNvPr id="52" name="Rectangle 51"/>
+            <p:cNvSpPr/>
+            <p:nvPr/>
+          </p:nvSpPr>
+          <p:spPr>
+            <a:xfrm>
+              <a:off x="1189392" y="3068960"/>
+              <a:ext cx="1728192" cy="783296"/>
+            </a:xfrm>
+            <a:prstGeom prst="rect">
+              <a:avLst/>
+            </a:prstGeom>
+            <a:grpFill/>
+            <a:ln>
+              <a:solidFill>
+                <a:schemeClr val="tx1"/>
+              </a:solidFill>
+            </a:ln>
+          </p:spPr>
+          <p:style>
+            <a:lnRef idx="2">
+              <a:schemeClr val="accent1">
+                <a:shade val="50000"/>
+              </a:schemeClr>
+            </a:lnRef>
+            <a:fillRef idx="1">
+              <a:schemeClr val="accent1"/>
+            </a:fillRef>
+            <a:effectRef idx="0">
+              <a:schemeClr val="accent1"/>
+            </a:effectRef>
+            <a:fontRef idx="minor">
+              <a:schemeClr val="lt1"/>
+            </a:fontRef>
+          </p:style>
+          <p:txBody>
+            <a:bodyPr rtlCol="0" anchor="ctr"/>
+            <a:lstStyle/>
+            <a:p>
+              <a:pPr algn="ctr"/>
+              <a:r>
+                <a:rPr lang="en-US" dirty="0" smtClean="0">
+                  <a:solidFill>
+                    <a:schemeClr val="tx1"/>
+                  </a:solidFill>
+                </a:rPr>
+                <a:t>Correlated random walk</a:t>
+              </a:r>
+              <a:endParaRPr lang="en-US" dirty="0">
+                <a:solidFill>
+                  <a:schemeClr val="tx1"/>
+                </a:solidFill>
+              </a:endParaRPr>
+            </a:p>
+          </p:txBody>
+        </p:sp>
+      </p:grpSp>
+      <p:pic>
+        <p:nvPicPr>
+          <p:cNvPr id="67" name="Picture 17"/>
+          <p:cNvPicPr>
+            <a:picLocks noChangeAspect="1"/>
+          </p:cNvPicPr>
+          <p:nvPr/>
+        </p:nvPicPr>
+        <p:blipFill>
+          <a:blip r:embed="rId2" cstate="print">
+            <a:extLst>
+              <a:ext uri="{28A0092B-C50C-407E-A947-70E740481C1C}">
+                <a14:useLocalDpi xmlns:a14="http://schemas.microsoft.com/office/drawing/2010/main" val="0"/>
+              </a:ext>
+            </a:extLst>
+          </a:blip>
+          <a:stretch>
+            <a:fillRect/>
+          </a:stretch>
+        </p:blipFill>
+        <p:spPr>
+          <a:xfrm>
+            <a:off x="1041024" y="2919246"/>
+            <a:ext cx="785684" cy="792731"/>
+          </a:xfrm>
+          <a:prstGeom prst="rect">
+            <a:avLst/>
+          </a:prstGeom>
+        </p:spPr>
+      </p:pic>
+    </p:spTree>
+    <p:extLst>
+      <p:ext uri="{BB962C8B-B14F-4D97-AF65-F5344CB8AC3E}">
+        <p14:creationId xmlns:p14="http://schemas.microsoft.com/office/powerpoint/2010/main" val="1209235040"/>
+      </p:ext>
+    </p:extLst>
+  </p:cSld>
+  <p:clrMapOvr>
+    <a:masterClrMapping/>
+  </p:clrMapOvr>
+  <p:timing>
+    <p:tnLst>
+      <p:par>
+        <p:cTn id="1" dur="indefinite" restart="never" nodeType="tmRoot">
+          <p:childTnLst>
+            <p:seq concurrent="1" nextAc="seek">
+              <p:cTn id="2" dur="indefinite" nodeType="mainSeq">
+                <p:childTnLst>
+                  <p:par>
+                    <p:cTn id="3" fill="hold">
+                      <p:stCondLst>
+                        <p:cond delay="indefinite"/>
+                      </p:stCondLst>
+                      <p:childTnLst>
+                        <p:par>
+                          <p:cTn id="4" fill="hold">
+                            <p:stCondLst>
+                              <p:cond delay="0"/>
+                            </p:stCondLst>
+                            <p:childTnLst>
+                              <p:par>
+                                <p:cTn id="5" presetID="1" presetClass="entr" presetSubtype="0" fill="hold" nodeType="clickEffect">
+                                  <p:stCondLst>
+                                    <p:cond delay="0"/>
+                                  </p:stCondLst>
+                                  <p:childTnLst>
+                                    <p:set>
+                                      <p:cBhvr>
+                                        <p:cTn id="6" dur="1" fill="hold">
+                                          <p:stCondLst>
+                                            <p:cond delay="0"/>
+                                          </p:stCondLst>
+                                        </p:cTn>
+                                        <p:tgtEl>
+                                          <p:spTgt spid="50"/>
+                                        </p:tgtEl>
+                                        <p:attrNameLst>
+                                          <p:attrName>style.visibility</p:attrName>
+                                        </p:attrNameLst>
+                                      </p:cBhvr>
+                                      <p:to>
+                                        <p:strVal val="visible"/>
+                                      </p:to>
+                                    </p:set>
+                                  </p:childTnLst>
+                                </p:cTn>
+                              </p:par>
+                              <p:par>
+                                <p:cTn id="7" presetID="1" presetClass="entr" presetSubtype="0" fill="hold" nodeType="withEffect">
+                                  <p:stCondLst>
+                                    <p:cond delay="0"/>
+                                  </p:stCondLst>
+                                  <p:childTnLst>
+                                    <p:set>
+                                      <p:cBhvr>
+                                        <p:cTn id="8" dur="1" fill="hold">
+                                          <p:stCondLst>
+                                            <p:cond delay="0"/>
+                                          </p:stCondLst>
+                                        </p:cTn>
+                                        <p:tgtEl>
+                                          <p:spTgt spid="67"/>
+                                        </p:tgtEl>
+                                        <p:attrNameLst>
+                                          <p:attrName>style.visibility</p:attrName>
+                                        </p:attrNameLst>
+                                      </p:cBhvr>
+                                      <p:to>
+                                        <p:strVal val="visible"/>
+                                      </p:to>
+                                    </p:set>
+                                  </p:childTnLst>
+                                </p:cTn>
+                              </p:par>
+                              <p:par>
+                                <p:cTn id="9" presetID="1" presetClass="entr" presetSubtype="0" fill="hold" nodeType="withEffect">
+                                  <p:stCondLst>
+                                    <p:cond delay="0"/>
+                                  </p:stCondLst>
+                                  <p:childTnLst>
+                                    <p:set>
+                                      <p:cBhvr>
+                                        <p:cTn id="10" dur="1" fill="hold">
+                                          <p:stCondLst>
+                                            <p:cond delay="0"/>
+                                          </p:stCondLst>
+                                        </p:cTn>
+                                        <p:tgtEl>
+                                          <p:spTgt spid="3">
+                                            <p:txEl>
+                                              <p:pRg st="2" end="2"/>
+                                            </p:txEl>
+                                          </p:spTgt>
+                                        </p:tgtEl>
+                                        <p:attrNameLst>
+                                          <p:attrName>style.visibility</p:attrName>
+                                        </p:attrNameLst>
+                                      </p:cBhvr>
+                                      <p:to>
+                                        <p:strVal val="visible"/>
+                                      </p:to>
+                                    </p:set>
+                                  </p:childTnLst>
+                                </p:cTn>
+                              </p:par>
+                            </p:childTnLst>
+                          </p:cTn>
+                        </p:par>
+                      </p:childTnLst>
+                    </p:cTn>
+                  </p:par>
+                  <p:par>
+                    <p:cTn id="11" fill="hold">
+                      <p:stCondLst>
+                        <p:cond delay="indefinite"/>
+                      </p:stCondLst>
+                      <p:childTnLst>
+                        <p:par>
+                          <p:cTn id="12" fill="hold">
+                            <p:stCondLst>
+                              <p:cond delay="0"/>
+                            </p:stCondLst>
+                            <p:childTnLst>
+                              <p:par>
+                                <p:cTn id="13" presetID="1" presetClass="entr" presetSubtype="0" fill="hold" nodeType="clickEffect">
+                                  <p:stCondLst>
+                                    <p:cond delay="0"/>
+                                  </p:stCondLst>
+                                  <p:childTnLst>
+                                    <p:set>
+                                      <p:cBhvr>
+                                        <p:cTn id="14" dur="1" fill="hold">
+                                          <p:stCondLst>
+                                            <p:cond delay="0"/>
+                                          </p:stCondLst>
+                                        </p:cTn>
+                                        <p:tgtEl>
+                                          <p:spTgt spid="3">
+                                            <p:txEl>
+                                              <p:pRg st="3" end="3"/>
+                                            </p:txEl>
+                                          </p:spTgt>
+                                        </p:tgtEl>
+                                        <p:attrNameLst>
+                                          <p:attrName>style.visibility</p:attrName>
+                                        </p:attrNameLst>
+                                      </p:cBhvr>
+                                      <p:to>
+                                        <p:strVal val="visible"/>
+                                      </p:to>
+                                    </p:set>
+                                  </p:childTnLst>
+                                </p:cTn>
+                              </p:par>
+                              <p:par>
+                                <p:cTn id="15" presetID="1" presetClass="entr" presetSubtype="0" fill="hold" nodeType="withEffect">
+                                  <p:stCondLst>
+                                    <p:cond delay="0"/>
+                                  </p:stCondLst>
+                                  <p:childTnLst>
+                                    <p:set>
+                                      <p:cBhvr>
+                                        <p:cTn id="16" dur="1" fill="hold">
+                                          <p:stCondLst>
+                                            <p:cond delay="0"/>
+                                          </p:stCondLst>
+                                        </p:cTn>
+                                        <p:tgtEl>
+                                          <p:spTgt spid="3">
+                                            <p:txEl>
+                                              <p:pRg st="4" end="4"/>
+                                            </p:txEl>
+                                          </p:spTgt>
+                                        </p:tgtEl>
+                                        <p:attrNameLst>
+                                          <p:attrName>style.visibility</p:attrName>
+                                        </p:attrNameLst>
+                                      </p:cBhvr>
+                                      <p:to>
+                                        <p:strVal val="visible"/>
+                                      </p:to>
+                                    </p:set>
+                                  </p:childTnLst>
+                                </p:cTn>
+                              </p:par>
+                            </p:childTnLst>
+                          </p:cTn>
+                        </p:par>
+                      </p:childTnLst>
+                    </p:cTn>
+                  </p:par>
+                  <p:par>
+                    <p:cTn id="17" fill="hold">
+                      <p:stCondLst>
+                        <p:cond delay="indefinite"/>
+                      </p:stCondLst>
+                      <p:childTnLst>
+                        <p:par>
+                          <p:cTn id="18" fill="hold">
+                            <p:stCondLst>
+                              <p:cond delay="0"/>
+                            </p:stCondLst>
+                            <p:childTnLst>
+                              <p:par>
+                                <p:cTn id="19" presetID="1" presetClass="entr" presetSubtype="0" fill="hold" nodeType="clickEffect">
+                                  <p:stCondLst>
+                                    <p:cond delay="0"/>
+                                  </p:stCondLst>
+                                  <p:childTnLst>
+                                    <p:set>
+                                      <p:cBhvr>
+                                        <p:cTn id="20" dur="1" fill="hold">
+                                          <p:stCondLst>
+                                            <p:cond delay="0"/>
+                                          </p:stCondLst>
+                                        </p:cTn>
+                                        <p:tgtEl>
+                                          <p:spTgt spid="3">
+                                            <p:txEl>
+                                              <p:pRg st="5" end="5"/>
+                                            </p:txEl>
+                                          </p:spTgt>
+                                        </p:tgtEl>
+                                        <p:attrNameLst>
+                                          <p:attrName>style.visibility</p:attrName>
+                                        </p:attrNameLst>
+                                      </p:cBhvr>
+                                      <p:to>
+                                        <p:strVal val="visible"/>
+                                      </p:to>
+                                    </p:set>
+                                  </p:childTnLst>
+                                </p:cTn>
+                              </p:par>
+                            </p:childTnLst>
+                          </p:cTn>
+                        </p:par>
+                      </p:childTnLst>
+                    </p:cTn>
+                  </p:par>
+                  <p:par>
+                    <p:cTn id="21" fill="hold">
+                      <p:stCondLst>
+                        <p:cond delay="indefinite"/>
+                      </p:stCondLst>
+                      <p:childTnLst>
+                        <p:par>
+                          <p:cTn id="22" fill="hold">
+                            <p:stCondLst>
+                              <p:cond delay="0"/>
+                            </p:stCondLst>
+                            <p:childTnLst>
+                              <p:par>
+                                <p:cTn id="23" presetID="1" presetClass="entr" presetSubtype="0" fill="hold" nodeType="clickEffect">
+                                  <p:stCondLst>
+                                    <p:cond delay="0"/>
+                                  </p:stCondLst>
+                                  <p:childTnLst>
+                                    <p:set>
+                                      <p:cBhvr>
+                                        <p:cTn id="24" dur="1" fill="hold">
+                                          <p:stCondLst>
+                                            <p:cond delay="0"/>
+                                          </p:stCondLst>
+                                        </p:cTn>
+                                        <p:tgtEl>
+                                          <p:spTgt spid="3">
+                                            <p:txEl>
+                                              <p:pRg st="7" end="7"/>
+                                            </p:txEl>
+                                          </p:spTgt>
+                                        </p:tgtEl>
+                                        <p:attrNameLst>
+                                          <p:attrName>style.visibility</p:attrName>
+                                        </p:attrNameLst>
+                                      </p:cBhvr>
+                                      <p:to>
+                                        <p:strVal val="visible"/>
+                                      </p:to>
+                                    </p:set>
+                                  </p:childTnLst>
+                                </p:cTn>
+                              </p:par>
+                            </p:childTnLst>
+                          </p:cTn>
+                        </p:par>
+                      </p:childTnLst>
+                    </p:cTn>
+                  </p:par>
+                  <p:par>
+                    <p:cTn id="25" fill="hold">
+                      <p:stCondLst>
+                        <p:cond delay="indefinite"/>
+                      </p:stCondLst>
+                      <p:childTnLst>
+                        <p:par>
+                          <p:cTn id="26" fill="hold">
+                            <p:stCondLst>
+                              <p:cond delay="0"/>
+                            </p:stCondLst>
+                            <p:childTnLst>
+                              <p:par>
+                                <p:cTn id="27" presetID="1" presetClass="entr" presetSubtype="0" fill="hold" nodeType="clickEffect">
+                                  <p:stCondLst>
+                                    <p:cond delay="0"/>
+                                  </p:stCondLst>
+                                  <p:childTnLst>
+                                    <p:set>
+                                      <p:cBhvr>
+                                        <p:cTn id="28" dur="1" fill="hold">
+                                          <p:stCondLst>
+                                            <p:cond delay="0"/>
+                                          </p:stCondLst>
+                                        </p:cTn>
+                                        <p:tgtEl>
+                                          <p:spTgt spid="3">
+                                            <p:txEl>
+                                              <p:pRg st="8" end="8"/>
+                                            </p:txEl>
+                                          </p:spTgt>
+                                        </p:tgtEl>
+                                        <p:attrNameLst>
+                                          <p:attrName>style.visibility</p:attrName>
+                                        </p:attrNameLst>
+                                      </p:cBhvr>
+                                      <p:to>
+                                        <p:strVal val="visible"/>
+                                      </p:to>
+                                    </p:set>
+                                  </p:childTnLst>
+                                </p:cTn>
+                              </p:par>
+                            </p:childTnLst>
+                          </p:cTn>
+                        </p:par>
+                      </p:childTnLst>
+                    </p:cTn>
+                  </p:par>
+                  <p:par>
+                    <p:cTn id="29" fill="hold">
+                      <p:stCondLst>
+                        <p:cond delay="indefinite"/>
+                      </p:stCondLst>
+                      <p:childTnLst>
+                        <p:par>
+                          <p:cTn id="30" fill="hold">
+                            <p:stCondLst>
+                              <p:cond delay="0"/>
+                            </p:stCondLst>
+                            <p:childTnLst>
+                              <p:par>
+                                <p:cTn id="31" presetID="1" presetClass="entr" presetSubtype="0" fill="hold" nodeType="clickEffect">
+                                  <p:stCondLst>
+                                    <p:cond delay="0"/>
+                                  </p:stCondLst>
+                                  <p:childTnLst>
+                                    <p:set>
+                                      <p:cBhvr>
+                                        <p:cTn id="32" dur="1" fill="hold">
+                                          <p:stCondLst>
+                                            <p:cond delay="0"/>
+                                          </p:stCondLst>
+                                        </p:cTn>
+                                        <p:tgtEl>
+                                          <p:spTgt spid="3">
+                                            <p:txEl>
+                                              <p:pRg st="9" end="9"/>
+                                            </p:txEl>
+                                          </p:spTgt>
+                                        </p:tgtEl>
+                                        <p:attrNameLst>
+                                          <p:attrName>style.visibility</p:attrName>
+                                        </p:attrNameLst>
+                                      </p:cBhvr>
+                                      <p:to>
+                                        <p:strVal val="visible"/>
+                                      </p:to>
+                                    </p:set>
+                                  </p:childTnLst>
+                                </p:cTn>
+                              </p:par>
+                            </p:childTnLst>
+                          </p:cTn>
+                        </p:par>
+                      </p:childTnLst>
+                    </p:cTn>
+                  </p:par>
+                  <p:par>
+                    <p:cTn id="33" fill="hold">
+                      <p:stCondLst>
+                        <p:cond delay="indefinite"/>
+                      </p:stCondLst>
+                      <p:childTnLst>
+                        <p:par>
+                          <p:cTn id="34" fill="hold">
+                            <p:stCondLst>
+                              <p:cond delay="0"/>
+                            </p:stCondLst>
+                            <p:childTnLst>
+                              <p:par>
+                                <p:cTn id="35" presetID="1" presetClass="entr" presetSubtype="0" fill="hold" nodeType="clickEffect">
+                                  <p:stCondLst>
+                                    <p:cond delay="0"/>
+                                  </p:stCondLst>
+                                  <p:childTnLst>
+                                    <p:set>
+                                      <p:cBhvr>
+                                        <p:cTn id="36" dur="1" fill="hold">
+                                          <p:stCondLst>
+                                            <p:cond delay="0"/>
+                                          </p:stCondLst>
+                                        </p:cTn>
+                                        <p:tgtEl>
+                                          <p:spTgt spid="3">
+                                            <p:txEl>
+                                              <p:pRg st="10" end="10"/>
+                                            </p:txEl>
+                                          </p:spTgt>
+                                        </p:tgtEl>
+                                        <p:attrNameLst>
+                                          <p:attrName>style.visibility</p:attrName>
+                                        </p:attrNameLst>
+                                      </p:cBhvr>
+                                      <p:to>
+                                        <p:strVal val="visible"/>
+                                      </p:to>
+                                    </p:set>
+                                  </p:childTnLst>
+                                </p:cTn>
+                              </p:par>
+                              <p:par>
+                                <p:cTn id="37" presetID="1" presetClass="entr" presetSubtype="0" fill="hold" nodeType="withEffect">
+                                  <p:stCondLst>
+                                    <p:cond delay="0"/>
+                                  </p:stCondLst>
+                                  <p:childTnLst>
+                                    <p:set>
+                                      <p:cBhvr>
+                                        <p:cTn id="38" dur="1" fill="hold">
+                                          <p:stCondLst>
+                                            <p:cond delay="0"/>
+                                          </p:stCondLst>
+                                        </p:cTn>
+                                        <p:tgtEl>
+                                          <p:spTgt spid="3">
+                                            <p:txEl>
+                                              <p:pRg st="11" end="11"/>
+                                            </p:txEl>
+                                          </p:spTgt>
+                                        </p:tgtEl>
+                                        <p:attrNameLst>
+                                          <p:attrName>style.visibility</p:attrName>
+                                        </p:attrNameLst>
+                                      </p:cBhvr>
+                                      <p:to>
+                                        <p:strVal val="visible"/>
+                                      </p:to>
+                                    </p:set>
+                                  </p:childTnLst>
+                                </p:cTn>
+                              </p:par>
+                              <p:par>
+                                <p:cTn id="39" presetID="1" presetClass="entr" presetSubtype="0" fill="hold" nodeType="withEffect">
+                                  <p:stCondLst>
+                                    <p:cond delay="0"/>
+                                  </p:stCondLst>
+                                  <p:childTnLst>
+                                    <p:set>
+                                      <p:cBhvr>
+                                        <p:cTn id="40" dur="1" fill="hold">
+                                          <p:stCondLst>
+                                            <p:cond delay="0"/>
+                                          </p:stCondLst>
+                                        </p:cTn>
+                                        <p:tgtEl>
+                                          <p:spTgt spid="3">
+                                            <p:txEl>
+                                              <p:pRg st="12" end="12"/>
+                                            </p:txEl>
+                                          </p:spTgt>
+                                        </p:tgtEl>
+                                        <p:attrNameLst>
+                                          <p:attrName>style.visibility</p:attrName>
+                                        </p:attrNameLst>
+                                      </p:cBhvr>
+                                      <p:to>
+                                        <p:strVal val="visible"/>
+                                      </p:to>
+                                    </p:set>
+                                  </p:childTnLst>
+                                </p:cTn>
+                              </p:par>
+                            </p:childTnLst>
+                          </p:cTn>
+                        </p:par>
+                      </p:childTnLst>
+                    </p:cTn>
+                  </p:par>
+                  <p:par>
+                    <p:cTn id="41" fill="hold">
+                      <p:stCondLst>
+                        <p:cond delay="indefinite"/>
+                      </p:stCondLst>
+                      <p:childTnLst>
+                        <p:par>
+                          <p:cTn id="42" fill="hold">
+                            <p:stCondLst>
+                              <p:cond delay="0"/>
+                            </p:stCondLst>
+                            <p:childTnLst>
+                              <p:par>
+                                <p:cTn id="43" presetID="1" presetClass="entr" presetSubtype="0" fill="hold" nodeType="clickEffect">
+                                  <p:stCondLst>
+                                    <p:cond delay="0"/>
+                                  </p:stCondLst>
+                                  <p:childTnLst>
+                                    <p:set>
+                                      <p:cBhvr>
+                                        <p:cTn id="44" dur="1" fill="hold">
+                                          <p:stCondLst>
+                                            <p:cond delay="0"/>
+                                          </p:stCondLst>
+                                        </p:cTn>
+                                        <p:tgtEl>
+                                          <p:spTgt spid="3">
+                                            <p:txEl>
+                                              <p:pRg st="13" end="13"/>
+                                            </p:txEl>
+                                          </p:spTgt>
+                                        </p:tgtEl>
+                                        <p:attrNameLst>
+                                          <p:attrName>style.visibility</p:attrName>
+                                        </p:attrNameLst>
+                                      </p:cBhvr>
+                                      <p:to>
+                                        <p:strVal val="visible"/>
+                                      </p:to>
+                                    </p:set>
+                                  </p:childTnLst>
+                                </p:cTn>
+                              </p:par>
+                            </p:childTnLst>
+                          </p:cTn>
+                        </p:par>
+                      </p:childTnLst>
+                    </p:cTn>
+                  </p:par>
+                </p:childTnLst>
+              </p:cTn>
+              <p:prevCondLst>
+                <p:cond evt="onPrev" delay="0">
+                  <p:tgtEl>
+                    <p:sldTgt/>
+                  </p:tgtEl>
+                </p:cond>
+              </p:prevCondLst>
+              <p:nextCondLst>
+                <p:cond evt="onNext" delay="0">
+                  <p:tgtEl>
+                    <p:sldTgt/>
+                  </p:tgtEl>
+                </p:cond>
+              </p:nextCondLst>
+            </p:seq>
+          </p:childTnLst>
+        </p:cTn>
+      </p:par>
+    </p:tnLst>
+  </p:timing>
+</p:sld>
+</file>
+
+<file path=ppt/slides/slide12.xml><?xml version="1.0" encoding="utf-8"?>
+<p:sld xmlns:a="http://schemas.openxmlformats.org/drawingml/2006/main" xmlns:r="http://schemas.openxmlformats.org/officeDocument/2006/relationships" xmlns:p="http://schemas.openxmlformats.org/presentationml/2006/main">
+  <p:cSld>
+    <p:spTree>
+      <p:nvGrpSpPr>
+        <p:cNvPr id="1" name=""/>
+        <p:cNvGrpSpPr/>
+        <p:nvPr/>
+      </p:nvGrpSpPr>
+      <p:grpSpPr>
+        <a:xfrm>
+          <a:off x="0" y="0"/>
+          <a:ext cx="0" cy="0"/>
+          <a:chOff x="0" y="0"/>
+          <a:chExt cx="0" cy="0"/>
+        </a:xfrm>
+      </p:grpSpPr>
+      <p:sp>
+        <p:nvSpPr>
+          <p:cNvPr id="2" name="Titre 1"/>
+          <p:cNvSpPr>
+            <a:spLocks noGrp="1"/>
+          </p:cNvSpPr>
+          <p:nvPr>
+            <p:ph type="title"/>
+          </p:nvPr>
+        </p:nvSpPr>
+        <p:spPr/>
+        <p:txBody>
+          <a:bodyPr/>
+          <a:lstStyle/>
+          <a:p>
+            <a:r>
+              <a:rPr lang="fr-CA" dirty="0" smtClean="0"/>
+              <a:t>Caribou model</a:t>
+            </a:r>
+            <a:endParaRPr lang="fr-CA" dirty="0"/>
+          </a:p>
+        </p:txBody>
+      </p:sp>
+      <p:sp>
+        <p:nvSpPr>
+          <p:cNvPr id="3" name="Espace réservé du contenu 2"/>
+          <p:cNvSpPr>
+            <a:spLocks noGrp="1"/>
+          </p:cNvSpPr>
+          <p:nvPr>
+            <p:ph idx="1"/>
+          </p:nvPr>
+        </p:nvSpPr>
+        <p:spPr>
+          <a:xfrm>
+            <a:off x="677334" y="1450429"/>
+            <a:ext cx="10158832" cy="4590934"/>
+          </a:xfrm>
+        </p:spPr>
+        <p:txBody>
+          <a:bodyPr>
+            <a:normAutofit/>
+          </a:bodyPr>
+          <a:lstStyle/>
+          <a:p>
+            <a:r>
+              <a:rPr lang="fr-CA" sz="2400" dirty="0">
+                <a:solidFill>
+                  <a:schemeClr val="tx1"/>
+                </a:solidFill>
+              </a:rPr>
+              <a:t>6 </a:t>
+            </a:r>
+            <a:r>
+              <a:rPr lang="fr-CA" sz="2400" dirty="0" err="1" smtClean="0">
+                <a:solidFill>
+                  <a:schemeClr val="tx1"/>
+                </a:solidFill>
+              </a:rPr>
+              <a:t>movement</a:t>
+            </a:r>
+            <a:r>
+              <a:rPr lang="fr-CA" sz="2400" dirty="0" smtClean="0">
+                <a:solidFill>
+                  <a:schemeClr val="tx1"/>
+                </a:solidFill>
+              </a:rPr>
+              <a:t> </a:t>
+            </a:r>
+            <a:r>
+              <a:rPr lang="fr-CA" sz="2400" dirty="0" err="1" smtClean="0">
+                <a:solidFill>
+                  <a:schemeClr val="tx1"/>
+                </a:solidFill>
+              </a:rPr>
+              <a:t>hypotheses</a:t>
+            </a:r>
+            <a:r>
+              <a:rPr lang="fr-CA" sz="2400" dirty="0" smtClean="0">
+                <a:solidFill>
+                  <a:schemeClr val="tx1"/>
+                </a:solidFill>
+              </a:rPr>
+              <a:t> = </a:t>
+            </a:r>
+            <a:r>
+              <a:rPr lang="fr-CA" sz="2400" dirty="0">
+                <a:solidFill>
+                  <a:schemeClr val="tx1"/>
+                </a:solidFill>
+              </a:rPr>
+              <a:t>6 </a:t>
+            </a:r>
+            <a:r>
+              <a:rPr lang="fr-CA" sz="2400" dirty="0" err="1" smtClean="0">
+                <a:solidFill>
+                  <a:schemeClr val="tx1"/>
+                </a:solidFill>
+              </a:rPr>
+              <a:t>different</a:t>
+            </a:r>
+            <a:r>
+              <a:rPr lang="fr-CA" sz="2400" dirty="0" smtClean="0">
+                <a:solidFill>
+                  <a:schemeClr val="tx1"/>
+                </a:solidFill>
+              </a:rPr>
+              <a:t> </a:t>
+            </a:r>
+            <a:r>
+              <a:rPr lang="fr-CA" sz="2400" dirty="0" err="1" smtClean="0">
+                <a:solidFill>
+                  <a:schemeClr val="tx1"/>
+                </a:solidFill>
+              </a:rPr>
+              <a:t>models</a:t>
+            </a:r>
+            <a:endParaRPr lang="fr-CA" sz="2400" dirty="0">
+              <a:solidFill>
+                <a:schemeClr val="tx1"/>
+              </a:solidFill>
+            </a:endParaRPr>
+          </a:p>
+          <a:p>
+            <a:r>
+              <a:rPr lang="fr-CA" sz="2400" dirty="0" err="1" smtClean="0">
+                <a:solidFill>
+                  <a:schemeClr val="tx1"/>
+                </a:solidFill>
+              </a:rPr>
+              <a:t>Each</a:t>
+            </a:r>
+            <a:r>
+              <a:rPr lang="fr-CA" sz="2400" dirty="0" smtClean="0">
+                <a:solidFill>
+                  <a:schemeClr val="tx1"/>
+                </a:solidFill>
+              </a:rPr>
+              <a:t> model </a:t>
+            </a:r>
+            <a:r>
+              <a:rPr lang="fr-CA" sz="2400" dirty="0" err="1" smtClean="0">
+                <a:solidFill>
+                  <a:schemeClr val="tx1"/>
+                </a:solidFill>
+              </a:rPr>
+              <a:t>parameterized</a:t>
+            </a:r>
+            <a:r>
+              <a:rPr lang="fr-CA" sz="2400" dirty="0" smtClean="0">
+                <a:solidFill>
+                  <a:schemeClr val="tx1"/>
+                </a:solidFill>
+              </a:rPr>
+              <a:t> </a:t>
+            </a:r>
+            <a:r>
+              <a:rPr lang="fr-CA" sz="2400" dirty="0" err="1" smtClean="0">
+                <a:solidFill>
+                  <a:schemeClr val="tx1"/>
+                </a:solidFill>
+              </a:rPr>
+              <a:t>using</a:t>
+            </a:r>
+            <a:r>
+              <a:rPr lang="fr-CA" sz="2400" dirty="0" smtClean="0">
+                <a:solidFill>
+                  <a:schemeClr val="tx1"/>
+                </a:solidFill>
+              </a:rPr>
+              <a:t> pattern-</a:t>
+            </a:r>
+            <a:r>
+              <a:rPr lang="fr-CA" sz="2400" dirty="0" err="1" smtClean="0">
+                <a:solidFill>
+                  <a:schemeClr val="tx1"/>
+                </a:solidFill>
+              </a:rPr>
+              <a:t>oriented</a:t>
+            </a:r>
+            <a:r>
+              <a:rPr lang="fr-CA" sz="2400" dirty="0" smtClean="0">
+                <a:solidFill>
+                  <a:schemeClr val="tx1"/>
+                </a:solidFill>
+              </a:rPr>
+              <a:t> </a:t>
+            </a:r>
+            <a:r>
+              <a:rPr lang="fr-CA" sz="2400" dirty="0" err="1" smtClean="0">
+                <a:solidFill>
+                  <a:schemeClr val="tx1"/>
+                </a:solidFill>
+              </a:rPr>
+              <a:t>modelling</a:t>
+            </a:r>
+            <a:r>
+              <a:rPr lang="fr-CA" sz="2400" dirty="0" smtClean="0">
+                <a:solidFill>
+                  <a:schemeClr val="tx1"/>
+                </a:solidFill>
+              </a:rPr>
+              <a:t> </a:t>
+            </a:r>
+            <a:r>
+              <a:rPr lang="fr-CA" sz="2400" dirty="0">
+                <a:solidFill>
+                  <a:schemeClr val="tx1"/>
+                </a:solidFill>
+              </a:rPr>
+              <a:t>(POM)</a:t>
+            </a:r>
+          </a:p>
+          <a:p>
+            <a:r>
+              <a:rPr lang="fr-CA" sz="2400" dirty="0" err="1" smtClean="0">
+                <a:solidFill>
+                  <a:schemeClr val="tx1"/>
+                </a:solidFill>
+              </a:rPr>
+              <a:t>Choice</a:t>
+            </a:r>
+            <a:r>
+              <a:rPr lang="fr-CA" sz="2400" dirty="0" smtClean="0">
+                <a:solidFill>
+                  <a:schemeClr val="tx1"/>
+                </a:solidFill>
+              </a:rPr>
+              <a:t> of the best model </a:t>
+            </a:r>
+            <a:r>
+              <a:rPr lang="fr-CA" sz="2400" dirty="0" err="1" smtClean="0">
+                <a:solidFill>
+                  <a:schemeClr val="tx1"/>
+                </a:solidFill>
+              </a:rPr>
+              <a:t>among</a:t>
+            </a:r>
+            <a:r>
+              <a:rPr lang="fr-CA" sz="2400" dirty="0" smtClean="0">
+                <a:solidFill>
+                  <a:schemeClr val="tx1"/>
+                </a:solidFill>
+              </a:rPr>
+              <a:t> the 6 </a:t>
+            </a:r>
+            <a:r>
+              <a:rPr lang="fr-CA" sz="2400" dirty="0" err="1" smtClean="0">
+                <a:solidFill>
+                  <a:schemeClr val="tx1"/>
+                </a:solidFill>
+              </a:rPr>
+              <a:t>using</a:t>
+            </a:r>
+            <a:r>
+              <a:rPr lang="fr-CA" sz="2400" dirty="0" smtClean="0">
+                <a:solidFill>
+                  <a:schemeClr val="tx1"/>
+                </a:solidFill>
+              </a:rPr>
+              <a:t> POM</a:t>
+            </a:r>
+            <a:endParaRPr lang="fr-CA" sz="2400" dirty="0">
+              <a:solidFill>
+                <a:schemeClr val="tx1"/>
+              </a:solidFill>
+            </a:endParaRPr>
+          </a:p>
+          <a:p>
+            <a:endParaRPr lang="fr-CA" sz="2400" dirty="0"/>
+          </a:p>
+        </p:txBody>
+      </p:sp>
+      <p:sp>
+        <p:nvSpPr>
+          <p:cNvPr id="34" name="ZoneTexte 33"/>
+          <p:cNvSpPr txBox="1"/>
+          <p:nvPr/>
+        </p:nvSpPr>
+        <p:spPr>
+          <a:xfrm>
+            <a:off x="8401561" y="6413589"/>
+            <a:ext cx="3685335" cy="369332"/>
+          </a:xfrm>
+          <a:prstGeom prst="rect">
+            <a:avLst/>
+          </a:prstGeom>
+          <a:noFill/>
+        </p:spPr>
+        <p:txBody>
+          <a:bodyPr wrap="square" rtlCol="0">
+            <a:spAutoFit/>
+          </a:bodyPr>
+          <a:lstStyle/>
+          <a:p>
+            <a:pPr algn="r"/>
+            <a:r>
+              <a:rPr lang="nl-NL" dirty="0" err="1" smtClean="0">
+                <a:latin typeface="Times New Roman" panose="02020603050405020304" pitchFamily="18" charset="0"/>
+                <a:cs typeface="Times New Roman" panose="02020603050405020304" pitchFamily="18" charset="0"/>
+              </a:rPr>
+              <a:t>Bauduin</a:t>
+            </a:r>
+            <a:r>
+              <a:rPr lang="nl-NL" dirty="0" smtClean="0">
+                <a:latin typeface="Times New Roman" panose="02020603050405020304" pitchFamily="18" charset="0"/>
+                <a:cs typeface="Times New Roman" panose="02020603050405020304" pitchFamily="18" charset="0"/>
+              </a:rPr>
+              <a:t> et al., 2016</a:t>
+            </a:r>
+            <a:endParaRPr lang="fr-FR" dirty="0">
+              <a:latin typeface="Times New Roman" panose="02020603050405020304" pitchFamily="18" charset="0"/>
+              <a:cs typeface="Times New Roman" panose="02020603050405020304" pitchFamily="18" charset="0"/>
+            </a:endParaRPr>
+          </a:p>
+        </p:txBody>
+      </p:sp>
+      <p:grpSp>
+        <p:nvGrpSpPr>
+          <p:cNvPr id="35" name="Group 27"/>
+          <p:cNvGrpSpPr/>
+          <p:nvPr/>
+        </p:nvGrpSpPr>
+        <p:grpSpPr>
+          <a:xfrm>
+            <a:off x="1788175" y="3244507"/>
+            <a:ext cx="1728192" cy="1152128"/>
+            <a:chOff x="1189392" y="3068960"/>
+            <a:chExt cx="1728192" cy="1152128"/>
+          </a:xfrm>
+          <a:solidFill>
+            <a:schemeClr val="bg1"/>
+          </a:solidFill>
+        </p:grpSpPr>
+        <p:cxnSp>
+          <p:nvCxnSpPr>
+            <p:cNvPr id="36" name="Straight Arrow Connector 29"/>
+            <p:cNvCxnSpPr/>
+            <p:nvPr/>
+          </p:nvCxnSpPr>
+          <p:spPr>
+            <a:xfrm flipH="1">
+              <a:off x="2050836" y="3861048"/>
+              <a:ext cx="884" cy="360040"/>
+            </a:xfrm>
+            <a:prstGeom prst="straightConnector1">
+              <a:avLst/>
+            </a:prstGeom>
+            <a:grpFill/>
+            <a:ln w="25400">
+              <a:solidFill>
+                <a:schemeClr val="tx1"/>
+              </a:solidFill>
+              <a:tailEnd type="arrow"/>
+            </a:ln>
+          </p:spPr>
+          <p:style>
+            <a:lnRef idx="1">
+              <a:schemeClr val="accent1"/>
+            </a:lnRef>
+            <a:fillRef idx="0">
+              <a:schemeClr val="accent1"/>
+            </a:fillRef>
+            <a:effectRef idx="0">
+              <a:schemeClr val="accent1"/>
+            </a:effectRef>
+            <a:fontRef idx="minor">
+              <a:schemeClr val="tx1"/>
+            </a:fontRef>
+          </p:style>
+        </p:cxnSp>
+        <p:sp>
+          <p:nvSpPr>
+            <p:cNvPr id="37" name="Rectangle 36"/>
+            <p:cNvSpPr/>
+            <p:nvPr/>
+          </p:nvSpPr>
+          <p:spPr>
+            <a:xfrm>
+              <a:off x="1189392" y="3068960"/>
+              <a:ext cx="1728192" cy="783296"/>
+            </a:xfrm>
+            <a:prstGeom prst="rect">
+              <a:avLst/>
+            </a:prstGeom>
+            <a:grpFill/>
+            <a:ln>
+              <a:solidFill>
+                <a:schemeClr val="tx1"/>
+              </a:solidFill>
+            </a:ln>
+          </p:spPr>
+          <p:style>
+            <a:lnRef idx="2">
+              <a:schemeClr val="accent1">
+                <a:shade val="50000"/>
+              </a:schemeClr>
+            </a:lnRef>
+            <a:fillRef idx="1">
+              <a:schemeClr val="accent1"/>
+            </a:fillRef>
+            <a:effectRef idx="0">
+              <a:schemeClr val="accent1"/>
+            </a:effectRef>
+            <a:fontRef idx="minor">
+              <a:schemeClr val="lt1"/>
+            </a:fontRef>
+          </p:style>
+          <p:txBody>
+            <a:bodyPr rtlCol="0" anchor="ctr"/>
+            <a:lstStyle/>
+            <a:p>
+              <a:pPr algn="ctr"/>
+              <a:r>
+                <a:rPr lang="en-US" dirty="0" smtClean="0">
+                  <a:solidFill>
+                    <a:schemeClr val="tx1"/>
+                  </a:solidFill>
+                </a:rPr>
+                <a:t>Random walk</a:t>
+              </a:r>
+              <a:endParaRPr lang="en-US" dirty="0">
+                <a:solidFill>
+                  <a:schemeClr val="tx1"/>
+                </a:solidFill>
+              </a:endParaRPr>
+            </a:p>
+          </p:txBody>
+        </p:sp>
+      </p:grpSp>
+      <p:grpSp>
+        <p:nvGrpSpPr>
+          <p:cNvPr id="38" name="Group 31"/>
+          <p:cNvGrpSpPr/>
+          <p:nvPr/>
+        </p:nvGrpSpPr>
+        <p:grpSpPr>
+          <a:xfrm>
+            <a:off x="4740503" y="3244507"/>
+            <a:ext cx="1728192" cy="1152128"/>
+            <a:chOff x="1189392" y="3068960"/>
+            <a:chExt cx="1728192" cy="1152128"/>
+          </a:xfrm>
+          <a:solidFill>
+            <a:schemeClr val="bg1"/>
+          </a:solidFill>
+        </p:grpSpPr>
+        <p:cxnSp>
+          <p:nvCxnSpPr>
+            <p:cNvPr id="39" name="Straight Arrow Connector 33"/>
+            <p:cNvCxnSpPr/>
+            <p:nvPr/>
+          </p:nvCxnSpPr>
+          <p:spPr>
+            <a:xfrm flipH="1">
+              <a:off x="2050836" y="3861048"/>
+              <a:ext cx="884" cy="360040"/>
+            </a:xfrm>
+            <a:prstGeom prst="straightConnector1">
+              <a:avLst/>
+            </a:prstGeom>
+            <a:grpFill/>
+            <a:ln w="25400">
+              <a:solidFill>
+                <a:schemeClr val="tx1"/>
+              </a:solidFill>
+              <a:tailEnd type="arrow"/>
+            </a:ln>
+          </p:spPr>
+          <p:style>
+            <a:lnRef idx="1">
+              <a:schemeClr val="accent1"/>
+            </a:lnRef>
+            <a:fillRef idx="0">
+              <a:schemeClr val="accent1"/>
+            </a:fillRef>
+            <a:effectRef idx="0">
+              <a:schemeClr val="accent1"/>
+            </a:effectRef>
+            <a:fontRef idx="minor">
+              <a:schemeClr val="tx1"/>
+            </a:fontRef>
+          </p:style>
+        </p:cxnSp>
+        <p:sp>
+          <p:nvSpPr>
+            <p:cNvPr id="40" name="Rectangle 39"/>
+            <p:cNvSpPr/>
+            <p:nvPr/>
+          </p:nvSpPr>
+          <p:spPr>
+            <a:xfrm>
+              <a:off x="1189392" y="3068960"/>
+              <a:ext cx="1728192" cy="783296"/>
+            </a:xfrm>
+            <a:prstGeom prst="rect">
+              <a:avLst/>
+            </a:prstGeom>
+            <a:grpFill/>
+            <a:ln>
+              <a:solidFill>
+                <a:schemeClr val="tx1"/>
+              </a:solidFill>
+            </a:ln>
+          </p:spPr>
+          <p:style>
+            <a:lnRef idx="2">
+              <a:schemeClr val="accent1">
+                <a:shade val="50000"/>
+              </a:schemeClr>
+            </a:lnRef>
+            <a:fillRef idx="1">
+              <a:schemeClr val="accent1"/>
+            </a:fillRef>
+            <a:effectRef idx="0">
+              <a:schemeClr val="accent1"/>
+            </a:effectRef>
+            <a:fontRef idx="minor">
+              <a:schemeClr val="lt1"/>
+            </a:fontRef>
+          </p:style>
+          <p:txBody>
+            <a:bodyPr rtlCol="0" anchor="ctr"/>
+            <a:lstStyle/>
+            <a:p>
+              <a:pPr algn="ctr"/>
+              <a:r>
+                <a:rPr lang="en-US" dirty="0" smtClean="0">
+                  <a:solidFill>
+                    <a:schemeClr val="tx1"/>
+                  </a:solidFill>
+                </a:rPr>
+                <a:t>Correlated random walk</a:t>
+              </a:r>
+              <a:endParaRPr lang="en-US" dirty="0">
+                <a:solidFill>
+                  <a:schemeClr val="tx1"/>
+                </a:solidFill>
+              </a:endParaRPr>
+            </a:p>
+          </p:txBody>
+        </p:sp>
+      </p:grpSp>
+      <p:grpSp>
+        <p:nvGrpSpPr>
+          <p:cNvPr id="41" name="Group 35"/>
+          <p:cNvGrpSpPr/>
+          <p:nvPr/>
+        </p:nvGrpSpPr>
+        <p:grpSpPr>
+          <a:xfrm>
+            <a:off x="7764839" y="3244507"/>
+            <a:ext cx="1728192" cy="1152128"/>
+            <a:chOff x="1189392" y="3068960"/>
+            <a:chExt cx="1728192" cy="1152128"/>
+          </a:xfrm>
+          <a:solidFill>
+            <a:schemeClr val="bg1"/>
+          </a:solidFill>
+        </p:grpSpPr>
+        <p:cxnSp>
+          <p:nvCxnSpPr>
+            <p:cNvPr id="42" name="Straight Arrow Connector 37"/>
+            <p:cNvCxnSpPr/>
+            <p:nvPr/>
+          </p:nvCxnSpPr>
+          <p:spPr>
+            <a:xfrm flipH="1">
+              <a:off x="2050836" y="3861048"/>
+              <a:ext cx="884" cy="360040"/>
+            </a:xfrm>
+            <a:prstGeom prst="straightConnector1">
+              <a:avLst/>
+            </a:prstGeom>
+            <a:grpFill/>
+            <a:ln w="25400">
+              <a:solidFill>
+                <a:schemeClr val="tx1"/>
+              </a:solidFill>
+              <a:tailEnd type="arrow"/>
+            </a:ln>
+          </p:spPr>
+          <p:style>
+            <a:lnRef idx="1">
+              <a:schemeClr val="accent1"/>
+            </a:lnRef>
+            <a:fillRef idx="0">
+              <a:schemeClr val="accent1"/>
+            </a:fillRef>
+            <a:effectRef idx="0">
+              <a:schemeClr val="accent1"/>
+            </a:effectRef>
+            <a:fontRef idx="minor">
+              <a:schemeClr val="tx1"/>
+            </a:fontRef>
+          </p:style>
+        </p:cxnSp>
+        <p:sp>
+          <p:nvSpPr>
+            <p:cNvPr id="43" name="Rectangle 42"/>
+            <p:cNvSpPr/>
+            <p:nvPr/>
+          </p:nvSpPr>
+          <p:spPr>
+            <a:xfrm>
+              <a:off x="1189392" y="3068960"/>
+              <a:ext cx="1728192" cy="783296"/>
+            </a:xfrm>
+            <a:prstGeom prst="rect">
+              <a:avLst/>
+            </a:prstGeom>
+            <a:grpFill/>
+            <a:ln>
+              <a:solidFill>
+                <a:schemeClr val="tx1"/>
+              </a:solidFill>
+            </a:ln>
+          </p:spPr>
+          <p:style>
+            <a:lnRef idx="2">
+              <a:schemeClr val="accent1">
+                <a:shade val="50000"/>
+              </a:schemeClr>
+            </a:lnRef>
+            <a:fillRef idx="1">
+              <a:schemeClr val="accent1"/>
+            </a:fillRef>
+            <a:effectRef idx="0">
+              <a:schemeClr val="accent1"/>
+            </a:effectRef>
+            <a:fontRef idx="minor">
+              <a:schemeClr val="lt1"/>
+            </a:fontRef>
+          </p:style>
+          <p:txBody>
+            <a:bodyPr rtlCol="0" anchor="ctr"/>
+            <a:lstStyle/>
+            <a:p>
+              <a:pPr algn="ctr"/>
+              <a:r>
+                <a:rPr lang="en-US" dirty="0" smtClean="0">
+                  <a:solidFill>
+                    <a:schemeClr val="tx1"/>
+                  </a:solidFill>
+                </a:rPr>
+                <a:t>Habitat-biased random walk</a:t>
+              </a:r>
+              <a:endParaRPr lang="en-US" dirty="0">
+                <a:solidFill>
+                  <a:schemeClr val="tx1"/>
+                </a:solidFill>
+              </a:endParaRPr>
+            </a:p>
+          </p:txBody>
+        </p:sp>
+      </p:grpSp>
+      <p:grpSp>
+        <p:nvGrpSpPr>
+          <p:cNvPr id="44" name="Group 39"/>
+          <p:cNvGrpSpPr/>
+          <p:nvPr/>
+        </p:nvGrpSpPr>
+        <p:grpSpPr>
+          <a:xfrm>
+            <a:off x="1776203" y="5084953"/>
+            <a:ext cx="1728192" cy="1152128"/>
+            <a:chOff x="1189392" y="3068960"/>
+            <a:chExt cx="1728192" cy="1152128"/>
+          </a:xfrm>
+          <a:solidFill>
+            <a:schemeClr val="bg1"/>
+          </a:solidFill>
+        </p:grpSpPr>
+        <p:cxnSp>
+          <p:nvCxnSpPr>
+            <p:cNvPr id="45" name="Straight Arrow Connector 41"/>
+            <p:cNvCxnSpPr/>
+            <p:nvPr/>
+          </p:nvCxnSpPr>
+          <p:spPr>
+            <a:xfrm flipH="1">
+              <a:off x="2050836" y="3861048"/>
+              <a:ext cx="884" cy="360040"/>
+            </a:xfrm>
+            <a:prstGeom prst="straightConnector1">
+              <a:avLst/>
+            </a:prstGeom>
+            <a:grpFill/>
+            <a:ln w="25400">
+              <a:solidFill>
+                <a:schemeClr val="tx1"/>
+              </a:solidFill>
+              <a:tailEnd type="arrow"/>
+            </a:ln>
+          </p:spPr>
+          <p:style>
+            <a:lnRef idx="1">
+              <a:schemeClr val="accent1"/>
+            </a:lnRef>
+            <a:fillRef idx="0">
+              <a:schemeClr val="accent1"/>
+            </a:fillRef>
+            <a:effectRef idx="0">
+              <a:schemeClr val="accent1"/>
+            </a:effectRef>
+            <a:fontRef idx="minor">
+              <a:schemeClr val="tx1"/>
+            </a:fontRef>
+          </p:style>
+        </p:cxnSp>
+        <p:sp>
+          <p:nvSpPr>
+            <p:cNvPr id="46" name="Rectangle 45"/>
+            <p:cNvSpPr/>
+            <p:nvPr/>
+          </p:nvSpPr>
+          <p:spPr>
+            <a:xfrm>
+              <a:off x="1189392" y="3068960"/>
+              <a:ext cx="1728192" cy="783296"/>
+            </a:xfrm>
+            <a:prstGeom prst="rect">
+              <a:avLst/>
+            </a:prstGeom>
+            <a:grpFill/>
+            <a:ln>
+              <a:solidFill>
+                <a:schemeClr val="tx1"/>
+              </a:solidFill>
+            </a:ln>
+          </p:spPr>
+          <p:style>
+            <a:lnRef idx="2">
+              <a:schemeClr val="accent1">
+                <a:shade val="50000"/>
+              </a:schemeClr>
+            </a:lnRef>
+            <a:fillRef idx="1">
+              <a:schemeClr val="accent1"/>
+            </a:fillRef>
+            <a:effectRef idx="0">
+              <a:schemeClr val="accent1"/>
+            </a:effectRef>
+            <a:fontRef idx="minor">
+              <a:schemeClr val="lt1"/>
+            </a:fontRef>
+          </p:style>
+          <p:txBody>
+            <a:bodyPr rtlCol="0" anchor="ctr"/>
+            <a:lstStyle/>
+            <a:p>
+              <a:pPr algn="ctr"/>
+              <a:r>
+                <a:rPr lang="en-US" dirty="0" smtClean="0">
+                  <a:solidFill>
+                    <a:schemeClr val="tx1"/>
+                  </a:solidFill>
+                </a:rPr>
+                <a:t>…</a:t>
+              </a:r>
+              <a:endParaRPr lang="en-US" dirty="0">
+                <a:solidFill>
+                  <a:schemeClr val="tx1"/>
+                </a:solidFill>
+              </a:endParaRPr>
+            </a:p>
+          </p:txBody>
+        </p:sp>
+      </p:grpSp>
+      <p:grpSp>
+        <p:nvGrpSpPr>
+          <p:cNvPr id="47" name="Group 43"/>
+          <p:cNvGrpSpPr/>
+          <p:nvPr/>
+        </p:nvGrpSpPr>
+        <p:grpSpPr>
+          <a:xfrm>
+            <a:off x="4728531" y="5084953"/>
+            <a:ext cx="1728192" cy="1152128"/>
+            <a:chOff x="1189392" y="3068960"/>
+            <a:chExt cx="1728192" cy="1152128"/>
+          </a:xfrm>
+          <a:solidFill>
+            <a:schemeClr val="bg1"/>
+          </a:solidFill>
+        </p:grpSpPr>
+        <p:cxnSp>
+          <p:nvCxnSpPr>
+            <p:cNvPr id="48" name="Straight Arrow Connector 45"/>
+            <p:cNvCxnSpPr/>
+            <p:nvPr/>
+          </p:nvCxnSpPr>
+          <p:spPr>
+            <a:xfrm flipH="1">
+              <a:off x="2050836" y="3861048"/>
+              <a:ext cx="884" cy="360040"/>
+            </a:xfrm>
+            <a:prstGeom prst="straightConnector1">
+              <a:avLst/>
+            </a:prstGeom>
+            <a:grpFill/>
+            <a:ln w="25400">
+              <a:solidFill>
+                <a:schemeClr val="tx1"/>
+              </a:solidFill>
+              <a:tailEnd type="arrow"/>
+            </a:ln>
+          </p:spPr>
+          <p:style>
+            <a:lnRef idx="1">
+              <a:schemeClr val="accent1"/>
+            </a:lnRef>
+            <a:fillRef idx="0">
+              <a:schemeClr val="accent1"/>
+            </a:fillRef>
+            <a:effectRef idx="0">
+              <a:schemeClr val="accent1"/>
+            </a:effectRef>
+            <a:fontRef idx="minor">
+              <a:schemeClr val="tx1"/>
+            </a:fontRef>
+          </p:style>
+        </p:cxnSp>
+        <p:sp>
+          <p:nvSpPr>
+            <p:cNvPr id="49" name="Rectangle 48"/>
+            <p:cNvSpPr/>
+            <p:nvPr/>
+          </p:nvSpPr>
+          <p:spPr>
+            <a:xfrm>
+              <a:off x="1189392" y="3068960"/>
+              <a:ext cx="1728192" cy="783296"/>
+            </a:xfrm>
+            <a:prstGeom prst="rect">
+              <a:avLst/>
+            </a:prstGeom>
+            <a:grpFill/>
+            <a:ln w="57150">
+              <a:solidFill>
+                <a:schemeClr val="tx1"/>
+              </a:solidFill>
+            </a:ln>
+          </p:spPr>
+          <p:style>
+            <a:lnRef idx="2">
+              <a:schemeClr val="accent1">
+                <a:shade val="50000"/>
+              </a:schemeClr>
+            </a:lnRef>
+            <a:fillRef idx="1">
+              <a:schemeClr val="accent1"/>
+            </a:fillRef>
+            <a:effectRef idx="0">
+              <a:schemeClr val="accent1"/>
+            </a:effectRef>
+            <a:fontRef idx="minor">
+              <a:schemeClr val="lt1"/>
+            </a:fontRef>
+          </p:style>
+          <p:txBody>
+            <a:bodyPr rtlCol="0" anchor="ctr"/>
+            <a:lstStyle/>
+            <a:p>
+              <a:pPr algn="ctr"/>
+              <a:r>
+                <a:rPr lang="en-US" dirty="0" smtClean="0">
+                  <a:solidFill>
+                    <a:schemeClr val="tx1"/>
+                  </a:solidFill>
+                </a:rPr>
+                <a:t>…</a:t>
+              </a:r>
+              <a:endParaRPr lang="en-US" dirty="0">
+                <a:solidFill>
+                  <a:schemeClr val="tx1"/>
+                </a:solidFill>
+              </a:endParaRPr>
+            </a:p>
+          </p:txBody>
+        </p:sp>
+      </p:grpSp>
+      <p:grpSp>
+        <p:nvGrpSpPr>
+          <p:cNvPr id="50" name="Group 47"/>
+          <p:cNvGrpSpPr/>
+          <p:nvPr/>
+        </p:nvGrpSpPr>
+        <p:grpSpPr>
+          <a:xfrm>
+            <a:off x="7752867" y="5084953"/>
+            <a:ext cx="1728192" cy="1152128"/>
+            <a:chOff x="1189392" y="3068960"/>
+            <a:chExt cx="1728192" cy="1152128"/>
+          </a:xfrm>
+          <a:solidFill>
+            <a:schemeClr val="bg1"/>
+          </a:solidFill>
+        </p:grpSpPr>
+        <p:cxnSp>
+          <p:nvCxnSpPr>
+            <p:cNvPr id="51" name="Straight Arrow Connector 49"/>
+            <p:cNvCxnSpPr/>
+            <p:nvPr/>
+          </p:nvCxnSpPr>
+          <p:spPr>
+            <a:xfrm flipH="1">
+              <a:off x="2050836" y="3861048"/>
+              <a:ext cx="884" cy="360040"/>
+            </a:xfrm>
+            <a:prstGeom prst="straightConnector1">
+              <a:avLst/>
+            </a:prstGeom>
+            <a:grpFill/>
+            <a:ln w="25400">
+              <a:solidFill>
+                <a:schemeClr val="tx1"/>
+              </a:solidFill>
+              <a:tailEnd type="arrow"/>
+            </a:ln>
+          </p:spPr>
+          <p:style>
+            <a:lnRef idx="1">
+              <a:schemeClr val="accent1"/>
+            </a:lnRef>
+            <a:fillRef idx="0">
+              <a:schemeClr val="accent1"/>
+            </a:fillRef>
+            <a:effectRef idx="0">
+              <a:schemeClr val="accent1"/>
+            </a:effectRef>
+            <a:fontRef idx="minor">
+              <a:schemeClr val="tx1"/>
+            </a:fontRef>
+          </p:style>
+        </p:cxnSp>
+        <p:sp>
+          <p:nvSpPr>
+            <p:cNvPr id="52" name="Rectangle 51"/>
+            <p:cNvSpPr/>
+            <p:nvPr/>
+          </p:nvSpPr>
+          <p:spPr>
+            <a:xfrm>
+              <a:off x="1189392" y="3068960"/>
+              <a:ext cx="1728192" cy="783296"/>
+            </a:xfrm>
+            <a:prstGeom prst="rect">
+              <a:avLst/>
+            </a:prstGeom>
+            <a:grpFill/>
+            <a:ln>
+              <a:solidFill>
+                <a:schemeClr val="tx1"/>
+              </a:solidFill>
+            </a:ln>
+          </p:spPr>
+          <p:style>
+            <a:lnRef idx="2">
+              <a:schemeClr val="accent1">
+                <a:shade val="50000"/>
+              </a:schemeClr>
+            </a:lnRef>
+            <a:fillRef idx="1">
+              <a:schemeClr val="accent1"/>
+            </a:fillRef>
+            <a:effectRef idx="0">
+              <a:schemeClr val="accent1"/>
+            </a:effectRef>
+            <a:fontRef idx="minor">
+              <a:schemeClr val="lt1"/>
+            </a:fontRef>
+          </p:style>
+          <p:txBody>
+            <a:bodyPr rtlCol="0" anchor="ctr"/>
+            <a:lstStyle/>
+            <a:p>
+              <a:pPr algn="ctr"/>
+              <a:r>
+                <a:rPr lang="en-US" dirty="0" smtClean="0">
+                  <a:solidFill>
+                    <a:schemeClr val="tx1"/>
+                  </a:solidFill>
+                </a:rPr>
+                <a:t>..</a:t>
+              </a:r>
+              <a:r>
+                <a:rPr lang="en-US" dirty="0" smtClean="0">
+                  <a:solidFill>
+                    <a:schemeClr val="tx1"/>
+                  </a:solidFill>
+                </a:rPr>
+                <a:t>.</a:t>
+              </a:r>
+              <a:endParaRPr lang="en-US" dirty="0">
+                <a:solidFill>
+                  <a:schemeClr val="tx1"/>
+                </a:solidFill>
+              </a:endParaRPr>
+            </a:p>
+          </p:txBody>
+        </p:sp>
+      </p:grpSp>
+      <p:pic>
+        <p:nvPicPr>
+          <p:cNvPr id="53" name="Picture 17"/>
+          <p:cNvPicPr>
+            <a:picLocks noChangeAspect="1"/>
+          </p:cNvPicPr>
+          <p:nvPr/>
+        </p:nvPicPr>
+        <p:blipFill>
+          <a:blip r:embed="rId2" cstate="print">
+            <a:extLst>
+              <a:ext uri="{28A0092B-C50C-407E-A947-70E740481C1C}">
+                <a14:useLocalDpi xmlns:a14="http://schemas.microsoft.com/office/drawing/2010/main" val="0"/>
+              </a:ext>
+            </a:extLst>
+          </a:blip>
+          <a:stretch>
+            <a:fillRect/>
+          </a:stretch>
+        </p:blipFill>
+        <p:spPr>
+          <a:xfrm>
+            <a:off x="2256777" y="4075901"/>
+            <a:ext cx="785684" cy="792731"/>
+          </a:xfrm>
+          <a:prstGeom prst="rect">
+            <a:avLst/>
+          </a:prstGeom>
+        </p:spPr>
+      </p:pic>
+      <p:pic>
+        <p:nvPicPr>
+          <p:cNvPr id="54" name="Picture 17"/>
+          <p:cNvPicPr>
+            <a:picLocks noChangeAspect="1"/>
+          </p:cNvPicPr>
+          <p:nvPr/>
+        </p:nvPicPr>
+        <p:blipFill>
+          <a:blip r:embed="rId2" cstate="print">
+            <a:extLst>
+              <a:ext uri="{28A0092B-C50C-407E-A947-70E740481C1C}">
+                <a14:useLocalDpi xmlns:a14="http://schemas.microsoft.com/office/drawing/2010/main" val="0"/>
+              </a:ext>
+            </a:extLst>
+          </a:blip>
+          <a:stretch>
+            <a:fillRect/>
+          </a:stretch>
+        </p:blipFill>
+        <p:spPr>
+          <a:xfrm>
+            <a:off x="2256777" y="5920641"/>
+            <a:ext cx="785684" cy="792731"/>
+          </a:xfrm>
+          <a:prstGeom prst="rect">
+            <a:avLst/>
+          </a:prstGeom>
+        </p:spPr>
+      </p:pic>
+      <p:pic>
+        <p:nvPicPr>
+          <p:cNvPr id="55" name="Picture 17"/>
+          <p:cNvPicPr>
+            <a:picLocks noChangeAspect="1"/>
+          </p:cNvPicPr>
+          <p:nvPr/>
+        </p:nvPicPr>
+        <p:blipFill>
+          <a:blip r:embed="rId2" cstate="print">
+            <a:extLst>
+              <a:ext uri="{28A0092B-C50C-407E-A947-70E740481C1C}">
+                <a14:useLocalDpi xmlns:a14="http://schemas.microsoft.com/office/drawing/2010/main" val="0"/>
+              </a:ext>
+            </a:extLst>
+          </a:blip>
+          <a:stretch>
+            <a:fillRect/>
+          </a:stretch>
+        </p:blipFill>
+        <p:spPr>
+          <a:xfrm>
+            <a:off x="5209105" y="4056703"/>
+            <a:ext cx="785684" cy="792731"/>
+          </a:xfrm>
+          <a:prstGeom prst="rect">
+            <a:avLst/>
+          </a:prstGeom>
+        </p:spPr>
+      </p:pic>
+      <p:pic>
+        <p:nvPicPr>
+          <p:cNvPr id="56" name="Picture 17"/>
+          <p:cNvPicPr>
+            <a:picLocks noChangeAspect="1"/>
+          </p:cNvPicPr>
+          <p:nvPr/>
+        </p:nvPicPr>
+        <p:blipFill>
+          <a:blip r:embed="rId2" cstate="print">
+            <a:extLst>
+              <a:ext uri="{28A0092B-C50C-407E-A947-70E740481C1C}">
+                <a14:useLocalDpi xmlns:a14="http://schemas.microsoft.com/office/drawing/2010/main" val="0"/>
+              </a:ext>
+            </a:extLst>
+          </a:blip>
+          <a:stretch>
+            <a:fillRect/>
+          </a:stretch>
+        </p:blipFill>
+        <p:spPr>
+          <a:xfrm>
+            <a:off x="5209105" y="5901443"/>
+            <a:ext cx="785684" cy="792731"/>
+          </a:xfrm>
+          <a:prstGeom prst="rect">
+            <a:avLst/>
+          </a:prstGeom>
+        </p:spPr>
+      </p:pic>
+      <p:pic>
+        <p:nvPicPr>
+          <p:cNvPr id="57" name="Picture 17"/>
+          <p:cNvPicPr>
+            <a:picLocks noChangeAspect="1"/>
+          </p:cNvPicPr>
+          <p:nvPr/>
+        </p:nvPicPr>
+        <p:blipFill>
+          <a:blip r:embed="rId2" cstate="print">
+            <a:extLst>
+              <a:ext uri="{28A0092B-C50C-407E-A947-70E740481C1C}">
+                <a14:useLocalDpi xmlns:a14="http://schemas.microsoft.com/office/drawing/2010/main" val="0"/>
+              </a:ext>
+            </a:extLst>
+          </a:blip>
+          <a:stretch>
+            <a:fillRect/>
+          </a:stretch>
+        </p:blipFill>
+        <p:spPr>
+          <a:xfrm>
+            <a:off x="8247342" y="4075901"/>
+            <a:ext cx="785684" cy="792731"/>
+          </a:xfrm>
+          <a:prstGeom prst="rect">
+            <a:avLst/>
+          </a:prstGeom>
+        </p:spPr>
+      </p:pic>
+      <p:pic>
+        <p:nvPicPr>
+          <p:cNvPr id="58" name="Picture 17"/>
+          <p:cNvPicPr>
+            <a:picLocks noChangeAspect="1"/>
+          </p:cNvPicPr>
+          <p:nvPr/>
+        </p:nvPicPr>
+        <p:blipFill>
+          <a:blip r:embed="rId2" cstate="print">
+            <a:extLst>
+              <a:ext uri="{28A0092B-C50C-407E-A947-70E740481C1C}">
+                <a14:useLocalDpi xmlns:a14="http://schemas.microsoft.com/office/drawing/2010/main" val="0"/>
+              </a:ext>
+            </a:extLst>
+          </a:blip>
+          <a:stretch>
+            <a:fillRect/>
+          </a:stretch>
+        </p:blipFill>
+        <p:spPr>
+          <a:xfrm>
+            <a:off x="8247342" y="5920641"/>
+            <a:ext cx="785684" cy="792731"/>
+          </a:xfrm>
+          <a:prstGeom prst="rect">
+            <a:avLst/>
+          </a:prstGeom>
+        </p:spPr>
+      </p:pic>
+    </p:spTree>
+    <p:extLst>
+      <p:ext uri="{BB962C8B-B14F-4D97-AF65-F5344CB8AC3E}">
+        <p14:creationId xmlns:p14="http://schemas.microsoft.com/office/powerpoint/2010/main" val="2069859753"/>
+      </p:ext>
+    </p:extLst>
+  </p:cSld>
+  <p:clrMapOvr>
+    <a:masterClrMapping/>
+  </p:clrMapOvr>
+  <p:timing>
+    <p:tnLst>
+      <p:par>
+        <p:cTn id="1" dur="indefinite" restart="never" nodeType="tmRoot"/>
+      </p:par>
+    </p:tnLst>
+  </p:timing>
+</p:sld>
+</file>
+
+<file path=ppt/slides/slide13.xml><?xml version="1.0" encoding="utf-8"?>
+<p:sld xmlns:a="http://schemas.openxmlformats.org/drawingml/2006/main" xmlns:r="http://schemas.openxmlformats.org/officeDocument/2006/relationships" xmlns:p="http://schemas.openxmlformats.org/presentationml/2006/main">
+  <p:cSld>
+    <p:spTree>
+      <p:nvGrpSpPr>
+        <p:cNvPr id="1" name=""/>
+        <p:cNvGrpSpPr/>
+        <p:nvPr/>
+      </p:nvGrpSpPr>
+      <p:grpSpPr>
+        <a:xfrm>
+          <a:off x="0" y="0"/>
+          <a:ext cx="0" cy="0"/>
+          <a:chOff x="0" y="0"/>
+          <a:chExt cx="0" cy="0"/>
+        </a:xfrm>
+      </p:grpSpPr>
+      <p:sp>
+        <p:nvSpPr>
+          <p:cNvPr id="2" name="Titre 1"/>
+          <p:cNvSpPr>
+            <a:spLocks noGrp="1"/>
+          </p:cNvSpPr>
+          <p:nvPr>
+            <p:ph type="title"/>
+          </p:nvPr>
+        </p:nvSpPr>
+        <p:spPr/>
+        <p:txBody>
+          <a:bodyPr/>
+          <a:lstStyle/>
+          <a:p>
+            <a:r>
+              <a:rPr lang="fr-CA" dirty="0" err="1" smtClean="0"/>
+              <a:t>Difficulties</a:t>
+            </a:r>
+            <a:r>
+              <a:rPr lang="fr-CA" dirty="0" smtClean="0"/>
+              <a:t> of POM</a:t>
+            </a:r>
+            <a:endParaRPr lang="fr-FR" dirty="0"/>
+          </a:p>
+        </p:txBody>
+      </p:sp>
+      <p:sp>
+        <p:nvSpPr>
+          <p:cNvPr id="3" name="Espace réservé du contenu 2"/>
+          <p:cNvSpPr>
+            <a:spLocks noGrp="1"/>
+          </p:cNvSpPr>
+          <p:nvPr>
+            <p:ph idx="1"/>
+          </p:nvPr>
+        </p:nvSpPr>
+        <p:spPr>
+          <a:xfrm>
+            <a:off x="677334" y="1743341"/>
+            <a:ext cx="9030688" cy="4298021"/>
+          </a:xfrm>
+        </p:spPr>
+        <p:txBody>
+          <a:bodyPr/>
+          <a:lstStyle/>
+          <a:p>
+            <a:r>
+              <a:rPr lang="fr-CA" dirty="0" err="1" smtClean="0"/>
+              <a:t>Need</a:t>
+            </a:r>
+            <a:r>
+              <a:rPr lang="fr-CA" dirty="0" smtClean="0"/>
+              <a:t> lots of simulations = </a:t>
+            </a:r>
+            <a:r>
+              <a:rPr lang="fr-CA" dirty="0" err="1" smtClean="0"/>
+              <a:t>need</a:t>
+            </a:r>
+            <a:r>
+              <a:rPr lang="fr-CA" dirty="0" smtClean="0"/>
+              <a:t> a </a:t>
+            </a:r>
+            <a:r>
+              <a:rPr lang="fr-CA" dirty="0" err="1" smtClean="0"/>
+              <a:t>fast</a:t>
+            </a:r>
+            <a:r>
+              <a:rPr lang="fr-CA" dirty="0" smtClean="0"/>
+              <a:t> model</a:t>
+            </a:r>
+          </a:p>
+          <a:p>
+            <a:r>
+              <a:rPr lang="fr-CA" dirty="0" err="1" smtClean="0"/>
+              <a:t>Easy</a:t>
+            </a:r>
+            <a:r>
+              <a:rPr lang="fr-CA" dirty="0" smtClean="0"/>
+              <a:t> </a:t>
+            </a:r>
+            <a:r>
+              <a:rPr lang="fr-CA" dirty="0" err="1" smtClean="0"/>
+              <a:t>with</a:t>
+            </a:r>
+            <a:r>
+              <a:rPr lang="fr-CA" dirty="0" smtClean="0"/>
+              <a:t> 1 </a:t>
+            </a:r>
+            <a:r>
+              <a:rPr lang="fr-CA" dirty="0" err="1" smtClean="0"/>
+              <a:t>parameter</a:t>
+            </a:r>
+            <a:r>
+              <a:rPr lang="fr-CA" dirty="0" smtClean="0"/>
+              <a:t>, harder </a:t>
+            </a:r>
+            <a:r>
+              <a:rPr lang="fr-CA" dirty="0" err="1" smtClean="0"/>
+              <a:t>with</a:t>
+            </a:r>
+            <a:r>
+              <a:rPr lang="fr-CA" dirty="0" smtClean="0"/>
+              <a:t> more</a:t>
+            </a:r>
+          </a:p>
+          <a:p>
+            <a:pPr lvl="1"/>
+            <a:r>
+              <a:rPr lang="fr-CA" dirty="0" smtClean="0"/>
+              <a:t>1 </a:t>
+            </a:r>
+            <a:r>
+              <a:rPr lang="fr-CA" dirty="0" err="1" smtClean="0"/>
+              <a:t>parameter</a:t>
+            </a:r>
+            <a:r>
+              <a:rPr lang="fr-CA" dirty="0" smtClean="0"/>
+              <a:t>, 10 values to test =</a:t>
+            </a:r>
+            <a:r>
+              <a:rPr lang="en-CA" dirty="0" smtClean="0"/>
+              <a:t>&gt; 10 sets of simulations</a:t>
+            </a:r>
+          </a:p>
+          <a:p>
+            <a:pPr lvl="1"/>
+            <a:r>
+              <a:rPr lang="en-CA" dirty="0" smtClean="0"/>
+              <a:t>2 parameters, 10 values per parameter to test =&gt; 10*10 sets of simulations</a:t>
+            </a:r>
+          </a:p>
+          <a:p>
+            <a:r>
+              <a:rPr lang="en-CA" dirty="0" smtClean="0"/>
+              <a:t>Need multiple measurable and comparable outputs (“patterns”)</a:t>
+            </a:r>
+          </a:p>
+          <a:p>
+            <a:pPr lvl="1"/>
+            <a:r>
+              <a:rPr lang="en-CA" dirty="0" smtClean="0"/>
+              <a:t>E.g., distribution of walked distances, mean litter size, kernel density</a:t>
+            </a:r>
+          </a:p>
+          <a:p>
+            <a:pPr lvl="1"/>
+            <a:r>
+              <a:rPr lang="en-CA" dirty="0" smtClean="0"/>
+              <a:t>Two methods</a:t>
+            </a:r>
+          </a:p>
+          <a:p>
+            <a:pPr lvl="2"/>
+            <a:r>
+              <a:rPr lang="en-CA" dirty="0" smtClean="0"/>
+              <a:t>Pattern reproduced: keep or reject the model (need to define a threshold)</a:t>
+            </a:r>
+          </a:p>
+          <a:p>
+            <a:pPr lvl="2"/>
+            <a:r>
+              <a:rPr lang="en-CA" dirty="0" smtClean="0"/>
+              <a:t>Select the model best reproducing the pattern (but there is always </a:t>
+            </a:r>
+            <a:r>
+              <a:rPr lang="en-CA" smtClean="0"/>
+              <a:t>a best one </a:t>
+            </a:r>
+            <a:r>
+              <a:rPr lang="en-CA" dirty="0" smtClean="0"/>
+              <a:t>among bad ones)</a:t>
+            </a:r>
+          </a:p>
+          <a:p>
+            <a:pPr lvl="1"/>
+            <a:r>
+              <a:rPr lang="en-CA" dirty="0" smtClean="0"/>
+              <a:t>More patterns to meet =&gt; better calibration of the parameters</a:t>
+            </a:r>
+          </a:p>
+          <a:p>
+            <a:pPr lvl="1"/>
+            <a:endParaRPr lang="fr-FR" dirty="0"/>
+          </a:p>
+        </p:txBody>
+      </p:sp>
+    </p:spTree>
+    <p:extLst>
+      <p:ext uri="{BB962C8B-B14F-4D97-AF65-F5344CB8AC3E}">
+        <p14:creationId xmlns:p14="http://schemas.microsoft.com/office/powerpoint/2010/main" val="2793751020"/>
+      </p:ext>
+    </p:extLst>
+  </p:cSld>
+  <p:clrMapOvr>
+    <a:masterClrMapping/>
+  </p:clrMapOvr>
+  <p:timing>
+    <p:tnLst>
+      <p:par>
+        <p:cTn id="1" dur="indefinite" restart="never" nodeType="tmRoot">
+          <p:childTnLst>
+            <p:seq concurrent="1" nextAc="seek">
+              <p:cTn id="2" dur="indefinite" nodeType="mainSeq">
+                <p:childTnLst>
+                  <p:par>
+                    <p:cTn id="3" fill="hold">
+                      <p:stCondLst>
+                        <p:cond delay="indefinite"/>
+                      </p:stCondLst>
+                      <p:childTnLst>
+                        <p:par>
+                          <p:cTn id="4" fill="hold">
+                            <p:stCondLst>
+                              <p:cond delay="0"/>
+                            </p:stCondLst>
+                            <p:childTnLst>
+                              <p:par>
+                                <p:cTn id="5" presetID="1" presetClass="entr" presetSubtype="0" fill="hold" nodeType="clickEffect">
+                                  <p:stCondLst>
+                                    <p:cond delay="0"/>
+                                  </p:stCondLst>
+                                  <p:childTnLst>
+                                    <p:set>
+                                      <p:cBhvr>
+                                        <p:cTn id="6" dur="1" fill="hold">
+                                          <p:stCondLst>
+                                            <p:cond delay="0"/>
+                                          </p:stCondLst>
+                                        </p:cTn>
+                                        <p:tgtEl>
+                                          <p:spTgt spid="3">
+                                            <p:txEl>
+                                              <p:pRg st="0" end="0"/>
+                                            </p:txEl>
+                                          </p:spTgt>
+                                        </p:tgtEl>
+                                        <p:attrNameLst>
+                                          <p:attrName>style.visibility</p:attrName>
+                                        </p:attrNameLst>
+                                      </p:cBhvr>
+                                      <p:to>
+                                        <p:strVal val="visible"/>
+                                      </p:to>
+                                    </p:set>
+                                  </p:childTnLst>
+                                </p:cTn>
+                              </p:par>
+                            </p:childTnLst>
+                          </p:cTn>
+                        </p:par>
+                      </p:childTnLst>
+                    </p:cTn>
+                  </p:par>
+                  <p:par>
+                    <p:cTn id="7" fill="hold">
+                      <p:stCondLst>
+                        <p:cond delay="indefinite"/>
+                      </p:stCondLst>
+                      <p:childTnLst>
+                        <p:par>
+                          <p:cTn id="8" fill="hold">
+                            <p:stCondLst>
+                              <p:cond delay="0"/>
+                            </p:stCondLst>
+                            <p:childTnLst>
+                              <p:par>
+                                <p:cTn id="9" presetID="1" presetClass="entr" presetSubtype="0" fill="hold" nodeType="clickEffect">
+                                  <p:stCondLst>
+                                    <p:cond delay="0"/>
+                                  </p:stCondLst>
+                                  <p:childTnLst>
+                                    <p:set>
+                                      <p:cBhvr>
+                                        <p:cTn id="10" dur="1" fill="hold">
+                                          <p:stCondLst>
+                                            <p:cond delay="0"/>
+                                          </p:stCondLst>
+                                        </p:cTn>
+                                        <p:tgtEl>
+                                          <p:spTgt spid="3">
+                                            <p:txEl>
+                                              <p:pRg st="1" end="1"/>
+                                            </p:txEl>
+                                          </p:spTgt>
+                                        </p:tgtEl>
+                                        <p:attrNameLst>
+                                          <p:attrName>style.visibility</p:attrName>
+                                        </p:attrNameLst>
+                                      </p:cBhvr>
+                                      <p:to>
+                                        <p:strVal val="visible"/>
+                                      </p:to>
+                                    </p:set>
+                                  </p:childTnLst>
+                                </p:cTn>
+                              </p:par>
+                              <p:par>
+                                <p:cTn id="11" presetID="1" presetClass="entr" presetSubtype="0" fill="hold" nodeType="withEffect">
+                                  <p:stCondLst>
+                                    <p:cond delay="0"/>
+                                  </p:stCondLst>
+                                  <p:childTnLst>
+                                    <p:set>
+                                      <p:cBhvr>
+                                        <p:cTn id="12" dur="1" fill="hold">
+                                          <p:stCondLst>
+                                            <p:cond delay="0"/>
+                                          </p:stCondLst>
+                                        </p:cTn>
+                                        <p:tgtEl>
+                                          <p:spTgt spid="3">
+                                            <p:txEl>
+                                              <p:pRg st="2" end="2"/>
+                                            </p:txEl>
+                                          </p:spTgt>
+                                        </p:tgtEl>
+                                        <p:attrNameLst>
+                                          <p:attrName>style.visibility</p:attrName>
+                                        </p:attrNameLst>
+                                      </p:cBhvr>
+                                      <p:to>
+                                        <p:strVal val="visible"/>
+                                      </p:to>
+                                    </p:set>
+                                  </p:childTnLst>
+                                </p:cTn>
+                              </p:par>
+                              <p:par>
+                                <p:cTn id="13" presetID="1" presetClass="entr" presetSubtype="0" fill="hold" nodeType="withEffect">
+                                  <p:stCondLst>
+                                    <p:cond delay="0"/>
+                                  </p:stCondLst>
+                                  <p:childTnLst>
+                                    <p:set>
+                                      <p:cBhvr>
+                                        <p:cTn id="14" dur="1" fill="hold">
+                                          <p:stCondLst>
+                                            <p:cond delay="0"/>
+                                          </p:stCondLst>
+                                        </p:cTn>
+                                        <p:tgtEl>
+                                          <p:spTgt spid="3">
+                                            <p:txEl>
+                                              <p:pRg st="3" end="3"/>
+                                            </p:txEl>
+                                          </p:spTgt>
+                                        </p:tgtEl>
+                                        <p:attrNameLst>
+                                          <p:attrName>style.visibility</p:attrName>
+                                        </p:attrNameLst>
+                                      </p:cBhvr>
+                                      <p:to>
+                                        <p:strVal val="visible"/>
+                                      </p:to>
+                                    </p:set>
+                                  </p:childTnLst>
+                                </p:cTn>
+                              </p:par>
+                            </p:childTnLst>
+                          </p:cTn>
+                        </p:par>
+                      </p:childTnLst>
+                    </p:cTn>
+                  </p:par>
+                  <p:par>
+                    <p:cTn id="15" fill="hold">
+                      <p:stCondLst>
+                        <p:cond delay="indefinite"/>
+                      </p:stCondLst>
+                      <p:childTnLst>
+                        <p:par>
+                          <p:cTn id="16" fill="hold">
+                            <p:stCondLst>
+                              <p:cond delay="0"/>
+                            </p:stCondLst>
+                            <p:childTnLst>
+                              <p:par>
+                                <p:cTn id="17" presetID="1" presetClass="entr" presetSubtype="0" fill="hold" nodeType="clickEffect">
+                                  <p:stCondLst>
+                                    <p:cond delay="0"/>
+                                  </p:stCondLst>
+                                  <p:childTnLst>
+                                    <p:set>
+                                      <p:cBhvr>
+                                        <p:cTn id="18" dur="1" fill="hold">
+                                          <p:stCondLst>
+                                            <p:cond delay="0"/>
+                                          </p:stCondLst>
+                                        </p:cTn>
+                                        <p:tgtEl>
+                                          <p:spTgt spid="3">
+                                            <p:txEl>
+                                              <p:pRg st="4" end="4"/>
+                                            </p:txEl>
+                                          </p:spTgt>
+                                        </p:tgtEl>
+                                        <p:attrNameLst>
+                                          <p:attrName>style.visibility</p:attrName>
+                                        </p:attrNameLst>
+                                      </p:cBhvr>
+                                      <p:to>
+                                        <p:strVal val="visible"/>
+                                      </p:to>
+                                    </p:set>
+                                  </p:childTnLst>
+                                </p:cTn>
+                              </p:par>
+                              <p:par>
+                                <p:cTn id="19" presetID="1" presetClass="entr" presetSubtype="0" fill="hold" nodeType="withEffect">
+                                  <p:stCondLst>
+                                    <p:cond delay="0"/>
+                                  </p:stCondLst>
+                                  <p:childTnLst>
+                                    <p:set>
+                                      <p:cBhvr>
+                                        <p:cTn id="20" dur="1" fill="hold">
+                                          <p:stCondLst>
+                                            <p:cond delay="0"/>
+                                          </p:stCondLst>
+                                        </p:cTn>
+                                        <p:tgtEl>
+                                          <p:spTgt spid="3">
+                                            <p:txEl>
+                                              <p:pRg st="5" end="5"/>
+                                            </p:txEl>
+                                          </p:spTgt>
+                                        </p:tgtEl>
+                                        <p:attrNameLst>
+                                          <p:attrName>style.visibility</p:attrName>
+                                        </p:attrNameLst>
+                                      </p:cBhvr>
+                                      <p:to>
+                                        <p:strVal val="visible"/>
+                                      </p:to>
+                                    </p:set>
+                                  </p:childTnLst>
+                                </p:cTn>
+                              </p:par>
+                              <p:par>
+                                <p:cTn id="21" presetID="1" presetClass="entr" presetSubtype="0" fill="hold" nodeType="withEffect">
+                                  <p:stCondLst>
+                                    <p:cond delay="0"/>
+                                  </p:stCondLst>
+                                  <p:childTnLst>
+                                    <p:set>
+                                      <p:cBhvr>
+                                        <p:cTn id="22" dur="1" fill="hold">
+                                          <p:stCondLst>
+                                            <p:cond delay="0"/>
+                                          </p:stCondLst>
+                                        </p:cTn>
+                                        <p:tgtEl>
+                                          <p:spTgt spid="3">
+                                            <p:txEl>
+                                              <p:pRg st="6" end="6"/>
+                                            </p:txEl>
+                                          </p:spTgt>
+                                        </p:tgtEl>
+                                        <p:attrNameLst>
+                                          <p:attrName>style.visibility</p:attrName>
+                                        </p:attrNameLst>
+                                      </p:cBhvr>
+                                      <p:to>
+                                        <p:strVal val="visible"/>
+                                      </p:to>
+                                    </p:set>
+                                  </p:childTnLst>
+                                </p:cTn>
+                              </p:par>
+                              <p:par>
+                                <p:cTn id="23" presetID="1" presetClass="entr" presetSubtype="0" fill="hold" nodeType="withEffect">
+                                  <p:stCondLst>
+                                    <p:cond delay="0"/>
+                                  </p:stCondLst>
+                                  <p:childTnLst>
+                                    <p:set>
+                                      <p:cBhvr>
+                                        <p:cTn id="24" dur="1" fill="hold">
+                                          <p:stCondLst>
+                                            <p:cond delay="0"/>
+                                          </p:stCondLst>
+                                        </p:cTn>
+                                        <p:tgtEl>
+                                          <p:spTgt spid="3">
+                                            <p:txEl>
+                                              <p:pRg st="7" end="7"/>
+                                            </p:txEl>
+                                          </p:spTgt>
+                                        </p:tgtEl>
+                                        <p:attrNameLst>
+                                          <p:attrName>style.visibility</p:attrName>
+                                        </p:attrNameLst>
+                                      </p:cBhvr>
+                                      <p:to>
+                                        <p:strVal val="visible"/>
+                                      </p:to>
+                                    </p:set>
+                                  </p:childTnLst>
+                                </p:cTn>
+                              </p:par>
+                              <p:par>
+                                <p:cTn id="25" presetID="1" presetClass="entr" presetSubtype="0" fill="hold" nodeType="withEffect">
+                                  <p:stCondLst>
+                                    <p:cond delay="0"/>
+                                  </p:stCondLst>
+                                  <p:childTnLst>
+                                    <p:set>
+                                      <p:cBhvr>
+                                        <p:cTn id="26" dur="1" fill="hold">
+                                          <p:stCondLst>
+                                            <p:cond delay="0"/>
+                                          </p:stCondLst>
+                                        </p:cTn>
+                                        <p:tgtEl>
+                                          <p:spTgt spid="3">
+                                            <p:txEl>
+                                              <p:pRg st="8" end="8"/>
+                                            </p:txEl>
+                                          </p:spTgt>
+                                        </p:tgtEl>
+                                        <p:attrNameLst>
+                                          <p:attrName>style.visibility</p:attrName>
+                                        </p:attrNameLst>
+                                      </p:cBhvr>
+                                      <p:to>
+                                        <p:strVal val="visible"/>
+                                      </p:to>
+                                    </p:set>
+                                  </p:childTnLst>
+                                </p:cTn>
+                              </p:par>
+                              <p:par>
+                                <p:cTn id="27" presetID="1" presetClass="entr" presetSubtype="0" fill="hold" nodeType="withEffect">
+                                  <p:stCondLst>
+                                    <p:cond delay="0"/>
+                                  </p:stCondLst>
+                                  <p:childTnLst>
+                                    <p:set>
+                                      <p:cBhvr>
+                                        <p:cTn id="28" dur="1" fill="hold">
+                                          <p:stCondLst>
+                                            <p:cond delay="0"/>
+                                          </p:stCondLst>
+                                        </p:cTn>
+                                        <p:tgtEl>
+                                          <p:spTgt spid="3">
+                                            <p:txEl>
+                                              <p:pRg st="9" end="9"/>
+                                            </p:txEl>
+                                          </p:spTgt>
+                                        </p:tgtEl>
+                                        <p:attrNameLst>
+                                          <p:attrName>style.visibility</p:attrName>
+                                        </p:attrNameLst>
+                                      </p:cBhvr>
+                                      <p:to>
+                                        <p:strVal val="visible"/>
+                                      </p:to>
+                                    </p:set>
+                                  </p:childTnLst>
+                                </p:cTn>
+                              </p:par>
+                            </p:childTnLst>
+                          </p:cTn>
+                        </p:par>
+                      </p:childTnLst>
+                    </p:cTn>
+                  </p:par>
+                </p:childTnLst>
+              </p:cTn>
+              <p:prevCondLst>
+                <p:cond evt="onPrev" delay="0">
+                  <p:tgtEl>
+                    <p:sldTgt/>
+                  </p:tgtEl>
+                </p:cond>
+              </p:prevCondLst>
+              <p:nextCondLst>
+                <p:cond evt="onNext" delay="0">
+                  <p:tgtEl>
+                    <p:sldTgt/>
+                  </p:tgtEl>
+                </p:cond>
+              </p:nextCondLst>
+            </p:seq>
+          </p:childTnLst>
+        </p:cTn>
+      </p:par>
+    </p:tnLst>
+  </p:timing>
+</p:sld>
+</file>
+
+<file path=ppt/slides/slide14.xml><?xml version="1.0" encoding="utf-8"?>
+<p:sld xmlns:a="http://schemas.openxmlformats.org/drawingml/2006/main" xmlns:r="http://schemas.openxmlformats.org/officeDocument/2006/relationships" xmlns:p="http://schemas.openxmlformats.org/presentationml/2006/main">
+  <p:cSld>
+    <p:spTree>
+      <p:nvGrpSpPr>
+        <p:cNvPr id="1" name=""/>
+        <p:cNvGrpSpPr/>
+        <p:nvPr/>
+      </p:nvGrpSpPr>
+      <p:grpSpPr>
+        <a:xfrm>
+          <a:off x="0" y="0"/>
+          <a:ext cx="0" cy="0"/>
+          <a:chOff x="0" y="0"/>
+          <a:chExt cx="0" cy="0"/>
+        </a:xfrm>
+      </p:grpSpPr>
+      <p:sp>
+        <p:nvSpPr>
+          <p:cNvPr id="2" name="Titre 1"/>
+          <p:cNvSpPr>
+            <a:spLocks noGrp="1"/>
+          </p:cNvSpPr>
+          <p:nvPr>
+            <p:ph type="title"/>
+          </p:nvPr>
+        </p:nvSpPr>
+        <p:spPr/>
+        <p:txBody>
+          <a:bodyPr/>
+          <a:lstStyle/>
+          <a:p>
+            <a:r>
               <a:rPr lang="fr-CA" dirty="0" err="1" smtClean="0"/>
               <a:t>References</a:t>
             </a:r>
@@ -7401,7 +11053,6 @@
               <a:rPr lang="pt-BR" b="1" u="sng" dirty="0" smtClean="0"/>
               <a:t>POM</a:t>
             </a:r>
-            <a:endParaRPr lang="pt-BR" b="1" u="sng" dirty="0" smtClean="0"/>
           </a:p>
           <a:p>
             <a:pPr>
@@ -7553,11 +11204,7 @@
             <a:pPr algn="ctr"/>
             <a:r>
               <a:rPr lang="en-US" dirty="0" smtClean="0"/>
-              <a:t>Parameterize </a:t>
-            </a:r>
-            <a:r>
-              <a:rPr lang="en-US" dirty="0" smtClean="0"/>
-              <a:t>IBMs</a:t>
+              <a:t>Parameterize IBMs</a:t>
             </a:r>
             <a:endParaRPr lang="fr-CA" dirty="0"/>
           </a:p>
@@ -7584,6 +11231,502 @@
 </file>
 
 <file path=ppt/slides/slide3.xml><?xml version="1.0" encoding="utf-8"?>
+<p:sld xmlns:a="http://schemas.openxmlformats.org/drawingml/2006/main" xmlns:r="http://schemas.openxmlformats.org/officeDocument/2006/relationships" xmlns:p="http://schemas.openxmlformats.org/presentationml/2006/main">
+  <p:cSld>
+    <p:spTree>
+      <p:nvGrpSpPr>
+        <p:cNvPr id="1" name=""/>
+        <p:cNvGrpSpPr/>
+        <p:nvPr/>
+      </p:nvGrpSpPr>
+      <p:grpSpPr>
+        <a:xfrm>
+          <a:off x="0" y="0"/>
+          <a:ext cx="0" cy="0"/>
+          <a:chOff x="0" y="0"/>
+          <a:chExt cx="0" cy="0"/>
+        </a:xfrm>
+      </p:grpSpPr>
+      <p:sp>
+        <p:nvSpPr>
+          <p:cNvPr id="2" name="Titre 1"/>
+          <p:cNvSpPr>
+            <a:spLocks noGrp="1"/>
+          </p:cNvSpPr>
+          <p:nvPr>
+            <p:ph type="title"/>
+          </p:nvPr>
+        </p:nvSpPr>
+        <p:spPr/>
+        <p:txBody>
+          <a:bodyPr/>
+          <a:lstStyle/>
+          <a:p>
+            <a:r>
+              <a:rPr lang="fr-CA" dirty="0" err="1" smtClean="0"/>
+              <a:t>Parameterize</a:t>
+            </a:r>
+            <a:r>
+              <a:rPr lang="fr-CA" dirty="0" smtClean="0"/>
+              <a:t> </a:t>
+            </a:r>
+            <a:r>
+              <a:rPr lang="fr-CA" dirty="0" err="1" smtClean="0"/>
+              <a:t>IBMs</a:t>
+            </a:r>
+            <a:endParaRPr lang="fr-FR" dirty="0"/>
+          </a:p>
+        </p:txBody>
+      </p:sp>
+      <p:sp>
+        <p:nvSpPr>
+          <p:cNvPr id="3" name="Espace réservé du contenu 2"/>
+          <p:cNvSpPr>
+            <a:spLocks noGrp="1"/>
+          </p:cNvSpPr>
+          <p:nvPr>
+            <p:ph idx="1"/>
+          </p:nvPr>
+        </p:nvSpPr>
+        <p:spPr/>
+        <p:txBody>
+          <a:bodyPr/>
+          <a:lstStyle/>
+          <a:p>
+            <a:r>
+              <a:rPr lang="fr-CA" dirty="0" smtClean="0"/>
+              <a:t>You have </a:t>
+            </a:r>
+            <a:r>
+              <a:rPr lang="fr-CA" dirty="0" err="1" smtClean="0"/>
+              <a:t>estimate</a:t>
+            </a:r>
+            <a:r>
+              <a:rPr lang="fr-CA" dirty="0" smtClean="0"/>
+              <a:t> for </a:t>
+            </a:r>
+            <a:r>
+              <a:rPr lang="fr-CA" dirty="0" err="1" smtClean="0"/>
+              <a:t>your</a:t>
+            </a:r>
+            <a:r>
+              <a:rPr lang="fr-CA" dirty="0" smtClean="0"/>
+              <a:t> </a:t>
+            </a:r>
+            <a:r>
+              <a:rPr lang="fr-CA" dirty="0" err="1" smtClean="0"/>
+              <a:t>parameters</a:t>
+            </a:r>
+            <a:r>
+              <a:rPr lang="fr-CA" dirty="0" smtClean="0"/>
+              <a:t> </a:t>
+            </a:r>
+            <a:r>
+              <a:rPr lang="fr-CA" dirty="0" err="1" smtClean="0"/>
+              <a:t>from</a:t>
+            </a:r>
+            <a:r>
+              <a:rPr lang="fr-CA" dirty="0" smtClean="0"/>
+              <a:t> </a:t>
+            </a:r>
+            <a:r>
+              <a:rPr lang="fr-CA" dirty="0" err="1" smtClean="0"/>
+              <a:t>field</a:t>
+            </a:r>
+            <a:r>
+              <a:rPr lang="fr-CA" dirty="0" smtClean="0"/>
+              <a:t> data or </a:t>
+            </a:r>
+            <a:r>
+              <a:rPr lang="fr-CA" dirty="0" err="1" smtClean="0"/>
+              <a:t>literatture</a:t>
+            </a:r>
+            <a:endParaRPr lang="fr-CA" dirty="0" smtClean="0"/>
+          </a:p>
+          <a:p>
+            <a:pPr lvl="1"/>
+            <a:r>
+              <a:rPr lang="fr-CA" dirty="0" err="1" smtClean="0"/>
+              <a:t>E.g</a:t>
+            </a:r>
+            <a:r>
+              <a:rPr lang="fr-CA" dirty="0" smtClean="0"/>
+              <a:t>., </a:t>
+            </a:r>
+            <a:r>
+              <a:rPr lang="fr-CA" dirty="0" err="1" smtClean="0"/>
+              <a:t>mortality</a:t>
+            </a:r>
+            <a:r>
+              <a:rPr lang="fr-CA" dirty="0" smtClean="0"/>
+              <a:t> </a:t>
+            </a:r>
+            <a:r>
+              <a:rPr lang="fr-CA" dirty="0" err="1" smtClean="0"/>
+              <a:t>probability</a:t>
+            </a:r>
+            <a:r>
+              <a:rPr lang="fr-CA" dirty="0" smtClean="0"/>
+              <a:t>, reproduction </a:t>
+            </a:r>
+            <a:r>
+              <a:rPr lang="fr-CA" dirty="0" err="1" smtClean="0"/>
+              <a:t>probability</a:t>
+            </a:r>
+            <a:r>
+              <a:rPr lang="fr-CA" dirty="0" smtClean="0"/>
+              <a:t>, </a:t>
+            </a:r>
+            <a:r>
+              <a:rPr lang="fr-CA" dirty="0" err="1" smtClean="0"/>
+              <a:t>age</a:t>
+            </a:r>
+            <a:r>
+              <a:rPr lang="fr-CA" dirty="0" smtClean="0"/>
+              <a:t> maximum, …</a:t>
+            </a:r>
+          </a:p>
+          <a:p>
+            <a:pPr lvl="1"/>
+            <a:endParaRPr lang="fr-CA" dirty="0"/>
+          </a:p>
+          <a:p>
+            <a:r>
+              <a:rPr lang="fr-CA" dirty="0" smtClean="0"/>
+              <a:t>You </a:t>
+            </a:r>
+            <a:r>
+              <a:rPr lang="fr-CA" dirty="0" err="1" smtClean="0"/>
+              <a:t>don’t</a:t>
+            </a:r>
+            <a:r>
+              <a:rPr lang="fr-CA" dirty="0" smtClean="0"/>
+              <a:t> have </a:t>
+            </a:r>
+            <a:r>
+              <a:rPr lang="fr-CA" dirty="0" err="1" smtClean="0"/>
+              <a:t>estimate</a:t>
+            </a:r>
+            <a:r>
+              <a:rPr lang="fr-CA" dirty="0" smtClean="0"/>
+              <a:t> for </a:t>
+            </a:r>
+            <a:r>
+              <a:rPr lang="fr-CA" dirty="0" err="1" smtClean="0"/>
+              <a:t>your</a:t>
+            </a:r>
+            <a:r>
+              <a:rPr lang="fr-CA" dirty="0" smtClean="0"/>
+              <a:t> </a:t>
+            </a:r>
+            <a:r>
+              <a:rPr lang="fr-CA" dirty="0" err="1" smtClean="0"/>
+              <a:t>parameters</a:t>
+            </a:r>
+            <a:endParaRPr lang="fr-CA" dirty="0" smtClean="0"/>
+          </a:p>
+          <a:p>
+            <a:pPr lvl="1"/>
+            <a:r>
+              <a:rPr lang="fr-CA" dirty="0" err="1" smtClean="0"/>
+              <a:t>Calibrate</a:t>
+            </a:r>
+            <a:r>
+              <a:rPr lang="fr-CA" dirty="0" smtClean="0"/>
+              <a:t> </a:t>
+            </a:r>
+            <a:r>
+              <a:rPr lang="fr-CA" dirty="0" err="1" smtClean="0"/>
+              <a:t>them</a:t>
+            </a:r>
+            <a:r>
+              <a:rPr lang="fr-CA" dirty="0" smtClean="0"/>
+              <a:t> </a:t>
+            </a:r>
+            <a:r>
+              <a:rPr lang="fr-CA" dirty="0" err="1" smtClean="0"/>
+              <a:t>from</a:t>
+            </a:r>
+            <a:r>
+              <a:rPr lang="fr-CA" dirty="0" smtClean="0"/>
+              <a:t> simulations</a:t>
+            </a:r>
+          </a:p>
+          <a:p>
+            <a:pPr lvl="2"/>
+            <a:r>
+              <a:rPr lang="fr-CA" dirty="0" smtClean="0"/>
+              <a:t>Pattern-</a:t>
+            </a:r>
+            <a:r>
+              <a:rPr lang="fr-CA" dirty="0" err="1" smtClean="0"/>
+              <a:t>oriented</a:t>
+            </a:r>
+            <a:r>
+              <a:rPr lang="fr-CA" dirty="0" smtClean="0"/>
+              <a:t> </a:t>
+            </a:r>
+            <a:r>
+              <a:rPr lang="fr-CA" dirty="0" err="1" smtClean="0"/>
+              <a:t>modelling</a:t>
+            </a:r>
+            <a:endParaRPr lang="fr-FR" dirty="0"/>
+          </a:p>
+        </p:txBody>
+      </p:sp>
+    </p:spTree>
+    <p:extLst>
+      <p:ext uri="{BB962C8B-B14F-4D97-AF65-F5344CB8AC3E}">
+        <p14:creationId xmlns:p14="http://schemas.microsoft.com/office/powerpoint/2010/main" val="3081961230"/>
+      </p:ext>
+    </p:extLst>
+  </p:cSld>
+  <p:clrMapOvr>
+    <a:masterClrMapping/>
+  </p:clrMapOvr>
+  <p:timing>
+    <p:tnLst>
+      <p:par>
+        <p:cTn id="1" dur="indefinite" restart="never" nodeType="tmRoot">
+          <p:childTnLst>
+            <p:seq concurrent="1" nextAc="seek">
+              <p:cTn id="2" dur="indefinite" nodeType="mainSeq">
+                <p:childTnLst>
+                  <p:par>
+                    <p:cTn id="3" fill="hold">
+                      <p:stCondLst>
+                        <p:cond delay="indefinite"/>
+                      </p:stCondLst>
+                      <p:childTnLst>
+                        <p:par>
+                          <p:cTn id="4" fill="hold">
+                            <p:stCondLst>
+                              <p:cond delay="0"/>
+                            </p:stCondLst>
+                            <p:childTnLst>
+                              <p:par>
+                                <p:cTn id="5" presetID="1" presetClass="entr" presetSubtype="0" fill="hold" nodeType="clickEffect">
+                                  <p:stCondLst>
+                                    <p:cond delay="0"/>
+                                  </p:stCondLst>
+                                  <p:childTnLst>
+                                    <p:set>
+                                      <p:cBhvr>
+                                        <p:cTn id="6" dur="1" fill="hold">
+                                          <p:stCondLst>
+                                            <p:cond delay="0"/>
+                                          </p:stCondLst>
+                                        </p:cTn>
+                                        <p:tgtEl>
+                                          <p:spTgt spid="3">
+                                            <p:txEl>
+                                              <p:pRg st="0" end="0"/>
+                                            </p:txEl>
+                                          </p:spTgt>
+                                        </p:tgtEl>
+                                        <p:attrNameLst>
+                                          <p:attrName>style.visibility</p:attrName>
+                                        </p:attrNameLst>
+                                      </p:cBhvr>
+                                      <p:to>
+                                        <p:strVal val="visible"/>
+                                      </p:to>
+                                    </p:set>
+                                  </p:childTnLst>
+                                </p:cTn>
+                              </p:par>
+                              <p:par>
+                                <p:cTn id="7" presetID="1" presetClass="entr" presetSubtype="0" fill="hold" nodeType="withEffect">
+                                  <p:stCondLst>
+                                    <p:cond delay="0"/>
+                                  </p:stCondLst>
+                                  <p:childTnLst>
+                                    <p:set>
+                                      <p:cBhvr>
+                                        <p:cTn id="8" dur="1" fill="hold">
+                                          <p:stCondLst>
+                                            <p:cond delay="0"/>
+                                          </p:stCondLst>
+                                        </p:cTn>
+                                        <p:tgtEl>
+                                          <p:spTgt spid="3">
+                                            <p:txEl>
+                                              <p:pRg st="1" end="1"/>
+                                            </p:txEl>
+                                          </p:spTgt>
+                                        </p:tgtEl>
+                                        <p:attrNameLst>
+                                          <p:attrName>style.visibility</p:attrName>
+                                        </p:attrNameLst>
+                                      </p:cBhvr>
+                                      <p:to>
+                                        <p:strVal val="visible"/>
+                                      </p:to>
+                                    </p:set>
+                                  </p:childTnLst>
+                                </p:cTn>
+                              </p:par>
+                            </p:childTnLst>
+                          </p:cTn>
+                        </p:par>
+                      </p:childTnLst>
+                    </p:cTn>
+                  </p:par>
+                  <p:par>
+                    <p:cTn id="9" fill="hold">
+                      <p:stCondLst>
+                        <p:cond delay="indefinite"/>
+                      </p:stCondLst>
+                      <p:childTnLst>
+                        <p:par>
+                          <p:cTn id="10" fill="hold">
+                            <p:stCondLst>
+                              <p:cond delay="0"/>
+                            </p:stCondLst>
+                            <p:childTnLst>
+                              <p:par>
+                                <p:cTn id="11" presetID="1" presetClass="entr" presetSubtype="0" fill="hold" nodeType="clickEffect">
+                                  <p:stCondLst>
+                                    <p:cond delay="0"/>
+                                  </p:stCondLst>
+                                  <p:childTnLst>
+                                    <p:set>
+                                      <p:cBhvr>
+                                        <p:cTn id="12" dur="1" fill="hold">
+                                          <p:stCondLst>
+                                            <p:cond delay="0"/>
+                                          </p:stCondLst>
+                                        </p:cTn>
+                                        <p:tgtEl>
+                                          <p:spTgt spid="3">
+                                            <p:txEl>
+                                              <p:pRg st="3" end="3"/>
+                                            </p:txEl>
+                                          </p:spTgt>
+                                        </p:tgtEl>
+                                        <p:attrNameLst>
+                                          <p:attrName>style.visibility</p:attrName>
+                                        </p:attrNameLst>
+                                      </p:cBhvr>
+                                      <p:to>
+                                        <p:strVal val="visible"/>
+                                      </p:to>
+                                    </p:set>
+                                  </p:childTnLst>
+                                </p:cTn>
+                              </p:par>
+                            </p:childTnLst>
+                          </p:cTn>
+                        </p:par>
+                      </p:childTnLst>
+                    </p:cTn>
+                  </p:par>
+                  <p:par>
+                    <p:cTn id="13" fill="hold">
+                      <p:stCondLst>
+                        <p:cond delay="indefinite"/>
+                      </p:stCondLst>
+                      <p:childTnLst>
+                        <p:par>
+                          <p:cTn id="14" fill="hold">
+                            <p:stCondLst>
+                              <p:cond delay="0"/>
+                            </p:stCondLst>
+                            <p:childTnLst>
+                              <p:par>
+                                <p:cTn id="15" presetID="1" presetClass="entr" presetSubtype="0" fill="hold" nodeType="clickEffect">
+                                  <p:stCondLst>
+                                    <p:cond delay="0"/>
+                                  </p:stCondLst>
+                                  <p:childTnLst>
+                                    <p:set>
+                                      <p:cBhvr>
+                                        <p:cTn id="16" dur="1" fill="hold">
+                                          <p:stCondLst>
+                                            <p:cond delay="0"/>
+                                          </p:stCondLst>
+                                        </p:cTn>
+                                        <p:tgtEl>
+                                          <p:spTgt spid="3">
+                                            <p:txEl>
+                                              <p:pRg st="4" end="4"/>
+                                            </p:txEl>
+                                          </p:spTgt>
+                                        </p:tgtEl>
+                                        <p:attrNameLst>
+                                          <p:attrName>style.visibility</p:attrName>
+                                        </p:attrNameLst>
+                                      </p:cBhvr>
+                                      <p:to>
+                                        <p:strVal val="visible"/>
+                                      </p:to>
+                                    </p:set>
+                                  </p:childTnLst>
+                                </p:cTn>
+                              </p:par>
+                              <p:par>
+                                <p:cTn id="17" presetID="1" presetClass="entr" presetSubtype="0" fill="hold" nodeType="withEffect">
+                                  <p:stCondLst>
+                                    <p:cond delay="0"/>
+                                  </p:stCondLst>
+                                  <p:childTnLst>
+                                    <p:set>
+                                      <p:cBhvr>
+                                        <p:cTn id="18" dur="1" fill="hold">
+                                          <p:stCondLst>
+                                            <p:cond delay="0"/>
+                                          </p:stCondLst>
+                                        </p:cTn>
+                                        <p:tgtEl>
+                                          <p:spTgt spid="3">
+                                            <p:txEl>
+                                              <p:pRg st="5" end="5"/>
+                                            </p:txEl>
+                                          </p:spTgt>
+                                        </p:tgtEl>
+                                        <p:attrNameLst>
+                                          <p:attrName>style.visibility</p:attrName>
+                                        </p:attrNameLst>
+                                      </p:cBhvr>
+                                      <p:to>
+                                        <p:strVal val="visible"/>
+                                      </p:to>
+                                    </p:set>
+                                  </p:childTnLst>
+                                </p:cTn>
+                              </p:par>
+                            </p:childTnLst>
+                          </p:cTn>
+                        </p:par>
+                      </p:childTnLst>
+                    </p:cTn>
+                  </p:par>
+                </p:childTnLst>
+              </p:cTn>
+              <p:prevCondLst>
+                <p:cond evt="onPrev" delay="0">
+                  <p:tgtEl>
+                    <p:sldTgt/>
+                  </p:tgtEl>
+                </p:cond>
+              </p:prevCondLst>
+              <p:nextCondLst>
+                <p:cond evt="onNext" delay="0">
+                  <p:tgtEl>
+                    <p:sldTgt/>
+                  </p:tgtEl>
+                </p:cond>
+              </p:nextCondLst>
+            </p:seq>
+          </p:childTnLst>
+        </p:cTn>
+      </p:par>
+    </p:tnLst>
+  </p:timing>
+</p:sld>
+</file>
+
+<file path=ppt/slides/slide4.xml><?xml version="1.0" encoding="utf-8"?>
 <p:sld xmlns:a="http://schemas.openxmlformats.org/drawingml/2006/main" xmlns:r="http://schemas.openxmlformats.org/officeDocument/2006/relationships" xmlns:p="http://schemas.openxmlformats.org/presentationml/2006/main">
   <p:cSld>
     <p:spTree>
@@ -8448,7 +12591,7 @@
 </p:sld>
 </file>
 
-<file path=ppt/slides/slide4.xml><?xml version="1.0" encoding="utf-8"?>
+<file path=ppt/slides/slide5.xml><?xml version="1.0" encoding="utf-8"?>
 <p:sld xmlns:a="http://schemas.openxmlformats.org/drawingml/2006/main" xmlns:r="http://schemas.openxmlformats.org/officeDocument/2006/relationships" xmlns:p="http://schemas.openxmlformats.org/presentationml/2006/main">
   <p:cSld>
     <p:spTree>
@@ -11472,7 +15615,7 @@
 </p:sld>
 </file>
 
-<file path=ppt/slides/slide5.xml><?xml version="1.0" encoding="utf-8"?>
+<file path=ppt/slides/slide6.xml><?xml version="1.0" encoding="utf-8"?>
 <p:sld xmlns:a="http://schemas.openxmlformats.org/drawingml/2006/main" xmlns:r="http://schemas.openxmlformats.org/officeDocument/2006/relationships" xmlns:p="http://schemas.openxmlformats.org/presentationml/2006/main">
   <p:cSld>
     <p:spTree>
@@ -16402,7 +20545,7 @@
 </p:sld>
 </file>
 
-<file path=ppt/slides/slide6.xml><?xml version="1.0" encoding="utf-8"?>
+<file path=ppt/slides/slide7.xml><?xml version="1.0" encoding="utf-8"?>
 <p:sld xmlns:a="http://schemas.openxmlformats.org/drawingml/2006/main" xmlns:r="http://schemas.openxmlformats.org/officeDocument/2006/relationships" xmlns:p="http://schemas.openxmlformats.org/presentationml/2006/main">
   <p:cSld>
     <p:spTree>
@@ -21704,7 +25847,7 @@
 </p:sld>
 </file>
 
-<file path=ppt/slides/slide7.xml><?xml version="1.0" encoding="utf-8"?>
+<file path=ppt/slides/slide8.xml><?xml version="1.0" encoding="utf-8"?>
 <p:sld xmlns:a="http://schemas.openxmlformats.org/drawingml/2006/main" xmlns:r="http://schemas.openxmlformats.org/officeDocument/2006/relationships" xmlns:p="http://schemas.openxmlformats.org/presentationml/2006/main">
   <p:cSld>
     <p:spTree>
@@ -26820,7 +30963,7 @@
 </p:sld>
 </file>
 
-<file path=ppt/slides/slide8.xml><?xml version="1.0" encoding="utf-8"?>
+<file path=ppt/slides/slide9.xml><?xml version="1.0" encoding="utf-8"?>
 <p:sld xmlns:a="http://schemas.openxmlformats.org/drawingml/2006/main" xmlns:r="http://schemas.openxmlformats.org/officeDocument/2006/relationships" xmlns:p="http://schemas.openxmlformats.org/presentationml/2006/main">
   <p:cSld>
     <p:spTree>
@@ -27061,7 +31204,19 @@
             <a:lstStyle/>
             <a:p>
               <a:pPr algn="ctr"/>
-              <a:endParaRPr lang="en-US"/>
+              <a:r>
+                <a:rPr lang="en-US" dirty="0" smtClean="0">
+                  <a:solidFill>
+                    <a:schemeClr val="tx1"/>
+                  </a:solidFill>
+                </a:rPr>
+                <a:t>Random walk</a:t>
+              </a:r>
+              <a:endParaRPr lang="en-US" dirty="0">
+                <a:solidFill>
+                  <a:schemeClr val="tx1"/>
+                </a:solidFill>
+              </a:endParaRPr>
             </a:p>
           </p:txBody>
         </p:sp>
@@ -27162,7 +31317,19 @@
             <a:lstStyle/>
             <a:p>
               <a:pPr algn="ctr"/>
-              <a:endParaRPr lang="en-US"/>
+              <a:r>
+                <a:rPr lang="en-US" dirty="0" smtClean="0">
+                  <a:solidFill>
+                    <a:schemeClr val="tx1"/>
+                  </a:solidFill>
+                </a:rPr>
+                <a:t>Correlated random walk</a:t>
+              </a:r>
+              <a:endParaRPr lang="en-US" dirty="0">
+                <a:solidFill>
+                  <a:schemeClr val="tx1"/>
+                </a:solidFill>
+              </a:endParaRPr>
             </a:p>
           </p:txBody>
         </p:sp>
@@ -27263,7 +31430,19 @@
             <a:lstStyle/>
             <a:p>
               <a:pPr algn="ctr"/>
-              <a:endParaRPr lang="en-US"/>
+              <a:r>
+                <a:rPr lang="en-US" dirty="0" smtClean="0">
+                  <a:solidFill>
+                    <a:schemeClr val="tx1"/>
+                  </a:solidFill>
+                </a:rPr>
+                <a:t>Habitat-biased random walk</a:t>
+              </a:r>
+              <a:endParaRPr lang="en-US" dirty="0">
+                <a:solidFill>
+                  <a:schemeClr val="tx1"/>
+                </a:solidFill>
+              </a:endParaRPr>
             </a:p>
           </p:txBody>
         </p:sp>
@@ -27364,7 +31543,19 @@
             <a:lstStyle/>
             <a:p>
               <a:pPr algn="ctr"/>
-              <a:endParaRPr lang="en-US"/>
+              <a:r>
+                <a:rPr lang="en-US" dirty="0" smtClean="0">
+                  <a:solidFill>
+                    <a:schemeClr val="tx1"/>
+                  </a:solidFill>
+                </a:rPr>
+                <a:t>…</a:t>
+              </a:r>
+              <a:endParaRPr lang="en-US" dirty="0">
+                <a:solidFill>
+                  <a:schemeClr val="tx1"/>
+                </a:solidFill>
+              </a:endParaRPr>
             </a:p>
           </p:txBody>
         </p:sp>
@@ -27465,7 +31656,19 @@
             <a:lstStyle/>
             <a:p>
               <a:pPr algn="ctr"/>
-              <a:endParaRPr lang="en-US"/>
+              <a:r>
+                <a:rPr lang="en-US" dirty="0" smtClean="0">
+                  <a:solidFill>
+                    <a:schemeClr val="tx1"/>
+                  </a:solidFill>
+                </a:rPr>
+                <a:t>…</a:t>
+              </a:r>
+              <a:endParaRPr lang="en-US" dirty="0">
+                <a:solidFill>
+                  <a:schemeClr val="tx1"/>
+                </a:solidFill>
+              </a:endParaRPr>
             </a:p>
           </p:txBody>
         </p:sp>
@@ -27566,7 +31769,27 @@
             <a:lstStyle/>
             <a:p>
               <a:pPr algn="ctr"/>
-              <a:endParaRPr lang="en-US"/>
+              <a:r>
+                <a:rPr lang="en-US" dirty="0" smtClean="0">
+                  <a:solidFill>
+                    <a:schemeClr val="tx1"/>
+                  </a:solidFill>
+                </a:rPr>
+                <a:t>..</a:t>
+              </a:r>
+              <a:r>
+                <a:rPr lang="en-US" dirty="0" smtClean="0">
+                  <a:solidFill>
+                    <a:schemeClr val="tx1"/>
+                  </a:solidFill>
+                </a:rPr>
+                <a:t>.</a:t>
+              </a:r>
+              <a:endParaRPr lang="en-US" dirty="0">
+                <a:solidFill>
+                  <a:schemeClr val="tx1"/>
+                </a:solidFill>
+              </a:endParaRPr>
             </a:p>
           </p:txBody>
         </p:sp>
@@ -27799,1487 +32022,6 @@
     <p:extLst>
       <p:ext uri="{BB962C8B-B14F-4D97-AF65-F5344CB8AC3E}">
         <p14:creationId xmlns:p14="http://schemas.microsoft.com/office/powerpoint/2010/main" val="453539014"/>
-      </p:ext>
-    </p:extLst>
-  </p:cSld>
-  <p:clrMapOvr>
-    <a:masterClrMapping/>
-  </p:clrMapOvr>
-  <p:timing>
-    <p:tnLst>
-      <p:par>
-        <p:cTn id="1" dur="indefinite" restart="never" nodeType="tmRoot"/>
-      </p:par>
-    </p:tnLst>
-  </p:timing>
-</p:sld>
-</file>
-
-<file path=ppt/slides/slide9.xml><?xml version="1.0" encoding="utf-8"?>
-<p:sld xmlns:a="http://schemas.openxmlformats.org/drawingml/2006/main" xmlns:r="http://schemas.openxmlformats.org/officeDocument/2006/relationships" xmlns:p="http://schemas.openxmlformats.org/presentationml/2006/main">
-  <p:cSld>
-    <p:spTree>
-      <p:nvGrpSpPr>
-        <p:cNvPr id="1" name=""/>
-        <p:cNvGrpSpPr/>
-        <p:nvPr/>
-      </p:nvGrpSpPr>
-      <p:grpSpPr>
-        <a:xfrm>
-          <a:off x="0" y="0"/>
-          <a:ext cx="0" cy="0"/>
-          <a:chOff x="0" y="0"/>
-          <a:chExt cx="0" cy="0"/>
-        </a:xfrm>
-      </p:grpSpPr>
-      <p:sp>
-        <p:nvSpPr>
-          <p:cNvPr id="2" name="Titre 1"/>
-          <p:cNvSpPr>
-            <a:spLocks noGrp="1"/>
-          </p:cNvSpPr>
-          <p:nvPr>
-            <p:ph type="title"/>
-          </p:nvPr>
-        </p:nvSpPr>
-        <p:spPr/>
-        <p:txBody>
-          <a:bodyPr/>
-          <a:lstStyle/>
-          <a:p>
-            <a:r>
-              <a:rPr lang="fr-CA" dirty="0" smtClean="0"/>
-              <a:t>Caribou model</a:t>
-            </a:r>
-            <a:endParaRPr lang="fr-CA" dirty="0"/>
-          </a:p>
-        </p:txBody>
-      </p:sp>
-      <p:sp>
-        <p:nvSpPr>
-          <p:cNvPr id="3" name="Espace réservé du contenu 2"/>
-          <p:cNvSpPr>
-            <a:spLocks noGrp="1"/>
-          </p:cNvSpPr>
-          <p:nvPr>
-            <p:ph idx="1"/>
-          </p:nvPr>
-        </p:nvSpPr>
-        <p:spPr>
-          <a:xfrm>
-            <a:off x="677334" y="1450429"/>
-            <a:ext cx="10158832" cy="4590934"/>
-          </a:xfrm>
-        </p:spPr>
-        <p:txBody>
-          <a:bodyPr>
-            <a:normAutofit/>
-          </a:bodyPr>
-          <a:lstStyle/>
-          <a:p>
-            <a:r>
-              <a:rPr lang="fr-CA" sz="2400" dirty="0">
-                <a:solidFill>
-                  <a:schemeClr val="tx1"/>
-                </a:solidFill>
-              </a:rPr>
-              <a:t>6 </a:t>
-            </a:r>
-            <a:r>
-              <a:rPr lang="fr-CA" sz="2400" dirty="0" err="1" smtClean="0">
-                <a:solidFill>
-                  <a:schemeClr val="tx1"/>
-                </a:solidFill>
-              </a:rPr>
-              <a:t>movement</a:t>
-            </a:r>
-            <a:r>
-              <a:rPr lang="fr-CA" sz="2400" dirty="0" smtClean="0">
-                <a:solidFill>
-                  <a:schemeClr val="tx1"/>
-                </a:solidFill>
-              </a:rPr>
-              <a:t> </a:t>
-            </a:r>
-            <a:r>
-              <a:rPr lang="fr-CA" sz="2400" dirty="0" err="1" smtClean="0">
-                <a:solidFill>
-                  <a:schemeClr val="tx1"/>
-                </a:solidFill>
-              </a:rPr>
-              <a:t>hypotheses</a:t>
-            </a:r>
-            <a:r>
-              <a:rPr lang="fr-CA" sz="2400" dirty="0" smtClean="0">
-                <a:solidFill>
-                  <a:schemeClr val="tx1"/>
-                </a:solidFill>
-              </a:rPr>
-              <a:t> = </a:t>
-            </a:r>
-            <a:r>
-              <a:rPr lang="fr-CA" sz="2400" dirty="0">
-                <a:solidFill>
-                  <a:schemeClr val="tx1"/>
-                </a:solidFill>
-              </a:rPr>
-              <a:t>6 </a:t>
-            </a:r>
-            <a:r>
-              <a:rPr lang="fr-CA" sz="2400" dirty="0" err="1" smtClean="0">
-                <a:solidFill>
-                  <a:schemeClr val="tx1"/>
-                </a:solidFill>
-              </a:rPr>
-              <a:t>different</a:t>
-            </a:r>
-            <a:r>
-              <a:rPr lang="fr-CA" sz="2400" dirty="0" smtClean="0">
-                <a:solidFill>
-                  <a:schemeClr val="tx1"/>
-                </a:solidFill>
-              </a:rPr>
-              <a:t> </a:t>
-            </a:r>
-            <a:r>
-              <a:rPr lang="fr-CA" sz="2400" dirty="0" err="1" smtClean="0">
-                <a:solidFill>
-                  <a:schemeClr val="tx1"/>
-                </a:solidFill>
-              </a:rPr>
-              <a:t>models</a:t>
-            </a:r>
-            <a:endParaRPr lang="fr-CA" sz="2400" dirty="0">
-              <a:solidFill>
-                <a:schemeClr val="tx1"/>
-              </a:solidFill>
-            </a:endParaRPr>
-          </a:p>
-          <a:p>
-            <a:r>
-              <a:rPr lang="fr-CA" sz="2400" dirty="0" err="1" smtClean="0">
-                <a:solidFill>
-                  <a:schemeClr val="tx1"/>
-                </a:solidFill>
-              </a:rPr>
-              <a:t>Each</a:t>
-            </a:r>
-            <a:r>
-              <a:rPr lang="fr-CA" sz="2400" dirty="0" smtClean="0">
-                <a:solidFill>
-                  <a:schemeClr val="tx1"/>
-                </a:solidFill>
-              </a:rPr>
-              <a:t> model </a:t>
-            </a:r>
-            <a:r>
-              <a:rPr lang="fr-CA" sz="2400" dirty="0" err="1" smtClean="0">
-                <a:solidFill>
-                  <a:schemeClr val="tx1"/>
-                </a:solidFill>
-              </a:rPr>
-              <a:t>parameterized</a:t>
-            </a:r>
-            <a:r>
-              <a:rPr lang="fr-CA" sz="2400" dirty="0" smtClean="0">
-                <a:solidFill>
-                  <a:schemeClr val="tx1"/>
-                </a:solidFill>
-              </a:rPr>
-              <a:t> </a:t>
-            </a:r>
-            <a:r>
-              <a:rPr lang="fr-CA" sz="2400" dirty="0" err="1" smtClean="0">
-                <a:solidFill>
-                  <a:schemeClr val="tx1"/>
-                </a:solidFill>
-              </a:rPr>
-              <a:t>using</a:t>
-            </a:r>
-            <a:r>
-              <a:rPr lang="fr-CA" sz="2400" dirty="0" smtClean="0">
-                <a:solidFill>
-                  <a:schemeClr val="tx1"/>
-                </a:solidFill>
-              </a:rPr>
-              <a:t> pattern-</a:t>
-            </a:r>
-            <a:r>
-              <a:rPr lang="fr-CA" sz="2400" dirty="0" err="1" smtClean="0">
-                <a:solidFill>
-                  <a:schemeClr val="tx1"/>
-                </a:solidFill>
-              </a:rPr>
-              <a:t>oriented</a:t>
-            </a:r>
-            <a:r>
-              <a:rPr lang="fr-CA" sz="2400" dirty="0" smtClean="0">
-                <a:solidFill>
-                  <a:schemeClr val="tx1"/>
-                </a:solidFill>
-              </a:rPr>
-              <a:t> </a:t>
-            </a:r>
-            <a:r>
-              <a:rPr lang="fr-CA" sz="2400" dirty="0" err="1" smtClean="0">
-                <a:solidFill>
-                  <a:schemeClr val="tx1"/>
-                </a:solidFill>
-              </a:rPr>
-              <a:t>modelling</a:t>
-            </a:r>
-            <a:r>
-              <a:rPr lang="fr-CA" sz="2400" dirty="0" smtClean="0">
-                <a:solidFill>
-                  <a:schemeClr val="tx1"/>
-                </a:solidFill>
-              </a:rPr>
-              <a:t> </a:t>
-            </a:r>
-            <a:r>
-              <a:rPr lang="fr-CA" sz="2400" dirty="0">
-                <a:solidFill>
-                  <a:schemeClr val="tx1"/>
-                </a:solidFill>
-              </a:rPr>
-              <a:t>(POM)</a:t>
-            </a:r>
-          </a:p>
-          <a:p>
-            <a:endParaRPr lang="fr-CA" sz="2400" dirty="0"/>
-          </a:p>
-        </p:txBody>
-      </p:sp>
-      <p:grpSp>
-        <p:nvGrpSpPr>
-          <p:cNvPr id="4" name="Group 27"/>
-          <p:cNvGrpSpPr/>
-          <p:nvPr/>
-        </p:nvGrpSpPr>
-        <p:grpSpPr>
-          <a:xfrm>
-            <a:off x="1788175" y="3244507"/>
-            <a:ext cx="1728192" cy="1152128"/>
-            <a:chOff x="1189392" y="3068960"/>
-            <a:chExt cx="1728192" cy="1152128"/>
-          </a:xfrm>
-          <a:solidFill>
-            <a:schemeClr val="bg1"/>
-          </a:solidFill>
-        </p:grpSpPr>
-        <p:cxnSp>
-          <p:nvCxnSpPr>
-            <p:cNvPr id="6" name="Straight Arrow Connector 29"/>
-            <p:cNvCxnSpPr/>
-            <p:nvPr/>
-          </p:nvCxnSpPr>
-          <p:spPr>
-            <a:xfrm flipH="1">
-              <a:off x="2050836" y="3861048"/>
-              <a:ext cx="884" cy="360040"/>
-            </a:xfrm>
-            <a:prstGeom prst="straightConnector1">
-              <a:avLst/>
-            </a:prstGeom>
-            <a:grpFill/>
-            <a:ln w="25400">
-              <a:solidFill>
-                <a:schemeClr val="tx1"/>
-              </a:solidFill>
-              <a:tailEnd type="arrow"/>
-            </a:ln>
-          </p:spPr>
-          <p:style>
-            <a:lnRef idx="1">
-              <a:schemeClr val="accent1"/>
-            </a:lnRef>
-            <a:fillRef idx="0">
-              <a:schemeClr val="accent1"/>
-            </a:fillRef>
-            <a:effectRef idx="0">
-              <a:schemeClr val="accent1"/>
-            </a:effectRef>
-            <a:fontRef idx="minor">
-              <a:schemeClr val="tx1"/>
-            </a:fontRef>
-          </p:style>
-        </p:cxnSp>
-        <p:sp>
-          <p:nvSpPr>
-            <p:cNvPr id="7" name="Rectangle 6"/>
-            <p:cNvSpPr/>
-            <p:nvPr/>
-          </p:nvSpPr>
-          <p:spPr>
-            <a:xfrm>
-              <a:off x="1189392" y="3068960"/>
-              <a:ext cx="1728192" cy="783296"/>
-            </a:xfrm>
-            <a:prstGeom prst="rect">
-              <a:avLst/>
-            </a:prstGeom>
-            <a:grpFill/>
-            <a:ln>
-              <a:solidFill>
-                <a:schemeClr val="tx1"/>
-              </a:solidFill>
-            </a:ln>
-          </p:spPr>
-          <p:style>
-            <a:lnRef idx="2">
-              <a:schemeClr val="accent1">
-                <a:shade val="50000"/>
-              </a:schemeClr>
-            </a:lnRef>
-            <a:fillRef idx="1">
-              <a:schemeClr val="accent1"/>
-            </a:fillRef>
-            <a:effectRef idx="0">
-              <a:schemeClr val="accent1"/>
-            </a:effectRef>
-            <a:fontRef idx="minor">
-              <a:schemeClr val="lt1"/>
-            </a:fontRef>
-          </p:style>
-          <p:txBody>
-            <a:bodyPr rtlCol="0" anchor="ctr"/>
-            <a:lstStyle/>
-            <a:p>
-              <a:pPr algn="ctr"/>
-              <a:endParaRPr lang="en-US"/>
-            </a:p>
-          </p:txBody>
-        </p:sp>
-      </p:grpSp>
-      <p:grpSp>
-        <p:nvGrpSpPr>
-          <p:cNvPr id="8" name="Group 31"/>
-          <p:cNvGrpSpPr/>
-          <p:nvPr/>
-        </p:nvGrpSpPr>
-        <p:grpSpPr>
-          <a:xfrm>
-            <a:off x="4740503" y="3244507"/>
-            <a:ext cx="1728192" cy="1152128"/>
-            <a:chOff x="1189392" y="3068960"/>
-            <a:chExt cx="1728192" cy="1152128"/>
-          </a:xfrm>
-          <a:solidFill>
-            <a:schemeClr val="bg1"/>
-          </a:solidFill>
-        </p:grpSpPr>
-        <p:cxnSp>
-          <p:nvCxnSpPr>
-            <p:cNvPr id="10" name="Straight Arrow Connector 33"/>
-            <p:cNvCxnSpPr/>
-            <p:nvPr/>
-          </p:nvCxnSpPr>
-          <p:spPr>
-            <a:xfrm flipH="1">
-              <a:off x="2050836" y="3861048"/>
-              <a:ext cx="884" cy="360040"/>
-            </a:xfrm>
-            <a:prstGeom prst="straightConnector1">
-              <a:avLst/>
-            </a:prstGeom>
-            <a:grpFill/>
-            <a:ln w="25400">
-              <a:solidFill>
-                <a:schemeClr val="tx1"/>
-              </a:solidFill>
-              <a:tailEnd type="arrow"/>
-            </a:ln>
-          </p:spPr>
-          <p:style>
-            <a:lnRef idx="1">
-              <a:schemeClr val="accent1"/>
-            </a:lnRef>
-            <a:fillRef idx="0">
-              <a:schemeClr val="accent1"/>
-            </a:fillRef>
-            <a:effectRef idx="0">
-              <a:schemeClr val="accent1"/>
-            </a:effectRef>
-            <a:fontRef idx="minor">
-              <a:schemeClr val="tx1"/>
-            </a:fontRef>
-          </p:style>
-        </p:cxnSp>
-        <p:sp>
-          <p:nvSpPr>
-            <p:cNvPr id="11" name="Rectangle 10"/>
-            <p:cNvSpPr/>
-            <p:nvPr/>
-          </p:nvSpPr>
-          <p:spPr>
-            <a:xfrm>
-              <a:off x="1189392" y="3068960"/>
-              <a:ext cx="1728192" cy="783296"/>
-            </a:xfrm>
-            <a:prstGeom prst="rect">
-              <a:avLst/>
-            </a:prstGeom>
-            <a:grpFill/>
-            <a:ln>
-              <a:solidFill>
-                <a:schemeClr val="tx1"/>
-              </a:solidFill>
-            </a:ln>
-          </p:spPr>
-          <p:style>
-            <a:lnRef idx="2">
-              <a:schemeClr val="accent1">
-                <a:shade val="50000"/>
-              </a:schemeClr>
-            </a:lnRef>
-            <a:fillRef idx="1">
-              <a:schemeClr val="accent1"/>
-            </a:fillRef>
-            <a:effectRef idx="0">
-              <a:schemeClr val="accent1"/>
-            </a:effectRef>
-            <a:fontRef idx="minor">
-              <a:schemeClr val="lt1"/>
-            </a:fontRef>
-          </p:style>
-          <p:txBody>
-            <a:bodyPr rtlCol="0" anchor="ctr"/>
-            <a:lstStyle/>
-            <a:p>
-              <a:pPr algn="ctr"/>
-              <a:endParaRPr lang="en-US"/>
-            </a:p>
-          </p:txBody>
-        </p:sp>
-      </p:grpSp>
-      <p:grpSp>
-        <p:nvGrpSpPr>
-          <p:cNvPr id="12" name="Group 35"/>
-          <p:cNvGrpSpPr/>
-          <p:nvPr/>
-        </p:nvGrpSpPr>
-        <p:grpSpPr>
-          <a:xfrm>
-            <a:off x="7764839" y="3244507"/>
-            <a:ext cx="1728192" cy="1152128"/>
-            <a:chOff x="1189392" y="3068960"/>
-            <a:chExt cx="1728192" cy="1152128"/>
-          </a:xfrm>
-          <a:solidFill>
-            <a:schemeClr val="bg1"/>
-          </a:solidFill>
-        </p:grpSpPr>
-        <p:cxnSp>
-          <p:nvCxnSpPr>
-            <p:cNvPr id="14" name="Straight Arrow Connector 37"/>
-            <p:cNvCxnSpPr/>
-            <p:nvPr/>
-          </p:nvCxnSpPr>
-          <p:spPr>
-            <a:xfrm flipH="1">
-              <a:off x="2050836" y="3861048"/>
-              <a:ext cx="884" cy="360040"/>
-            </a:xfrm>
-            <a:prstGeom prst="straightConnector1">
-              <a:avLst/>
-            </a:prstGeom>
-            <a:grpFill/>
-            <a:ln w="25400">
-              <a:solidFill>
-                <a:schemeClr val="tx1"/>
-              </a:solidFill>
-              <a:tailEnd type="arrow"/>
-            </a:ln>
-          </p:spPr>
-          <p:style>
-            <a:lnRef idx="1">
-              <a:schemeClr val="accent1"/>
-            </a:lnRef>
-            <a:fillRef idx="0">
-              <a:schemeClr val="accent1"/>
-            </a:fillRef>
-            <a:effectRef idx="0">
-              <a:schemeClr val="accent1"/>
-            </a:effectRef>
-            <a:fontRef idx="minor">
-              <a:schemeClr val="tx1"/>
-            </a:fontRef>
-          </p:style>
-        </p:cxnSp>
-        <p:sp>
-          <p:nvSpPr>
-            <p:cNvPr id="15" name="Rectangle 14"/>
-            <p:cNvSpPr/>
-            <p:nvPr/>
-          </p:nvSpPr>
-          <p:spPr>
-            <a:xfrm>
-              <a:off x="1189392" y="3068960"/>
-              <a:ext cx="1728192" cy="783296"/>
-            </a:xfrm>
-            <a:prstGeom prst="rect">
-              <a:avLst/>
-            </a:prstGeom>
-            <a:grpFill/>
-            <a:ln>
-              <a:solidFill>
-                <a:schemeClr val="tx1"/>
-              </a:solidFill>
-            </a:ln>
-          </p:spPr>
-          <p:style>
-            <a:lnRef idx="2">
-              <a:schemeClr val="accent1">
-                <a:shade val="50000"/>
-              </a:schemeClr>
-            </a:lnRef>
-            <a:fillRef idx="1">
-              <a:schemeClr val="accent1"/>
-            </a:fillRef>
-            <a:effectRef idx="0">
-              <a:schemeClr val="accent1"/>
-            </a:effectRef>
-            <a:fontRef idx="minor">
-              <a:schemeClr val="lt1"/>
-            </a:fontRef>
-          </p:style>
-          <p:txBody>
-            <a:bodyPr rtlCol="0" anchor="ctr"/>
-            <a:lstStyle/>
-            <a:p>
-              <a:pPr algn="ctr"/>
-              <a:endParaRPr lang="en-US"/>
-            </a:p>
-          </p:txBody>
-        </p:sp>
-      </p:grpSp>
-      <p:grpSp>
-        <p:nvGrpSpPr>
-          <p:cNvPr id="16" name="Group 39"/>
-          <p:cNvGrpSpPr/>
-          <p:nvPr/>
-        </p:nvGrpSpPr>
-        <p:grpSpPr>
-          <a:xfrm>
-            <a:off x="1776203" y="5084953"/>
-            <a:ext cx="1728192" cy="1152128"/>
-            <a:chOff x="1189392" y="3068960"/>
-            <a:chExt cx="1728192" cy="1152128"/>
-          </a:xfrm>
-          <a:solidFill>
-            <a:schemeClr val="bg1"/>
-          </a:solidFill>
-        </p:grpSpPr>
-        <p:cxnSp>
-          <p:nvCxnSpPr>
-            <p:cNvPr id="18" name="Straight Arrow Connector 41"/>
-            <p:cNvCxnSpPr/>
-            <p:nvPr/>
-          </p:nvCxnSpPr>
-          <p:spPr>
-            <a:xfrm flipH="1">
-              <a:off x="2050836" y="3861048"/>
-              <a:ext cx="884" cy="360040"/>
-            </a:xfrm>
-            <a:prstGeom prst="straightConnector1">
-              <a:avLst/>
-            </a:prstGeom>
-            <a:grpFill/>
-            <a:ln w="25400">
-              <a:solidFill>
-                <a:schemeClr val="tx1"/>
-              </a:solidFill>
-              <a:tailEnd type="arrow"/>
-            </a:ln>
-          </p:spPr>
-          <p:style>
-            <a:lnRef idx="1">
-              <a:schemeClr val="accent1"/>
-            </a:lnRef>
-            <a:fillRef idx="0">
-              <a:schemeClr val="accent1"/>
-            </a:fillRef>
-            <a:effectRef idx="0">
-              <a:schemeClr val="accent1"/>
-            </a:effectRef>
-            <a:fontRef idx="minor">
-              <a:schemeClr val="tx1"/>
-            </a:fontRef>
-          </p:style>
-        </p:cxnSp>
-        <p:sp>
-          <p:nvSpPr>
-            <p:cNvPr id="19" name="Rectangle 18"/>
-            <p:cNvSpPr/>
-            <p:nvPr/>
-          </p:nvSpPr>
-          <p:spPr>
-            <a:xfrm>
-              <a:off x="1189392" y="3068960"/>
-              <a:ext cx="1728192" cy="783296"/>
-            </a:xfrm>
-            <a:prstGeom prst="rect">
-              <a:avLst/>
-            </a:prstGeom>
-            <a:grpFill/>
-            <a:ln>
-              <a:solidFill>
-                <a:schemeClr val="tx1"/>
-              </a:solidFill>
-            </a:ln>
-          </p:spPr>
-          <p:style>
-            <a:lnRef idx="2">
-              <a:schemeClr val="accent1">
-                <a:shade val="50000"/>
-              </a:schemeClr>
-            </a:lnRef>
-            <a:fillRef idx="1">
-              <a:schemeClr val="accent1"/>
-            </a:fillRef>
-            <a:effectRef idx="0">
-              <a:schemeClr val="accent1"/>
-            </a:effectRef>
-            <a:fontRef idx="minor">
-              <a:schemeClr val="lt1"/>
-            </a:fontRef>
-          </p:style>
-          <p:txBody>
-            <a:bodyPr rtlCol="0" anchor="ctr"/>
-            <a:lstStyle/>
-            <a:p>
-              <a:pPr algn="ctr"/>
-              <a:endParaRPr lang="en-US"/>
-            </a:p>
-          </p:txBody>
-        </p:sp>
-      </p:grpSp>
-      <p:grpSp>
-        <p:nvGrpSpPr>
-          <p:cNvPr id="20" name="Group 43"/>
-          <p:cNvGrpSpPr/>
-          <p:nvPr/>
-        </p:nvGrpSpPr>
-        <p:grpSpPr>
-          <a:xfrm>
-            <a:off x="4728531" y="5084953"/>
-            <a:ext cx="1728192" cy="1152128"/>
-            <a:chOff x="1189392" y="3068960"/>
-            <a:chExt cx="1728192" cy="1152128"/>
-          </a:xfrm>
-          <a:solidFill>
-            <a:schemeClr val="bg1"/>
-          </a:solidFill>
-        </p:grpSpPr>
-        <p:cxnSp>
-          <p:nvCxnSpPr>
-            <p:cNvPr id="22" name="Straight Arrow Connector 45"/>
-            <p:cNvCxnSpPr/>
-            <p:nvPr/>
-          </p:nvCxnSpPr>
-          <p:spPr>
-            <a:xfrm flipH="1">
-              <a:off x="2050836" y="3861048"/>
-              <a:ext cx="884" cy="360040"/>
-            </a:xfrm>
-            <a:prstGeom prst="straightConnector1">
-              <a:avLst/>
-            </a:prstGeom>
-            <a:grpFill/>
-            <a:ln w="25400">
-              <a:solidFill>
-                <a:schemeClr val="tx1"/>
-              </a:solidFill>
-              <a:tailEnd type="arrow"/>
-            </a:ln>
-          </p:spPr>
-          <p:style>
-            <a:lnRef idx="1">
-              <a:schemeClr val="accent1"/>
-            </a:lnRef>
-            <a:fillRef idx="0">
-              <a:schemeClr val="accent1"/>
-            </a:fillRef>
-            <a:effectRef idx="0">
-              <a:schemeClr val="accent1"/>
-            </a:effectRef>
-            <a:fontRef idx="minor">
-              <a:schemeClr val="tx1"/>
-            </a:fontRef>
-          </p:style>
-        </p:cxnSp>
-        <p:sp>
-          <p:nvSpPr>
-            <p:cNvPr id="23" name="Rectangle 22"/>
-            <p:cNvSpPr/>
-            <p:nvPr/>
-          </p:nvSpPr>
-          <p:spPr>
-            <a:xfrm>
-              <a:off x="1189392" y="3068960"/>
-              <a:ext cx="1728192" cy="783296"/>
-            </a:xfrm>
-            <a:prstGeom prst="rect">
-              <a:avLst/>
-            </a:prstGeom>
-            <a:grpFill/>
-            <a:ln>
-              <a:solidFill>
-                <a:schemeClr val="tx1"/>
-              </a:solidFill>
-            </a:ln>
-          </p:spPr>
-          <p:style>
-            <a:lnRef idx="2">
-              <a:schemeClr val="accent1">
-                <a:shade val="50000"/>
-              </a:schemeClr>
-            </a:lnRef>
-            <a:fillRef idx="1">
-              <a:schemeClr val="accent1"/>
-            </a:fillRef>
-            <a:effectRef idx="0">
-              <a:schemeClr val="accent1"/>
-            </a:effectRef>
-            <a:fontRef idx="minor">
-              <a:schemeClr val="lt1"/>
-            </a:fontRef>
-          </p:style>
-          <p:txBody>
-            <a:bodyPr rtlCol="0" anchor="ctr"/>
-            <a:lstStyle/>
-            <a:p>
-              <a:pPr algn="ctr"/>
-              <a:endParaRPr lang="en-US"/>
-            </a:p>
-          </p:txBody>
-        </p:sp>
-      </p:grpSp>
-      <p:grpSp>
-        <p:nvGrpSpPr>
-          <p:cNvPr id="24" name="Group 47"/>
-          <p:cNvGrpSpPr/>
-          <p:nvPr/>
-        </p:nvGrpSpPr>
-        <p:grpSpPr>
-          <a:xfrm>
-            <a:off x="7752867" y="5084953"/>
-            <a:ext cx="1728192" cy="1152128"/>
-            <a:chOff x="1189392" y="3068960"/>
-            <a:chExt cx="1728192" cy="1152128"/>
-          </a:xfrm>
-          <a:solidFill>
-            <a:schemeClr val="bg1"/>
-          </a:solidFill>
-        </p:grpSpPr>
-        <p:cxnSp>
-          <p:nvCxnSpPr>
-            <p:cNvPr id="26" name="Straight Arrow Connector 49"/>
-            <p:cNvCxnSpPr/>
-            <p:nvPr/>
-          </p:nvCxnSpPr>
-          <p:spPr>
-            <a:xfrm flipH="1">
-              <a:off x="2050836" y="3861048"/>
-              <a:ext cx="884" cy="360040"/>
-            </a:xfrm>
-            <a:prstGeom prst="straightConnector1">
-              <a:avLst/>
-            </a:prstGeom>
-            <a:grpFill/>
-            <a:ln w="25400">
-              <a:solidFill>
-                <a:schemeClr val="tx1"/>
-              </a:solidFill>
-              <a:tailEnd type="arrow"/>
-            </a:ln>
-          </p:spPr>
-          <p:style>
-            <a:lnRef idx="1">
-              <a:schemeClr val="accent1"/>
-            </a:lnRef>
-            <a:fillRef idx="0">
-              <a:schemeClr val="accent1"/>
-            </a:fillRef>
-            <a:effectRef idx="0">
-              <a:schemeClr val="accent1"/>
-            </a:effectRef>
-            <a:fontRef idx="minor">
-              <a:schemeClr val="tx1"/>
-            </a:fontRef>
-          </p:style>
-        </p:cxnSp>
-        <p:sp>
-          <p:nvSpPr>
-            <p:cNvPr id="27" name="Rectangle 26"/>
-            <p:cNvSpPr/>
-            <p:nvPr/>
-          </p:nvSpPr>
-          <p:spPr>
-            <a:xfrm>
-              <a:off x="1189392" y="3068960"/>
-              <a:ext cx="1728192" cy="783296"/>
-            </a:xfrm>
-            <a:prstGeom prst="rect">
-              <a:avLst/>
-            </a:prstGeom>
-            <a:grpFill/>
-            <a:ln>
-              <a:solidFill>
-                <a:schemeClr val="tx1"/>
-              </a:solidFill>
-            </a:ln>
-          </p:spPr>
-          <p:style>
-            <a:lnRef idx="2">
-              <a:schemeClr val="accent1">
-                <a:shade val="50000"/>
-              </a:schemeClr>
-            </a:lnRef>
-            <a:fillRef idx="1">
-              <a:schemeClr val="accent1"/>
-            </a:fillRef>
-            <a:effectRef idx="0">
-              <a:schemeClr val="accent1"/>
-            </a:effectRef>
-            <a:fontRef idx="minor">
-              <a:schemeClr val="lt1"/>
-            </a:fontRef>
-          </p:style>
-          <p:txBody>
-            <a:bodyPr rtlCol="0" anchor="ctr"/>
-            <a:lstStyle/>
-            <a:p>
-              <a:pPr algn="ctr"/>
-              <a:endParaRPr lang="en-US"/>
-            </a:p>
-          </p:txBody>
-        </p:sp>
-      </p:grpSp>
-      <p:pic>
-        <p:nvPicPr>
-          <p:cNvPr id="28" name="Picture 17"/>
-          <p:cNvPicPr>
-            <a:picLocks noChangeAspect="1"/>
-          </p:cNvPicPr>
-          <p:nvPr/>
-        </p:nvPicPr>
-        <p:blipFill>
-          <a:blip r:embed="rId2" cstate="print">
-            <a:extLst>
-              <a:ext uri="{28A0092B-C50C-407E-A947-70E740481C1C}">
-                <a14:useLocalDpi xmlns:a14="http://schemas.microsoft.com/office/drawing/2010/main" val="0"/>
-              </a:ext>
-            </a:extLst>
-          </a:blip>
-          <a:stretch>
-            <a:fillRect/>
-          </a:stretch>
-        </p:blipFill>
-        <p:spPr>
-          <a:xfrm>
-            <a:off x="2256777" y="4075901"/>
-            <a:ext cx="785684" cy="792731"/>
-          </a:xfrm>
-          <a:prstGeom prst="rect">
-            <a:avLst/>
-          </a:prstGeom>
-        </p:spPr>
-      </p:pic>
-      <p:pic>
-        <p:nvPicPr>
-          <p:cNvPr id="29" name="Picture 17"/>
-          <p:cNvPicPr>
-            <a:picLocks noChangeAspect="1"/>
-          </p:cNvPicPr>
-          <p:nvPr/>
-        </p:nvPicPr>
-        <p:blipFill>
-          <a:blip r:embed="rId2" cstate="print">
-            <a:extLst>
-              <a:ext uri="{28A0092B-C50C-407E-A947-70E740481C1C}">
-                <a14:useLocalDpi xmlns:a14="http://schemas.microsoft.com/office/drawing/2010/main" val="0"/>
-              </a:ext>
-            </a:extLst>
-          </a:blip>
-          <a:stretch>
-            <a:fillRect/>
-          </a:stretch>
-        </p:blipFill>
-        <p:spPr>
-          <a:xfrm>
-            <a:off x="2256777" y="5920641"/>
-            <a:ext cx="785684" cy="792731"/>
-          </a:xfrm>
-          <a:prstGeom prst="rect">
-            <a:avLst/>
-          </a:prstGeom>
-        </p:spPr>
-      </p:pic>
-      <p:pic>
-        <p:nvPicPr>
-          <p:cNvPr id="30" name="Picture 17"/>
-          <p:cNvPicPr>
-            <a:picLocks noChangeAspect="1"/>
-          </p:cNvPicPr>
-          <p:nvPr/>
-        </p:nvPicPr>
-        <p:blipFill>
-          <a:blip r:embed="rId2" cstate="print">
-            <a:extLst>
-              <a:ext uri="{28A0092B-C50C-407E-A947-70E740481C1C}">
-                <a14:useLocalDpi xmlns:a14="http://schemas.microsoft.com/office/drawing/2010/main" val="0"/>
-              </a:ext>
-            </a:extLst>
-          </a:blip>
-          <a:stretch>
-            <a:fillRect/>
-          </a:stretch>
-        </p:blipFill>
-        <p:spPr>
-          <a:xfrm>
-            <a:off x="5209105" y="4056703"/>
-            <a:ext cx="785684" cy="792731"/>
-          </a:xfrm>
-          <a:prstGeom prst="rect">
-            <a:avLst/>
-          </a:prstGeom>
-        </p:spPr>
-      </p:pic>
-      <p:pic>
-        <p:nvPicPr>
-          <p:cNvPr id="31" name="Picture 17"/>
-          <p:cNvPicPr>
-            <a:picLocks noChangeAspect="1"/>
-          </p:cNvPicPr>
-          <p:nvPr/>
-        </p:nvPicPr>
-        <p:blipFill>
-          <a:blip r:embed="rId2" cstate="print">
-            <a:extLst>
-              <a:ext uri="{28A0092B-C50C-407E-A947-70E740481C1C}">
-                <a14:useLocalDpi xmlns:a14="http://schemas.microsoft.com/office/drawing/2010/main" val="0"/>
-              </a:ext>
-            </a:extLst>
-          </a:blip>
-          <a:stretch>
-            <a:fillRect/>
-          </a:stretch>
-        </p:blipFill>
-        <p:spPr>
-          <a:xfrm>
-            <a:off x="5209105" y="5901443"/>
-            <a:ext cx="785684" cy="792731"/>
-          </a:xfrm>
-          <a:prstGeom prst="rect">
-            <a:avLst/>
-          </a:prstGeom>
-        </p:spPr>
-      </p:pic>
-      <p:pic>
-        <p:nvPicPr>
-          <p:cNvPr id="32" name="Picture 17"/>
-          <p:cNvPicPr>
-            <a:picLocks noChangeAspect="1"/>
-          </p:cNvPicPr>
-          <p:nvPr/>
-        </p:nvPicPr>
-        <p:blipFill>
-          <a:blip r:embed="rId2" cstate="print">
-            <a:extLst>
-              <a:ext uri="{28A0092B-C50C-407E-A947-70E740481C1C}">
-                <a14:useLocalDpi xmlns:a14="http://schemas.microsoft.com/office/drawing/2010/main" val="0"/>
-              </a:ext>
-            </a:extLst>
-          </a:blip>
-          <a:stretch>
-            <a:fillRect/>
-          </a:stretch>
-        </p:blipFill>
-        <p:spPr>
-          <a:xfrm>
-            <a:off x="8247342" y="4075901"/>
-            <a:ext cx="785684" cy="792731"/>
-          </a:xfrm>
-          <a:prstGeom prst="rect">
-            <a:avLst/>
-          </a:prstGeom>
-        </p:spPr>
-      </p:pic>
-      <p:pic>
-        <p:nvPicPr>
-          <p:cNvPr id="33" name="Picture 17"/>
-          <p:cNvPicPr>
-            <a:picLocks noChangeAspect="1"/>
-          </p:cNvPicPr>
-          <p:nvPr/>
-        </p:nvPicPr>
-        <p:blipFill>
-          <a:blip r:embed="rId2" cstate="print">
-            <a:extLst>
-              <a:ext uri="{28A0092B-C50C-407E-A947-70E740481C1C}">
-                <a14:useLocalDpi xmlns:a14="http://schemas.microsoft.com/office/drawing/2010/main" val="0"/>
-              </a:ext>
-            </a:extLst>
-          </a:blip>
-          <a:stretch>
-            <a:fillRect/>
-          </a:stretch>
-        </p:blipFill>
-        <p:spPr>
-          <a:xfrm>
-            <a:off x="8247342" y="5920641"/>
-            <a:ext cx="785684" cy="792731"/>
-          </a:xfrm>
-          <a:prstGeom prst="rect">
-            <a:avLst/>
-          </a:prstGeom>
-        </p:spPr>
-      </p:pic>
-      <p:cxnSp>
-        <p:nvCxnSpPr>
-          <p:cNvPr id="34" name="Straight Arrow Connector 33"/>
-          <p:cNvCxnSpPr/>
-          <p:nvPr/>
-        </p:nvCxnSpPr>
-        <p:spPr>
-          <a:xfrm>
-            <a:off x="1509892" y="3583263"/>
-            <a:ext cx="289800" cy="0"/>
-          </a:xfrm>
-          <a:prstGeom prst="straightConnector1">
-            <a:avLst/>
-          </a:prstGeom>
-          <a:ln w="25400">
-            <a:solidFill>
-              <a:schemeClr val="tx1"/>
-            </a:solidFill>
-            <a:tailEnd type="arrow"/>
-          </a:ln>
-        </p:spPr>
-        <p:style>
-          <a:lnRef idx="1">
-            <a:schemeClr val="accent1"/>
-          </a:lnRef>
-          <a:fillRef idx="0">
-            <a:schemeClr val="accent1"/>
-          </a:fillRef>
-          <a:effectRef idx="0">
-            <a:schemeClr val="accent1"/>
-          </a:effectRef>
-          <a:fontRef idx="minor">
-            <a:schemeClr val="tx1"/>
-          </a:fontRef>
-        </p:style>
-      </p:cxnSp>
-      <p:sp>
-        <p:nvSpPr>
-          <p:cNvPr id="35" name="TextBox 34"/>
-          <p:cNvSpPr txBox="1"/>
-          <p:nvPr/>
-        </p:nvSpPr>
-        <p:spPr>
-          <a:xfrm>
-            <a:off x="779621" y="3367819"/>
-            <a:ext cx="792972" cy="430887"/>
-          </a:xfrm>
-          <a:prstGeom prst="rect">
-            <a:avLst/>
-          </a:prstGeom>
-          <a:noFill/>
-        </p:spPr>
-        <p:txBody>
-          <a:bodyPr wrap="square" rtlCol="0">
-            <a:spAutoFit/>
-          </a:bodyPr>
-          <a:lstStyle/>
-          <a:p>
-            <a:r>
-              <a:rPr lang="fr-CA" sz="2200" dirty="0" smtClean="0"/>
-              <a:t>POM</a:t>
-            </a:r>
-            <a:endParaRPr lang="en-US" sz="2200" dirty="0"/>
-          </a:p>
-        </p:txBody>
-      </p:sp>
-      <p:cxnSp>
-        <p:nvCxnSpPr>
-          <p:cNvPr id="36" name="Straight Arrow Connector 33"/>
-          <p:cNvCxnSpPr/>
-          <p:nvPr/>
-        </p:nvCxnSpPr>
-        <p:spPr>
-          <a:xfrm>
-            <a:off x="1497920" y="5451569"/>
-            <a:ext cx="289800" cy="0"/>
-          </a:xfrm>
-          <a:prstGeom prst="straightConnector1">
-            <a:avLst/>
-          </a:prstGeom>
-          <a:ln w="25400">
-            <a:solidFill>
-              <a:schemeClr val="tx1"/>
-            </a:solidFill>
-            <a:tailEnd type="arrow"/>
-          </a:ln>
-        </p:spPr>
-        <p:style>
-          <a:lnRef idx="1">
-            <a:schemeClr val="accent1"/>
-          </a:lnRef>
-          <a:fillRef idx="0">
-            <a:schemeClr val="accent1"/>
-          </a:fillRef>
-          <a:effectRef idx="0">
-            <a:schemeClr val="accent1"/>
-          </a:effectRef>
-          <a:fontRef idx="minor">
-            <a:schemeClr val="tx1"/>
-          </a:fontRef>
-        </p:style>
-      </p:cxnSp>
-      <p:sp>
-        <p:nvSpPr>
-          <p:cNvPr id="37" name="TextBox 34"/>
-          <p:cNvSpPr txBox="1"/>
-          <p:nvPr/>
-        </p:nvSpPr>
-        <p:spPr>
-          <a:xfrm>
-            <a:off x="767649" y="5236125"/>
-            <a:ext cx="792972" cy="430887"/>
-          </a:xfrm>
-          <a:prstGeom prst="rect">
-            <a:avLst/>
-          </a:prstGeom>
-          <a:noFill/>
-        </p:spPr>
-        <p:txBody>
-          <a:bodyPr wrap="square" rtlCol="0">
-            <a:spAutoFit/>
-          </a:bodyPr>
-          <a:lstStyle/>
-          <a:p>
-            <a:r>
-              <a:rPr lang="fr-CA" sz="2200" dirty="0" smtClean="0"/>
-              <a:t>POM</a:t>
-            </a:r>
-            <a:endParaRPr lang="en-US" sz="2200" dirty="0"/>
-          </a:p>
-        </p:txBody>
-      </p:sp>
-      <p:cxnSp>
-        <p:nvCxnSpPr>
-          <p:cNvPr id="38" name="Straight Arrow Connector 33"/>
-          <p:cNvCxnSpPr/>
-          <p:nvPr/>
-        </p:nvCxnSpPr>
-        <p:spPr>
-          <a:xfrm>
-            <a:off x="4470594" y="3565310"/>
-            <a:ext cx="289800" cy="0"/>
-          </a:xfrm>
-          <a:prstGeom prst="straightConnector1">
-            <a:avLst/>
-          </a:prstGeom>
-          <a:ln w="25400">
-            <a:solidFill>
-              <a:schemeClr val="tx1"/>
-            </a:solidFill>
-            <a:tailEnd type="arrow"/>
-          </a:ln>
-        </p:spPr>
-        <p:style>
-          <a:lnRef idx="1">
-            <a:schemeClr val="accent1"/>
-          </a:lnRef>
-          <a:fillRef idx="0">
-            <a:schemeClr val="accent1"/>
-          </a:fillRef>
-          <a:effectRef idx="0">
-            <a:schemeClr val="accent1"/>
-          </a:effectRef>
-          <a:fontRef idx="minor">
-            <a:schemeClr val="tx1"/>
-          </a:fontRef>
-        </p:style>
-      </p:cxnSp>
-      <p:sp>
-        <p:nvSpPr>
-          <p:cNvPr id="39" name="TextBox 34"/>
-          <p:cNvSpPr txBox="1"/>
-          <p:nvPr/>
-        </p:nvSpPr>
-        <p:spPr>
-          <a:xfrm>
-            <a:off x="3740323" y="3349866"/>
-            <a:ext cx="792972" cy="430887"/>
-          </a:xfrm>
-          <a:prstGeom prst="rect">
-            <a:avLst/>
-          </a:prstGeom>
-          <a:noFill/>
-        </p:spPr>
-        <p:txBody>
-          <a:bodyPr wrap="square" rtlCol="0">
-            <a:spAutoFit/>
-          </a:bodyPr>
-          <a:lstStyle/>
-          <a:p>
-            <a:r>
-              <a:rPr lang="fr-CA" sz="2200" dirty="0" smtClean="0"/>
-              <a:t>POM</a:t>
-            </a:r>
-            <a:endParaRPr lang="en-US" sz="2200" dirty="0"/>
-          </a:p>
-        </p:txBody>
-      </p:sp>
-      <p:cxnSp>
-        <p:nvCxnSpPr>
-          <p:cNvPr id="40" name="Straight Arrow Connector 33"/>
-          <p:cNvCxnSpPr/>
-          <p:nvPr/>
-        </p:nvCxnSpPr>
-        <p:spPr>
-          <a:xfrm>
-            <a:off x="4458622" y="5433616"/>
-            <a:ext cx="289800" cy="0"/>
-          </a:xfrm>
-          <a:prstGeom prst="straightConnector1">
-            <a:avLst/>
-          </a:prstGeom>
-          <a:ln w="25400">
-            <a:solidFill>
-              <a:schemeClr val="tx1"/>
-            </a:solidFill>
-            <a:tailEnd type="arrow"/>
-          </a:ln>
-        </p:spPr>
-        <p:style>
-          <a:lnRef idx="1">
-            <a:schemeClr val="accent1"/>
-          </a:lnRef>
-          <a:fillRef idx="0">
-            <a:schemeClr val="accent1"/>
-          </a:fillRef>
-          <a:effectRef idx="0">
-            <a:schemeClr val="accent1"/>
-          </a:effectRef>
-          <a:fontRef idx="minor">
-            <a:schemeClr val="tx1"/>
-          </a:fontRef>
-        </p:style>
-      </p:cxnSp>
-      <p:sp>
-        <p:nvSpPr>
-          <p:cNvPr id="41" name="TextBox 34"/>
-          <p:cNvSpPr txBox="1"/>
-          <p:nvPr/>
-        </p:nvSpPr>
-        <p:spPr>
-          <a:xfrm>
-            <a:off x="3728351" y="5218172"/>
-            <a:ext cx="792972" cy="430887"/>
-          </a:xfrm>
-          <a:prstGeom prst="rect">
-            <a:avLst/>
-          </a:prstGeom>
-          <a:noFill/>
-        </p:spPr>
-        <p:txBody>
-          <a:bodyPr wrap="square" rtlCol="0">
-            <a:spAutoFit/>
-          </a:bodyPr>
-          <a:lstStyle/>
-          <a:p>
-            <a:r>
-              <a:rPr lang="fr-CA" sz="2200" dirty="0" smtClean="0"/>
-              <a:t>POM</a:t>
-            </a:r>
-            <a:endParaRPr lang="en-US" sz="2200" dirty="0"/>
-          </a:p>
-        </p:txBody>
-      </p:sp>
-      <p:cxnSp>
-        <p:nvCxnSpPr>
-          <p:cNvPr id="42" name="Straight Arrow Connector 33"/>
-          <p:cNvCxnSpPr/>
-          <p:nvPr/>
-        </p:nvCxnSpPr>
-        <p:spPr>
-          <a:xfrm>
-            <a:off x="7486602" y="3565310"/>
-            <a:ext cx="289800" cy="0"/>
-          </a:xfrm>
-          <a:prstGeom prst="straightConnector1">
-            <a:avLst/>
-          </a:prstGeom>
-          <a:ln w="25400">
-            <a:solidFill>
-              <a:schemeClr val="tx1"/>
-            </a:solidFill>
-            <a:tailEnd type="arrow"/>
-          </a:ln>
-        </p:spPr>
-        <p:style>
-          <a:lnRef idx="1">
-            <a:schemeClr val="accent1"/>
-          </a:lnRef>
-          <a:fillRef idx="0">
-            <a:schemeClr val="accent1"/>
-          </a:fillRef>
-          <a:effectRef idx="0">
-            <a:schemeClr val="accent1"/>
-          </a:effectRef>
-          <a:fontRef idx="minor">
-            <a:schemeClr val="tx1"/>
-          </a:fontRef>
-        </p:style>
-      </p:cxnSp>
-      <p:sp>
-        <p:nvSpPr>
-          <p:cNvPr id="43" name="TextBox 34"/>
-          <p:cNvSpPr txBox="1"/>
-          <p:nvPr/>
-        </p:nvSpPr>
-        <p:spPr>
-          <a:xfrm>
-            <a:off x="6756331" y="3349866"/>
-            <a:ext cx="792972" cy="430887"/>
-          </a:xfrm>
-          <a:prstGeom prst="rect">
-            <a:avLst/>
-          </a:prstGeom>
-          <a:noFill/>
-        </p:spPr>
-        <p:txBody>
-          <a:bodyPr wrap="square" rtlCol="0">
-            <a:spAutoFit/>
-          </a:bodyPr>
-          <a:lstStyle/>
-          <a:p>
-            <a:r>
-              <a:rPr lang="fr-CA" sz="2200" dirty="0" smtClean="0"/>
-              <a:t>POM</a:t>
-            </a:r>
-            <a:endParaRPr lang="en-US" sz="2200" dirty="0"/>
-          </a:p>
-        </p:txBody>
-      </p:sp>
-      <p:cxnSp>
-        <p:nvCxnSpPr>
-          <p:cNvPr id="44" name="Straight Arrow Connector 33"/>
-          <p:cNvCxnSpPr/>
-          <p:nvPr/>
-        </p:nvCxnSpPr>
-        <p:spPr>
-          <a:xfrm>
-            <a:off x="7474630" y="5433616"/>
-            <a:ext cx="289800" cy="0"/>
-          </a:xfrm>
-          <a:prstGeom prst="straightConnector1">
-            <a:avLst/>
-          </a:prstGeom>
-          <a:ln w="25400">
-            <a:solidFill>
-              <a:schemeClr val="tx1"/>
-            </a:solidFill>
-            <a:tailEnd type="arrow"/>
-          </a:ln>
-        </p:spPr>
-        <p:style>
-          <a:lnRef idx="1">
-            <a:schemeClr val="accent1"/>
-          </a:lnRef>
-          <a:fillRef idx="0">
-            <a:schemeClr val="accent1"/>
-          </a:fillRef>
-          <a:effectRef idx="0">
-            <a:schemeClr val="accent1"/>
-          </a:effectRef>
-          <a:fontRef idx="minor">
-            <a:schemeClr val="tx1"/>
-          </a:fontRef>
-        </p:style>
-      </p:cxnSp>
-      <p:sp>
-        <p:nvSpPr>
-          <p:cNvPr id="45" name="TextBox 34"/>
-          <p:cNvSpPr txBox="1"/>
-          <p:nvPr/>
-        </p:nvSpPr>
-        <p:spPr>
-          <a:xfrm>
-            <a:off x="6744359" y="5218172"/>
-            <a:ext cx="792972" cy="430887"/>
-          </a:xfrm>
-          <a:prstGeom prst="rect">
-            <a:avLst/>
-          </a:prstGeom>
-          <a:noFill/>
-        </p:spPr>
-        <p:txBody>
-          <a:bodyPr wrap="square" rtlCol="0">
-            <a:spAutoFit/>
-          </a:bodyPr>
-          <a:lstStyle/>
-          <a:p>
-            <a:r>
-              <a:rPr lang="fr-CA" sz="2200" dirty="0" smtClean="0"/>
-              <a:t>POM</a:t>
-            </a:r>
-            <a:endParaRPr lang="en-US" sz="2200" dirty="0"/>
-          </a:p>
-        </p:txBody>
-      </p:sp>
-      <p:sp>
-        <p:nvSpPr>
-          <p:cNvPr id="46" name="ZoneTexte 45"/>
-          <p:cNvSpPr txBox="1"/>
-          <p:nvPr/>
-        </p:nvSpPr>
-        <p:spPr>
-          <a:xfrm>
-            <a:off x="8401561" y="6413589"/>
-            <a:ext cx="3685335" cy="369332"/>
-          </a:xfrm>
-          <a:prstGeom prst="rect">
-            <a:avLst/>
-          </a:prstGeom>
-          <a:noFill/>
-        </p:spPr>
-        <p:txBody>
-          <a:bodyPr wrap="square" rtlCol="0">
-            <a:spAutoFit/>
-          </a:bodyPr>
-          <a:lstStyle/>
-          <a:p>
-            <a:pPr algn="r"/>
-            <a:r>
-              <a:rPr lang="nl-NL" dirty="0" err="1" smtClean="0">
-                <a:latin typeface="Times New Roman" panose="02020603050405020304" pitchFamily="18" charset="0"/>
-                <a:cs typeface="Times New Roman" panose="02020603050405020304" pitchFamily="18" charset="0"/>
-              </a:rPr>
-              <a:t>Bauduin</a:t>
-            </a:r>
-            <a:r>
-              <a:rPr lang="nl-NL" dirty="0" smtClean="0">
-                <a:latin typeface="Times New Roman" panose="02020603050405020304" pitchFamily="18" charset="0"/>
-                <a:cs typeface="Times New Roman" panose="02020603050405020304" pitchFamily="18" charset="0"/>
-              </a:rPr>
-              <a:t> et al., 2016</a:t>
-            </a:r>
-            <a:endParaRPr lang="fr-FR" dirty="0">
-              <a:latin typeface="Times New Roman" panose="02020603050405020304" pitchFamily="18" charset="0"/>
-              <a:cs typeface="Times New Roman" panose="02020603050405020304" pitchFamily="18" charset="0"/>
-            </a:endParaRPr>
-          </a:p>
-        </p:txBody>
-      </p:sp>
-    </p:spTree>
-    <p:extLst>
-      <p:ext uri="{BB962C8B-B14F-4D97-AF65-F5344CB8AC3E}">
-        <p14:creationId xmlns:p14="http://schemas.microsoft.com/office/powerpoint/2010/main" val="1461259984"/>
       </p:ext>
     </p:extLst>
   </p:cSld>
@@ -29547,7 +32289,7 @@
   <a:extraClrSchemeLst/>
   <a:extLst>
     <a:ext uri="{05A4C25C-085E-4340-85A3-A5531E510DB2}">
-      <thm15:themeFamily xmlns:thm15="http://schemas.microsoft.com/office/thememl/2012/main" name="Facet" id="{C0C680CD-088A-49FC-A102-D699147F32B2}" vid="{CFBC31BA-B70F-4F30-BCAA-4F3011E16C4D}"/>
+      <thm15:themeFamily xmlns:thm15="http://schemas.microsoft.com/office/thememl/2012/main" xmlns="" name="Facet" id="{C0C680CD-088A-49FC-A102-D699147F32B2}" vid="{CFBC31BA-B70F-4F30-BCAA-4F3011E16C4D}"/>
     </a:ext>
   </a:extLst>
 </a:theme>

--- a/slides/4_Parameter.pptx
+++ b/slides/4_Parameter.pptx
@@ -17,8 +17,10 @@
     <p:sldId id="473" r:id="rId11"/>
     <p:sldId id="526" r:id="rId12"/>
     <p:sldId id="474" r:id="rId13"/>
-    <p:sldId id="527" r:id="rId14"/>
-    <p:sldId id="524" r:id="rId15"/>
+    <p:sldId id="528" r:id="rId14"/>
+    <p:sldId id="529" r:id="rId15"/>
+    <p:sldId id="527" r:id="rId16"/>
+    <p:sldId id="524" r:id="rId17"/>
   </p:sldIdLst>
   <p:sldSz cx="12192000" cy="6858000"/>
   <p:notesSz cx="6858000" cy="9144000"/>
@@ -119,7 +121,18 @@
   </p:defaultTextStyle>
   <p:extLst>
     <p:ext uri="{EFAFB233-063F-42B5-8137-9DF3F51BA10A}">
-      <p15:sldGuideLst xmlns:p15="http://schemas.microsoft.com/office/powerpoint/2012/main" xmlns=""/>
+      <p15:sldGuideLst xmlns:p15="http://schemas.microsoft.com/office/powerpoint/2012/main">
+        <p15:guide id="1" orient="horz" pos="2160">
+          <p15:clr>
+            <a:srgbClr val="A4A3A4"/>
+          </p15:clr>
+        </p15:guide>
+        <p15:guide id="2" pos="3840">
+          <p15:clr>
+            <a:srgbClr val="A4A3A4"/>
+          </p15:clr>
+        </p15:guide>
+      </p15:sldGuideLst>
     </p:ext>
   </p:extLst>
 </p:presentation>
@@ -848,7 +861,7 @@
             <a:fld id="{B61BEF0D-F0BB-DE4B-95CE-6DB70DBA9567}" type="datetimeFigureOut">
               <a:rPr lang="en-US" dirty="0"/>
               <a:pPr/>
-              <a:t>4/27/2021</a:t>
+              <a:t>5/17/2021</a:t>
             </a:fld>
             <a:endParaRPr lang="en-US" dirty="0"/>
           </a:p>
@@ -1096,7 +1109,7 @@
             <a:fld id="{B61BEF0D-F0BB-DE4B-95CE-6DB70DBA9567}" type="datetimeFigureOut">
               <a:rPr lang="en-US" dirty="0"/>
               <a:pPr/>
-              <a:t>4/27/2021</a:t>
+              <a:t>5/17/2021</a:t>
             </a:fld>
             <a:endParaRPr lang="en-US" dirty="0"/>
           </a:p>
@@ -1407,7 +1420,7 @@
             <a:fld id="{B61BEF0D-F0BB-DE4B-95CE-6DB70DBA9567}" type="datetimeFigureOut">
               <a:rPr lang="en-US" dirty="0"/>
               <a:pPr/>
-              <a:t>4/27/2021</a:t>
+              <a:t>5/17/2021</a:t>
             </a:fld>
             <a:endParaRPr lang="en-US" dirty="0"/>
           </a:p>
@@ -1745,7 +1758,7 @@
             <a:fld id="{B61BEF0D-F0BB-DE4B-95CE-6DB70DBA9567}" type="datetimeFigureOut">
               <a:rPr lang="en-US" dirty="0"/>
               <a:pPr/>
-              <a:t>4/27/2021</a:t>
+              <a:t>5/17/2021</a:t>
             </a:fld>
             <a:endParaRPr lang="en-US" dirty="0"/>
           </a:p>
@@ -2056,7 +2069,7 @@
             <a:fld id="{B61BEF0D-F0BB-DE4B-95CE-6DB70DBA9567}" type="datetimeFigureOut">
               <a:rPr lang="en-US" dirty="0"/>
               <a:pPr/>
-              <a:t>4/27/2021</a:t>
+              <a:t>5/17/2021</a:t>
             </a:fld>
             <a:endParaRPr lang="en-US" dirty="0"/>
           </a:p>
@@ -2446,7 +2459,7 @@
             <a:fld id="{B61BEF0D-F0BB-DE4B-95CE-6DB70DBA9567}" type="datetimeFigureOut">
               <a:rPr lang="en-US" dirty="0"/>
               <a:pPr/>
-              <a:t>4/27/2021</a:t>
+              <a:t>5/17/2021</a:t>
             </a:fld>
             <a:endParaRPr lang="en-US" dirty="0"/>
           </a:p>
@@ -2612,7 +2625,7 @@
           <a:p>
             <a:fld id="{55C6B4A9-1611-4792-9094-5F34BCA07E0B}" type="datetimeFigureOut">
               <a:rPr lang="en-US" dirty="0"/>
-              <a:t>4/27/2021</a:t>
+              <a:t>5/17/2021</a:t>
             </a:fld>
             <a:endParaRPr lang="en-US" dirty="0"/>
           </a:p>
@@ -2788,7 +2801,7 @@
             <a:fld id="{B61BEF0D-F0BB-DE4B-95CE-6DB70DBA9567}" type="datetimeFigureOut">
               <a:rPr lang="en-US" dirty="0"/>
               <a:pPr/>
-              <a:t>4/27/2021</a:t>
+              <a:t>5/17/2021</a:t>
             </a:fld>
             <a:endParaRPr lang="en-US" dirty="0"/>
           </a:p>
@@ -2961,7 +2974,7 @@
             <a:fld id="{B61BEF0D-F0BB-DE4B-95CE-6DB70DBA9567}" type="datetimeFigureOut">
               <a:rPr lang="en-US" dirty="0"/>
               <a:pPr/>
-              <a:t>4/27/2021</a:t>
+              <a:t>5/17/2021</a:t>
             </a:fld>
             <a:endParaRPr lang="en-US" dirty="0"/>
           </a:p>
@@ -3205,7 +3218,7 @@
             <a:fld id="{B61BEF0D-F0BB-DE4B-95CE-6DB70DBA9567}" type="datetimeFigureOut">
               <a:rPr lang="en-US" dirty="0"/>
               <a:pPr/>
-              <a:t>4/27/2021</a:t>
+              <a:t>5/17/2021</a:t>
             </a:fld>
             <a:endParaRPr lang="en-US" dirty="0"/>
           </a:p>
@@ -3433,7 +3446,7 @@
           <a:p>
             <a:fld id="{EB712588-04B1-427B-82EE-E8DB90309F08}" type="datetimeFigureOut">
               <a:rPr lang="en-US" dirty="0"/>
-              <a:t>4/27/2021</a:t>
+              <a:t>5/17/2021</a:t>
             </a:fld>
             <a:endParaRPr lang="en-US" dirty="0"/>
           </a:p>
@@ -3803,7 +3816,7 @@
             <a:fld id="{B61BEF0D-F0BB-DE4B-95CE-6DB70DBA9567}" type="datetimeFigureOut">
               <a:rPr lang="en-US" dirty="0"/>
               <a:pPr/>
-              <a:t>4/27/2021</a:t>
+              <a:t>5/17/2021</a:t>
             </a:fld>
             <a:endParaRPr lang="en-US" dirty="0"/>
           </a:p>
@@ -3923,7 +3936,7 @@
             <a:fld id="{B61BEF0D-F0BB-DE4B-95CE-6DB70DBA9567}" type="datetimeFigureOut">
               <a:rPr lang="en-US" dirty="0"/>
               <a:pPr/>
-              <a:t>4/27/2021</a:t>
+              <a:t>5/17/2021</a:t>
             </a:fld>
             <a:endParaRPr lang="en-US" dirty="0"/>
           </a:p>
@@ -4015,7 +4028,7 @@
             <a:fld id="{B61BEF0D-F0BB-DE4B-95CE-6DB70DBA9567}" type="datetimeFigureOut">
               <a:rPr lang="en-US" dirty="0"/>
               <a:pPr/>
-              <a:t>4/27/2021</a:t>
+              <a:t>5/17/2021</a:t>
             </a:fld>
             <a:endParaRPr lang="en-US" dirty="0"/>
           </a:p>
@@ -4266,7 +4279,7 @@
           <a:p>
             <a:fld id="{42A54C80-263E-416B-A8E0-580EDEADCBDC}" type="datetimeFigureOut">
               <a:rPr lang="en-US" dirty="0"/>
-              <a:t>4/27/2021</a:t>
+              <a:t>5/17/2021</a:t>
             </a:fld>
             <a:endParaRPr lang="en-US" dirty="0"/>
           </a:p>
@@ -4525,7 +4538,7 @@
             <a:fld id="{B61BEF0D-F0BB-DE4B-95CE-6DB70DBA9567}" type="datetimeFigureOut">
               <a:rPr lang="en-US" dirty="0"/>
               <a:pPr/>
-              <a:t>4/27/2021</a:t>
+              <a:t>5/17/2021</a:t>
             </a:fld>
             <a:endParaRPr lang="en-US" dirty="0"/>
           </a:p>
@@ -5265,7 +5278,7 @@
             <a:fld id="{B61BEF0D-F0BB-DE4B-95CE-6DB70DBA9567}" type="datetimeFigureOut">
               <a:rPr lang="en-US" dirty="0"/>
               <a:pPr/>
-              <a:t>4/27/2021</a:t>
+              <a:t>5/17/2021</a:t>
             </a:fld>
             <a:endParaRPr lang="en-US" dirty="0"/>
           </a:p>
@@ -7535,15 +7548,7 @@
                     <a:schemeClr val="tx1"/>
                   </a:solidFill>
                 </a:rPr>
-                <a:t>..</a:t>
-              </a:r>
-              <a:r>
-                <a:rPr lang="en-US" dirty="0" smtClean="0">
-                  <a:solidFill>
-                    <a:schemeClr val="tx1"/>
-                  </a:solidFill>
-                </a:rPr>
-                <a:t>.</a:t>
+                <a:t>...</a:t>
               </a:r>
               <a:endParaRPr lang="en-US" dirty="0">
                 <a:solidFill>
@@ -10152,15 +10157,7 @@
                     <a:schemeClr val="tx1"/>
                   </a:solidFill>
                 </a:rPr>
-                <a:t>..</a:t>
-              </a:r>
-              <a:r>
-                <a:rPr lang="en-US" dirty="0" smtClean="0">
-                  <a:solidFill>
-                    <a:schemeClr val="tx1"/>
-                  </a:solidFill>
-                </a:rPr>
-                <a:t>.</a:t>
+                <a:t>...</a:t>
               </a:r>
               <a:endParaRPr lang="en-US" dirty="0">
                 <a:solidFill>
@@ -10404,6 +10401,443 @@
           <a:lstStyle/>
           <a:p>
             <a:r>
+              <a:rPr lang="fr-CA" dirty="0"/>
+              <a:t>Pattern-</a:t>
+            </a:r>
+            <a:r>
+              <a:rPr lang="fr-CA" dirty="0" err="1"/>
+              <a:t>oriented</a:t>
+            </a:r>
+            <a:r>
+              <a:rPr lang="fr-CA" dirty="0"/>
+              <a:t> </a:t>
+            </a:r>
+            <a:r>
+              <a:rPr lang="fr-CA" dirty="0" err="1"/>
+              <a:t>modelling</a:t>
+            </a:r>
+            <a:r>
+              <a:rPr lang="fr-CA" dirty="0"/>
+              <a:t> (POM)</a:t>
+            </a:r>
+          </a:p>
+        </p:txBody>
+      </p:sp>
+      <p:sp>
+        <p:nvSpPr>
+          <p:cNvPr id="3" name="Espace réservé du contenu 2"/>
+          <p:cNvSpPr>
+            <a:spLocks noGrp="1"/>
+          </p:cNvSpPr>
+          <p:nvPr>
+            <p:ph idx="1"/>
+          </p:nvPr>
+        </p:nvSpPr>
+        <p:spPr>
+          <a:xfrm>
+            <a:off x="677334" y="1623527"/>
+            <a:ext cx="8596668" cy="4417835"/>
+          </a:xfrm>
+        </p:spPr>
+        <p:txBody>
+          <a:bodyPr/>
+          <a:lstStyle/>
+          <a:p>
+            <a:r>
+              <a:rPr lang="en-US" dirty="0" smtClean="0"/>
+              <a:t>“POM </a:t>
+            </a:r>
+            <a:r>
+              <a:rPr lang="en-US" dirty="0"/>
+              <a:t>is a strategy for confronting models with empirical </a:t>
+            </a:r>
+            <a:r>
+              <a:rPr lang="en-US" dirty="0" smtClean="0"/>
+              <a:t>patterns … that can </a:t>
+            </a:r>
+            <a:r>
+              <a:rPr lang="en-US" dirty="0"/>
+              <a:t>be used to balance the level of model complexity and increase the chance </a:t>
+            </a:r>
+            <a:r>
+              <a:rPr lang="en-US" dirty="0" smtClean="0"/>
+              <a:t>of capturing </a:t>
+            </a:r>
+            <a:r>
+              <a:rPr lang="en-US" dirty="0"/>
+              <a:t>the processes in the system </a:t>
+            </a:r>
+            <a:r>
+              <a:rPr lang="en-US" dirty="0" smtClean="0"/>
+              <a:t>…”</a:t>
+            </a:r>
+          </a:p>
+          <a:p>
+            <a:r>
+              <a:rPr lang="en-US" dirty="0" smtClean="0"/>
+              <a:t>“… filters for </a:t>
+            </a:r>
+          </a:p>
+          <a:p>
+            <a:pPr lvl="1"/>
+            <a:r>
+              <a:rPr lang="en-US" dirty="0" smtClean="0"/>
+              <a:t>selecting variables</a:t>
+            </a:r>
+          </a:p>
+          <a:p>
+            <a:pPr lvl="1"/>
+            <a:r>
+              <a:rPr lang="en-US" dirty="0" smtClean="0"/>
+              <a:t>designing </a:t>
+            </a:r>
+            <a:r>
+              <a:rPr lang="en-US" dirty="0" err="1" smtClean="0"/>
+              <a:t>submodels</a:t>
+            </a:r>
+            <a:r>
+              <a:rPr lang="en-US" dirty="0" smtClean="0"/>
+              <a:t> </a:t>
+            </a:r>
+          </a:p>
+          <a:p>
+            <a:pPr lvl="1"/>
+            <a:r>
+              <a:rPr lang="en-US" dirty="0" err="1" smtClean="0"/>
+              <a:t>parameterising</a:t>
+            </a:r>
+            <a:r>
+              <a:rPr lang="en-US" dirty="0" smtClean="0"/>
+              <a:t> and </a:t>
+            </a:r>
+            <a:r>
+              <a:rPr lang="en-US" dirty="0" err="1" smtClean="0"/>
+              <a:t>optimising</a:t>
+            </a:r>
+            <a:r>
+              <a:rPr lang="en-US" dirty="0" smtClean="0"/>
+              <a:t> models ”</a:t>
+            </a:r>
+            <a:endParaRPr lang="fr-CA" dirty="0"/>
+          </a:p>
+        </p:txBody>
+      </p:sp>
+      <p:sp>
+        <p:nvSpPr>
+          <p:cNvPr id="4" name="ZoneTexte 3"/>
+          <p:cNvSpPr txBox="1"/>
+          <p:nvPr/>
+        </p:nvSpPr>
+        <p:spPr>
+          <a:xfrm>
+            <a:off x="8233610" y="5723124"/>
+            <a:ext cx="3685335" cy="923330"/>
+          </a:xfrm>
+          <a:prstGeom prst="rect">
+            <a:avLst/>
+          </a:prstGeom>
+          <a:noFill/>
+        </p:spPr>
+        <p:txBody>
+          <a:bodyPr wrap="square" rtlCol="0">
+            <a:spAutoFit/>
+          </a:bodyPr>
+          <a:lstStyle/>
+          <a:p>
+            <a:pPr algn="r"/>
+            <a:r>
+              <a:rPr lang="nl-NL" dirty="0" err="1" smtClean="0">
+                <a:latin typeface="Times New Roman" panose="02020603050405020304" pitchFamily="18" charset="0"/>
+                <a:cs typeface="Times New Roman" panose="02020603050405020304" pitchFamily="18" charset="0"/>
+              </a:rPr>
+              <a:t>Grimm</a:t>
+            </a:r>
+            <a:r>
+              <a:rPr lang="nl-NL" dirty="0" smtClean="0">
+                <a:latin typeface="Times New Roman" panose="02020603050405020304" pitchFamily="18" charset="0"/>
+                <a:cs typeface="Times New Roman" panose="02020603050405020304" pitchFamily="18" charset="0"/>
+              </a:rPr>
+              <a:t> </a:t>
+            </a:r>
+            <a:r>
+              <a:rPr lang="nl-NL" dirty="0" err="1" smtClean="0">
+                <a:latin typeface="Times New Roman" panose="02020603050405020304" pitchFamily="18" charset="0"/>
+                <a:cs typeface="Times New Roman" panose="02020603050405020304" pitchFamily="18" charset="0"/>
+              </a:rPr>
+              <a:t>and</a:t>
+            </a:r>
+            <a:r>
+              <a:rPr lang="nl-NL" dirty="0" smtClean="0">
+                <a:latin typeface="Times New Roman" panose="02020603050405020304" pitchFamily="18" charset="0"/>
+                <a:cs typeface="Times New Roman" panose="02020603050405020304" pitchFamily="18" charset="0"/>
+              </a:rPr>
+              <a:t> </a:t>
+            </a:r>
+            <a:r>
+              <a:rPr lang="nl-NL" dirty="0" err="1" smtClean="0">
+                <a:latin typeface="Times New Roman" panose="02020603050405020304" pitchFamily="18" charset="0"/>
+                <a:cs typeface="Times New Roman" panose="02020603050405020304" pitchFamily="18" charset="0"/>
+              </a:rPr>
+              <a:t>Railsback</a:t>
+            </a:r>
+            <a:r>
+              <a:rPr lang="nl-NL" dirty="0" smtClean="0">
+                <a:latin typeface="Times New Roman" panose="02020603050405020304" pitchFamily="18" charset="0"/>
+                <a:cs typeface="Times New Roman" panose="02020603050405020304" pitchFamily="18" charset="0"/>
+              </a:rPr>
+              <a:t>, 2012</a:t>
+            </a:r>
+          </a:p>
+          <a:p>
+            <a:pPr algn="r"/>
+            <a:r>
+              <a:rPr lang="nl-NL" dirty="0" err="1" smtClean="0">
+                <a:latin typeface="Times New Roman" panose="02020603050405020304" pitchFamily="18" charset="0"/>
+                <a:cs typeface="Times New Roman" panose="02020603050405020304" pitchFamily="18" charset="0"/>
+              </a:rPr>
+              <a:t>Grimm</a:t>
+            </a:r>
+            <a:r>
+              <a:rPr lang="nl-NL" dirty="0" smtClean="0">
+                <a:latin typeface="Times New Roman" panose="02020603050405020304" pitchFamily="18" charset="0"/>
+                <a:cs typeface="Times New Roman" panose="02020603050405020304" pitchFamily="18" charset="0"/>
+              </a:rPr>
+              <a:t> et al., 2017</a:t>
+            </a:r>
+          </a:p>
+          <a:p>
+            <a:pPr algn="r"/>
+            <a:r>
+              <a:rPr lang="nl-NL" dirty="0" smtClean="0">
+                <a:latin typeface="Times New Roman" panose="02020603050405020304" pitchFamily="18" charset="0"/>
+                <a:cs typeface="Times New Roman" panose="02020603050405020304" pitchFamily="18" charset="0"/>
+              </a:rPr>
+              <a:t>Gallagher et al., 2021</a:t>
+            </a:r>
+            <a:endParaRPr lang="fr-FR" dirty="0">
+              <a:latin typeface="Times New Roman" panose="02020603050405020304" pitchFamily="18" charset="0"/>
+              <a:cs typeface="Times New Roman" panose="02020603050405020304" pitchFamily="18" charset="0"/>
+            </a:endParaRPr>
+          </a:p>
+        </p:txBody>
+      </p:sp>
+    </p:spTree>
+    <p:extLst>
+      <p:ext uri="{BB962C8B-B14F-4D97-AF65-F5344CB8AC3E}">
+        <p14:creationId xmlns:p14="http://schemas.microsoft.com/office/powerpoint/2010/main" val="2442395117"/>
+      </p:ext>
+    </p:extLst>
+  </p:cSld>
+  <p:clrMapOvr>
+    <a:masterClrMapping/>
+  </p:clrMapOvr>
+</p:sld>
+</file>
+
+<file path=ppt/slides/slide14.xml><?xml version="1.0" encoding="utf-8"?>
+<p:sld xmlns:a="http://schemas.openxmlformats.org/drawingml/2006/main" xmlns:r="http://schemas.openxmlformats.org/officeDocument/2006/relationships" xmlns:p="http://schemas.openxmlformats.org/presentationml/2006/main">
+  <p:cSld>
+    <p:spTree>
+      <p:nvGrpSpPr>
+        <p:cNvPr id="1" name=""/>
+        <p:cNvGrpSpPr/>
+        <p:nvPr/>
+      </p:nvGrpSpPr>
+      <p:grpSpPr>
+        <a:xfrm>
+          <a:off x="0" y="0"/>
+          <a:ext cx="0" cy="0"/>
+          <a:chOff x="0" y="0"/>
+          <a:chExt cx="0" cy="0"/>
+        </a:xfrm>
+      </p:grpSpPr>
+      <p:sp>
+        <p:nvSpPr>
+          <p:cNvPr id="2" name="Titre 1"/>
+          <p:cNvSpPr>
+            <a:spLocks noGrp="1"/>
+          </p:cNvSpPr>
+          <p:nvPr>
+            <p:ph type="title"/>
+          </p:nvPr>
+        </p:nvSpPr>
+        <p:spPr>
+          <a:xfrm>
+            <a:off x="537272" y="205268"/>
+            <a:ext cx="8596668" cy="1320800"/>
+          </a:xfrm>
+        </p:spPr>
+        <p:txBody>
+          <a:bodyPr/>
+          <a:lstStyle/>
+          <a:p>
+            <a:r>
+              <a:rPr lang="fr-CA" dirty="0" smtClean="0"/>
+              <a:t>Pattern </a:t>
+            </a:r>
+            <a:r>
+              <a:rPr lang="fr-CA" dirty="0" err="1" smtClean="0"/>
+              <a:t>examples</a:t>
+            </a:r>
+            <a:endParaRPr lang="fr-CA" dirty="0"/>
+          </a:p>
+        </p:txBody>
+      </p:sp>
+      <p:sp>
+        <p:nvSpPr>
+          <p:cNvPr id="3" name="Espace réservé du contenu 2"/>
+          <p:cNvSpPr>
+            <a:spLocks noGrp="1"/>
+          </p:cNvSpPr>
+          <p:nvPr>
+            <p:ph idx="1"/>
+          </p:nvPr>
+        </p:nvSpPr>
+        <p:spPr/>
+        <p:txBody>
+          <a:bodyPr/>
+          <a:lstStyle/>
+          <a:p>
+            <a:endParaRPr lang="fr-CA" dirty="0"/>
+          </a:p>
+        </p:txBody>
+      </p:sp>
+      <p:pic>
+        <p:nvPicPr>
+          <p:cNvPr id="4" name="Image 3"/>
+          <p:cNvPicPr>
+            <a:picLocks noChangeAspect="1"/>
+          </p:cNvPicPr>
+          <p:nvPr/>
+        </p:nvPicPr>
+        <p:blipFill rotWithShape="1">
+          <a:blip r:embed="rId2"/>
+          <a:srcRect b="52340"/>
+          <a:stretch/>
+        </p:blipFill>
+        <p:spPr>
+          <a:xfrm>
+            <a:off x="161072" y="1052367"/>
+            <a:ext cx="5850294" cy="5412782"/>
+          </a:xfrm>
+          <a:prstGeom prst="rect">
+            <a:avLst/>
+          </a:prstGeom>
+        </p:spPr>
+      </p:pic>
+      <p:pic>
+        <p:nvPicPr>
+          <p:cNvPr id="5" name="Image 4"/>
+          <p:cNvPicPr>
+            <a:picLocks noChangeAspect="1"/>
+          </p:cNvPicPr>
+          <p:nvPr/>
+        </p:nvPicPr>
+        <p:blipFill rotWithShape="1">
+          <a:blip r:embed="rId2"/>
+          <a:srcRect t="47546"/>
+          <a:stretch/>
+        </p:blipFill>
+        <p:spPr>
+          <a:xfrm>
+            <a:off x="6173342" y="215152"/>
+            <a:ext cx="5921197" cy="6029545"/>
+          </a:xfrm>
+          <a:prstGeom prst="rect">
+            <a:avLst/>
+          </a:prstGeom>
+        </p:spPr>
+      </p:pic>
+      <p:sp>
+        <p:nvSpPr>
+          <p:cNvPr id="6" name="ZoneTexte 5"/>
+          <p:cNvSpPr txBox="1"/>
+          <p:nvPr/>
+        </p:nvSpPr>
+        <p:spPr>
+          <a:xfrm>
+            <a:off x="8401561" y="6375332"/>
+            <a:ext cx="3685335" cy="369332"/>
+          </a:xfrm>
+          <a:prstGeom prst="rect">
+            <a:avLst/>
+          </a:prstGeom>
+          <a:noFill/>
+        </p:spPr>
+        <p:txBody>
+          <a:bodyPr wrap="square" rtlCol="0">
+            <a:spAutoFit/>
+          </a:bodyPr>
+          <a:lstStyle/>
+          <a:p>
+            <a:pPr algn="r"/>
+            <a:r>
+              <a:rPr lang="nl-NL" dirty="0" smtClean="0">
+                <a:latin typeface="Times New Roman" panose="02020603050405020304" pitchFamily="18" charset="0"/>
+                <a:cs typeface="Times New Roman" panose="02020603050405020304" pitchFamily="18" charset="0"/>
+              </a:rPr>
+              <a:t>Gallagher et al., 2021</a:t>
+            </a:r>
+            <a:endParaRPr lang="fr-FR" dirty="0">
+              <a:latin typeface="Times New Roman" panose="02020603050405020304" pitchFamily="18" charset="0"/>
+              <a:cs typeface="Times New Roman" panose="02020603050405020304" pitchFamily="18" charset="0"/>
+            </a:endParaRPr>
+          </a:p>
+        </p:txBody>
+      </p:sp>
+    </p:spTree>
+    <p:extLst>
+      <p:ext uri="{BB962C8B-B14F-4D97-AF65-F5344CB8AC3E}">
+        <p14:creationId xmlns:p14="http://schemas.microsoft.com/office/powerpoint/2010/main" val="2620246536"/>
+      </p:ext>
+    </p:extLst>
+  </p:cSld>
+  <p:clrMapOvr>
+    <a:masterClrMapping/>
+  </p:clrMapOvr>
+  <p:timing>
+    <p:tnLst>
+      <p:par>
+        <p:cTn id="1" dur="indefinite" restart="never" nodeType="tmRoot"/>
+      </p:par>
+    </p:tnLst>
+  </p:timing>
+</p:sld>
+</file>
+
+<file path=ppt/slides/slide15.xml><?xml version="1.0" encoding="utf-8"?>
+<p:sld xmlns:a="http://schemas.openxmlformats.org/drawingml/2006/main" xmlns:r="http://schemas.openxmlformats.org/officeDocument/2006/relationships" xmlns:p="http://schemas.openxmlformats.org/presentationml/2006/main">
+  <p:cSld>
+    <p:spTree>
+      <p:nvGrpSpPr>
+        <p:cNvPr id="1" name=""/>
+        <p:cNvGrpSpPr/>
+        <p:nvPr/>
+      </p:nvGrpSpPr>
+      <p:grpSpPr>
+        <a:xfrm>
+          <a:off x="0" y="0"/>
+          <a:ext cx="0" cy="0"/>
+          <a:chOff x="0" y="0"/>
+          <a:chExt cx="0" cy="0"/>
+        </a:xfrm>
+      </p:grpSpPr>
+      <p:sp>
+        <p:nvSpPr>
+          <p:cNvPr id="2" name="Titre 1"/>
+          <p:cNvSpPr>
+            <a:spLocks noGrp="1"/>
+          </p:cNvSpPr>
+          <p:nvPr>
+            <p:ph type="title"/>
+          </p:nvPr>
+        </p:nvSpPr>
+        <p:spPr/>
+        <p:txBody>
+          <a:bodyPr/>
+          <a:lstStyle/>
+          <a:p>
+            <a:r>
               <a:rPr lang="fr-CA" dirty="0" err="1" smtClean="0"/>
               <a:t>Difficulties</a:t>
             </a:r>
@@ -10427,8 +10861,8 @@
         </p:nvSpPr>
         <p:spPr>
           <a:xfrm>
-            <a:off x="677334" y="1743341"/>
-            <a:ext cx="9030688" cy="4298021"/>
+            <a:off x="677333" y="1520891"/>
+            <a:ext cx="9511695" cy="5038530"/>
           </a:xfrm>
         </p:spPr>
         <p:txBody>
@@ -10457,8 +10891,15 @@
             </a:r>
             <a:r>
               <a:rPr lang="fr-CA" dirty="0" smtClean="0"/>
-              <a:t> model</a:t>
-            </a:r>
+              <a:t> </a:t>
+            </a:r>
+            <a:r>
+              <a:rPr lang="fr-CA" dirty="0" smtClean="0"/>
+              <a:t>model</a:t>
+            </a:r>
+          </a:p>
+          <a:p>
+            <a:endParaRPr lang="fr-CA" dirty="0" smtClean="0"/>
           </a:p>
           <a:p>
             <a:r>
@@ -10517,57 +10958,94 @@
             <a:pPr lvl="1"/>
             <a:r>
               <a:rPr lang="en-CA" dirty="0" smtClean="0"/>
-              <a:t>2 parameters, 10 values per parameter to test =&gt; 10*10 sets of simulations</a:t>
-            </a:r>
-          </a:p>
-          <a:p>
+              <a:t>2 parameters, 10 values per parameter to test =&gt; 10*10 sets of </a:t>
+            </a:r>
             <a:r>
               <a:rPr lang="en-CA" dirty="0" smtClean="0"/>
-              <a:t>Need multiple measurable and comparable outputs (“patterns”)</a:t>
+              <a:t>simulations</a:t>
             </a:r>
           </a:p>
           <a:p>
             <a:pPr lvl="1"/>
+            <a:endParaRPr lang="en-CA" dirty="0" smtClean="0"/>
+          </a:p>
+          <a:p>
             <a:r>
               <a:rPr lang="en-CA" dirty="0" smtClean="0"/>
-              <a:t>E.g., distribution of walked distances, mean litter size, kernel density</a:t>
+              <a:t>Need multiple measurable and comparable outputs (“patterns”)</a:t>
             </a:r>
           </a:p>
           <a:p>
             <a:pPr lvl="1"/>
             <a:r>
+              <a:rPr lang="en-CA" dirty="0"/>
+              <a:t>More patterns to meet =&gt; better calibration of the parameters</a:t>
+            </a:r>
+          </a:p>
+          <a:p>
+            <a:r>
               <a:rPr lang="en-CA" dirty="0" smtClean="0"/>
-              <a:t>Two methods</a:t>
-            </a:r>
+              <a:t>Two </a:t>
+            </a:r>
+            <a:r>
+              <a:rPr lang="en-CA" dirty="0" smtClean="0"/>
+              <a:t>methods</a:t>
+            </a:r>
+          </a:p>
+          <a:p>
+            <a:pPr lvl="1"/>
+            <a:r>
+              <a:rPr lang="en-CA" dirty="0" smtClean="0"/>
+              <a:t>Pattern reproduced: keep or reject the model </a:t>
+            </a:r>
+            <a:endParaRPr lang="en-CA" dirty="0" smtClean="0"/>
           </a:p>
           <a:p>
             <a:pPr lvl="2"/>
             <a:r>
               <a:rPr lang="en-CA" dirty="0" smtClean="0"/>
-              <a:t>Pattern reproduced: keep or reject the model (need to define a threshold)</a:t>
+              <a:t>N</a:t>
+            </a:r>
+            <a:r>
+              <a:rPr lang="en-CA" dirty="0" smtClean="0"/>
+              <a:t>eed </a:t>
+            </a:r>
+            <a:r>
+              <a:rPr lang="en-CA" dirty="0" smtClean="0"/>
+              <a:t>to define a </a:t>
+            </a:r>
+            <a:r>
+              <a:rPr lang="en-CA" dirty="0" smtClean="0"/>
+              <a:t>threshold</a:t>
+            </a:r>
+            <a:endParaRPr lang="en-CA" dirty="0" smtClean="0"/>
+          </a:p>
+          <a:p>
+            <a:pPr lvl="1"/>
+            <a:r>
+              <a:rPr lang="en-CA" dirty="0" smtClean="0"/>
+              <a:t>Select the model best reproducing the </a:t>
+            </a:r>
+            <a:r>
+              <a:rPr lang="en-CA" dirty="0" smtClean="0"/>
+              <a:t>pattern</a:t>
             </a:r>
           </a:p>
           <a:p>
             <a:pPr lvl="2"/>
             <a:r>
               <a:rPr lang="en-CA" dirty="0" smtClean="0"/>
-              <a:t>Select the model best reproducing the pattern (but there is always </a:t>
-            </a:r>
-            <a:r>
-              <a:rPr lang="en-CA" smtClean="0"/>
-              <a:t>a best one </a:t>
+              <a:t>But </a:t>
             </a:r>
             <a:r>
               <a:rPr lang="en-CA" dirty="0" smtClean="0"/>
-              <a:t>among bad ones)</a:t>
-            </a:r>
-          </a:p>
-          <a:p>
-            <a:pPr lvl="1"/>
+              <a:t>there is always a best one among bad </a:t>
+            </a:r>
             <a:r>
               <a:rPr lang="en-CA" dirty="0" smtClean="0"/>
-              <a:t>More patterns to meet =&gt; better calibration of the parameters</a:t>
-            </a:r>
+              <a:t>ones</a:t>
+            </a:r>
+            <a:endParaRPr lang="en-CA" dirty="0" smtClean="0"/>
           </a:p>
           <a:p>
             <a:pPr lvl="1"/>
@@ -10670,7 +11148,7 @@
                                         <p:tgtEl>
                                           <p:spTgt spid="3">
                                             <p:txEl>
-                                              <p:pRg st="1" end="1"/>
+                                              <p:pRg st="2" end="2"/>
                                             </p:txEl>
                                           </p:spTgt>
                                         </p:tgtEl>
@@ -10701,7 +11179,7 @@
                                         <p:tgtEl>
                                           <p:spTgt spid="3">
                                             <p:txEl>
-                                              <p:pRg st="2" end="2"/>
+                                              <p:pRg st="3" end="3"/>
                                             </p:txEl>
                                           </p:spTgt>
                                         </p:tgtEl>
@@ -10732,7 +11210,7 @@
                                         <p:tgtEl>
                                           <p:spTgt spid="3">
                                             <p:txEl>
-                                              <p:pRg st="3" end="3"/>
+                                              <p:pRg st="4" end="4"/>
                                             </p:txEl>
                                           </p:spTgt>
                                         </p:tgtEl>
@@ -10781,7 +11259,7 @@
                                         <p:tgtEl>
                                           <p:spTgt spid="3">
                                             <p:txEl>
-                                              <p:pRg st="4" end="4"/>
+                                              <p:pRg st="6" end="6"/>
                                             </p:txEl>
                                           </p:spTgt>
                                         </p:tgtEl>
@@ -10812,7 +11290,7 @@
                                         <p:tgtEl>
                                           <p:spTgt spid="3">
                                             <p:txEl>
-                                              <p:pRg st="5" end="5"/>
+                                              <p:pRg st="8" end="8"/>
                                             </p:txEl>
                                           </p:spTgt>
                                         </p:tgtEl>
@@ -10843,7 +11321,7 @@
                                         <p:tgtEl>
                                           <p:spTgt spid="3">
                                             <p:txEl>
-                                              <p:pRg st="6" end="6"/>
+                                              <p:pRg st="7" end="7"/>
                                             </p:txEl>
                                           </p:spTgt>
                                         </p:tgtEl>
@@ -10874,7 +11352,7 @@
                                         <p:tgtEl>
                                           <p:spTgt spid="3">
                                             <p:txEl>
-                                              <p:pRg st="7" end="7"/>
+                                              <p:pRg st="9" end="9"/>
                                             </p:txEl>
                                           </p:spTgt>
                                         </p:tgtEl>
@@ -10905,7 +11383,7 @@
                                         <p:tgtEl>
                                           <p:spTgt spid="3">
                                             <p:txEl>
-                                              <p:pRg st="8" end="8"/>
+                                              <p:pRg st="10" end="10"/>
                                             </p:txEl>
                                           </p:spTgt>
                                         </p:tgtEl>
@@ -10936,7 +11414,38 @@
                                         <p:tgtEl>
                                           <p:spTgt spid="3">
                                             <p:txEl>
-                                              <p:pRg st="9" end="9"/>
+                                              <p:pRg st="11" end="11"/>
+                                            </p:txEl>
+                                          </p:spTgt>
+                                        </p:tgtEl>
+                                        <p:attrNameLst>
+                                          <p:attrName>style.visibility</p:attrName>
+                                        </p:attrNameLst>
+                                      </p:cBhvr>
+                                      <p:to>
+                                        <p:strVal val="visible"/>
+                                      </p:to>
+                                    </p:set>
+                                  </p:childTnLst>
+                                </p:cTn>
+                              </p:par>
+                              <p:par>
+                                <p:cTn id="29" presetID="1" presetClass="entr" presetSubtype="0" fill="hold" nodeType="withEffect">
+                                  <p:stCondLst>
+                                    <p:cond delay="0"/>
+                                  </p:stCondLst>
+                                  <p:childTnLst>
+                                    <p:set>
+                                      <p:cBhvr>
+                                        <p:cTn id="30" dur="1" fill="hold">
+                                          <p:stCondLst>
+                                            <p:cond delay="0"/>
+                                          </p:stCondLst>
+                                        </p:cTn>
+                                        <p:tgtEl>
+                                          <p:spTgt spid="3">
+                                            <p:txEl>
+                                              <p:pRg st="12" end="12"/>
                                             </p:txEl>
                                           </p:spTgt>
                                         </p:tgtEl>
@@ -10982,7 +11491,7 @@
 </p:sld>
 </file>
 
-<file path=ppt/slides/slide14.xml><?xml version="1.0" encoding="utf-8"?>
+<file path=ppt/slides/slide16.xml><?xml version="1.0" encoding="utf-8"?>
 <p:sld xmlns:a="http://schemas.openxmlformats.org/drawingml/2006/main" xmlns:r="http://schemas.openxmlformats.org/officeDocument/2006/relationships" xmlns:p="http://schemas.openxmlformats.org/presentationml/2006/main">
   <p:cSld>
     <p:spTree>
@@ -11061,8 +11570,116 @@
               </a:spcBef>
             </a:pPr>
             <a:r>
-              <a:rPr lang="pt-BR" dirty="0"/>
-              <a:t>Grimm V, Revilla E, Berger U, Jeltsch F, Mooij WM, Railsback SF, Thulke H-H, Weiner J, Wiegand T, DeAngelis DL. 2005. Pattern-oriented modeling of agent-based complex systems: lessons from ecology. Science 310:987–991. </a:t>
+              <a:rPr lang="fr-CA" dirty="0" err="1"/>
+              <a:t>Gallagher</a:t>
+            </a:r>
+            <a:r>
+              <a:rPr lang="fr-CA" dirty="0"/>
+              <a:t> CA, </a:t>
+            </a:r>
+            <a:r>
+              <a:rPr lang="fr-CA" dirty="0" err="1"/>
+              <a:t>Chudzinska</a:t>
+            </a:r>
+            <a:r>
+              <a:rPr lang="fr-CA" dirty="0"/>
+              <a:t> M, Larsen-gray A, Pollock CJ, </a:t>
+            </a:r>
+            <a:r>
+              <a:rPr lang="fr-CA" dirty="0" err="1"/>
+              <a:t>Sells</a:t>
+            </a:r>
+            <a:r>
+              <a:rPr lang="fr-CA" dirty="0"/>
+              <a:t> SN, White PJC, Berger U. 2021. </a:t>
+            </a:r>
+            <a:r>
+              <a:rPr lang="fr-CA" dirty="0" err="1"/>
+              <a:t>From</a:t>
+            </a:r>
+            <a:r>
+              <a:rPr lang="fr-CA" dirty="0"/>
+              <a:t> </a:t>
+            </a:r>
+            <a:r>
+              <a:rPr lang="fr-CA" dirty="0" err="1"/>
+              <a:t>theory</a:t>
+            </a:r>
+            <a:r>
+              <a:rPr lang="fr-CA" dirty="0"/>
+              <a:t> to practice in pattern-</a:t>
+            </a:r>
+            <a:r>
+              <a:rPr lang="fr-CA" dirty="0" err="1"/>
+              <a:t>oriented</a:t>
+            </a:r>
+            <a:r>
+              <a:rPr lang="fr-CA" dirty="0"/>
+              <a:t> </a:t>
+            </a:r>
+            <a:r>
+              <a:rPr lang="fr-CA" dirty="0" err="1"/>
+              <a:t>modelling</a:t>
+            </a:r>
+            <a:r>
+              <a:rPr lang="fr-CA" dirty="0"/>
+              <a:t>: </a:t>
+            </a:r>
+            <a:r>
+              <a:rPr lang="fr-CA" dirty="0" err="1"/>
+              <a:t>identifying</a:t>
+            </a:r>
+            <a:r>
+              <a:rPr lang="fr-CA" dirty="0"/>
+              <a:t> and </a:t>
+            </a:r>
+            <a:r>
+              <a:rPr lang="fr-CA" dirty="0" err="1"/>
+              <a:t>using</a:t>
+            </a:r>
+            <a:r>
+              <a:rPr lang="fr-CA" dirty="0"/>
+              <a:t> </a:t>
+            </a:r>
+            <a:r>
+              <a:rPr lang="fr-CA" dirty="0" err="1"/>
+              <a:t>empirical</a:t>
+            </a:r>
+            <a:r>
+              <a:rPr lang="fr-CA" dirty="0"/>
+              <a:t> patterns in </a:t>
+            </a:r>
+            <a:r>
+              <a:rPr lang="fr-CA" dirty="0" err="1"/>
+              <a:t>predictive</a:t>
+            </a:r>
+            <a:r>
+              <a:rPr lang="fr-CA" dirty="0"/>
+              <a:t> </a:t>
+            </a:r>
+            <a:r>
+              <a:rPr lang="fr-CA" dirty="0" err="1"/>
+              <a:t>models</a:t>
+            </a:r>
+            <a:r>
+              <a:rPr lang="fr-CA" dirty="0"/>
+              <a:t>. </a:t>
+            </a:r>
+            <a:r>
+              <a:rPr lang="fr-CA" dirty="0" err="1"/>
+              <a:t>Biological</a:t>
+            </a:r>
+            <a:r>
+              <a:rPr lang="fr-CA" dirty="0"/>
+              <a:t> </a:t>
+            </a:r>
+            <a:r>
+              <a:rPr lang="fr-CA" dirty="0" err="1"/>
+              <a:t>Reviews</a:t>
+            </a:r>
+            <a:r>
+              <a:rPr lang="fr-CA" dirty="0"/>
+              <a:t>.</a:t>
             </a:r>
           </a:p>
           <a:p>
@@ -11072,9 +11689,69 @@
               </a:spcBef>
             </a:pPr>
             <a:r>
+              <a:rPr lang="pt-BR" dirty="0" smtClean="0"/>
+              <a:t>Grimm </a:t>
+            </a:r>
+            <a:r>
+              <a:rPr lang="pt-BR" dirty="0"/>
+              <a:t>V, Revilla E, Berger U, Jeltsch F, Mooij WM, Railsback SF, Thulke H-H, Weiner J, Wiegand T, DeAngelis DL. 2005. Pattern-oriented modeling of agent-based complex systems: lessons from ecology. Science 310:987–991. </a:t>
+            </a:r>
+          </a:p>
+          <a:p>
+            <a:pPr>
+              <a:spcBef>
+                <a:spcPts val="0"/>
+              </a:spcBef>
+            </a:pPr>
+            <a:r>
               <a:rPr lang="pt-BR" dirty="0"/>
               <a:t>Grimm V, Railsback SF. 2012. Pattern-oriented modelling: a “multi-scope” for predictive systems ecology. Philosophical transactions of the Royal Society of London - Series B 367:298–310. </a:t>
             </a:r>
+            <a:endParaRPr lang="pt-BR" dirty="0" smtClean="0"/>
+          </a:p>
+          <a:p>
+            <a:pPr>
+              <a:spcBef>
+                <a:spcPts val="0"/>
+              </a:spcBef>
+            </a:pPr>
+            <a:r>
+              <a:rPr lang="en-US" dirty="0" smtClean="0"/>
+              <a:t>Grimm V, </a:t>
+            </a:r>
+            <a:r>
+              <a:rPr lang="en-US" dirty="0" err="1" smtClean="0"/>
+              <a:t>Ayllon</a:t>
+            </a:r>
+            <a:r>
+              <a:rPr lang="en-US" dirty="0" smtClean="0"/>
+              <a:t> D, </a:t>
+            </a:r>
+            <a:r>
+              <a:rPr lang="en-US" dirty="0" err="1" smtClean="0"/>
+              <a:t>Railsback</a:t>
+            </a:r>
+            <a:r>
+              <a:rPr lang="en-US" dirty="0" smtClean="0"/>
+              <a:t> SF</a:t>
+            </a:r>
+            <a:r>
+              <a:rPr lang="en-US" dirty="0"/>
+              <a:t>. </a:t>
+            </a:r>
+            <a:r>
+              <a:rPr lang="en-US" dirty="0" smtClean="0"/>
+              <a:t>2017. </a:t>
+            </a:r>
+            <a:r>
+              <a:rPr lang="en-US" dirty="0"/>
+              <a:t>Next-generation individual-based models integrate biodiversity and ecosystems: yes we can, and yes we must. Ecosystems </a:t>
+            </a:r>
+            <a:r>
+              <a:rPr lang="en-US" dirty="0" smtClean="0"/>
+              <a:t>20:229–236.</a:t>
+            </a:r>
+            <a:endParaRPr lang="pt-BR" dirty="0"/>
           </a:p>
           <a:p>
             <a:pPr>
@@ -31775,15 +32452,7 @@
                     <a:schemeClr val="tx1"/>
                   </a:solidFill>
                 </a:rPr>
-                <a:t>..</a:t>
-              </a:r>
-              <a:r>
-                <a:rPr lang="en-US" dirty="0" smtClean="0">
-                  <a:solidFill>
-                    <a:schemeClr val="tx1"/>
-                  </a:solidFill>
-                </a:rPr>
-                <a:t>.</a:t>
+                <a:t>...</a:t>
               </a:r>
               <a:endParaRPr lang="en-US" dirty="0">
                 <a:solidFill>
@@ -32289,7 +32958,7 @@
   <a:extraClrSchemeLst/>
   <a:extLst>
     <a:ext uri="{05A4C25C-085E-4340-85A3-A5531E510DB2}">
-      <thm15:themeFamily xmlns:thm15="http://schemas.microsoft.com/office/thememl/2012/main" xmlns="" name="Facet" id="{C0C680CD-088A-49FC-A102-D699147F32B2}" vid="{CFBC31BA-B70F-4F30-BCAA-4F3011E16C4D}"/>
+      <thm15:themeFamily xmlns:thm15="http://schemas.microsoft.com/office/thememl/2012/main" name="Facet" id="{C0C680CD-088A-49FC-A102-D699147F32B2}" vid="{CFBC31BA-B70F-4F30-BCAA-4F3011E16C4D}"/>
     </a:ext>
   </a:extLst>
 </a:theme>

--- a/slides/4_Parameter.pptx
+++ b/slides/4_Parameter.pptx
@@ -19,8 +19,9 @@
     <p:sldId id="474" r:id="rId13"/>
     <p:sldId id="528" r:id="rId14"/>
     <p:sldId id="529" r:id="rId15"/>
-    <p:sldId id="527" r:id="rId16"/>
-    <p:sldId id="524" r:id="rId17"/>
+    <p:sldId id="530" r:id="rId16"/>
+    <p:sldId id="527" r:id="rId17"/>
+    <p:sldId id="524" r:id="rId18"/>
   </p:sldIdLst>
   <p:sldSz cx="12192000" cy="6858000"/>
   <p:notesSz cx="6858000" cy="9144000"/>
@@ -121,7 +122,7 @@
   </p:defaultTextStyle>
   <p:extLst>
     <p:ext uri="{EFAFB233-063F-42B5-8137-9DF3F51BA10A}">
-      <p15:sldGuideLst xmlns:p15="http://schemas.microsoft.com/office/powerpoint/2012/main">
+      <p15:sldGuideLst xmlns:p15="http://schemas.microsoft.com/office/powerpoint/2012/main" xmlns="">
         <p15:guide id="1" orient="horz" pos="2160">
           <p15:clr>
             <a:srgbClr val="A4A3A4"/>
@@ -861,7 +862,7 @@
             <a:fld id="{B61BEF0D-F0BB-DE4B-95CE-6DB70DBA9567}" type="datetimeFigureOut">
               <a:rPr lang="en-US" dirty="0"/>
               <a:pPr/>
-              <a:t>5/17/2021</a:t>
+              <a:t>6/7/2021</a:t>
             </a:fld>
             <a:endParaRPr lang="en-US" dirty="0"/>
           </a:p>
@@ -1109,7 +1110,7 @@
             <a:fld id="{B61BEF0D-F0BB-DE4B-95CE-6DB70DBA9567}" type="datetimeFigureOut">
               <a:rPr lang="en-US" dirty="0"/>
               <a:pPr/>
-              <a:t>5/17/2021</a:t>
+              <a:t>6/7/2021</a:t>
             </a:fld>
             <a:endParaRPr lang="en-US" dirty="0"/>
           </a:p>
@@ -1420,7 +1421,7 @@
             <a:fld id="{B61BEF0D-F0BB-DE4B-95CE-6DB70DBA9567}" type="datetimeFigureOut">
               <a:rPr lang="en-US" dirty="0"/>
               <a:pPr/>
-              <a:t>5/17/2021</a:t>
+              <a:t>6/7/2021</a:t>
             </a:fld>
             <a:endParaRPr lang="en-US" dirty="0"/>
           </a:p>
@@ -1758,7 +1759,7 @@
             <a:fld id="{B61BEF0D-F0BB-DE4B-95CE-6DB70DBA9567}" type="datetimeFigureOut">
               <a:rPr lang="en-US" dirty="0"/>
               <a:pPr/>
-              <a:t>5/17/2021</a:t>
+              <a:t>6/7/2021</a:t>
             </a:fld>
             <a:endParaRPr lang="en-US" dirty="0"/>
           </a:p>
@@ -2069,7 +2070,7 @@
             <a:fld id="{B61BEF0D-F0BB-DE4B-95CE-6DB70DBA9567}" type="datetimeFigureOut">
               <a:rPr lang="en-US" dirty="0"/>
               <a:pPr/>
-              <a:t>5/17/2021</a:t>
+              <a:t>6/7/2021</a:t>
             </a:fld>
             <a:endParaRPr lang="en-US" dirty="0"/>
           </a:p>
@@ -2459,7 +2460,7 @@
             <a:fld id="{B61BEF0D-F0BB-DE4B-95CE-6DB70DBA9567}" type="datetimeFigureOut">
               <a:rPr lang="en-US" dirty="0"/>
               <a:pPr/>
-              <a:t>5/17/2021</a:t>
+              <a:t>6/7/2021</a:t>
             </a:fld>
             <a:endParaRPr lang="en-US" dirty="0"/>
           </a:p>
@@ -2625,7 +2626,7 @@
           <a:p>
             <a:fld id="{55C6B4A9-1611-4792-9094-5F34BCA07E0B}" type="datetimeFigureOut">
               <a:rPr lang="en-US" dirty="0"/>
-              <a:t>5/17/2021</a:t>
+              <a:t>6/7/2021</a:t>
             </a:fld>
             <a:endParaRPr lang="en-US" dirty="0"/>
           </a:p>
@@ -2801,7 +2802,7 @@
             <a:fld id="{B61BEF0D-F0BB-DE4B-95CE-6DB70DBA9567}" type="datetimeFigureOut">
               <a:rPr lang="en-US" dirty="0"/>
               <a:pPr/>
-              <a:t>5/17/2021</a:t>
+              <a:t>6/7/2021</a:t>
             </a:fld>
             <a:endParaRPr lang="en-US" dirty="0"/>
           </a:p>
@@ -2974,7 +2975,7 @@
             <a:fld id="{B61BEF0D-F0BB-DE4B-95CE-6DB70DBA9567}" type="datetimeFigureOut">
               <a:rPr lang="en-US" dirty="0"/>
               <a:pPr/>
-              <a:t>5/17/2021</a:t>
+              <a:t>6/7/2021</a:t>
             </a:fld>
             <a:endParaRPr lang="en-US" dirty="0"/>
           </a:p>
@@ -3218,7 +3219,7 @@
             <a:fld id="{B61BEF0D-F0BB-DE4B-95CE-6DB70DBA9567}" type="datetimeFigureOut">
               <a:rPr lang="en-US" dirty="0"/>
               <a:pPr/>
-              <a:t>5/17/2021</a:t>
+              <a:t>6/7/2021</a:t>
             </a:fld>
             <a:endParaRPr lang="en-US" dirty="0"/>
           </a:p>
@@ -3446,7 +3447,7 @@
           <a:p>
             <a:fld id="{EB712588-04B1-427B-82EE-E8DB90309F08}" type="datetimeFigureOut">
               <a:rPr lang="en-US" dirty="0"/>
-              <a:t>5/17/2021</a:t>
+              <a:t>6/7/2021</a:t>
             </a:fld>
             <a:endParaRPr lang="en-US" dirty="0"/>
           </a:p>
@@ -3816,7 +3817,7 @@
             <a:fld id="{B61BEF0D-F0BB-DE4B-95CE-6DB70DBA9567}" type="datetimeFigureOut">
               <a:rPr lang="en-US" dirty="0"/>
               <a:pPr/>
-              <a:t>5/17/2021</a:t>
+              <a:t>6/7/2021</a:t>
             </a:fld>
             <a:endParaRPr lang="en-US" dirty="0"/>
           </a:p>
@@ -3936,7 +3937,7 @@
             <a:fld id="{B61BEF0D-F0BB-DE4B-95CE-6DB70DBA9567}" type="datetimeFigureOut">
               <a:rPr lang="en-US" dirty="0"/>
               <a:pPr/>
-              <a:t>5/17/2021</a:t>
+              <a:t>6/7/2021</a:t>
             </a:fld>
             <a:endParaRPr lang="en-US" dirty="0"/>
           </a:p>
@@ -4028,7 +4029,7 @@
             <a:fld id="{B61BEF0D-F0BB-DE4B-95CE-6DB70DBA9567}" type="datetimeFigureOut">
               <a:rPr lang="en-US" dirty="0"/>
               <a:pPr/>
-              <a:t>5/17/2021</a:t>
+              <a:t>6/7/2021</a:t>
             </a:fld>
             <a:endParaRPr lang="en-US" dirty="0"/>
           </a:p>
@@ -4279,7 +4280,7 @@
           <a:p>
             <a:fld id="{42A54C80-263E-416B-A8E0-580EDEADCBDC}" type="datetimeFigureOut">
               <a:rPr lang="en-US" dirty="0"/>
-              <a:t>5/17/2021</a:t>
+              <a:t>6/7/2021</a:t>
             </a:fld>
             <a:endParaRPr lang="en-US" dirty="0"/>
           </a:p>
@@ -4538,7 +4539,7 @@
             <a:fld id="{B61BEF0D-F0BB-DE4B-95CE-6DB70DBA9567}" type="datetimeFigureOut">
               <a:rPr lang="en-US" dirty="0"/>
               <a:pPr/>
-              <a:t>5/17/2021</a:t>
+              <a:t>6/7/2021</a:t>
             </a:fld>
             <a:endParaRPr lang="en-US" dirty="0"/>
           </a:p>
@@ -5278,7 +5279,7 @@
             <a:fld id="{B61BEF0D-F0BB-DE4B-95CE-6DB70DBA9567}" type="datetimeFigureOut">
               <a:rPr lang="en-US" dirty="0"/>
               <a:pPr/>
-              <a:t>5/17/2021</a:t>
+              <a:t>6/7/2021</a:t>
             </a:fld>
             <a:endParaRPr lang="en-US" dirty="0"/>
           </a:p>
@@ -10839,6 +10840,185 @@
           <a:p>
             <a:r>
               <a:rPr lang="fr-CA" dirty="0" err="1" smtClean="0"/>
+              <a:t>Comparing</a:t>
+            </a:r>
+            <a:r>
+              <a:rPr lang="fr-CA" dirty="0" smtClean="0"/>
+              <a:t> patterns</a:t>
+            </a:r>
+            <a:endParaRPr lang="fr-FR" dirty="0"/>
+          </a:p>
+        </p:txBody>
+      </p:sp>
+      <p:sp>
+        <p:nvSpPr>
+          <p:cNvPr id="3" name="Espace réservé du contenu 2"/>
+          <p:cNvSpPr>
+            <a:spLocks noGrp="1"/>
+          </p:cNvSpPr>
+          <p:nvPr>
+            <p:ph idx="1"/>
+          </p:nvPr>
+        </p:nvSpPr>
+        <p:spPr>
+          <a:xfrm>
+            <a:off x="677334" y="1682151"/>
+            <a:ext cx="8596668" cy="4359211"/>
+          </a:xfrm>
+        </p:spPr>
+        <p:txBody>
+          <a:bodyPr/>
+          <a:lstStyle/>
+          <a:p>
+            <a:r>
+              <a:rPr lang="fr-CA" dirty="0" err="1" smtClean="0"/>
+              <a:t>Absolute</a:t>
+            </a:r>
+            <a:r>
+              <a:rPr lang="fr-CA" dirty="0" smtClean="0"/>
+              <a:t> </a:t>
+            </a:r>
+            <a:r>
+              <a:rPr lang="fr-CA" dirty="0" err="1" smtClean="0"/>
+              <a:t>deviations</a:t>
+            </a:r>
+            <a:endParaRPr lang="fr-CA" dirty="0" smtClean="0"/>
+          </a:p>
+          <a:p>
+            <a:r>
+              <a:rPr lang="fr-FR" dirty="0" smtClean="0"/>
+              <a:t>Chi-</a:t>
+            </a:r>
+            <a:r>
+              <a:rPr lang="fr-FR" dirty="0" err="1" smtClean="0"/>
+              <a:t>squared</a:t>
+            </a:r>
+            <a:r>
+              <a:rPr lang="fr-FR" dirty="0" smtClean="0"/>
+              <a:t> test</a:t>
+            </a:r>
+          </a:p>
+          <a:p>
+            <a:r>
+              <a:rPr lang="fr-FR" dirty="0"/>
+              <a:t>Kolmogorov–Smirnov </a:t>
+            </a:r>
+            <a:r>
+              <a:rPr lang="fr-FR" dirty="0" smtClean="0"/>
+              <a:t>test</a:t>
+            </a:r>
+          </a:p>
+          <a:p>
+            <a:r>
+              <a:rPr lang="fr-CA" dirty="0" smtClean="0"/>
+              <a:t>POMDEV/POMIC </a:t>
+            </a:r>
+            <a:r>
+              <a:rPr lang="fr-CA" dirty="0" err="1" smtClean="0"/>
+              <a:t>statistics</a:t>
+            </a:r>
+            <a:endParaRPr lang="fr-CA" dirty="0" smtClean="0"/>
+          </a:p>
+          <a:p>
+            <a:r>
+              <a:rPr lang="fr-CA" dirty="0" smtClean="0"/>
+              <a:t>…</a:t>
+            </a:r>
+            <a:endParaRPr lang="fr-FR" dirty="0"/>
+          </a:p>
+        </p:txBody>
+      </p:sp>
+      <p:sp>
+        <p:nvSpPr>
+          <p:cNvPr id="4" name="ZoneTexte 3"/>
+          <p:cNvSpPr txBox="1"/>
+          <p:nvPr/>
+        </p:nvSpPr>
+        <p:spPr>
+          <a:xfrm>
+            <a:off x="8406137" y="6309720"/>
+            <a:ext cx="3685335" cy="369332"/>
+          </a:xfrm>
+          <a:prstGeom prst="rect">
+            <a:avLst/>
+          </a:prstGeom>
+          <a:noFill/>
+        </p:spPr>
+        <p:txBody>
+          <a:bodyPr wrap="square" rtlCol="0">
+            <a:spAutoFit/>
+          </a:bodyPr>
+          <a:lstStyle/>
+          <a:p>
+            <a:pPr algn="r"/>
+            <a:r>
+              <a:rPr lang="nl-NL" dirty="0" err="1" smtClean="0">
+                <a:latin typeface="Times New Roman" panose="02020603050405020304" pitchFamily="18" charset="0"/>
+                <a:cs typeface="Times New Roman" panose="02020603050405020304" pitchFamily="18" charset="0"/>
+              </a:rPr>
+              <a:t>Piou</a:t>
+            </a:r>
+            <a:r>
+              <a:rPr lang="nl-NL" dirty="0" smtClean="0">
+                <a:latin typeface="Times New Roman" panose="02020603050405020304" pitchFamily="18" charset="0"/>
+                <a:cs typeface="Times New Roman" panose="02020603050405020304" pitchFamily="18" charset="0"/>
+              </a:rPr>
+              <a:t> et al. 2009</a:t>
+            </a:r>
+            <a:endParaRPr lang="fr-FR" b="1" dirty="0">
+              <a:latin typeface="Times New Roman" panose="02020603050405020304" pitchFamily="18" charset="0"/>
+              <a:cs typeface="Times New Roman" panose="02020603050405020304" pitchFamily="18" charset="0"/>
+            </a:endParaRPr>
+          </a:p>
+        </p:txBody>
+      </p:sp>
+    </p:spTree>
+    <p:extLst>
+      <p:ext uri="{BB962C8B-B14F-4D97-AF65-F5344CB8AC3E}">
+        <p14:creationId xmlns:p14="http://schemas.microsoft.com/office/powerpoint/2010/main" val="623385203"/>
+      </p:ext>
+    </p:extLst>
+  </p:cSld>
+  <p:clrMapOvr>
+    <a:masterClrMapping/>
+  </p:clrMapOvr>
+</p:sld>
+</file>
+
+<file path=ppt/slides/slide16.xml><?xml version="1.0" encoding="utf-8"?>
+<p:sld xmlns:a="http://schemas.openxmlformats.org/drawingml/2006/main" xmlns:r="http://schemas.openxmlformats.org/officeDocument/2006/relationships" xmlns:p="http://schemas.openxmlformats.org/presentationml/2006/main">
+  <p:cSld>
+    <p:spTree>
+      <p:nvGrpSpPr>
+        <p:cNvPr id="1" name=""/>
+        <p:cNvGrpSpPr/>
+        <p:nvPr/>
+      </p:nvGrpSpPr>
+      <p:grpSpPr>
+        <a:xfrm>
+          <a:off x="0" y="0"/>
+          <a:ext cx="0" cy="0"/>
+          <a:chOff x="0" y="0"/>
+          <a:chExt cx="0" cy="0"/>
+        </a:xfrm>
+      </p:grpSpPr>
+      <p:sp>
+        <p:nvSpPr>
+          <p:cNvPr id="2" name="Titre 1"/>
+          <p:cNvSpPr>
+            <a:spLocks noGrp="1"/>
+          </p:cNvSpPr>
+          <p:nvPr>
+            <p:ph type="title"/>
+          </p:nvPr>
+        </p:nvSpPr>
+        <p:spPr/>
+        <p:txBody>
+          <a:bodyPr/>
+          <a:lstStyle/>
+          <a:p>
+            <a:r>
+              <a:rPr lang="fr-CA" dirty="0" err="1" smtClean="0"/>
               <a:t>Difficulties</a:t>
             </a:r>
             <a:r>
@@ -10871,19 +11051,31 @@
           <a:p>
             <a:r>
               <a:rPr lang="fr-CA" dirty="0" err="1" smtClean="0"/>
-              <a:t>Need</a:t>
+              <a:t>Require</a:t>
             </a:r>
             <a:r>
               <a:rPr lang="fr-CA" dirty="0" smtClean="0"/>
-              <a:t> lots of simulations = </a:t>
+              <a:t> lots </a:t>
+            </a:r>
+            <a:r>
+              <a:rPr lang="fr-CA" dirty="0" smtClean="0"/>
+              <a:t>of simulations = </a:t>
             </a:r>
             <a:r>
               <a:rPr lang="fr-CA" dirty="0" err="1" smtClean="0"/>
-              <a:t>need</a:t>
+              <a:t>r</a:t>
+            </a:r>
+            <a:r>
+              <a:rPr lang="fr-CA" dirty="0" err="1" smtClean="0"/>
+              <a:t>equire</a:t>
             </a:r>
             <a:r>
               <a:rPr lang="fr-CA" dirty="0" smtClean="0"/>
-              <a:t> a </a:t>
+              <a:t> </a:t>
+            </a:r>
+            <a:r>
+              <a:rPr lang="fr-CA" dirty="0"/>
+              <a:t>a </a:t>
             </a:r>
             <a:r>
               <a:rPr lang="fr-CA" dirty="0" err="1" smtClean="0"/>
@@ -10891,11 +11083,7 @@
             </a:r>
             <a:r>
               <a:rPr lang="fr-CA" dirty="0" smtClean="0"/>
-              <a:t> </a:t>
-            </a:r>
-            <a:r>
-              <a:rPr lang="fr-CA" dirty="0" smtClean="0"/>
-              <a:t>model</a:t>
+              <a:t> model</a:t>
             </a:r>
           </a:p>
           <a:p>
@@ -10958,11 +11146,7 @@
             <a:pPr lvl="1"/>
             <a:r>
               <a:rPr lang="en-CA" dirty="0" smtClean="0"/>
-              <a:t>2 parameters, 10 values per parameter to test =&gt; 10*10 sets of </a:t>
-            </a:r>
-            <a:r>
-              <a:rPr lang="en-CA" dirty="0" smtClean="0"/>
-              <a:t>simulations</a:t>
+              <a:t>2 parameters, 10 values per parameter to test =&gt; 10*10 sets of simulations</a:t>
             </a:r>
           </a:p>
           <a:p>
@@ -10971,8 +11155,20 @@
           </a:p>
           <a:p>
             <a:r>
+              <a:rPr lang="fr-CA" dirty="0" err="1"/>
+              <a:t>Require</a:t>
+            </a:r>
+            <a:r>
+              <a:rPr lang="fr-CA" dirty="0"/>
+              <a:t> </a:t>
+            </a:r>
+            <a:r>
               <a:rPr lang="en-CA" dirty="0" smtClean="0"/>
-              <a:t>Need multiple measurable and comparable outputs (“patterns”)</a:t>
+              <a:t>multiple </a:t>
+            </a:r>
+            <a:r>
+              <a:rPr lang="en-CA" dirty="0" smtClean="0"/>
+              <a:t>measurable and comparable outputs (“patterns”)</a:t>
             </a:r>
           </a:p>
           <a:p>
@@ -10985,11 +11181,7 @@
           <a:p>
             <a:r>
               <a:rPr lang="en-CA" dirty="0" smtClean="0"/>
-              <a:t>Two </a:t>
-            </a:r>
-            <a:r>
-              <a:rPr lang="en-CA" dirty="0" smtClean="0"/>
-              <a:t>methods</a:t>
+              <a:t>Two methods</a:t>
             </a:r>
           </a:p>
           <a:p>
@@ -10998,54 +11190,39 @@
               <a:rPr lang="en-CA" dirty="0" smtClean="0"/>
               <a:t>Pattern reproduced: keep or reject the model </a:t>
             </a:r>
-            <a:endParaRPr lang="en-CA" dirty="0" smtClean="0"/>
           </a:p>
           <a:p>
             <a:pPr lvl="2"/>
             <a:r>
+              <a:rPr lang="fr-CA" dirty="0" err="1"/>
+              <a:t>Require</a:t>
+            </a:r>
+            <a:r>
+              <a:rPr lang="fr-CA" dirty="0"/>
+              <a:t> </a:t>
+            </a:r>
+            <a:r>
+              <a:rPr lang="en-CA" smtClean="0"/>
+              <a:t>defining </a:t>
+            </a:r>
+            <a:r>
               <a:rPr lang="en-CA" dirty="0" smtClean="0"/>
-              <a:t>N</a:t>
-            </a:r>
-            <a:r>
-              <a:rPr lang="en-CA" dirty="0" smtClean="0"/>
-              <a:t>eed </a:t>
-            </a:r>
-            <a:r>
-              <a:rPr lang="en-CA" dirty="0" smtClean="0"/>
-              <a:t>to define a </a:t>
-            </a:r>
-            <a:r>
-              <a:rPr lang="en-CA" dirty="0" smtClean="0"/>
-              <a:t>threshold</a:t>
-            </a:r>
-            <a:endParaRPr lang="en-CA" dirty="0" smtClean="0"/>
+              <a:t>a threshold</a:t>
+            </a:r>
           </a:p>
           <a:p>
             <a:pPr lvl="1"/>
             <a:r>
               <a:rPr lang="en-CA" dirty="0" smtClean="0"/>
-              <a:t>Select the model best reproducing the </a:t>
-            </a:r>
-            <a:r>
-              <a:rPr lang="en-CA" dirty="0" smtClean="0"/>
-              <a:t>pattern</a:t>
+              <a:t>Select the model best reproducing the pattern</a:t>
             </a:r>
           </a:p>
           <a:p>
             <a:pPr lvl="2"/>
             <a:r>
               <a:rPr lang="en-CA" dirty="0" smtClean="0"/>
-              <a:t>But </a:t>
-            </a:r>
-            <a:r>
-              <a:rPr lang="en-CA" dirty="0" smtClean="0"/>
-              <a:t>there is always a best one among bad </a:t>
-            </a:r>
-            <a:r>
-              <a:rPr lang="en-CA" dirty="0" smtClean="0"/>
-              <a:t>ones</a:t>
-            </a:r>
-            <a:endParaRPr lang="en-CA" dirty="0" smtClean="0"/>
+              <a:t>But there is always a best one among bad ones</a:t>
+            </a:r>
           </a:p>
           <a:p>
             <a:pPr lvl="1"/>
@@ -11491,7 +11668,7 @@
 </p:sld>
 </file>
 
-<file path=ppt/slides/slide16.xml><?xml version="1.0" encoding="utf-8"?>
+<file path=ppt/slides/slide17.xml><?xml version="1.0" encoding="utf-8"?>
 <p:sld xmlns:a="http://schemas.openxmlformats.org/drawingml/2006/main" xmlns:r="http://schemas.openxmlformats.org/officeDocument/2006/relationships" xmlns:p="http://schemas.openxmlformats.org/presentationml/2006/main">
   <p:cSld>
     <p:spTree>
@@ -11543,8 +11720,8 @@
         </p:nvSpPr>
         <p:spPr>
           <a:xfrm>
-            <a:off x="333487" y="1387734"/>
-            <a:ext cx="11467651" cy="5325036"/>
+            <a:off x="333487" y="1259457"/>
+            <a:ext cx="11467651" cy="5641675"/>
           </a:xfrm>
         </p:spPr>
         <p:txBody>
@@ -11785,14 +11962,6 @@
               <a:rPr lang="pt-BR" dirty="0"/>
               <a:t>McIntire EJB, Rompré G, Severns PM. 2013. Biased correlated random walk and foray loop: which movement hypothesis drives a butterfly metapopulation? Oecologia 172:293–305. </a:t>
             </a:r>
-          </a:p>
-          <a:p>
-            <a:pPr marL="0" indent="0">
-              <a:spcBef>
-                <a:spcPts val="0"/>
-              </a:spcBef>
-              <a:buNone/>
-            </a:pPr>
             <a:endParaRPr lang="pt-BR" dirty="0" smtClean="0"/>
           </a:p>
           <a:p>
@@ -11801,6 +11970,106 @@
                 <a:spcPts val="0"/>
               </a:spcBef>
             </a:pPr>
+            <a:r>
+              <a:rPr lang="fr-FR" dirty="0" err="1"/>
+              <a:t>Piou</a:t>
+            </a:r>
+            <a:r>
+              <a:rPr lang="fr-FR" dirty="0"/>
+              <a:t>, C., Berger, U., &amp; Grimm, V. (2009). </a:t>
+            </a:r>
+            <a:r>
+              <a:rPr lang="fr-FR" dirty="0" err="1"/>
+              <a:t>Proposing</a:t>
+            </a:r>
+            <a:r>
+              <a:rPr lang="fr-FR" dirty="0"/>
+              <a:t> an information </a:t>
+            </a:r>
+            <a:r>
+              <a:rPr lang="fr-FR" dirty="0" err="1"/>
+              <a:t>criterion</a:t>
+            </a:r>
+            <a:r>
+              <a:rPr lang="fr-FR" dirty="0"/>
+              <a:t> for </a:t>
+            </a:r>
+            <a:r>
+              <a:rPr lang="fr-FR" dirty="0" err="1"/>
+              <a:t>individual-based</a:t>
+            </a:r>
+            <a:r>
+              <a:rPr lang="fr-FR" dirty="0"/>
+              <a:t> </a:t>
+            </a:r>
+            <a:r>
+              <a:rPr lang="fr-FR" dirty="0" err="1"/>
+              <a:t>models</a:t>
+            </a:r>
+            <a:r>
+              <a:rPr lang="fr-FR" dirty="0"/>
+              <a:t> </a:t>
+            </a:r>
+            <a:r>
+              <a:rPr lang="fr-FR" dirty="0" err="1"/>
+              <a:t>developed</a:t>
+            </a:r>
+            <a:r>
+              <a:rPr lang="fr-FR" dirty="0"/>
+              <a:t> in a pattern-</a:t>
+            </a:r>
+            <a:r>
+              <a:rPr lang="fr-FR" dirty="0" err="1"/>
+              <a:t>oriented</a:t>
+            </a:r>
+            <a:r>
+              <a:rPr lang="fr-FR" dirty="0"/>
+              <a:t> </a:t>
+            </a:r>
+            <a:r>
+              <a:rPr lang="fr-FR" dirty="0" err="1"/>
+              <a:t>modelling</a:t>
+            </a:r>
+            <a:r>
+              <a:rPr lang="fr-FR" dirty="0"/>
+              <a:t> </a:t>
+            </a:r>
+            <a:r>
+              <a:rPr lang="fr-FR" dirty="0" err="1"/>
+              <a:t>framework</a:t>
+            </a:r>
+            <a:r>
+              <a:rPr lang="fr-FR" dirty="0"/>
+              <a:t>. </a:t>
+            </a:r>
+            <a:r>
+              <a:rPr lang="fr-FR" i="1" dirty="0" err="1"/>
+              <a:t>Ecological</a:t>
+            </a:r>
+            <a:r>
+              <a:rPr lang="fr-FR" i="1" dirty="0"/>
+              <a:t> </a:t>
+            </a:r>
+            <a:r>
+              <a:rPr lang="fr-FR" i="1" dirty="0" err="1"/>
+              <a:t>Modelling</a:t>
+            </a:r>
+            <a:r>
+              <a:rPr lang="fr-FR" dirty="0"/>
+              <a:t>, </a:t>
+            </a:r>
+            <a:r>
+              <a:rPr lang="fr-FR" i="1" dirty="0"/>
+              <a:t>220</a:t>
+            </a:r>
+            <a:r>
+              <a:rPr lang="fr-FR" dirty="0"/>
+              <a:t>(17), 1957–1967. https://</a:t>
+            </a:r>
+            <a:r>
+              <a:rPr lang="fr-FR" dirty="0" smtClean="0"/>
+              <a:t>doi.org/10.1016/j.ecolmodel.2009.05.003</a:t>
+            </a:r>
             <a:endParaRPr lang="pt-BR" dirty="0" smtClean="0"/>
           </a:p>
           <a:p>
@@ -11976,11 +12245,15 @@
             </a:r>
             <a:r>
               <a:rPr lang="fr-CA" dirty="0" err="1" smtClean="0"/>
-              <a:t>estimate</a:t>
+              <a:t>estimates</a:t>
             </a:r>
             <a:r>
               <a:rPr lang="fr-CA" dirty="0" smtClean="0"/>
-              <a:t> for </a:t>
+              <a:t> </a:t>
+            </a:r>
+            <a:r>
+              <a:rPr lang="fr-CA" dirty="0" smtClean="0"/>
+              <a:t>for </a:t>
             </a:r>
             <a:r>
               <a:rPr lang="fr-CA" dirty="0" err="1" smtClean="0"/>
@@ -12016,7 +12289,7 @@
             </a:r>
             <a:r>
               <a:rPr lang="fr-CA" dirty="0" err="1" smtClean="0"/>
-              <a:t>literatture</a:t>
+              <a:t>literature</a:t>
             </a:r>
             <a:endParaRPr lang="fr-CA" dirty="0" smtClean="0"/>
           </a:p>
@@ -12055,12 +12328,20 @@
               <a:t>, </a:t>
             </a:r>
             <a:r>
+              <a:rPr lang="fr-CA" dirty="0" smtClean="0"/>
+              <a:t>maximum </a:t>
+            </a:r>
+            <a:r>
               <a:rPr lang="fr-CA" dirty="0" err="1" smtClean="0"/>
               <a:t>age</a:t>
             </a:r>
             <a:r>
               <a:rPr lang="fr-CA" dirty="0" smtClean="0"/>
-              <a:t> maximum, …</a:t>
+              <a:t>, </a:t>
+            </a:r>
+            <a:r>
+              <a:rPr lang="fr-CA" dirty="0" smtClean="0"/>
+              <a:t>…</a:t>
             </a:r>
           </a:p>
           <a:p>
@@ -12082,11 +12363,15 @@
             </a:r>
             <a:r>
               <a:rPr lang="fr-CA" dirty="0" err="1" smtClean="0"/>
-              <a:t>estimate</a:t>
+              <a:t>estimates</a:t>
             </a:r>
             <a:r>
               <a:rPr lang="fr-CA" dirty="0" smtClean="0"/>
-              <a:t> for </a:t>
+              <a:t> </a:t>
+            </a:r>
+            <a:r>
+              <a:rPr lang="fr-CA" dirty="0" smtClean="0"/>
+              <a:t>for </a:t>
             </a:r>
             <a:r>
               <a:rPr lang="fr-CA" dirty="0" err="1" smtClean="0"/>
@@ -32958,7 +33243,7 @@
   <a:extraClrSchemeLst/>
   <a:extLst>
     <a:ext uri="{05A4C25C-085E-4340-85A3-A5531E510DB2}">
-      <thm15:themeFamily xmlns:thm15="http://schemas.microsoft.com/office/thememl/2012/main" name="Facet" id="{C0C680CD-088A-49FC-A102-D699147F32B2}" vid="{CFBC31BA-B70F-4F30-BCAA-4F3011E16C4D}"/>
+      <thm15:themeFamily xmlns:thm15="http://schemas.microsoft.com/office/thememl/2012/main" xmlns="" name="Facet" id="{C0C680CD-088A-49FC-A102-D699147F32B2}" vid="{CFBC31BA-B70F-4F30-BCAA-4F3011E16C4D}"/>
     </a:ext>
   </a:extLst>
 </a:theme>

--- a/slides/4_Parameter.pptx
+++ b/slides/4_Parameter.pptx
@@ -122,7 +122,7 @@
   </p:defaultTextStyle>
   <p:extLst>
     <p:ext uri="{EFAFB233-063F-42B5-8137-9DF3F51BA10A}">
-      <p15:sldGuideLst xmlns:p15="http://schemas.microsoft.com/office/powerpoint/2012/main" xmlns="">
+      <p15:sldGuideLst xmlns="" xmlns:p15="http://schemas.microsoft.com/office/powerpoint/2012/main">
         <p15:guide id="1" orient="horz" pos="2160">
           <p15:clr>
             <a:srgbClr val="A4A3A4"/>
@@ -862,7 +862,7 @@
             <a:fld id="{B61BEF0D-F0BB-DE4B-95CE-6DB70DBA9567}" type="datetimeFigureOut">
               <a:rPr lang="en-US" dirty="0"/>
               <a:pPr/>
-              <a:t>6/7/2021</a:t>
+              <a:t>6/8/2021</a:t>
             </a:fld>
             <a:endParaRPr lang="en-US" dirty="0"/>
           </a:p>
@@ -1110,7 +1110,7 @@
             <a:fld id="{B61BEF0D-F0BB-DE4B-95CE-6DB70DBA9567}" type="datetimeFigureOut">
               <a:rPr lang="en-US" dirty="0"/>
               <a:pPr/>
-              <a:t>6/7/2021</a:t>
+              <a:t>6/8/2021</a:t>
             </a:fld>
             <a:endParaRPr lang="en-US" dirty="0"/>
           </a:p>
@@ -1421,7 +1421,7 @@
             <a:fld id="{B61BEF0D-F0BB-DE4B-95CE-6DB70DBA9567}" type="datetimeFigureOut">
               <a:rPr lang="en-US" dirty="0"/>
               <a:pPr/>
-              <a:t>6/7/2021</a:t>
+              <a:t>6/8/2021</a:t>
             </a:fld>
             <a:endParaRPr lang="en-US" dirty="0"/>
           </a:p>
@@ -1759,7 +1759,7 @@
             <a:fld id="{B61BEF0D-F0BB-DE4B-95CE-6DB70DBA9567}" type="datetimeFigureOut">
               <a:rPr lang="en-US" dirty="0"/>
               <a:pPr/>
-              <a:t>6/7/2021</a:t>
+              <a:t>6/8/2021</a:t>
             </a:fld>
             <a:endParaRPr lang="en-US" dirty="0"/>
           </a:p>
@@ -2070,7 +2070,7 @@
             <a:fld id="{B61BEF0D-F0BB-DE4B-95CE-6DB70DBA9567}" type="datetimeFigureOut">
               <a:rPr lang="en-US" dirty="0"/>
               <a:pPr/>
-              <a:t>6/7/2021</a:t>
+              <a:t>6/8/2021</a:t>
             </a:fld>
             <a:endParaRPr lang="en-US" dirty="0"/>
           </a:p>
@@ -2460,7 +2460,7 @@
             <a:fld id="{B61BEF0D-F0BB-DE4B-95CE-6DB70DBA9567}" type="datetimeFigureOut">
               <a:rPr lang="en-US" dirty="0"/>
               <a:pPr/>
-              <a:t>6/7/2021</a:t>
+              <a:t>6/8/2021</a:t>
             </a:fld>
             <a:endParaRPr lang="en-US" dirty="0"/>
           </a:p>
@@ -2626,7 +2626,7 @@
           <a:p>
             <a:fld id="{55C6B4A9-1611-4792-9094-5F34BCA07E0B}" type="datetimeFigureOut">
               <a:rPr lang="en-US" dirty="0"/>
-              <a:t>6/7/2021</a:t>
+              <a:t>6/8/2021</a:t>
             </a:fld>
             <a:endParaRPr lang="en-US" dirty="0"/>
           </a:p>
@@ -2802,7 +2802,7 @@
             <a:fld id="{B61BEF0D-F0BB-DE4B-95CE-6DB70DBA9567}" type="datetimeFigureOut">
               <a:rPr lang="en-US" dirty="0"/>
               <a:pPr/>
-              <a:t>6/7/2021</a:t>
+              <a:t>6/8/2021</a:t>
             </a:fld>
             <a:endParaRPr lang="en-US" dirty="0"/>
           </a:p>
@@ -2975,7 +2975,7 @@
             <a:fld id="{B61BEF0D-F0BB-DE4B-95CE-6DB70DBA9567}" type="datetimeFigureOut">
               <a:rPr lang="en-US" dirty="0"/>
               <a:pPr/>
-              <a:t>6/7/2021</a:t>
+              <a:t>6/8/2021</a:t>
             </a:fld>
             <a:endParaRPr lang="en-US" dirty="0"/>
           </a:p>
@@ -3219,7 +3219,7 @@
             <a:fld id="{B61BEF0D-F0BB-DE4B-95CE-6DB70DBA9567}" type="datetimeFigureOut">
               <a:rPr lang="en-US" dirty="0"/>
               <a:pPr/>
-              <a:t>6/7/2021</a:t>
+              <a:t>6/8/2021</a:t>
             </a:fld>
             <a:endParaRPr lang="en-US" dirty="0"/>
           </a:p>
@@ -3447,7 +3447,7 @@
           <a:p>
             <a:fld id="{EB712588-04B1-427B-82EE-E8DB90309F08}" type="datetimeFigureOut">
               <a:rPr lang="en-US" dirty="0"/>
-              <a:t>6/7/2021</a:t>
+              <a:t>6/8/2021</a:t>
             </a:fld>
             <a:endParaRPr lang="en-US" dirty="0"/>
           </a:p>
@@ -3817,7 +3817,7 @@
             <a:fld id="{B61BEF0D-F0BB-DE4B-95CE-6DB70DBA9567}" type="datetimeFigureOut">
               <a:rPr lang="en-US" dirty="0"/>
               <a:pPr/>
-              <a:t>6/7/2021</a:t>
+              <a:t>6/8/2021</a:t>
             </a:fld>
             <a:endParaRPr lang="en-US" dirty="0"/>
           </a:p>
@@ -3937,7 +3937,7 @@
             <a:fld id="{B61BEF0D-F0BB-DE4B-95CE-6DB70DBA9567}" type="datetimeFigureOut">
               <a:rPr lang="en-US" dirty="0"/>
               <a:pPr/>
-              <a:t>6/7/2021</a:t>
+              <a:t>6/8/2021</a:t>
             </a:fld>
             <a:endParaRPr lang="en-US" dirty="0"/>
           </a:p>
@@ -4029,7 +4029,7 @@
             <a:fld id="{B61BEF0D-F0BB-DE4B-95CE-6DB70DBA9567}" type="datetimeFigureOut">
               <a:rPr lang="en-US" dirty="0"/>
               <a:pPr/>
-              <a:t>6/7/2021</a:t>
+              <a:t>6/8/2021</a:t>
             </a:fld>
             <a:endParaRPr lang="en-US" dirty="0"/>
           </a:p>
@@ -4280,7 +4280,7 @@
           <a:p>
             <a:fld id="{42A54C80-263E-416B-A8E0-580EDEADCBDC}" type="datetimeFigureOut">
               <a:rPr lang="en-US" dirty="0"/>
-              <a:t>6/7/2021</a:t>
+              <a:t>6/8/2021</a:t>
             </a:fld>
             <a:endParaRPr lang="en-US" dirty="0"/>
           </a:p>
@@ -4539,7 +4539,7 @@
             <a:fld id="{B61BEF0D-F0BB-DE4B-95CE-6DB70DBA9567}" type="datetimeFigureOut">
               <a:rPr lang="en-US" dirty="0"/>
               <a:pPr/>
-              <a:t>6/7/2021</a:t>
+              <a:t>6/8/2021</a:t>
             </a:fld>
             <a:endParaRPr lang="en-US" dirty="0"/>
           </a:p>
@@ -5279,7 +5279,7 @@
             <a:fld id="{B61BEF0D-F0BB-DE4B-95CE-6DB70DBA9567}" type="datetimeFigureOut">
               <a:rPr lang="en-US" dirty="0"/>
               <a:pPr/>
-              <a:t>6/7/2021</a:t>
+              <a:t>6/8/2021</a:t>
             </a:fld>
             <a:endParaRPr lang="en-US" dirty="0"/>
           </a:p>
@@ -11051,23 +11051,19 @@
           <a:p>
             <a:r>
               <a:rPr lang="fr-CA" dirty="0" err="1" smtClean="0"/>
-              <a:t>Require</a:t>
+              <a:t>Requires</a:t>
             </a:r>
             <a:r>
               <a:rPr lang="fr-CA" dirty="0" smtClean="0"/>
-              <a:t> lots </a:t>
+              <a:t> </a:t>
             </a:r>
             <a:r>
               <a:rPr lang="fr-CA" dirty="0" smtClean="0"/>
-              <a:t>of simulations = </a:t>
+              <a:t>lots of simulations = </a:t>
             </a:r>
             <a:r>
               <a:rPr lang="fr-CA" dirty="0" err="1" smtClean="0"/>
-              <a:t>r</a:t>
-            </a:r>
-            <a:r>
-              <a:rPr lang="fr-CA" dirty="0" err="1" smtClean="0"/>
-              <a:t>equire</a:t>
+              <a:t>requires</a:t>
             </a:r>
             <a:r>
               <a:rPr lang="fr-CA" dirty="0" smtClean="0"/>
@@ -11155,20 +11151,16 @@
           </a:p>
           <a:p>
             <a:r>
-              <a:rPr lang="fr-CA" dirty="0" err="1"/>
-              <a:t>Require</a:t>
-            </a:r>
-            <a:r>
-              <a:rPr lang="fr-CA" dirty="0"/>
+              <a:rPr lang="fr-CA" dirty="0" err="1" smtClean="0"/>
+              <a:t>Requires</a:t>
+            </a:r>
+            <a:r>
+              <a:rPr lang="fr-CA" dirty="0" smtClean="0"/>
               <a:t> </a:t>
             </a:r>
             <a:r>
               <a:rPr lang="en-CA" dirty="0" smtClean="0"/>
-              <a:t>multiple </a:t>
-            </a:r>
-            <a:r>
-              <a:rPr lang="en-CA" dirty="0" smtClean="0"/>
-              <a:t>measurable and comparable outputs (“patterns”)</a:t>
+              <a:t>multiple measurable and comparable outputs (“patterns”)</a:t>
             </a:r>
           </a:p>
           <a:p>
@@ -11194,20 +11186,16 @@
           <a:p>
             <a:pPr lvl="2"/>
             <a:r>
-              <a:rPr lang="fr-CA" dirty="0" err="1"/>
-              <a:t>Require</a:t>
-            </a:r>
-            <a:r>
-              <a:rPr lang="fr-CA" dirty="0"/>
+              <a:rPr lang="fr-CA" dirty="0" err="1" smtClean="0"/>
+              <a:t>Requires</a:t>
+            </a:r>
+            <a:r>
+              <a:rPr lang="fr-CA" dirty="0" smtClean="0"/>
               <a:t> </a:t>
             </a:r>
             <a:r>
-              <a:rPr lang="en-CA" smtClean="0"/>
-              <a:t>defining </a:t>
-            </a:r>
-            <a:r>
               <a:rPr lang="en-CA" dirty="0" smtClean="0"/>
-              <a:t>a threshold</a:t>
+              <a:t>defining a threshold</a:t>
             </a:r>
           </a:p>
           <a:p>
@@ -12249,11 +12237,7 @@
             </a:r>
             <a:r>
               <a:rPr lang="fr-CA" dirty="0" smtClean="0"/>
-              <a:t> </a:t>
-            </a:r>
-            <a:r>
-              <a:rPr lang="fr-CA" dirty="0" smtClean="0"/>
-              <a:t>for </a:t>
+              <a:t> for </a:t>
             </a:r>
             <a:r>
               <a:rPr lang="fr-CA" dirty="0" err="1" smtClean="0"/>
@@ -12286,6 +12270,14 @@
             <a:r>
               <a:rPr lang="fr-CA" dirty="0" smtClean="0"/>
               <a:t> data or </a:t>
+            </a:r>
+            <a:r>
+              <a:rPr lang="fr-CA" dirty="0" err="1" smtClean="0"/>
+              <a:t>from</a:t>
+            </a:r>
+            <a:r>
+              <a:rPr lang="fr-CA" dirty="0" smtClean="0"/>
+              <a:t> the </a:t>
             </a:r>
             <a:r>
               <a:rPr lang="fr-CA" dirty="0" err="1" smtClean="0"/>
@@ -12325,11 +12317,7 @@
             </a:r>
             <a:r>
               <a:rPr lang="fr-CA" dirty="0" smtClean="0"/>
-              <a:t>, </a:t>
-            </a:r>
-            <a:r>
-              <a:rPr lang="fr-CA" dirty="0" smtClean="0"/>
-              <a:t>maximum </a:t>
+              <a:t>, maximum </a:t>
             </a:r>
             <a:r>
               <a:rPr lang="fr-CA" dirty="0" err="1" smtClean="0"/>
@@ -12337,11 +12325,7 @@
             </a:r>
             <a:r>
               <a:rPr lang="fr-CA" dirty="0" smtClean="0"/>
-              <a:t>, </a:t>
-            </a:r>
-            <a:r>
-              <a:rPr lang="fr-CA" dirty="0" smtClean="0"/>
-              <a:t>…</a:t>
+              <a:t>, …</a:t>
             </a:r>
           </a:p>
           <a:p>
@@ -12367,11 +12351,7 @@
             </a:r>
             <a:r>
               <a:rPr lang="fr-CA" dirty="0" smtClean="0"/>
-              <a:t> </a:t>
-            </a:r>
-            <a:r>
-              <a:rPr lang="fr-CA" dirty="0" smtClean="0"/>
-              <a:t>for </a:t>
+              <a:t> for </a:t>
             </a:r>
             <a:r>
               <a:rPr lang="fr-CA" dirty="0" err="1" smtClean="0"/>
@@ -33243,7 +33223,7 @@
   <a:extraClrSchemeLst/>
   <a:extLst>
     <a:ext uri="{05A4C25C-085E-4340-85A3-A5531E510DB2}">
-      <thm15:themeFamily xmlns:thm15="http://schemas.microsoft.com/office/thememl/2012/main" xmlns="" name="Facet" id="{C0C680CD-088A-49FC-A102-D699147F32B2}" vid="{CFBC31BA-B70F-4F30-BCAA-4F3011E16C4D}"/>
+      <thm15:themeFamily xmlns="" xmlns:thm15="http://schemas.microsoft.com/office/thememl/2012/main" name="Facet" id="{C0C680CD-088A-49FC-A102-D699147F32B2}" vid="{CFBC31BA-B70F-4F30-BCAA-4F3011E16C4D}"/>
     </a:ext>
   </a:extLst>
 </a:theme>

--- a/slides/4_Parameter.pptx
+++ b/slides/4_Parameter.pptx
@@ -16,12 +16,13 @@
     <p:sldId id="472" r:id="rId10"/>
     <p:sldId id="473" r:id="rId11"/>
     <p:sldId id="526" r:id="rId12"/>
-    <p:sldId id="474" r:id="rId13"/>
-    <p:sldId id="528" r:id="rId14"/>
-    <p:sldId id="529" r:id="rId15"/>
-    <p:sldId id="530" r:id="rId16"/>
-    <p:sldId id="527" r:id="rId17"/>
-    <p:sldId id="524" r:id="rId18"/>
+    <p:sldId id="531" r:id="rId13"/>
+    <p:sldId id="474" r:id="rId14"/>
+    <p:sldId id="528" r:id="rId15"/>
+    <p:sldId id="529" r:id="rId16"/>
+    <p:sldId id="530" r:id="rId17"/>
+    <p:sldId id="527" r:id="rId18"/>
+    <p:sldId id="524" r:id="rId19"/>
   </p:sldIdLst>
   <p:sldSz cx="12192000" cy="6858000"/>
   <p:notesSz cx="6858000" cy="9144000"/>
@@ -122,7 +123,7 @@
   </p:defaultTextStyle>
   <p:extLst>
     <p:ext uri="{EFAFB233-063F-42B5-8137-9DF3F51BA10A}">
-      <p15:sldGuideLst xmlns="" xmlns:p15="http://schemas.microsoft.com/office/powerpoint/2012/main">
+      <p15:sldGuideLst xmlns:p15="http://schemas.microsoft.com/office/powerpoint/2012/main">
         <p15:guide id="1" orient="horz" pos="2160">
           <p15:clr>
             <a:srgbClr val="A4A3A4"/>
@@ -862,7 +863,7 @@
             <a:fld id="{B61BEF0D-F0BB-DE4B-95CE-6DB70DBA9567}" type="datetimeFigureOut">
               <a:rPr lang="en-US" dirty="0"/>
               <a:pPr/>
-              <a:t>6/8/2021</a:t>
+              <a:t>6/15/2021</a:t>
             </a:fld>
             <a:endParaRPr lang="en-US" dirty="0"/>
           </a:p>
@@ -1110,7 +1111,7 @@
             <a:fld id="{B61BEF0D-F0BB-DE4B-95CE-6DB70DBA9567}" type="datetimeFigureOut">
               <a:rPr lang="en-US" dirty="0"/>
               <a:pPr/>
-              <a:t>6/8/2021</a:t>
+              <a:t>6/15/2021</a:t>
             </a:fld>
             <a:endParaRPr lang="en-US" dirty="0"/>
           </a:p>
@@ -1421,7 +1422,7 @@
             <a:fld id="{B61BEF0D-F0BB-DE4B-95CE-6DB70DBA9567}" type="datetimeFigureOut">
               <a:rPr lang="en-US" dirty="0"/>
               <a:pPr/>
-              <a:t>6/8/2021</a:t>
+              <a:t>6/15/2021</a:t>
             </a:fld>
             <a:endParaRPr lang="en-US" dirty="0"/>
           </a:p>
@@ -1759,7 +1760,7 @@
             <a:fld id="{B61BEF0D-F0BB-DE4B-95CE-6DB70DBA9567}" type="datetimeFigureOut">
               <a:rPr lang="en-US" dirty="0"/>
               <a:pPr/>
-              <a:t>6/8/2021</a:t>
+              <a:t>6/15/2021</a:t>
             </a:fld>
             <a:endParaRPr lang="en-US" dirty="0"/>
           </a:p>
@@ -2070,7 +2071,7 @@
             <a:fld id="{B61BEF0D-F0BB-DE4B-95CE-6DB70DBA9567}" type="datetimeFigureOut">
               <a:rPr lang="en-US" dirty="0"/>
               <a:pPr/>
-              <a:t>6/8/2021</a:t>
+              <a:t>6/15/2021</a:t>
             </a:fld>
             <a:endParaRPr lang="en-US" dirty="0"/>
           </a:p>
@@ -2460,7 +2461,7 @@
             <a:fld id="{B61BEF0D-F0BB-DE4B-95CE-6DB70DBA9567}" type="datetimeFigureOut">
               <a:rPr lang="en-US" dirty="0"/>
               <a:pPr/>
-              <a:t>6/8/2021</a:t>
+              <a:t>6/15/2021</a:t>
             </a:fld>
             <a:endParaRPr lang="en-US" dirty="0"/>
           </a:p>
@@ -2626,7 +2627,7 @@
           <a:p>
             <a:fld id="{55C6B4A9-1611-4792-9094-5F34BCA07E0B}" type="datetimeFigureOut">
               <a:rPr lang="en-US" dirty="0"/>
-              <a:t>6/8/2021</a:t>
+              <a:t>6/15/2021</a:t>
             </a:fld>
             <a:endParaRPr lang="en-US" dirty="0"/>
           </a:p>
@@ -2802,7 +2803,7 @@
             <a:fld id="{B61BEF0D-F0BB-DE4B-95CE-6DB70DBA9567}" type="datetimeFigureOut">
               <a:rPr lang="en-US" dirty="0"/>
               <a:pPr/>
-              <a:t>6/8/2021</a:t>
+              <a:t>6/15/2021</a:t>
             </a:fld>
             <a:endParaRPr lang="en-US" dirty="0"/>
           </a:p>
@@ -2975,7 +2976,7 @@
             <a:fld id="{B61BEF0D-F0BB-DE4B-95CE-6DB70DBA9567}" type="datetimeFigureOut">
               <a:rPr lang="en-US" dirty="0"/>
               <a:pPr/>
-              <a:t>6/8/2021</a:t>
+              <a:t>6/15/2021</a:t>
             </a:fld>
             <a:endParaRPr lang="en-US" dirty="0"/>
           </a:p>
@@ -3219,7 +3220,7 @@
             <a:fld id="{B61BEF0D-F0BB-DE4B-95CE-6DB70DBA9567}" type="datetimeFigureOut">
               <a:rPr lang="en-US" dirty="0"/>
               <a:pPr/>
-              <a:t>6/8/2021</a:t>
+              <a:t>6/15/2021</a:t>
             </a:fld>
             <a:endParaRPr lang="en-US" dirty="0"/>
           </a:p>
@@ -3447,7 +3448,7 @@
           <a:p>
             <a:fld id="{EB712588-04B1-427B-82EE-E8DB90309F08}" type="datetimeFigureOut">
               <a:rPr lang="en-US" dirty="0"/>
-              <a:t>6/8/2021</a:t>
+              <a:t>6/15/2021</a:t>
             </a:fld>
             <a:endParaRPr lang="en-US" dirty="0"/>
           </a:p>
@@ -3817,7 +3818,7 @@
             <a:fld id="{B61BEF0D-F0BB-DE4B-95CE-6DB70DBA9567}" type="datetimeFigureOut">
               <a:rPr lang="en-US" dirty="0"/>
               <a:pPr/>
-              <a:t>6/8/2021</a:t>
+              <a:t>6/15/2021</a:t>
             </a:fld>
             <a:endParaRPr lang="en-US" dirty="0"/>
           </a:p>
@@ -3937,7 +3938,7 @@
             <a:fld id="{B61BEF0D-F0BB-DE4B-95CE-6DB70DBA9567}" type="datetimeFigureOut">
               <a:rPr lang="en-US" dirty="0"/>
               <a:pPr/>
-              <a:t>6/8/2021</a:t>
+              <a:t>6/15/2021</a:t>
             </a:fld>
             <a:endParaRPr lang="en-US" dirty="0"/>
           </a:p>
@@ -4029,7 +4030,7 @@
             <a:fld id="{B61BEF0D-F0BB-DE4B-95CE-6DB70DBA9567}" type="datetimeFigureOut">
               <a:rPr lang="en-US" dirty="0"/>
               <a:pPr/>
-              <a:t>6/8/2021</a:t>
+              <a:t>6/15/2021</a:t>
             </a:fld>
             <a:endParaRPr lang="en-US" dirty="0"/>
           </a:p>
@@ -4280,7 +4281,7 @@
           <a:p>
             <a:fld id="{42A54C80-263E-416B-A8E0-580EDEADCBDC}" type="datetimeFigureOut">
               <a:rPr lang="en-US" dirty="0"/>
-              <a:t>6/8/2021</a:t>
+              <a:t>6/15/2021</a:t>
             </a:fld>
             <a:endParaRPr lang="en-US" dirty="0"/>
           </a:p>
@@ -4539,7 +4540,7 @@
             <a:fld id="{B61BEF0D-F0BB-DE4B-95CE-6DB70DBA9567}" type="datetimeFigureOut">
               <a:rPr lang="en-US" dirty="0"/>
               <a:pPr/>
-              <a:t>6/8/2021</a:t>
+              <a:t>6/15/2021</a:t>
             </a:fld>
             <a:endParaRPr lang="en-US" dirty="0"/>
           </a:p>
@@ -5279,7 +5280,7 @@
             <a:fld id="{B61BEF0D-F0BB-DE4B-95CE-6DB70DBA9567}" type="datetimeFigureOut">
               <a:rPr lang="en-US" dirty="0"/>
               <a:pPr/>
-              <a:t>6/8/2021</a:t>
+              <a:t>6/15/2021</a:t>
             </a:fld>
             <a:endParaRPr lang="en-US" dirty="0"/>
           </a:p>
@@ -8350,16 +8351,12 @@
               <a:t>mean</a:t>
             </a:r>
             <a:r>
-              <a:rPr lang="fr-CA" dirty="0"/>
+              <a:rPr lang="fr-CA"/>
               <a:t> </a:t>
             </a:r>
             <a:r>
-              <a:rPr lang="fr-CA" dirty="0" err="1" smtClean="0"/>
-              <a:t>ADfor</a:t>
-            </a:r>
-            <a:r>
-              <a:rPr lang="fr-CA" dirty="0" smtClean="0"/>
-              <a:t> </a:t>
+              <a:rPr lang="fr-CA" smtClean="0"/>
+              <a:t>AD for </a:t>
             </a:r>
             <a:r>
               <a:rPr lang="fr-CA" dirty="0"/>
@@ -9388,6 +9385,1559 @@
             </a:r>
           </a:p>
           <a:p>
+            <a:endParaRPr lang="fr-CA" sz="2400" dirty="0"/>
+          </a:p>
+        </p:txBody>
+      </p:sp>
+      <p:cxnSp>
+        <p:nvCxnSpPr>
+          <p:cNvPr id="34" name="Straight Arrow Connector 33"/>
+          <p:cNvCxnSpPr/>
+          <p:nvPr/>
+        </p:nvCxnSpPr>
+        <p:spPr>
+          <a:xfrm>
+            <a:off x="1509892" y="3583263"/>
+            <a:ext cx="289800" cy="0"/>
+          </a:xfrm>
+          <a:prstGeom prst="straightConnector1">
+            <a:avLst/>
+          </a:prstGeom>
+          <a:ln w="25400">
+            <a:solidFill>
+              <a:schemeClr val="tx1"/>
+            </a:solidFill>
+            <a:tailEnd type="arrow"/>
+          </a:ln>
+        </p:spPr>
+        <p:style>
+          <a:lnRef idx="1">
+            <a:schemeClr val="accent1"/>
+          </a:lnRef>
+          <a:fillRef idx="0">
+            <a:schemeClr val="accent1"/>
+          </a:fillRef>
+          <a:effectRef idx="0">
+            <a:schemeClr val="accent1"/>
+          </a:effectRef>
+          <a:fontRef idx="minor">
+            <a:schemeClr val="tx1"/>
+          </a:fontRef>
+        </p:style>
+      </p:cxnSp>
+      <p:sp>
+        <p:nvSpPr>
+          <p:cNvPr id="35" name="TextBox 34"/>
+          <p:cNvSpPr txBox="1"/>
+          <p:nvPr/>
+        </p:nvSpPr>
+        <p:spPr>
+          <a:xfrm>
+            <a:off x="779621" y="3367819"/>
+            <a:ext cx="792972" cy="430887"/>
+          </a:xfrm>
+          <a:prstGeom prst="rect">
+            <a:avLst/>
+          </a:prstGeom>
+          <a:noFill/>
+        </p:spPr>
+        <p:txBody>
+          <a:bodyPr wrap="square" rtlCol="0">
+            <a:spAutoFit/>
+          </a:bodyPr>
+          <a:lstStyle/>
+          <a:p>
+            <a:r>
+              <a:rPr lang="fr-CA" sz="2200" dirty="0" smtClean="0"/>
+              <a:t>POM</a:t>
+            </a:r>
+            <a:endParaRPr lang="en-US" sz="2200" dirty="0"/>
+          </a:p>
+        </p:txBody>
+      </p:sp>
+      <p:cxnSp>
+        <p:nvCxnSpPr>
+          <p:cNvPr id="36" name="Straight Arrow Connector 33"/>
+          <p:cNvCxnSpPr/>
+          <p:nvPr/>
+        </p:nvCxnSpPr>
+        <p:spPr>
+          <a:xfrm>
+            <a:off x="1497920" y="5451569"/>
+            <a:ext cx="289800" cy="0"/>
+          </a:xfrm>
+          <a:prstGeom prst="straightConnector1">
+            <a:avLst/>
+          </a:prstGeom>
+          <a:ln w="25400">
+            <a:solidFill>
+              <a:schemeClr val="tx1"/>
+            </a:solidFill>
+            <a:tailEnd type="arrow"/>
+          </a:ln>
+        </p:spPr>
+        <p:style>
+          <a:lnRef idx="1">
+            <a:schemeClr val="accent1"/>
+          </a:lnRef>
+          <a:fillRef idx="0">
+            <a:schemeClr val="accent1"/>
+          </a:fillRef>
+          <a:effectRef idx="0">
+            <a:schemeClr val="accent1"/>
+          </a:effectRef>
+          <a:fontRef idx="minor">
+            <a:schemeClr val="tx1"/>
+          </a:fontRef>
+        </p:style>
+      </p:cxnSp>
+      <p:sp>
+        <p:nvSpPr>
+          <p:cNvPr id="37" name="TextBox 34"/>
+          <p:cNvSpPr txBox="1"/>
+          <p:nvPr/>
+        </p:nvSpPr>
+        <p:spPr>
+          <a:xfrm>
+            <a:off x="767649" y="5236125"/>
+            <a:ext cx="792972" cy="430887"/>
+          </a:xfrm>
+          <a:prstGeom prst="rect">
+            <a:avLst/>
+          </a:prstGeom>
+          <a:noFill/>
+        </p:spPr>
+        <p:txBody>
+          <a:bodyPr wrap="square" rtlCol="0">
+            <a:spAutoFit/>
+          </a:bodyPr>
+          <a:lstStyle/>
+          <a:p>
+            <a:r>
+              <a:rPr lang="fr-CA" sz="2200" dirty="0" smtClean="0"/>
+              <a:t>POM</a:t>
+            </a:r>
+            <a:endParaRPr lang="en-US" sz="2200" dirty="0"/>
+          </a:p>
+        </p:txBody>
+      </p:sp>
+      <p:cxnSp>
+        <p:nvCxnSpPr>
+          <p:cNvPr id="38" name="Straight Arrow Connector 33"/>
+          <p:cNvCxnSpPr/>
+          <p:nvPr/>
+        </p:nvCxnSpPr>
+        <p:spPr>
+          <a:xfrm>
+            <a:off x="4470594" y="3565310"/>
+            <a:ext cx="289800" cy="0"/>
+          </a:xfrm>
+          <a:prstGeom prst="straightConnector1">
+            <a:avLst/>
+          </a:prstGeom>
+          <a:ln w="25400">
+            <a:solidFill>
+              <a:schemeClr val="tx1"/>
+            </a:solidFill>
+            <a:tailEnd type="arrow"/>
+          </a:ln>
+        </p:spPr>
+        <p:style>
+          <a:lnRef idx="1">
+            <a:schemeClr val="accent1"/>
+          </a:lnRef>
+          <a:fillRef idx="0">
+            <a:schemeClr val="accent1"/>
+          </a:fillRef>
+          <a:effectRef idx="0">
+            <a:schemeClr val="accent1"/>
+          </a:effectRef>
+          <a:fontRef idx="minor">
+            <a:schemeClr val="tx1"/>
+          </a:fontRef>
+        </p:style>
+      </p:cxnSp>
+      <p:sp>
+        <p:nvSpPr>
+          <p:cNvPr id="39" name="TextBox 34"/>
+          <p:cNvSpPr txBox="1"/>
+          <p:nvPr/>
+        </p:nvSpPr>
+        <p:spPr>
+          <a:xfrm>
+            <a:off x="3740323" y="3349866"/>
+            <a:ext cx="792972" cy="430887"/>
+          </a:xfrm>
+          <a:prstGeom prst="rect">
+            <a:avLst/>
+          </a:prstGeom>
+          <a:noFill/>
+        </p:spPr>
+        <p:txBody>
+          <a:bodyPr wrap="square" rtlCol="0">
+            <a:spAutoFit/>
+          </a:bodyPr>
+          <a:lstStyle/>
+          <a:p>
+            <a:r>
+              <a:rPr lang="fr-CA" sz="2200" dirty="0" smtClean="0"/>
+              <a:t>POM</a:t>
+            </a:r>
+            <a:endParaRPr lang="en-US" sz="2200" dirty="0"/>
+          </a:p>
+        </p:txBody>
+      </p:sp>
+      <p:cxnSp>
+        <p:nvCxnSpPr>
+          <p:cNvPr id="40" name="Straight Arrow Connector 33"/>
+          <p:cNvCxnSpPr/>
+          <p:nvPr/>
+        </p:nvCxnSpPr>
+        <p:spPr>
+          <a:xfrm>
+            <a:off x="4458622" y="5433616"/>
+            <a:ext cx="289800" cy="0"/>
+          </a:xfrm>
+          <a:prstGeom prst="straightConnector1">
+            <a:avLst/>
+          </a:prstGeom>
+          <a:ln w="25400">
+            <a:solidFill>
+              <a:schemeClr val="tx1"/>
+            </a:solidFill>
+            <a:tailEnd type="arrow"/>
+          </a:ln>
+        </p:spPr>
+        <p:style>
+          <a:lnRef idx="1">
+            <a:schemeClr val="accent1"/>
+          </a:lnRef>
+          <a:fillRef idx="0">
+            <a:schemeClr val="accent1"/>
+          </a:fillRef>
+          <a:effectRef idx="0">
+            <a:schemeClr val="accent1"/>
+          </a:effectRef>
+          <a:fontRef idx="minor">
+            <a:schemeClr val="tx1"/>
+          </a:fontRef>
+        </p:style>
+      </p:cxnSp>
+      <p:sp>
+        <p:nvSpPr>
+          <p:cNvPr id="41" name="TextBox 34"/>
+          <p:cNvSpPr txBox="1"/>
+          <p:nvPr/>
+        </p:nvSpPr>
+        <p:spPr>
+          <a:xfrm>
+            <a:off x="3728351" y="5218172"/>
+            <a:ext cx="792972" cy="430887"/>
+          </a:xfrm>
+          <a:prstGeom prst="rect">
+            <a:avLst/>
+          </a:prstGeom>
+          <a:noFill/>
+        </p:spPr>
+        <p:txBody>
+          <a:bodyPr wrap="square" rtlCol="0">
+            <a:spAutoFit/>
+          </a:bodyPr>
+          <a:lstStyle/>
+          <a:p>
+            <a:r>
+              <a:rPr lang="fr-CA" sz="2200" dirty="0" smtClean="0"/>
+              <a:t>POM</a:t>
+            </a:r>
+            <a:endParaRPr lang="en-US" sz="2200" dirty="0"/>
+          </a:p>
+        </p:txBody>
+      </p:sp>
+      <p:cxnSp>
+        <p:nvCxnSpPr>
+          <p:cNvPr id="42" name="Straight Arrow Connector 33"/>
+          <p:cNvCxnSpPr/>
+          <p:nvPr/>
+        </p:nvCxnSpPr>
+        <p:spPr>
+          <a:xfrm>
+            <a:off x="7486602" y="3565310"/>
+            <a:ext cx="289800" cy="0"/>
+          </a:xfrm>
+          <a:prstGeom prst="straightConnector1">
+            <a:avLst/>
+          </a:prstGeom>
+          <a:ln w="25400">
+            <a:solidFill>
+              <a:schemeClr val="tx1"/>
+            </a:solidFill>
+            <a:tailEnd type="arrow"/>
+          </a:ln>
+        </p:spPr>
+        <p:style>
+          <a:lnRef idx="1">
+            <a:schemeClr val="accent1"/>
+          </a:lnRef>
+          <a:fillRef idx="0">
+            <a:schemeClr val="accent1"/>
+          </a:fillRef>
+          <a:effectRef idx="0">
+            <a:schemeClr val="accent1"/>
+          </a:effectRef>
+          <a:fontRef idx="minor">
+            <a:schemeClr val="tx1"/>
+          </a:fontRef>
+        </p:style>
+      </p:cxnSp>
+      <p:sp>
+        <p:nvSpPr>
+          <p:cNvPr id="43" name="TextBox 34"/>
+          <p:cNvSpPr txBox="1"/>
+          <p:nvPr/>
+        </p:nvSpPr>
+        <p:spPr>
+          <a:xfrm>
+            <a:off x="6756331" y="3349866"/>
+            <a:ext cx="792972" cy="430887"/>
+          </a:xfrm>
+          <a:prstGeom prst="rect">
+            <a:avLst/>
+          </a:prstGeom>
+          <a:noFill/>
+        </p:spPr>
+        <p:txBody>
+          <a:bodyPr wrap="square" rtlCol="0">
+            <a:spAutoFit/>
+          </a:bodyPr>
+          <a:lstStyle/>
+          <a:p>
+            <a:r>
+              <a:rPr lang="fr-CA" sz="2200" dirty="0" smtClean="0"/>
+              <a:t>POM</a:t>
+            </a:r>
+            <a:endParaRPr lang="en-US" sz="2200" dirty="0"/>
+          </a:p>
+        </p:txBody>
+      </p:sp>
+      <p:cxnSp>
+        <p:nvCxnSpPr>
+          <p:cNvPr id="44" name="Straight Arrow Connector 33"/>
+          <p:cNvCxnSpPr/>
+          <p:nvPr/>
+        </p:nvCxnSpPr>
+        <p:spPr>
+          <a:xfrm>
+            <a:off x="7474630" y="5433616"/>
+            <a:ext cx="289800" cy="0"/>
+          </a:xfrm>
+          <a:prstGeom prst="straightConnector1">
+            <a:avLst/>
+          </a:prstGeom>
+          <a:ln w="25400">
+            <a:solidFill>
+              <a:schemeClr val="tx1"/>
+            </a:solidFill>
+            <a:tailEnd type="arrow"/>
+          </a:ln>
+        </p:spPr>
+        <p:style>
+          <a:lnRef idx="1">
+            <a:schemeClr val="accent1"/>
+          </a:lnRef>
+          <a:fillRef idx="0">
+            <a:schemeClr val="accent1"/>
+          </a:fillRef>
+          <a:effectRef idx="0">
+            <a:schemeClr val="accent1"/>
+          </a:effectRef>
+          <a:fontRef idx="minor">
+            <a:schemeClr val="tx1"/>
+          </a:fontRef>
+        </p:style>
+      </p:cxnSp>
+      <p:sp>
+        <p:nvSpPr>
+          <p:cNvPr id="45" name="TextBox 34"/>
+          <p:cNvSpPr txBox="1"/>
+          <p:nvPr/>
+        </p:nvSpPr>
+        <p:spPr>
+          <a:xfrm>
+            <a:off x="6744359" y="5218172"/>
+            <a:ext cx="792972" cy="430887"/>
+          </a:xfrm>
+          <a:prstGeom prst="rect">
+            <a:avLst/>
+          </a:prstGeom>
+          <a:noFill/>
+        </p:spPr>
+        <p:txBody>
+          <a:bodyPr wrap="square" rtlCol="0">
+            <a:spAutoFit/>
+          </a:bodyPr>
+          <a:lstStyle/>
+          <a:p>
+            <a:r>
+              <a:rPr lang="fr-CA" sz="2200" dirty="0" smtClean="0"/>
+              <a:t>POM</a:t>
+            </a:r>
+            <a:endParaRPr lang="en-US" sz="2200" dirty="0"/>
+          </a:p>
+        </p:txBody>
+      </p:sp>
+      <p:sp>
+        <p:nvSpPr>
+          <p:cNvPr id="46" name="ZoneTexte 45"/>
+          <p:cNvSpPr txBox="1"/>
+          <p:nvPr/>
+        </p:nvSpPr>
+        <p:spPr>
+          <a:xfrm>
+            <a:off x="8401561" y="6413589"/>
+            <a:ext cx="3685335" cy="369332"/>
+          </a:xfrm>
+          <a:prstGeom prst="rect">
+            <a:avLst/>
+          </a:prstGeom>
+          <a:noFill/>
+        </p:spPr>
+        <p:txBody>
+          <a:bodyPr wrap="square" rtlCol="0">
+            <a:spAutoFit/>
+          </a:bodyPr>
+          <a:lstStyle/>
+          <a:p>
+            <a:pPr algn="r"/>
+            <a:r>
+              <a:rPr lang="nl-NL" dirty="0" err="1" smtClean="0">
+                <a:latin typeface="Times New Roman" panose="02020603050405020304" pitchFamily="18" charset="0"/>
+                <a:cs typeface="Times New Roman" panose="02020603050405020304" pitchFamily="18" charset="0"/>
+              </a:rPr>
+              <a:t>Bauduin</a:t>
+            </a:r>
+            <a:r>
+              <a:rPr lang="nl-NL" dirty="0" smtClean="0">
+                <a:latin typeface="Times New Roman" panose="02020603050405020304" pitchFamily="18" charset="0"/>
+                <a:cs typeface="Times New Roman" panose="02020603050405020304" pitchFamily="18" charset="0"/>
+              </a:rPr>
+              <a:t> et al., 2016</a:t>
+            </a:r>
+            <a:endParaRPr lang="fr-FR" dirty="0">
+              <a:latin typeface="Times New Roman" panose="02020603050405020304" pitchFamily="18" charset="0"/>
+              <a:cs typeface="Times New Roman" panose="02020603050405020304" pitchFamily="18" charset="0"/>
+            </a:endParaRPr>
+          </a:p>
+        </p:txBody>
+      </p:sp>
+      <p:grpSp>
+        <p:nvGrpSpPr>
+          <p:cNvPr id="47" name="Group 27"/>
+          <p:cNvGrpSpPr/>
+          <p:nvPr/>
+        </p:nvGrpSpPr>
+        <p:grpSpPr>
+          <a:xfrm>
+            <a:off x="1788175" y="3244507"/>
+            <a:ext cx="1728192" cy="1152128"/>
+            <a:chOff x="1189392" y="3068960"/>
+            <a:chExt cx="1728192" cy="1152128"/>
+          </a:xfrm>
+          <a:solidFill>
+            <a:schemeClr val="bg1"/>
+          </a:solidFill>
+        </p:grpSpPr>
+        <p:cxnSp>
+          <p:nvCxnSpPr>
+            <p:cNvPr id="48" name="Straight Arrow Connector 29"/>
+            <p:cNvCxnSpPr/>
+            <p:nvPr/>
+          </p:nvCxnSpPr>
+          <p:spPr>
+            <a:xfrm flipH="1">
+              <a:off x="2050836" y="3861048"/>
+              <a:ext cx="884" cy="360040"/>
+            </a:xfrm>
+            <a:prstGeom prst="straightConnector1">
+              <a:avLst/>
+            </a:prstGeom>
+            <a:grpFill/>
+            <a:ln w="25400">
+              <a:solidFill>
+                <a:schemeClr val="tx1"/>
+              </a:solidFill>
+              <a:tailEnd type="arrow"/>
+            </a:ln>
+          </p:spPr>
+          <p:style>
+            <a:lnRef idx="1">
+              <a:schemeClr val="accent1"/>
+            </a:lnRef>
+            <a:fillRef idx="0">
+              <a:schemeClr val="accent1"/>
+            </a:fillRef>
+            <a:effectRef idx="0">
+              <a:schemeClr val="accent1"/>
+            </a:effectRef>
+            <a:fontRef idx="minor">
+              <a:schemeClr val="tx1"/>
+            </a:fontRef>
+          </p:style>
+        </p:cxnSp>
+        <p:sp>
+          <p:nvSpPr>
+            <p:cNvPr id="49" name="Rectangle 48"/>
+            <p:cNvSpPr/>
+            <p:nvPr/>
+          </p:nvSpPr>
+          <p:spPr>
+            <a:xfrm>
+              <a:off x="1189392" y="3068960"/>
+              <a:ext cx="1728192" cy="783296"/>
+            </a:xfrm>
+            <a:prstGeom prst="rect">
+              <a:avLst/>
+            </a:prstGeom>
+            <a:grpFill/>
+            <a:ln>
+              <a:solidFill>
+                <a:schemeClr val="tx1"/>
+              </a:solidFill>
+            </a:ln>
+          </p:spPr>
+          <p:style>
+            <a:lnRef idx="2">
+              <a:schemeClr val="accent1">
+                <a:shade val="50000"/>
+              </a:schemeClr>
+            </a:lnRef>
+            <a:fillRef idx="1">
+              <a:schemeClr val="accent1"/>
+            </a:fillRef>
+            <a:effectRef idx="0">
+              <a:schemeClr val="accent1"/>
+            </a:effectRef>
+            <a:fontRef idx="minor">
+              <a:schemeClr val="lt1"/>
+            </a:fontRef>
+          </p:style>
+          <p:txBody>
+            <a:bodyPr rtlCol="0" anchor="ctr"/>
+            <a:lstStyle/>
+            <a:p>
+              <a:pPr algn="ctr"/>
+              <a:r>
+                <a:rPr lang="en-US" dirty="0" smtClean="0">
+                  <a:solidFill>
+                    <a:schemeClr val="tx1"/>
+                  </a:solidFill>
+                </a:rPr>
+                <a:t>Random walk</a:t>
+              </a:r>
+              <a:endParaRPr lang="en-US" dirty="0">
+                <a:solidFill>
+                  <a:schemeClr val="tx1"/>
+                </a:solidFill>
+              </a:endParaRPr>
+            </a:p>
+          </p:txBody>
+        </p:sp>
+      </p:grpSp>
+      <p:grpSp>
+        <p:nvGrpSpPr>
+          <p:cNvPr id="50" name="Group 31"/>
+          <p:cNvGrpSpPr/>
+          <p:nvPr/>
+        </p:nvGrpSpPr>
+        <p:grpSpPr>
+          <a:xfrm>
+            <a:off x="4740503" y="3244507"/>
+            <a:ext cx="1728192" cy="1152128"/>
+            <a:chOff x="1189392" y="3068960"/>
+            <a:chExt cx="1728192" cy="1152128"/>
+          </a:xfrm>
+          <a:solidFill>
+            <a:schemeClr val="bg1"/>
+          </a:solidFill>
+        </p:grpSpPr>
+        <p:cxnSp>
+          <p:nvCxnSpPr>
+            <p:cNvPr id="51" name="Straight Arrow Connector 33"/>
+            <p:cNvCxnSpPr/>
+            <p:nvPr/>
+          </p:nvCxnSpPr>
+          <p:spPr>
+            <a:xfrm flipH="1">
+              <a:off x="2050836" y="3861048"/>
+              <a:ext cx="884" cy="360040"/>
+            </a:xfrm>
+            <a:prstGeom prst="straightConnector1">
+              <a:avLst/>
+            </a:prstGeom>
+            <a:grpFill/>
+            <a:ln w="25400">
+              <a:solidFill>
+                <a:schemeClr val="tx1"/>
+              </a:solidFill>
+              <a:tailEnd type="arrow"/>
+            </a:ln>
+          </p:spPr>
+          <p:style>
+            <a:lnRef idx="1">
+              <a:schemeClr val="accent1"/>
+            </a:lnRef>
+            <a:fillRef idx="0">
+              <a:schemeClr val="accent1"/>
+            </a:fillRef>
+            <a:effectRef idx="0">
+              <a:schemeClr val="accent1"/>
+            </a:effectRef>
+            <a:fontRef idx="minor">
+              <a:schemeClr val="tx1"/>
+            </a:fontRef>
+          </p:style>
+        </p:cxnSp>
+        <p:sp>
+          <p:nvSpPr>
+            <p:cNvPr id="52" name="Rectangle 51"/>
+            <p:cNvSpPr/>
+            <p:nvPr/>
+          </p:nvSpPr>
+          <p:spPr>
+            <a:xfrm>
+              <a:off x="1189392" y="3068960"/>
+              <a:ext cx="1728192" cy="783296"/>
+            </a:xfrm>
+            <a:prstGeom prst="rect">
+              <a:avLst/>
+            </a:prstGeom>
+            <a:grpFill/>
+            <a:ln>
+              <a:solidFill>
+                <a:schemeClr val="tx1"/>
+              </a:solidFill>
+            </a:ln>
+          </p:spPr>
+          <p:style>
+            <a:lnRef idx="2">
+              <a:schemeClr val="accent1">
+                <a:shade val="50000"/>
+              </a:schemeClr>
+            </a:lnRef>
+            <a:fillRef idx="1">
+              <a:schemeClr val="accent1"/>
+            </a:fillRef>
+            <a:effectRef idx="0">
+              <a:schemeClr val="accent1"/>
+            </a:effectRef>
+            <a:fontRef idx="minor">
+              <a:schemeClr val="lt1"/>
+            </a:fontRef>
+          </p:style>
+          <p:txBody>
+            <a:bodyPr rtlCol="0" anchor="ctr"/>
+            <a:lstStyle/>
+            <a:p>
+              <a:pPr algn="ctr"/>
+              <a:r>
+                <a:rPr lang="en-US" dirty="0" smtClean="0">
+                  <a:solidFill>
+                    <a:schemeClr val="tx1"/>
+                  </a:solidFill>
+                </a:rPr>
+                <a:t>Correlated random walk</a:t>
+              </a:r>
+              <a:endParaRPr lang="en-US" dirty="0">
+                <a:solidFill>
+                  <a:schemeClr val="tx1"/>
+                </a:solidFill>
+              </a:endParaRPr>
+            </a:p>
+          </p:txBody>
+        </p:sp>
+      </p:grpSp>
+      <p:grpSp>
+        <p:nvGrpSpPr>
+          <p:cNvPr id="53" name="Group 35"/>
+          <p:cNvGrpSpPr/>
+          <p:nvPr/>
+        </p:nvGrpSpPr>
+        <p:grpSpPr>
+          <a:xfrm>
+            <a:off x="7764839" y="3244507"/>
+            <a:ext cx="1728192" cy="1152128"/>
+            <a:chOff x="1189392" y="3068960"/>
+            <a:chExt cx="1728192" cy="1152128"/>
+          </a:xfrm>
+          <a:solidFill>
+            <a:schemeClr val="bg1"/>
+          </a:solidFill>
+        </p:grpSpPr>
+        <p:cxnSp>
+          <p:nvCxnSpPr>
+            <p:cNvPr id="54" name="Straight Arrow Connector 37"/>
+            <p:cNvCxnSpPr/>
+            <p:nvPr/>
+          </p:nvCxnSpPr>
+          <p:spPr>
+            <a:xfrm flipH="1">
+              <a:off x="2050836" y="3861048"/>
+              <a:ext cx="884" cy="360040"/>
+            </a:xfrm>
+            <a:prstGeom prst="straightConnector1">
+              <a:avLst/>
+            </a:prstGeom>
+            <a:grpFill/>
+            <a:ln w="25400">
+              <a:solidFill>
+                <a:schemeClr val="tx1"/>
+              </a:solidFill>
+              <a:tailEnd type="arrow"/>
+            </a:ln>
+          </p:spPr>
+          <p:style>
+            <a:lnRef idx="1">
+              <a:schemeClr val="accent1"/>
+            </a:lnRef>
+            <a:fillRef idx="0">
+              <a:schemeClr val="accent1"/>
+            </a:fillRef>
+            <a:effectRef idx="0">
+              <a:schemeClr val="accent1"/>
+            </a:effectRef>
+            <a:fontRef idx="minor">
+              <a:schemeClr val="tx1"/>
+            </a:fontRef>
+          </p:style>
+        </p:cxnSp>
+        <p:sp>
+          <p:nvSpPr>
+            <p:cNvPr id="55" name="Rectangle 54"/>
+            <p:cNvSpPr/>
+            <p:nvPr/>
+          </p:nvSpPr>
+          <p:spPr>
+            <a:xfrm>
+              <a:off x="1189392" y="3068960"/>
+              <a:ext cx="1728192" cy="783296"/>
+            </a:xfrm>
+            <a:prstGeom prst="rect">
+              <a:avLst/>
+            </a:prstGeom>
+            <a:grpFill/>
+            <a:ln>
+              <a:solidFill>
+                <a:schemeClr val="tx1"/>
+              </a:solidFill>
+            </a:ln>
+          </p:spPr>
+          <p:style>
+            <a:lnRef idx="2">
+              <a:schemeClr val="accent1">
+                <a:shade val="50000"/>
+              </a:schemeClr>
+            </a:lnRef>
+            <a:fillRef idx="1">
+              <a:schemeClr val="accent1"/>
+            </a:fillRef>
+            <a:effectRef idx="0">
+              <a:schemeClr val="accent1"/>
+            </a:effectRef>
+            <a:fontRef idx="minor">
+              <a:schemeClr val="lt1"/>
+            </a:fontRef>
+          </p:style>
+          <p:txBody>
+            <a:bodyPr rtlCol="0" anchor="ctr"/>
+            <a:lstStyle/>
+            <a:p>
+              <a:pPr algn="ctr"/>
+              <a:r>
+                <a:rPr lang="en-US" dirty="0" smtClean="0">
+                  <a:solidFill>
+                    <a:schemeClr val="tx1"/>
+                  </a:solidFill>
+                </a:rPr>
+                <a:t>Habitat-biased random walk</a:t>
+              </a:r>
+              <a:endParaRPr lang="en-US" dirty="0">
+                <a:solidFill>
+                  <a:schemeClr val="tx1"/>
+                </a:solidFill>
+              </a:endParaRPr>
+            </a:p>
+          </p:txBody>
+        </p:sp>
+      </p:grpSp>
+      <p:grpSp>
+        <p:nvGrpSpPr>
+          <p:cNvPr id="56" name="Group 39"/>
+          <p:cNvGrpSpPr/>
+          <p:nvPr/>
+        </p:nvGrpSpPr>
+        <p:grpSpPr>
+          <a:xfrm>
+            <a:off x="1776203" y="5084953"/>
+            <a:ext cx="1728192" cy="1152128"/>
+            <a:chOff x="1189392" y="3068960"/>
+            <a:chExt cx="1728192" cy="1152128"/>
+          </a:xfrm>
+          <a:solidFill>
+            <a:schemeClr val="bg1"/>
+          </a:solidFill>
+        </p:grpSpPr>
+        <p:cxnSp>
+          <p:nvCxnSpPr>
+            <p:cNvPr id="57" name="Straight Arrow Connector 41"/>
+            <p:cNvCxnSpPr/>
+            <p:nvPr/>
+          </p:nvCxnSpPr>
+          <p:spPr>
+            <a:xfrm flipH="1">
+              <a:off x="2050836" y="3861048"/>
+              <a:ext cx="884" cy="360040"/>
+            </a:xfrm>
+            <a:prstGeom prst="straightConnector1">
+              <a:avLst/>
+            </a:prstGeom>
+            <a:grpFill/>
+            <a:ln w="25400">
+              <a:solidFill>
+                <a:schemeClr val="tx1"/>
+              </a:solidFill>
+              <a:tailEnd type="arrow"/>
+            </a:ln>
+          </p:spPr>
+          <p:style>
+            <a:lnRef idx="1">
+              <a:schemeClr val="accent1"/>
+            </a:lnRef>
+            <a:fillRef idx="0">
+              <a:schemeClr val="accent1"/>
+            </a:fillRef>
+            <a:effectRef idx="0">
+              <a:schemeClr val="accent1"/>
+            </a:effectRef>
+            <a:fontRef idx="minor">
+              <a:schemeClr val="tx1"/>
+            </a:fontRef>
+          </p:style>
+        </p:cxnSp>
+        <p:sp>
+          <p:nvSpPr>
+            <p:cNvPr id="58" name="Rectangle 57"/>
+            <p:cNvSpPr/>
+            <p:nvPr/>
+          </p:nvSpPr>
+          <p:spPr>
+            <a:xfrm>
+              <a:off x="1189392" y="3068960"/>
+              <a:ext cx="1728192" cy="783296"/>
+            </a:xfrm>
+            <a:prstGeom prst="rect">
+              <a:avLst/>
+            </a:prstGeom>
+            <a:grpFill/>
+            <a:ln>
+              <a:solidFill>
+                <a:schemeClr val="tx1"/>
+              </a:solidFill>
+            </a:ln>
+          </p:spPr>
+          <p:style>
+            <a:lnRef idx="2">
+              <a:schemeClr val="accent1">
+                <a:shade val="50000"/>
+              </a:schemeClr>
+            </a:lnRef>
+            <a:fillRef idx="1">
+              <a:schemeClr val="accent1"/>
+            </a:fillRef>
+            <a:effectRef idx="0">
+              <a:schemeClr val="accent1"/>
+            </a:effectRef>
+            <a:fontRef idx="minor">
+              <a:schemeClr val="lt1"/>
+            </a:fontRef>
+          </p:style>
+          <p:txBody>
+            <a:bodyPr rtlCol="0" anchor="ctr"/>
+            <a:lstStyle/>
+            <a:p>
+              <a:pPr algn="ctr"/>
+              <a:r>
+                <a:rPr lang="en-US" dirty="0" smtClean="0">
+                  <a:solidFill>
+                    <a:schemeClr val="tx1"/>
+                  </a:solidFill>
+                </a:rPr>
+                <a:t>…</a:t>
+              </a:r>
+              <a:endParaRPr lang="en-US" dirty="0">
+                <a:solidFill>
+                  <a:schemeClr val="tx1"/>
+                </a:solidFill>
+              </a:endParaRPr>
+            </a:p>
+          </p:txBody>
+        </p:sp>
+      </p:grpSp>
+      <p:grpSp>
+        <p:nvGrpSpPr>
+          <p:cNvPr id="59" name="Group 43"/>
+          <p:cNvGrpSpPr/>
+          <p:nvPr/>
+        </p:nvGrpSpPr>
+        <p:grpSpPr>
+          <a:xfrm>
+            <a:off x="4728531" y="5084953"/>
+            <a:ext cx="1728192" cy="1152128"/>
+            <a:chOff x="1189392" y="3068960"/>
+            <a:chExt cx="1728192" cy="1152128"/>
+          </a:xfrm>
+          <a:solidFill>
+            <a:schemeClr val="bg1"/>
+          </a:solidFill>
+        </p:grpSpPr>
+        <p:cxnSp>
+          <p:nvCxnSpPr>
+            <p:cNvPr id="60" name="Straight Arrow Connector 45"/>
+            <p:cNvCxnSpPr/>
+            <p:nvPr/>
+          </p:nvCxnSpPr>
+          <p:spPr>
+            <a:xfrm flipH="1">
+              <a:off x="2050836" y="3861048"/>
+              <a:ext cx="884" cy="360040"/>
+            </a:xfrm>
+            <a:prstGeom prst="straightConnector1">
+              <a:avLst/>
+            </a:prstGeom>
+            <a:grpFill/>
+            <a:ln w="25400">
+              <a:solidFill>
+                <a:schemeClr val="tx1"/>
+              </a:solidFill>
+              <a:tailEnd type="arrow"/>
+            </a:ln>
+          </p:spPr>
+          <p:style>
+            <a:lnRef idx="1">
+              <a:schemeClr val="accent1"/>
+            </a:lnRef>
+            <a:fillRef idx="0">
+              <a:schemeClr val="accent1"/>
+            </a:fillRef>
+            <a:effectRef idx="0">
+              <a:schemeClr val="accent1"/>
+            </a:effectRef>
+            <a:fontRef idx="minor">
+              <a:schemeClr val="tx1"/>
+            </a:fontRef>
+          </p:style>
+        </p:cxnSp>
+        <p:sp>
+          <p:nvSpPr>
+            <p:cNvPr id="61" name="Rectangle 60"/>
+            <p:cNvSpPr/>
+            <p:nvPr/>
+          </p:nvSpPr>
+          <p:spPr>
+            <a:xfrm>
+              <a:off x="1189392" y="3068960"/>
+              <a:ext cx="1728192" cy="783296"/>
+            </a:xfrm>
+            <a:prstGeom prst="rect">
+              <a:avLst/>
+            </a:prstGeom>
+            <a:grpFill/>
+            <a:ln>
+              <a:solidFill>
+                <a:schemeClr val="tx1"/>
+              </a:solidFill>
+            </a:ln>
+          </p:spPr>
+          <p:style>
+            <a:lnRef idx="2">
+              <a:schemeClr val="accent1">
+                <a:shade val="50000"/>
+              </a:schemeClr>
+            </a:lnRef>
+            <a:fillRef idx="1">
+              <a:schemeClr val="accent1"/>
+            </a:fillRef>
+            <a:effectRef idx="0">
+              <a:schemeClr val="accent1"/>
+            </a:effectRef>
+            <a:fontRef idx="minor">
+              <a:schemeClr val="lt1"/>
+            </a:fontRef>
+          </p:style>
+          <p:txBody>
+            <a:bodyPr rtlCol="0" anchor="ctr"/>
+            <a:lstStyle/>
+            <a:p>
+              <a:pPr algn="ctr"/>
+              <a:r>
+                <a:rPr lang="en-US" dirty="0" smtClean="0">
+                  <a:solidFill>
+                    <a:schemeClr val="tx1"/>
+                  </a:solidFill>
+                </a:rPr>
+                <a:t>…</a:t>
+              </a:r>
+              <a:endParaRPr lang="en-US" dirty="0">
+                <a:solidFill>
+                  <a:schemeClr val="tx1"/>
+                </a:solidFill>
+              </a:endParaRPr>
+            </a:p>
+          </p:txBody>
+        </p:sp>
+      </p:grpSp>
+      <p:grpSp>
+        <p:nvGrpSpPr>
+          <p:cNvPr id="62" name="Group 47"/>
+          <p:cNvGrpSpPr/>
+          <p:nvPr/>
+        </p:nvGrpSpPr>
+        <p:grpSpPr>
+          <a:xfrm>
+            <a:off x="7752867" y="5084953"/>
+            <a:ext cx="1728192" cy="1152128"/>
+            <a:chOff x="1189392" y="3068960"/>
+            <a:chExt cx="1728192" cy="1152128"/>
+          </a:xfrm>
+          <a:solidFill>
+            <a:schemeClr val="bg1"/>
+          </a:solidFill>
+        </p:grpSpPr>
+        <p:cxnSp>
+          <p:nvCxnSpPr>
+            <p:cNvPr id="63" name="Straight Arrow Connector 49"/>
+            <p:cNvCxnSpPr/>
+            <p:nvPr/>
+          </p:nvCxnSpPr>
+          <p:spPr>
+            <a:xfrm flipH="1">
+              <a:off x="2050836" y="3861048"/>
+              <a:ext cx="884" cy="360040"/>
+            </a:xfrm>
+            <a:prstGeom prst="straightConnector1">
+              <a:avLst/>
+            </a:prstGeom>
+            <a:grpFill/>
+            <a:ln w="25400">
+              <a:solidFill>
+                <a:schemeClr val="tx1"/>
+              </a:solidFill>
+              <a:tailEnd type="arrow"/>
+            </a:ln>
+          </p:spPr>
+          <p:style>
+            <a:lnRef idx="1">
+              <a:schemeClr val="accent1"/>
+            </a:lnRef>
+            <a:fillRef idx="0">
+              <a:schemeClr val="accent1"/>
+            </a:fillRef>
+            <a:effectRef idx="0">
+              <a:schemeClr val="accent1"/>
+            </a:effectRef>
+            <a:fontRef idx="minor">
+              <a:schemeClr val="tx1"/>
+            </a:fontRef>
+          </p:style>
+        </p:cxnSp>
+        <p:sp>
+          <p:nvSpPr>
+            <p:cNvPr id="64" name="Rectangle 63"/>
+            <p:cNvSpPr/>
+            <p:nvPr/>
+          </p:nvSpPr>
+          <p:spPr>
+            <a:xfrm>
+              <a:off x="1189392" y="3068960"/>
+              <a:ext cx="1728192" cy="783296"/>
+            </a:xfrm>
+            <a:prstGeom prst="rect">
+              <a:avLst/>
+            </a:prstGeom>
+            <a:grpFill/>
+            <a:ln>
+              <a:solidFill>
+                <a:schemeClr val="tx1"/>
+              </a:solidFill>
+            </a:ln>
+          </p:spPr>
+          <p:style>
+            <a:lnRef idx="2">
+              <a:schemeClr val="accent1">
+                <a:shade val="50000"/>
+              </a:schemeClr>
+            </a:lnRef>
+            <a:fillRef idx="1">
+              <a:schemeClr val="accent1"/>
+            </a:fillRef>
+            <a:effectRef idx="0">
+              <a:schemeClr val="accent1"/>
+            </a:effectRef>
+            <a:fontRef idx="minor">
+              <a:schemeClr val="lt1"/>
+            </a:fontRef>
+          </p:style>
+          <p:txBody>
+            <a:bodyPr rtlCol="0" anchor="ctr"/>
+            <a:lstStyle/>
+            <a:p>
+              <a:pPr algn="ctr"/>
+              <a:r>
+                <a:rPr lang="en-US" dirty="0" smtClean="0">
+                  <a:solidFill>
+                    <a:schemeClr val="tx1"/>
+                  </a:solidFill>
+                </a:rPr>
+                <a:t>...</a:t>
+              </a:r>
+              <a:endParaRPr lang="en-US" dirty="0">
+                <a:solidFill>
+                  <a:schemeClr val="tx1"/>
+                </a:solidFill>
+              </a:endParaRPr>
+            </a:p>
+          </p:txBody>
+        </p:sp>
+      </p:grpSp>
+      <p:pic>
+        <p:nvPicPr>
+          <p:cNvPr id="65" name="Picture 17"/>
+          <p:cNvPicPr>
+            <a:picLocks noChangeAspect="1"/>
+          </p:cNvPicPr>
+          <p:nvPr/>
+        </p:nvPicPr>
+        <p:blipFill>
+          <a:blip r:embed="rId2" cstate="print">
+            <a:extLst>
+              <a:ext uri="{28A0092B-C50C-407E-A947-70E740481C1C}">
+                <a14:useLocalDpi xmlns:a14="http://schemas.microsoft.com/office/drawing/2010/main" val="0"/>
+              </a:ext>
+            </a:extLst>
+          </a:blip>
+          <a:stretch>
+            <a:fillRect/>
+          </a:stretch>
+        </p:blipFill>
+        <p:spPr>
+          <a:xfrm>
+            <a:off x="2256777" y="4075901"/>
+            <a:ext cx="785684" cy="792731"/>
+          </a:xfrm>
+          <a:prstGeom prst="rect">
+            <a:avLst/>
+          </a:prstGeom>
+        </p:spPr>
+      </p:pic>
+      <p:pic>
+        <p:nvPicPr>
+          <p:cNvPr id="66" name="Picture 17"/>
+          <p:cNvPicPr>
+            <a:picLocks noChangeAspect="1"/>
+          </p:cNvPicPr>
+          <p:nvPr/>
+        </p:nvPicPr>
+        <p:blipFill>
+          <a:blip r:embed="rId2" cstate="print">
+            <a:extLst>
+              <a:ext uri="{28A0092B-C50C-407E-A947-70E740481C1C}">
+                <a14:useLocalDpi xmlns:a14="http://schemas.microsoft.com/office/drawing/2010/main" val="0"/>
+              </a:ext>
+            </a:extLst>
+          </a:blip>
+          <a:stretch>
+            <a:fillRect/>
+          </a:stretch>
+        </p:blipFill>
+        <p:spPr>
+          <a:xfrm>
+            <a:off x="2256777" y="5920641"/>
+            <a:ext cx="785684" cy="792731"/>
+          </a:xfrm>
+          <a:prstGeom prst="rect">
+            <a:avLst/>
+          </a:prstGeom>
+        </p:spPr>
+      </p:pic>
+      <p:pic>
+        <p:nvPicPr>
+          <p:cNvPr id="67" name="Picture 17"/>
+          <p:cNvPicPr>
+            <a:picLocks noChangeAspect="1"/>
+          </p:cNvPicPr>
+          <p:nvPr/>
+        </p:nvPicPr>
+        <p:blipFill>
+          <a:blip r:embed="rId2" cstate="print">
+            <a:extLst>
+              <a:ext uri="{28A0092B-C50C-407E-A947-70E740481C1C}">
+                <a14:useLocalDpi xmlns:a14="http://schemas.microsoft.com/office/drawing/2010/main" val="0"/>
+              </a:ext>
+            </a:extLst>
+          </a:blip>
+          <a:stretch>
+            <a:fillRect/>
+          </a:stretch>
+        </p:blipFill>
+        <p:spPr>
+          <a:xfrm>
+            <a:off x="5209105" y="4056703"/>
+            <a:ext cx="785684" cy="792731"/>
+          </a:xfrm>
+          <a:prstGeom prst="rect">
+            <a:avLst/>
+          </a:prstGeom>
+        </p:spPr>
+      </p:pic>
+      <p:pic>
+        <p:nvPicPr>
+          <p:cNvPr id="68" name="Picture 17"/>
+          <p:cNvPicPr>
+            <a:picLocks noChangeAspect="1"/>
+          </p:cNvPicPr>
+          <p:nvPr/>
+        </p:nvPicPr>
+        <p:blipFill>
+          <a:blip r:embed="rId2" cstate="print">
+            <a:extLst>
+              <a:ext uri="{28A0092B-C50C-407E-A947-70E740481C1C}">
+                <a14:useLocalDpi xmlns:a14="http://schemas.microsoft.com/office/drawing/2010/main" val="0"/>
+              </a:ext>
+            </a:extLst>
+          </a:blip>
+          <a:stretch>
+            <a:fillRect/>
+          </a:stretch>
+        </p:blipFill>
+        <p:spPr>
+          <a:xfrm>
+            <a:off x="5209105" y="5901443"/>
+            <a:ext cx="785684" cy="792731"/>
+          </a:xfrm>
+          <a:prstGeom prst="rect">
+            <a:avLst/>
+          </a:prstGeom>
+        </p:spPr>
+      </p:pic>
+      <p:pic>
+        <p:nvPicPr>
+          <p:cNvPr id="69" name="Picture 17"/>
+          <p:cNvPicPr>
+            <a:picLocks noChangeAspect="1"/>
+          </p:cNvPicPr>
+          <p:nvPr/>
+        </p:nvPicPr>
+        <p:blipFill>
+          <a:blip r:embed="rId2" cstate="print">
+            <a:extLst>
+              <a:ext uri="{28A0092B-C50C-407E-A947-70E740481C1C}">
+                <a14:useLocalDpi xmlns:a14="http://schemas.microsoft.com/office/drawing/2010/main" val="0"/>
+              </a:ext>
+            </a:extLst>
+          </a:blip>
+          <a:stretch>
+            <a:fillRect/>
+          </a:stretch>
+        </p:blipFill>
+        <p:spPr>
+          <a:xfrm>
+            <a:off x="8247342" y="4075901"/>
+            <a:ext cx="785684" cy="792731"/>
+          </a:xfrm>
+          <a:prstGeom prst="rect">
+            <a:avLst/>
+          </a:prstGeom>
+        </p:spPr>
+      </p:pic>
+      <p:pic>
+        <p:nvPicPr>
+          <p:cNvPr id="70" name="Picture 17"/>
+          <p:cNvPicPr>
+            <a:picLocks noChangeAspect="1"/>
+          </p:cNvPicPr>
+          <p:nvPr/>
+        </p:nvPicPr>
+        <p:blipFill>
+          <a:blip r:embed="rId2" cstate="print">
+            <a:extLst>
+              <a:ext uri="{28A0092B-C50C-407E-A947-70E740481C1C}">
+                <a14:useLocalDpi xmlns:a14="http://schemas.microsoft.com/office/drawing/2010/main" val="0"/>
+              </a:ext>
+            </a:extLst>
+          </a:blip>
+          <a:stretch>
+            <a:fillRect/>
+          </a:stretch>
+        </p:blipFill>
+        <p:spPr>
+          <a:xfrm>
+            <a:off x="8247342" y="5920641"/>
+            <a:ext cx="785684" cy="792731"/>
+          </a:xfrm>
+          <a:prstGeom prst="rect">
+            <a:avLst/>
+          </a:prstGeom>
+        </p:spPr>
+      </p:pic>
+    </p:spTree>
+    <p:extLst>
+      <p:ext uri="{BB962C8B-B14F-4D97-AF65-F5344CB8AC3E}">
+        <p14:creationId xmlns:p14="http://schemas.microsoft.com/office/powerpoint/2010/main" val="3997533935"/>
+      </p:ext>
+    </p:extLst>
+  </p:cSld>
+  <p:clrMapOvr>
+    <a:masterClrMapping/>
+  </p:clrMapOvr>
+  <p:timing>
+    <p:tnLst>
+      <p:par>
+        <p:cTn id="1" dur="indefinite" restart="never" nodeType="tmRoot"/>
+      </p:par>
+    </p:tnLst>
+  </p:timing>
+</p:sld>
+</file>
+
+<file path=ppt/slides/slide13.xml><?xml version="1.0" encoding="utf-8"?>
+<p:sld xmlns:a="http://schemas.openxmlformats.org/drawingml/2006/main" xmlns:r="http://schemas.openxmlformats.org/officeDocument/2006/relationships" xmlns:p="http://schemas.openxmlformats.org/presentationml/2006/main">
+  <p:cSld>
+    <p:spTree>
+      <p:nvGrpSpPr>
+        <p:cNvPr id="1" name=""/>
+        <p:cNvGrpSpPr/>
+        <p:nvPr/>
+      </p:nvGrpSpPr>
+      <p:grpSpPr>
+        <a:xfrm>
+          <a:off x="0" y="0"/>
+          <a:ext cx="0" cy="0"/>
+          <a:chOff x="0" y="0"/>
+          <a:chExt cx="0" cy="0"/>
+        </a:xfrm>
+      </p:grpSpPr>
+      <p:sp>
+        <p:nvSpPr>
+          <p:cNvPr id="2" name="Titre 1"/>
+          <p:cNvSpPr>
+            <a:spLocks noGrp="1"/>
+          </p:cNvSpPr>
+          <p:nvPr>
+            <p:ph type="title"/>
+          </p:nvPr>
+        </p:nvSpPr>
+        <p:spPr/>
+        <p:txBody>
+          <a:bodyPr/>
+          <a:lstStyle/>
+          <a:p>
+            <a:r>
+              <a:rPr lang="fr-CA" dirty="0" smtClean="0"/>
+              <a:t>Caribou model</a:t>
+            </a:r>
+            <a:endParaRPr lang="fr-CA" dirty="0"/>
+          </a:p>
+        </p:txBody>
+      </p:sp>
+      <p:sp>
+        <p:nvSpPr>
+          <p:cNvPr id="3" name="Espace réservé du contenu 2"/>
+          <p:cNvSpPr>
+            <a:spLocks noGrp="1"/>
+          </p:cNvSpPr>
+          <p:nvPr>
+            <p:ph idx="1"/>
+          </p:nvPr>
+        </p:nvSpPr>
+        <p:spPr>
+          <a:xfrm>
+            <a:off x="677334" y="1450429"/>
+            <a:ext cx="10158832" cy="4590934"/>
+          </a:xfrm>
+        </p:spPr>
+        <p:txBody>
+          <a:bodyPr>
+            <a:normAutofit/>
+          </a:bodyPr>
+          <a:lstStyle/>
+          <a:p>
+            <a:r>
+              <a:rPr lang="fr-CA" sz="2400" dirty="0">
+                <a:solidFill>
+                  <a:schemeClr val="tx1"/>
+                </a:solidFill>
+              </a:rPr>
+              <a:t>6 </a:t>
+            </a:r>
+            <a:r>
+              <a:rPr lang="fr-CA" sz="2400" dirty="0" err="1" smtClean="0">
+                <a:solidFill>
+                  <a:schemeClr val="tx1"/>
+                </a:solidFill>
+              </a:rPr>
+              <a:t>movement</a:t>
+            </a:r>
+            <a:r>
+              <a:rPr lang="fr-CA" sz="2400" dirty="0" smtClean="0">
+                <a:solidFill>
+                  <a:schemeClr val="tx1"/>
+                </a:solidFill>
+              </a:rPr>
+              <a:t> </a:t>
+            </a:r>
+            <a:r>
+              <a:rPr lang="fr-CA" sz="2400" dirty="0" err="1" smtClean="0">
+                <a:solidFill>
+                  <a:schemeClr val="tx1"/>
+                </a:solidFill>
+              </a:rPr>
+              <a:t>hypotheses</a:t>
+            </a:r>
+            <a:r>
+              <a:rPr lang="fr-CA" sz="2400" dirty="0" smtClean="0">
+                <a:solidFill>
+                  <a:schemeClr val="tx1"/>
+                </a:solidFill>
+              </a:rPr>
+              <a:t> = </a:t>
+            </a:r>
+            <a:r>
+              <a:rPr lang="fr-CA" sz="2400" dirty="0">
+                <a:solidFill>
+                  <a:schemeClr val="tx1"/>
+                </a:solidFill>
+              </a:rPr>
+              <a:t>6 </a:t>
+            </a:r>
+            <a:r>
+              <a:rPr lang="fr-CA" sz="2400" dirty="0" err="1" smtClean="0">
+                <a:solidFill>
+                  <a:schemeClr val="tx1"/>
+                </a:solidFill>
+              </a:rPr>
+              <a:t>different</a:t>
+            </a:r>
+            <a:r>
+              <a:rPr lang="fr-CA" sz="2400" dirty="0" smtClean="0">
+                <a:solidFill>
+                  <a:schemeClr val="tx1"/>
+                </a:solidFill>
+              </a:rPr>
+              <a:t> </a:t>
+            </a:r>
+            <a:r>
+              <a:rPr lang="fr-CA" sz="2400" dirty="0" err="1" smtClean="0">
+                <a:solidFill>
+                  <a:schemeClr val="tx1"/>
+                </a:solidFill>
+              </a:rPr>
+              <a:t>models</a:t>
+            </a:r>
+            <a:endParaRPr lang="fr-CA" sz="2400" dirty="0">
+              <a:solidFill>
+                <a:schemeClr val="tx1"/>
+              </a:solidFill>
+            </a:endParaRPr>
+          </a:p>
+          <a:p>
+            <a:r>
+              <a:rPr lang="fr-CA" sz="2400" dirty="0" err="1" smtClean="0">
+                <a:solidFill>
+                  <a:schemeClr val="tx1"/>
+                </a:solidFill>
+              </a:rPr>
+              <a:t>Each</a:t>
+            </a:r>
+            <a:r>
+              <a:rPr lang="fr-CA" sz="2400" dirty="0" smtClean="0">
+                <a:solidFill>
+                  <a:schemeClr val="tx1"/>
+                </a:solidFill>
+              </a:rPr>
+              <a:t> model </a:t>
+            </a:r>
+            <a:r>
+              <a:rPr lang="fr-CA" sz="2400" dirty="0" err="1" smtClean="0">
+                <a:solidFill>
+                  <a:schemeClr val="tx1"/>
+                </a:solidFill>
+              </a:rPr>
+              <a:t>parameterized</a:t>
+            </a:r>
+            <a:r>
+              <a:rPr lang="fr-CA" sz="2400" dirty="0" smtClean="0">
+                <a:solidFill>
+                  <a:schemeClr val="tx1"/>
+                </a:solidFill>
+              </a:rPr>
+              <a:t> </a:t>
+            </a:r>
+            <a:r>
+              <a:rPr lang="fr-CA" sz="2400" dirty="0" err="1" smtClean="0">
+                <a:solidFill>
+                  <a:schemeClr val="tx1"/>
+                </a:solidFill>
+              </a:rPr>
+              <a:t>using</a:t>
+            </a:r>
+            <a:r>
+              <a:rPr lang="fr-CA" sz="2400" dirty="0" smtClean="0">
+                <a:solidFill>
+                  <a:schemeClr val="tx1"/>
+                </a:solidFill>
+              </a:rPr>
+              <a:t> pattern-</a:t>
+            </a:r>
+            <a:r>
+              <a:rPr lang="fr-CA" sz="2400" dirty="0" err="1" smtClean="0">
+                <a:solidFill>
+                  <a:schemeClr val="tx1"/>
+                </a:solidFill>
+              </a:rPr>
+              <a:t>oriented</a:t>
+            </a:r>
+            <a:r>
+              <a:rPr lang="fr-CA" sz="2400" dirty="0" smtClean="0">
+                <a:solidFill>
+                  <a:schemeClr val="tx1"/>
+                </a:solidFill>
+              </a:rPr>
+              <a:t> </a:t>
+            </a:r>
+            <a:r>
+              <a:rPr lang="fr-CA" sz="2400" dirty="0" err="1" smtClean="0">
+                <a:solidFill>
+                  <a:schemeClr val="tx1"/>
+                </a:solidFill>
+              </a:rPr>
+              <a:t>modelling</a:t>
+            </a:r>
+            <a:r>
+              <a:rPr lang="fr-CA" sz="2400" dirty="0" smtClean="0">
+                <a:solidFill>
+                  <a:schemeClr val="tx1"/>
+                </a:solidFill>
+              </a:rPr>
+              <a:t> </a:t>
+            </a:r>
+            <a:r>
+              <a:rPr lang="fr-CA" sz="2400" dirty="0">
+                <a:solidFill>
+                  <a:schemeClr val="tx1"/>
+                </a:solidFill>
+              </a:rPr>
+              <a:t>(POM)</a:t>
+            </a:r>
+          </a:p>
+          <a:p>
             <a:r>
               <a:rPr lang="fr-CA" sz="2400" dirty="0" err="1" smtClean="0">
                 <a:solidFill>
@@ -9786,9 +11336,9 @@
               <a:avLst/>
             </a:prstGeom>
             <a:grpFill/>
-            <a:ln>
+            <a:ln w="57150">
               <a:solidFill>
-                <a:schemeClr val="tx1"/>
+                <a:srgbClr val="92D050"/>
               </a:solidFill>
             </a:ln>
           </p:spPr>
@@ -9900,119 +11450,6 @@
             </a:prstGeom>
             <a:grpFill/>
             <a:ln>
-              <a:solidFill>
-                <a:schemeClr val="tx1"/>
-              </a:solidFill>
-            </a:ln>
-          </p:spPr>
-          <p:style>
-            <a:lnRef idx="2">
-              <a:schemeClr val="accent1">
-                <a:shade val="50000"/>
-              </a:schemeClr>
-            </a:lnRef>
-            <a:fillRef idx="1">
-              <a:schemeClr val="accent1"/>
-            </a:fillRef>
-            <a:effectRef idx="0">
-              <a:schemeClr val="accent1"/>
-            </a:effectRef>
-            <a:fontRef idx="minor">
-              <a:schemeClr val="lt1"/>
-            </a:fontRef>
-          </p:style>
-          <p:txBody>
-            <a:bodyPr rtlCol="0" anchor="ctr"/>
-            <a:lstStyle/>
-            <a:p>
-              <a:pPr algn="ctr"/>
-              <a:r>
-                <a:rPr lang="en-US" dirty="0" smtClean="0">
-                  <a:solidFill>
-                    <a:schemeClr val="tx1"/>
-                  </a:solidFill>
-                </a:rPr>
-                <a:t>…</a:t>
-              </a:r>
-              <a:endParaRPr lang="en-US" dirty="0">
-                <a:solidFill>
-                  <a:schemeClr val="tx1"/>
-                </a:solidFill>
-              </a:endParaRPr>
-            </a:p>
-          </p:txBody>
-        </p:sp>
-      </p:grpSp>
-      <p:grpSp>
-        <p:nvGrpSpPr>
-          <p:cNvPr id="47" name="Group 43"/>
-          <p:cNvGrpSpPr/>
-          <p:nvPr/>
-        </p:nvGrpSpPr>
-        <p:grpSpPr>
-          <a:xfrm>
-            <a:off x="4728531" y="5084953"/>
-            <a:ext cx="1728192" cy="1152128"/>
-            <a:chOff x="1189392" y="3068960"/>
-            <a:chExt cx="1728192" cy="1152128"/>
-          </a:xfrm>
-          <a:solidFill>
-            <a:schemeClr val="bg1"/>
-          </a:solidFill>
-        </p:grpSpPr>
-        <p:cxnSp>
-          <p:nvCxnSpPr>
-            <p:cNvPr id="48" name="Straight Arrow Connector 45"/>
-            <p:cNvCxnSpPr/>
-            <p:nvPr/>
-          </p:nvCxnSpPr>
-          <p:spPr>
-            <a:xfrm flipH="1">
-              <a:off x="2050836" y="3861048"/>
-              <a:ext cx="884" cy="360040"/>
-            </a:xfrm>
-            <a:prstGeom prst="straightConnector1">
-              <a:avLst/>
-            </a:prstGeom>
-            <a:grpFill/>
-            <a:ln w="25400">
-              <a:solidFill>
-                <a:schemeClr val="tx1"/>
-              </a:solidFill>
-              <a:tailEnd type="arrow"/>
-            </a:ln>
-          </p:spPr>
-          <p:style>
-            <a:lnRef idx="1">
-              <a:schemeClr val="accent1"/>
-            </a:lnRef>
-            <a:fillRef idx="0">
-              <a:schemeClr val="accent1"/>
-            </a:fillRef>
-            <a:effectRef idx="0">
-              <a:schemeClr val="accent1"/>
-            </a:effectRef>
-            <a:fontRef idx="minor">
-              <a:schemeClr val="tx1"/>
-            </a:fontRef>
-          </p:style>
-        </p:cxnSp>
-        <p:sp>
-          <p:nvSpPr>
-            <p:cNvPr id="49" name="Rectangle 48"/>
-            <p:cNvSpPr/>
-            <p:nvPr/>
-          </p:nvSpPr>
-          <p:spPr>
-            <a:xfrm>
-              <a:off x="1189392" y="3068960"/>
-              <a:ext cx="1728192" cy="783296"/>
-            </a:xfrm>
-            <a:prstGeom prst="rect">
-              <a:avLst/>
-            </a:prstGeom>
-            <a:grpFill/>
-            <a:ln w="57150">
               <a:solidFill>
                 <a:schemeClr val="tx1"/>
               </a:solidFill>
@@ -10261,36 +11698,6 @@
       </p:pic>
       <p:pic>
         <p:nvPicPr>
-          <p:cNvPr id="56" name="Picture 17"/>
-          <p:cNvPicPr>
-            <a:picLocks noChangeAspect="1"/>
-          </p:cNvPicPr>
-          <p:nvPr/>
-        </p:nvPicPr>
-        <p:blipFill>
-          <a:blip r:embed="rId2" cstate="print">
-            <a:extLst>
-              <a:ext uri="{28A0092B-C50C-407E-A947-70E740481C1C}">
-                <a14:useLocalDpi xmlns:a14="http://schemas.microsoft.com/office/drawing/2010/main" val="0"/>
-              </a:ext>
-            </a:extLst>
-          </a:blip>
-          <a:stretch>
-            <a:fillRect/>
-          </a:stretch>
-        </p:blipFill>
-        <p:spPr>
-          <a:xfrm>
-            <a:off x="5209105" y="5901443"/>
-            <a:ext cx="785684" cy="792731"/>
-          </a:xfrm>
-          <a:prstGeom prst="rect">
-            <a:avLst/>
-          </a:prstGeom>
-        </p:spPr>
-      </p:pic>
-      <p:pic>
-        <p:nvPicPr>
           <p:cNvPr id="57" name="Picture 17"/>
           <p:cNvPicPr>
             <a:picLocks noChangeAspect="1"/>
@@ -10349,6 +11756,149 @@
           </a:prstGeom>
         </p:spPr>
       </p:pic>
+      <p:grpSp>
+        <p:nvGrpSpPr>
+          <p:cNvPr id="29" name="Group 39"/>
+          <p:cNvGrpSpPr/>
+          <p:nvPr/>
+        </p:nvGrpSpPr>
+        <p:grpSpPr>
+          <a:xfrm>
+            <a:off x="4737851" y="5081805"/>
+            <a:ext cx="1728192" cy="1152128"/>
+            <a:chOff x="1189392" y="3068960"/>
+            <a:chExt cx="1728192" cy="1152128"/>
+          </a:xfrm>
+          <a:solidFill>
+            <a:schemeClr val="bg1"/>
+          </a:solidFill>
+        </p:grpSpPr>
+        <p:cxnSp>
+          <p:nvCxnSpPr>
+            <p:cNvPr id="30" name="Straight Arrow Connector 41"/>
+            <p:cNvCxnSpPr/>
+            <p:nvPr/>
+          </p:nvCxnSpPr>
+          <p:spPr>
+            <a:xfrm flipH="1">
+              <a:off x="2050836" y="3861048"/>
+              <a:ext cx="884" cy="360040"/>
+            </a:xfrm>
+            <a:prstGeom prst="straightConnector1">
+              <a:avLst/>
+            </a:prstGeom>
+            <a:grpFill/>
+            <a:ln w="25400">
+              <a:solidFill>
+                <a:schemeClr val="tx1"/>
+              </a:solidFill>
+              <a:tailEnd type="arrow"/>
+            </a:ln>
+          </p:spPr>
+          <p:style>
+            <a:lnRef idx="1">
+              <a:schemeClr val="accent1"/>
+            </a:lnRef>
+            <a:fillRef idx="0">
+              <a:schemeClr val="accent1"/>
+            </a:fillRef>
+            <a:effectRef idx="0">
+              <a:schemeClr val="accent1"/>
+            </a:effectRef>
+            <a:fontRef idx="minor">
+              <a:schemeClr val="tx1"/>
+            </a:fontRef>
+          </p:style>
+        </p:cxnSp>
+        <p:sp>
+          <p:nvSpPr>
+            <p:cNvPr id="31" name="Rectangle 30"/>
+            <p:cNvSpPr/>
+            <p:nvPr/>
+          </p:nvSpPr>
+          <p:spPr>
+            <a:xfrm>
+              <a:off x="1189392" y="3068960"/>
+              <a:ext cx="1728192" cy="783296"/>
+            </a:xfrm>
+            <a:prstGeom prst="rect">
+              <a:avLst/>
+            </a:prstGeom>
+            <a:grpFill/>
+            <a:ln>
+              <a:solidFill>
+                <a:schemeClr val="tx1"/>
+              </a:solidFill>
+            </a:ln>
+          </p:spPr>
+          <p:style>
+            <a:lnRef idx="2">
+              <a:schemeClr val="accent1">
+                <a:shade val="50000"/>
+              </a:schemeClr>
+            </a:lnRef>
+            <a:fillRef idx="1">
+              <a:schemeClr val="accent1"/>
+            </a:fillRef>
+            <a:effectRef idx="0">
+              <a:schemeClr val="accent1"/>
+            </a:effectRef>
+            <a:fontRef idx="minor">
+              <a:schemeClr val="lt1"/>
+            </a:fontRef>
+          </p:style>
+          <p:txBody>
+            <a:bodyPr rtlCol="0" anchor="ctr"/>
+            <a:lstStyle/>
+            <a:p>
+              <a:pPr algn="ctr"/>
+              <a:r>
+                <a:rPr lang="en-US" dirty="0" smtClean="0">
+                  <a:solidFill>
+                    <a:schemeClr val="tx1"/>
+                  </a:solidFill>
+                </a:rPr>
+                <a:t>…</a:t>
+              </a:r>
+              <a:endParaRPr lang="en-US" dirty="0">
+                <a:solidFill>
+                  <a:schemeClr val="tx1"/>
+                </a:solidFill>
+              </a:endParaRPr>
+            </a:p>
+          </p:txBody>
+        </p:sp>
+      </p:grpSp>
+      <p:pic>
+        <p:nvPicPr>
+          <p:cNvPr id="32" name="Picture 17"/>
+          <p:cNvPicPr>
+            <a:picLocks noChangeAspect="1"/>
+          </p:cNvPicPr>
+          <p:nvPr/>
+        </p:nvPicPr>
+        <p:blipFill>
+          <a:blip r:embed="rId2" cstate="print">
+            <a:extLst>
+              <a:ext uri="{28A0092B-C50C-407E-A947-70E740481C1C}">
+                <a14:useLocalDpi xmlns:a14="http://schemas.microsoft.com/office/drawing/2010/main" val="0"/>
+              </a:ext>
+            </a:extLst>
+          </a:blip>
+          <a:stretch>
+            <a:fillRect/>
+          </a:stretch>
+        </p:blipFill>
+        <p:spPr>
+          <a:xfrm>
+            <a:off x="5218425" y="5917493"/>
+            <a:ext cx="785684" cy="792731"/>
+          </a:xfrm>
+          <a:prstGeom prst="rect">
+            <a:avLst/>
+          </a:prstGeom>
+        </p:spPr>
+      </p:pic>
     </p:spTree>
     <p:extLst>
       <p:ext uri="{BB962C8B-B14F-4D97-AF65-F5344CB8AC3E}">
@@ -10369,7 +11919,7 @@
 </p:sld>
 </file>
 
-<file path=ppt/slides/slide13.xml><?xml version="1.0" encoding="utf-8"?>
+<file path=ppt/slides/slide14.xml><?xml version="1.0" encoding="utf-8"?>
 <p:sld xmlns:a="http://schemas.openxmlformats.org/drawingml/2006/main" xmlns:r="http://schemas.openxmlformats.org/officeDocument/2006/relationships" xmlns:p="http://schemas.openxmlformats.org/presentationml/2006/main">
   <p:cSld>
     <p:spTree>
@@ -10441,7 +11991,9 @@
           </a:xfrm>
         </p:spPr>
         <p:txBody>
-          <a:bodyPr/>
+          <a:bodyPr>
+            <a:normAutofit/>
+          </a:bodyPr>
           <a:lstStyle/>
           <a:p>
             <a:r>
@@ -10517,8 +12069,42 @@
             </a:r>
             <a:r>
               <a:rPr lang="en-US" dirty="0" smtClean="0"/>
-              <a:t> models ”</a:t>
-            </a:r>
+              <a:t> models </a:t>
+            </a:r>
+            <a:r>
+              <a:rPr lang="en-US" dirty="0" smtClean="0"/>
+              <a:t>”</a:t>
+            </a:r>
+          </a:p>
+          <a:p>
+            <a:pPr lvl="1"/>
+            <a:endParaRPr lang="en-US" dirty="0"/>
+          </a:p>
+          <a:p>
+            <a:r>
+              <a:rPr lang="en-CA" dirty="0"/>
+              <a:t>Two methods</a:t>
+            </a:r>
+          </a:p>
+          <a:p>
+            <a:pPr lvl="1"/>
+            <a:r>
+              <a:rPr lang="en-CA" dirty="0"/>
+              <a:t>Pattern reproduced: keep or reject the model </a:t>
+            </a:r>
+          </a:p>
+          <a:p>
+            <a:pPr lvl="1"/>
+            <a:r>
+              <a:rPr lang="en-CA" dirty="0" smtClean="0"/>
+              <a:t>Select </a:t>
+            </a:r>
+            <a:r>
+              <a:rPr lang="en-CA" dirty="0"/>
+              <a:t>the model best reproducing the pattern</a:t>
+            </a:r>
+          </a:p>
+          <a:p>
             <a:endParaRPr lang="fr-CA" dirty="0"/>
           </a:p>
         </p:txBody>
@@ -10632,10 +12218,151 @@
   <p:clrMapOvr>
     <a:masterClrMapping/>
   </p:clrMapOvr>
+  <p:timing>
+    <p:tnLst>
+      <p:par>
+        <p:cTn id="1" dur="indefinite" restart="never" nodeType="tmRoot">
+          <p:childTnLst>
+            <p:seq concurrent="1" nextAc="seek">
+              <p:cTn id="2" dur="indefinite" nodeType="mainSeq">
+                <p:childTnLst>
+                  <p:par>
+                    <p:cTn id="3" fill="hold">
+                      <p:stCondLst>
+                        <p:cond delay="indefinite"/>
+                      </p:stCondLst>
+                      <p:childTnLst>
+                        <p:par>
+                          <p:cTn id="4" fill="hold">
+                            <p:stCondLst>
+                              <p:cond delay="0"/>
+                            </p:stCondLst>
+                            <p:childTnLst>
+                              <p:par>
+                                <p:cTn id="5" presetID="1" presetClass="entr" presetSubtype="0" fill="hold" nodeType="clickEffect">
+                                  <p:stCondLst>
+                                    <p:cond delay="0"/>
+                                  </p:stCondLst>
+                                  <p:childTnLst>
+                                    <p:set>
+                                      <p:cBhvr>
+                                        <p:cTn id="6" dur="1" fill="hold">
+                                          <p:stCondLst>
+                                            <p:cond delay="0"/>
+                                          </p:stCondLst>
+                                        </p:cTn>
+                                        <p:tgtEl>
+                                          <p:spTgt spid="3">
+                                            <p:txEl>
+                                              <p:pRg st="6" end="6"/>
+                                            </p:txEl>
+                                          </p:spTgt>
+                                        </p:tgtEl>
+                                        <p:attrNameLst>
+                                          <p:attrName>style.visibility</p:attrName>
+                                        </p:attrNameLst>
+                                      </p:cBhvr>
+                                      <p:to>
+                                        <p:strVal val="visible"/>
+                                      </p:to>
+                                    </p:set>
+                                  </p:childTnLst>
+                                </p:cTn>
+                              </p:par>
+                              <p:par>
+                                <p:cTn id="7" presetID="1" presetClass="entr" presetSubtype="0" fill="hold" nodeType="withEffect">
+                                  <p:stCondLst>
+                                    <p:cond delay="0"/>
+                                  </p:stCondLst>
+                                  <p:childTnLst>
+                                    <p:set>
+                                      <p:cBhvr>
+                                        <p:cTn id="8" dur="1" fill="hold">
+                                          <p:stCondLst>
+                                            <p:cond delay="0"/>
+                                          </p:stCondLst>
+                                        </p:cTn>
+                                        <p:tgtEl>
+                                          <p:spTgt spid="3">
+                                            <p:txEl>
+                                              <p:pRg st="7" end="7"/>
+                                            </p:txEl>
+                                          </p:spTgt>
+                                        </p:tgtEl>
+                                        <p:attrNameLst>
+                                          <p:attrName>style.visibility</p:attrName>
+                                        </p:attrNameLst>
+                                      </p:cBhvr>
+                                      <p:to>
+                                        <p:strVal val="visible"/>
+                                      </p:to>
+                                    </p:set>
+                                  </p:childTnLst>
+                                </p:cTn>
+                              </p:par>
+                              <p:par>
+                                <p:cTn id="9" presetID="1" presetClass="entr" presetSubtype="0" fill="hold" nodeType="withEffect">
+                                  <p:stCondLst>
+                                    <p:cond delay="0"/>
+                                  </p:stCondLst>
+                                  <p:childTnLst>
+                                    <p:set>
+                                      <p:cBhvr>
+                                        <p:cTn id="10" dur="1" fill="hold">
+                                          <p:stCondLst>
+                                            <p:cond delay="0"/>
+                                          </p:stCondLst>
+                                        </p:cTn>
+                                        <p:tgtEl>
+                                          <p:spTgt spid="3">
+                                            <p:txEl>
+                                              <p:pRg st="8" end="8"/>
+                                            </p:txEl>
+                                          </p:spTgt>
+                                        </p:tgtEl>
+                                        <p:attrNameLst>
+                                          <p:attrName>style.visibility</p:attrName>
+                                        </p:attrNameLst>
+                                      </p:cBhvr>
+                                      <p:to>
+                                        <p:strVal val="visible"/>
+                                      </p:to>
+                                    </p:set>
+                                  </p:childTnLst>
+                                </p:cTn>
+                              </p:par>
+                            </p:childTnLst>
+                          </p:cTn>
+                        </p:par>
+                      </p:childTnLst>
+                    </p:cTn>
+                  </p:par>
+                </p:childTnLst>
+              </p:cTn>
+              <p:prevCondLst>
+                <p:cond evt="onPrev" delay="0">
+                  <p:tgtEl>
+                    <p:sldTgt/>
+                  </p:tgtEl>
+                </p:cond>
+              </p:prevCondLst>
+              <p:nextCondLst>
+                <p:cond evt="onNext" delay="0">
+                  <p:tgtEl>
+                    <p:sldTgt/>
+                  </p:tgtEl>
+                </p:cond>
+              </p:nextCondLst>
+            </p:seq>
+          </p:childTnLst>
+        </p:cTn>
+      </p:par>
+    </p:tnLst>
+  </p:timing>
 </p:sld>
 </file>
 
-<file path=ppt/slides/slide14.xml><?xml version="1.0" encoding="utf-8"?>
+<file path=ppt/slides/slide15.xml><?xml version="1.0" encoding="utf-8"?>
 <p:sld xmlns:a="http://schemas.openxmlformats.org/drawingml/2006/main" xmlns:r="http://schemas.openxmlformats.org/officeDocument/2006/relationships" xmlns:p="http://schemas.openxmlformats.org/presentationml/2006/main">
   <p:cSld>
     <p:spTree>
@@ -10806,185 +12533,6 @@
 </p:sld>
 </file>
 
-<file path=ppt/slides/slide15.xml><?xml version="1.0" encoding="utf-8"?>
-<p:sld xmlns:a="http://schemas.openxmlformats.org/drawingml/2006/main" xmlns:r="http://schemas.openxmlformats.org/officeDocument/2006/relationships" xmlns:p="http://schemas.openxmlformats.org/presentationml/2006/main">
-  <p:cSld>
-    <p:spTree>
-      <p:nvGrpSpPr>
-        <p:cNvPr id="1" name=""/>
-        <p:cNvGrpSpPr/>
-        <p:nvPr/>
-      </p:nvGrpSpPr>
-      <p:grpSpPr>
-        <a:xfrm>
-          <a:off x="0" y="0"/>
-          <a:ext cx="0" cy="0"/>
-          <a:chOff x="0" y="0"/>
-          <a:chExt cx="0" cy="0"/>
-        </a:xfrm>
-      </p:grpSpPr>
-      <p:sp>
-        <p:nvSpPr>
-          <p:cNvPr id="2" name="Titre 1"/>
-          <p:cNvSpPr>
-            <a:spLocks noGrp="1"/>
-          </p:cNvSpPr>
-          <p:nvPr>
-            <p:ph type="title"/>
-          </p:nvPr>
-        </p:nvSpPr>
-        <p:spPr/>
-        <p:txBody>
-          <a:bodyPr/>
-          <a:lstStyle/>
-          <a:p>
-            <a:r>
-              <a:rPr lang="fr-CA" dirty="0" err="1" smtClean="0"/>
-              <a:t>Comparing</a:t>
-            </a:r>
-            <a:r>
-              <a:rPr lang="fr-CA" dirty="0" smtClean="0"/>
-              <a:t> patterns</a:t>
-            </a:r>
-            <a:endParaRPr lang="fr-FR" dirty="0"/>
-          </a:p>
-        </p:txBody>
-      </p:sp>
-      <p:sp>
-        <p:nvSpPr>
-          <p:cNvPr id="3" name="Espace réservé du contenu 2"/>
-          <p:cNvSpPr>
-            <a:spLocks noGrp="1"/>
-          </p:cNvSpPr>
-          <p:nvPr>
-            <p:ph idx="1"/>
-          </p:nvPr>
-        </p:nvSpPr>
-        <p:spPr>
-          <a:xfrm>
-            <a:off x="677334" y="1682151"/>
-            <a:ext cx="8596668" cy="4359211"/>
-          </a:xfrm>
-        </p:spPr>
-        <p:txBody>
-          <a:bodyPr/>
-          <a:lstStyle/>
-          <a:p>
-            <a:r>
-              <a:rPr lang="fr-CA" dirty="0" err="1" smtClean="0"/>
-              <a:t>Absolute</a:t>
-            </a:r>
-            <a:r>
-              <a:rPr lang="fr-CA" dirty="0" smtClean="0"/>
-              <a:t> </a:t>
-            </a:r>
-            <a:r>
-              <a:rPr lang="fr-CA" dirty="0" err="1" smtClean="0"/>
-              <a:t>deviations</a:t>
-            </a:r>
-            <a:endParaRPr lang="fr-CA" dirty="0" smtClean="0"/>
-          </a:p>
-          <a:p>
-            <a:r>
-              <a:rPr lang="fr-FR" dirty="0" smtClean="0"/>
-              <a:t>Chi-</a:t>
-            </a:r>
-            <a:r>
-              <a:rPr lang="fr-FR" dirty="0" err="1" smtClean="0"/>
-              <a:t>squared</a:t>
-            </a:r>
-            <a:r>
-              <a:rPr lang="fr-FR" dirty="0" smtClean="0"/>
-              <a:t> test</a:t>
-            </a:r>
-          </a:p>
-          <a:p>
-            <a:r>
-              <a:rPr lang="fr-FR" dirty="0"/>
-              <a:t>Kolmogorov–Smirnov </a:t>
-            </a:r>
-            <a:r>
-              <a:rPr lang="fr-FR" dirty="0" smtClean="0"/>
-              <a:t>test</a:t>
-            </a:r>
-          </a:p>
-          <a:p>
-            <a:r>
-              <a:rPr lang="fr-CA" dirty="0" smtClean="0"/>
-              <a:t>POMDEV/POMIC </a:t>
-            </a:r>
-            <a:r>
-              <a:rPr lang="fr-CA" dirty="0" err="1" smtClean="0"/>
-              <a:t>statistics</a:t>
-            </a:r>
-            <a:endParaRPr lang="fr-CA" dirty="0" smtClean="0"/>
-          </a:p>
-          <a:p>
-            <a:r>
-              <a:rPr lang="fr-CA" dirty="0" smtClean="0"/>
-              <a:t>…</a:t>
-            </a:r>
-            <a:endParaRPr lang="fr-FR" dirty="0"/>
-          </a:p>
-        </p:txBody>
-      </p:sp>
-      <p:sp>
-        <p:nvSpPr>
-          <p:cNvPr id="4" name="ZoneTexte 3"/>
-          <p:cNvSpPr txBox="1"/>
-          <p:nvPr/>
-        </p:nvSpPr>
-        <p:spPr>
-          <a:xfrm>
-            <a:off x="8406137" y="6309720"/>
-            <a:ext cx="3685335" cy="369332"/>
-          </a:xfrm>
-          <a:prstGeom prst="rect">
-            <a:avLst/>
-          </a:prstGeom>
-          <a:noFill/>
-        </p:spPr>
-        <p:txBody>
-          <a:bodyPr wrap="square" rtlCol="0">
-            <a:spAutoFit/>
-          </a:bodyPr>
-          <a:lstStyle/>
-          <a:p>
-            <a:pPr algn="r"/>
-            <a:r>
-              <a:rPr lang="nl-NL" dirty="0" err="1" smtClean="0">
-                <a:latin typeface="Times New Roman" panose="02020603050405020304" pitchFamily="18" charset="0"/>
-                <a:cs typeface="Times New Roman" panose="02020603050405020304" pitchFamily="18" charset="0"/>
-              </a:rPr>
-              <a:t>Piou</a:t>
-            </a:r>
-            <a:r>
-              <a:rPr lang="nl-NL" dirty="0" smtClean="0">
-                <a:latin typeface="Times New Roman" panose="02020603050405020304" pitchFamily="18" charset="0"/>
-                <a:cs typeface="Times New Roman" panose="02020603050405020304" pitchFamily="18" charset="0"/>
-              </a:rPr>
-              <a:t> et al. 2009</a:t>
-            </a:r>
-            <a:endParaRPr lang="fr-FR" b="1" dirty="0">
-              <a:latin typeface="Times New Roman" panose="02020603050405020304" pitchFamily="18" charset="0"/>
-              <a:cs typeface="Times New Roman" panose="02020603050405020304" pitchFamily="18" charset="0"/>
-            </a:endParaRPr>
-          </a:p>
-        </p:txBody>
-      </p:sp>
-    </p:spTree>
-    <p:extLst>
-      <p:ext uri="{BB962C8B-B14F-4D97-AF65-F5344CB8AC3E}">
-        <p14:creationId xmlns:p14="http://schemas.microsoft.com/office/powerpoint/2010/main" val="623385203"/>
-      </p:ext>
-    </p:extLst>
-  </p:cSld>
-  <p:clrMapOvr>
-    <a:masterClrMapping/>
-  </p:clrMapOvr>
-</p:sld>
-</file>
-
 <file path=ppt/slides/slide16.xml><?xml version="1.0" encoding="utf-8"?>
 <p:sld xmlns:a="http://schemas.openxmlformats.org/drawingml/2006/main" xmlns:r="http://schemas.openxmlformats.org/officeDocument/2006/relationships" xmlns:p="http://schemas.openxmlformats.org/presentationml/2006/main">
   <p:cSld>
@@ -11019,6 +12567,192 @@
           <a:p>
             <a:r>
               <a:rPr lang="fr-CA" dirty="0" err="1" smtClean="0"/>
+              <a:t>Comparing</a:t>
+            </a:r>
+            <a:r>
+              <a:rPr lang="fr-CA" dirty="0" smtClean="0"/>
+              <a:t> patterns</a:t>
+            </a:r>
+            <a:endParaRPr lang="fr-FR" dirty="0"/>
+          </a:p>
+        </p:txBody>
+      </p:sp>
+      <p:sp>
+        <p:nvSpPr>
+          <p:cNvPr id="3" name="Espace réservé du contenu 2"/>
+          <p:cNvSpPr>
+            <a:spLocks noGrp="1"/>
+          </p:cNvSpPr>
+          <p:nvPr>
+            <p:ph idx="1"/>
+          </p:nvPr>
+        </p:nvSpPr>
+        <p:spPr>
+          <a:xfrm>
+            <a:off x="677334" y="1682151"/>
+            <a:ext cx="8596668" cy="4359211"/>
+          </a:xfrm>
+        </p:spPr>
+        <p:txBody>
+          <a:bodyPr/>
+          <a:lstStyle/>
+          <a:p>
+            <a:r>
+              <a:rPr lang="fr-CA" dirty="0" err="1" smtClean="0"/>
+              <a:t>Absolute</a:t>
+            </a:r>
+            <a:r>
+              <a:rPr lang="fr-CA" dirty="0" smtClean="0"/>
+              <a:t> </a:t>
+            </a:r>
+            <a:r>
+              <a:rPr lang="fr-CA" dirty="0" err="1" smtClean="0"/>
+              <a:t>deviations</a:t>
+            </a:r>
+            <a:endParaRPr lang="fr-CA" dirty="0" smtClean="0"/>
+          </a:p>
+          <a:p>
+            <a:r>
+              <a:rPr lang="fr-FR" dirty="0" smtClean="0"/>
+              <a:t>Chi-</a:t>
+            </a:r>
+            <a:r>
+              <a:rPr lang="fr-FR" dirty="0" err="1" smtClean="0"/>
+              <a:t>squared</a:t>
+            </a:r>
+            <a:r>
+              <a:rPr lang="fr-FR" dirty="0" smtClean="0"/>
+              <a:t> test</a:t>
+            </a:r>
+          </a:p>
+          <a:p>
+            <a:r>
+              <a:rPr lang="fr-FR" dirty="0"/>
+              <a:t>Kolmogorov–Smirnov </a:t>
+            </a:r>
+            <a:r>
+              <a:rPr lang="fr-FR" dirty="0" smtClean="0"/>
+              <a:t>test</a:t>
+            </a:r>
+          </a:p>
+          <a:p>
+            <a:r>
+              <a:rPr lang="fr-CA" dirty="0" smtClean="0"/>
+              <a:t>POMDEV/POMIC </a:t>
+            </a:r>
+            <a:r>
+              <a:rPr lang="fr-CA" dirty="0" err="1" smtClean="0"/>
+              <a:t>statistics</a:t>
+            </a:r>
+            <a:endParaRPr lang="fr-CA" dirty="0" smtClean="0"/>
+          </a:p>
+          <a:p>
+            <a:r>
+              <a:rPr lang="fr-CA" dirty="0" smtClean="0"/>
+              <a:t>…</a:t>
+            </a:r>
+            <a:endParaRPr lang="fr-FR" dirty="0"/>
+          </a:p>
+        </p:txBody>
+      </p:sp>
+      <p:sp>
+        <p:nvSpPr>
+          <p:cNvPr id="4" name="ZoneTexte 3"/>
+          <p:cNvSpPr txBox="1"/>
+          <p:nvPr/>
+        </p:nvSpPr>
+        <p:spPr>
+          <a:xfrm>
+            <a:off x="8406137" y="6309720"/>
+            <a:ext cx="3685335" cy="369332"/>
+          </a:xfrm>
+          <a:prstGeom prst="rect">
+            <a:avLst/>
+          </a:prstGeom>
+          <a:noFill/>
+        </p:spPr>
+        <p:txBody>
+          <a:bodyPr wrap="square" rtlCol="0">
+            <a:spAutoFit/>
+          </a:bodyPr>
+          <a:lstStyle/>
+          <a:p>
+            <a:pPr algn="r"/>
+            <a:r>
+              <a:rPr lang="nl-NL" dirty="0" err="1" smtClean="0">
+                <a:latin typeface="Times New Roman" panose="02020603050405020304" pitchFamily="18" charset="0"/>
+                <a:cs typeface="Times New Roman" panose="02020603050405020304" pitchFamily="18" charset="0"/>
+              </a:rPr>
+              <a:t>Piou</a:t>
+            </a:r>
+            <a:r>
+              <a:rPr lang="nl-NL" dirty="0" smtClean="0">
+                <a:latin typeface="Times New Roman" panose="02020603050405020304" pitchFamily="18" charset="0"/>
+                <a:cs typeface="Times New Roman" panose="02020603050405020304" pitchFamily="18" charset="0"/>
+              </a:rPr>
+              <a:t> et al. 2009</a:t>
+            </a:r>
+            <a:endParaRPr lang="fr-FR" b="1" dirty="0">
+              <a:latin typeface="Times New Roman" panose="02020603050405020304" pitchFamily="18" charset="0"/>
+              <a:cs typeface="Times New Roman" panose="02020603050405020304" pitchFamily="18" charset="0"/>
+            </a:endParaRPr>
+          </a:p>
+        </p:txBody>
+      </p:sp>
+    </p:spTree>
+    <p:extLst>
+      <p:ext uri="{BB962C8B-B14F-4D97-AF65-F5344CB8AC3E}">
+        <p14:creationId xmlns:p14="http://schemas.microsoft.com/office/powerpoint/2010/main" val="623385203"/>
+      </p:ext>
+    </p:extLst>
+  </p:cSld>
+  <p:clrMapOvr>
+    <a:masterClrMapping/>
+  </p:clrMapOvr>
+  <p:timing>
+    <p:tnLst>
+      <p:par>
+        <p:cTn id="1" dur="indefinite" restart="never" nodeType="tmRoot"/>
+      </p:par>
+    </p:tnLst>
+  </p:timing>
+</p:sld>
+</file>
+
+<file path=ppt/slides/slide17.xml><?xml version="1.0" encoding="utf-8"?>
+<p:sld xmlns:a="http://schemas.openxmlformats.org/drawingml/2006/main" xmlns:r="http://schemas.openxmlformats.org/officeDocument/2006/relationships" xmlns:p="http://schemas.openxmlformats.org/presentationml/2006/main">
+  <p:cSld>
+    <p:spTree>
+      <p:nvGrpSpPr>
+        <p:cNvPr id="1" name=""/>
+        <p:cNvGrpSpPr/>
+        <p:nvPr/>
+      </p:nvGrpSpPr>
+      <p:grpSpPr>
+        <a:xfrm>
+          <a:off x="0" y="0"/>
+          <a:ext cx="0" cy="0"/>
+          <a:chOff x="0" y="0"/>
+          <a:chExt cx="0" cy="0"/>
+        </a:xfrm>
+      </p:grpSpPr>
+      <p:sp>
+        <p:nvSpPr>
+          <p:cNvPr id="2" name="Titre 1"/>
+          <p:cNvSpPr>
+            <a:spLocks noGrp="1"/>
+          </p:cNvSpPr>
+          <p:nvPr>
+            <p:ph type="title"/>
+          </p:nvPr>
+        </p:nvSpPr>
+        <p:spPr/>
+        <p:txBody>
+          <a:bodyPr/>
+          <a:lstStyle/>
+          <a:p>
+            <a:r>
+              <a:rPr lang="fr-CA" dirty="0" err="1" smtClean="0"/>
               <a:t>Difficulties</a:t>
             </a:r>
             <a:r>
@@ -11046,7 +12780,9 @@
           </a:xfrm>
         </p:spPr>
         <p:txBody>
-          <a:bodyPr/>
+          <a:bodyPr>
+            <a:normAutofit lnSpcReduction="10000"/>
+          </a:bodyPr>
           <a:lstStyle/>
           <a:p>
             <a:r>
@@ -11055,11 +12791,7 @@
             </a:r>
             <a:r>
               <a:rPr lang="fr-CA" dirty="0" smtClean="0"/>
-              <a:t> </a:t>
-            </a:r>
-            <a:r>
-              <a:rPr lang="fr-CA" dirty="0" smtClean="0"/>
-              <a:t>lots of simulations = </a:t>
+              <a:t> lots of simulations = </a:t>
             </a:r>
             <a:r>
               <a:rPr lang="fr-CA" dirty="0" err="1" smtClean="0"/>
@@ -11171,44 +12903,51 @@
             </a:r>
           </a:p>
           <a:p>
+            <a:endParaRPr lang="en-CA" dirty="0" smtClean="0"/>
+          </a:p>
+          <a:p>
             <a:r>
               <a:rPr lang="en-CA" dirty="0" smtClean="0"/>
-              <a:t>Two methods</a:t>
+              <a:t>Two </a:t>
+            </a:r>
+            <a:r>
+              <a:rPr lang="en-CA" dirty="0"/>
+              <a:t>methods</a:t>
             </a:r>
           </a:p>
           <a:p>
             <a:pPr lvl="1"/>
             <a:r>
-              <a:rPr lang="en-CA" dirty="0" smtClean="0"/>
+              <a:rPr lang="en-CA" dirty="0"/>
               <a:t>Pattern reproduced: keep or reject the model </a:t>
             </a:r>
           </a:p>
           <a:p>
             <a:pPr lvl="2"/>
             <a:r>
-              <a:rPr lang="fr-CA" dirty="0" err="1" smtClean="0"/>
+              <a:rPr lang="fr-CA" dirty="0" err="1"/>
               <a:t>Requires</a:t>
             </a:r>
             <a:r>
-              <a:rPr lang="fr-CA" dirty="0" smtClean="0"/>
+              <a:rPr lang="fr-CA" dirty="0"/>
               <a:t> </a:t>
             </a:r>
             <a:r>
-              <a:rPr lang="en-CA" dirty="0" smtClean="0"/>
+              <a:rPr lang="en-CA" dirty="0"/>
               <a:t>defining a threshold</a:t>
             </a:r>
           </a:p>
           <a:p>
             <a:pPr lvl="1"/>
             <a:r>
-              <a:rPr lang="en-CA" dirty="0" smtClean="0"/>
+              <a:rPr lang="en-CA" dirty="0"/>
               <a:t>Select the model best reproducing the pattern</a:t>
             </a:r>
           </a:p>
           <a:p>
             <a:pPr lvl="2"/>
             <a:r>
-              <a:rPr lang="en-CA" dirty="0" smtClean="0"/>
+              <a:rPr lang="en-CA" dirty="0"/>
               <a:t>But there is always a best one among bad ones</a:t>
             </a:r>
           </a:p>
@@ -11455,37 +13194,6 @@
                                         <p:tgtEl>
                                           <p:spTgt spid="3">
                                             <p:txEl>
-                                              <p:pRg st="8" end="8"/>
-                                            </p:txEl>
-                                          </p:spTgt>
-                                        </p:tgtEl>
-                                        <p:attrNameLst>
-                                          <p:attrName>style.visibility</p:attrName>
-                                        </p:attrNameLst>
-                                      </p:cBhvr>
-                                      <p:to>
-                                        <p:strVal val="visible"/>
-                                      </p:to>
-                                    </p:set>
-                                  </p:childTnLst>
-                                </p:cTn>
-                              </p:par>
-                              <p:par>
-                                <p:cTn id="21" presetID="1" presetClass="entr" presetSubtype="0" fill="hold" nodeType="withEffect">
-                                  <p:stCondLst>
-                                    <p:cond delay="0"/>
-                                  </p:stCondLst>
-                                  <p:childTnLst>
-                                    <p:set>
-                                      <p:cBhvr>
-                                        <p:cTn id="22" dur="1" fill="hold">
-                                          <p:stCondLst>
-                                            <p:cond delay="0"/>
-                                          </p:stCondLst>
-                                        </p:cTn>
-                                        <p:tgtEl>
-                                          <p:spTgt spid="3">
-                                            <p:txEl>
                                               <p:pRg st="7" end="7"/>
                                             </p:txEl>
                                           </p:spTgt>
@@ -11501,8 +13209,26 @@
                                   </p:childTnLst>
                                 </p:cTn>
                               </p:par>
+                            </p:childTnLst>
+                          </p:cTn>
+                        </p:par>
+                      </p:childTnLst>
+                    </p:cTn>
+                  </p:par>
+                  <p:par>
+                    <p:cTn id="21" fill="hold">
+                      <p:stCondLst>
+                        <p:cond delay="indefinite"/>
+                      </p:stCondLst>
+                      <p:childTnLst>
+                        <p:par>
+                          <p:cTn id="22" fill="hold">
+                            <p:stCondLst>
+                              <p:cond delay="0"/>
+                            </p:stCondLst>
+                            <p:childTnLst>
                               <p:par>
-                                <p:cTn id="23" presetID="1" presetClass="entr" presetSubtype="0" fill="hold" nodeType="withEffect">
+                                <p:cTn id="23" presetID="1" presetClass="entr" presetSubtype="0" fill="hold" nodeType="clickEffect">
                                   <p:stCondLst>
                                     <p:cond delay="0"/>
                                   </p:stCondLst>
@@ -11625,6 +13351,37 @@
                                   </p:childTnLst>
                                 </p:cTn>
                               </p:par>
+                              <p:par>
+                                <p:cTn id="31" presetID="1" presetClass="entr" presetSubtype="0" fill="hold" nodeType="withEffect">
+                                  <p:stCondLst>
+                                    <p:cond delay="0"/>
+                                  </p:stCondLst>
+                                  <p:childTnLst>
+                                    <p:set>
+                                      <p:cBhvr>
+                                        <p:cTn id="32" dur="1" fill="hold">
+                                          <p:stCondLst>
+                                            <p:cond delay="0"/>
+                                          </p:stCondLst>
+                                        </p:cTn>
+                                        <p:tgtEl>
+                                          <p:spTgt spid="3">
+                                            <p:txEl>
+                                              <p:pRg st="13" end="13"/>
+                                            </p:txEl>
+                                          </p:spTgt>
+                                        </p:tgtEl>
+                                        <p:attrNameLst>
+                                          <p:attrName>style.visibility</p:attrName>
+                                        </p:attrNameLst>
+                                      </p:cBhvr>
+                                      <p:to>
+                                        <p:strVal val="visible"/>
+                                      </p:to>
+                                    </p:set>
+                                  </p:childTnLst>
+                                </p:cTn>
+                              </p:par>
                             </p:childTnLst>
                           </p:cTn>
                         </p:par>
@@ -11656,7 +13413,7 @@
 </p:sld>
 </file>
 
-<file path=ppt/slides/slide17.xml><?xml version="1.0" encoding="utf-8"?>
+<file path=ppt/slides/slide18.xml><?xml version="1.0" encoding="utf-8"?>
 <p:sld xmlns:a="http://schemas.openxmlformats.org/drawingml/2006/main" xmlns:r="http://schemas.openxmlformats.org/officeDocument/2006/relationships" xmlns:p="http://schemas.openxmlformats.org/presentationml/2006/main">
   <p:cSld>
     <p:spTree>
@@ -12557,33 +14314,15 @@
                                   </p:childTnLst>
                                 </p:cTn>
                               </p:par>
-                            </p:childTnLst>
-                          </p:cTn>
-                        </p:par>
-                      </p:childTnLst>
-                    </p:cTn>
-                  </p:par>
-                  <p:par>
-                    <p:cTn id="13" fill="hold">
-                      <p:stCondLst>
-                        <p:cond delay="indefinite"/>
-                      </p:stCondLst>
-                      <p:childTnLst>
-                        <p:par>
-                          <p:cTn id="14" fill="hold">
-                            <p:stCondLst>
-                              <p:cond delay="0"/>
-                            </p:stCondLst>
-                            <p:childTnLst>
                               <p:par>
-                                <p:cTn id="15" presetID="1" presetClass="entr" presetSubtype="0" fill="hold" nodeType="clickEffect">
+                                <p:cTn id="13" presetID="1" presetClass="entr" presetSubtype="0" fill="hold" nodeType="withEffect">
                                   <p:stCondLst>
                                     <p:cond delay="0"/>
                                   </p:stCondLst>
                                   <p:childTnLst>
                                     <p:set>
                                       <p:cBhvr>
-                                        <p:cTn id="16" dur="1" fill="hold">
+                                        <p:cTn id="14" dur="1" fill="hold">
                                           <p:stCondLst>
                                             <p:cond delay="0"/>
                                           </p:stCondLst>
@@ -12607,14 +14346,14 @@
                                 </p:cTn>
                               </p:par>
                               <p:par>
-                                <p:cTn id="17" presetID="1" presetClass="entr" presetSubtype="0" fill="hold" nodeType="withEffect">
+                                <p:cTn id="15" presetID="1" presetClass="entr" presetSubtype="0" fill="hold" nodeType="withEffect">
                                   <p:stCondLst>
                                     <p:cond delay="0"/>
                                   </p:stCondLst>
                                   <p:childTnLst>
                                     <p:set>
                                       <p:cBhvr>
-                                        <p:cTn id="18" dur="1" fill="hold">
+                                        <p:cTn id="16" dur="1" fill="hold">
                                           <p:stCondLst>
                                             <p:cond delay="0"/>
                                           </p:stCondLst>
@@ -12707,15 +14446,7 @@
           <a:p>
             <a:r>
               <a:rPr lang="fr-CA" dirty="0" smtClean="0"/>
-              <a:t>One </a:t>
-            </a:r>
-            <a:r>
-              <a:rPr lang="fr-CA" dirty="0" err="1" smtClean="0"/>
-              <a:t>way</a:t>
-            </a:r>
-            <a:r>
-              <a:rPr lang="fr-CA" dirty="0" smtClean="0"/>
-              <a:t>: Pattern-</a:t>
+              <a:t>Pattern-</a:t>
             </a:r>
             <a:r>
               <a:rPr lang="fr-CA" dirty="0" err="1" smtClean="0"/>
@@ -13571,23 +15302,15 @@
           <a:lstStyle/>
           <a:p>
             <a:r>
-              <a:rPr lang="fr-CA" dirty="0"/>
-              <a:t>One </a:t>
-            </a:r>
-            <a:r>
-              <a:rPr lang="fr-CA" dirty="0" err="1"/>
-              <a:t>way</a:t>
-            </a:r>
-            <a:r>
-              <a:rPr lang="fr-CA" dirty="0"/>
-              <a:t>: Pattern-</a:t>
-            </a:r>
-            <a:r>
-              <a:rPr lang="fr-CA" dirty="0" err="1"/>
+              <a:rPr lang="fr-CA" dirty="0" smtClean="0"/>
+              <a:t>Pattern-</a:t>
+            </a:r>
+            <a:r>
+              <a:rPr lang="fr-CA" dirty="0" err="1" smtClean="0"/>
               <a:t>oriented</a:t>
             </a:r>
             <a:r>
-              <a:rPr lang="fr-CA" dirty="0"/>
+              <a:rPr lang="fr-CA" dirty="0" smtClean="0"/>
               <a:t> </a:t>
             </a:r>
             <a:r>
@@ -16595,23 +18318,15 @@
           <a:lstStyle/>
           <a:p>
             <a:r>
-              <a:rPr lang="fr-CA" dirty="0"/>
-              <a:t>One </a:t>
-            </a:r>
-            <a:r>
-              <a:rPr lang="fr-CA" dirty="0" err="1"/>
-              <a:t>way</a:t>
-            </a:r>
-            <a:r>
-              <a:rPr lang="fr-CA" dirty="0"/>
-              <a:t>: Pattern-</a:t>
-            </a:r>
-            <a:r>
-              <a:rPr lang="fr-CA" dirty="0" err="1"/>
+              <a:rPr lang="fr-CA" dirty="0" smtClean="0"/>
+              <a:t>Pattern-</a:t>
+            </a:r>
+            <a:r>
+              <a:rPr lang="fr-CA" dirty="0" err="1" smtClean="0"/>
               <a:t>oriented</a:t>
             </a:r>
             <a:r>
-              <a:rPr lang="fr-CA" dirty="0"/>
+              <a:rPr lang="fr-CA" dirty="0" smtClean="0"/>
               <a:t> </a:t>
             </a:r>
             <a:r>
@@ -21525,23 +23240,15 @@
           <a:lstStyle/>
           <a:p>
             <a:r>
-              <a:rPr lang="fr-CA" dirty="0"/>
-              <a:t>One </a:t>
-            </a:r>
-            <a:r>
-              <a:rPr lang="fr-CA" dirty="0" err="1"/>
-              <a:t>way</a:t>
-            </a:r>
-            <a:r>
-              <a:rPr lang="fr-CA" dirty="0"/>
-              <a:t>: Pattern-</a:t>
-            </a:r>
-            <a:r>
-              <a:rPr lang="fr-CA" dirty="0" err="1"/>
+              <a:rPr lang="fr-CA" dirty="0" smtClean="0"/>
+              <a:t>Pattern-</a:t>
+            </a:r>
+            <a:r>
+              <a:rPr lang="fr-CA" dirty="0" err="1" smtClean="0"/>
               <a:t>oriented</a:t>
             </a:r>
             <a:r>
-              <a:rPr lang="fr-CA" dirty="0"/>
+              <a:rPr lang="fr-CA" dirty="0" smtClean="0"/>
               <a:t> </a:t>
             </a:r>
             <a:r>
@@ -26827,23 +28534,15 @@
           <a:lstStyle/>
           <a:p>
             <a:r>
-              <a:rPr lang="fr-CA" dirty="0"/>
-              <a:t>One </a:t>
-            </a:r>
-            <a:r>
-              <a:rPr lang="fr-CA" dirty="0" err="1"/>
-              <a:t>way</a:t>
-            </a:r>
-            <a:r>
-              <a:rPr lang="fr-CA" dirty="0"/>
-              <a:t>: Pattern-</a:t>
-            </a:r>
-            <a:r>
-              <a:rPr lang="fr-CA" dirty="0" err="1"/>
+              <a:rPr lang="fr-CA" dirty="0" smtClean="0"/>
+              <a:t>Pattern-</a:t>
+            </a:r>
+            <a:r>
+              <a:rPr lang="fr-CA" dirty="0" err="1" smtClean="0"/>
               <a:t>oriented</a:t>
             </a:r>
             <a:r>
-              <a:rPr lang="fr-CA" dirty="0"/>
+              <a:rPr lang="fr-CA" dirty="0" smtClean="0"/>
               <a:t> </a:t>
             </a:r>
             <a:r>
@@ -33223,7 +34922,7 @@
   <a:extraClrSchemeLst/>
   <a:extLst>
     <a:ext uri="{05A4C25C-085E-4340-85A3-A5531E510DB2}">
-      <thm15:themeFamily xmlns="" xmlns:thm15="http://schemas.microsoft.com/office/thememl/2012/main" name="Facet" id="{C0C680CD-088A-49FC-A102-D699147F32B2}" vid="{CFBC31BA-B70F-4F30-BCAA-4F3011E16C4D}"/>
+      <thm15:themeFamily xmlns:thm15="http://schemas.microsoft.com/office/thememl/2012/main" name="Facet" id="{C0C680CD-088A-49FC-A102-D699147F32B2}" vid="{CFBC31BA-B70F-4F30-BCAA-4F3011E16C4D}"/>
     </a:ext>
   </a:extLst>
 </a:theme>

--- a/slides/4_Parameter.pptx
+++ b/slides/4_Parameter.pptx
@@ -863,7 +863,7 @@
             <a:fld id="{B61BEF0D-F0BB-DE4B-95CE-6DB70DBA9567}" type="datetimeFigureOut">
               <a:rPr lang="en-US" dirty="0"/>
               <a:pPr/>
-              <a:t>6/15/2021</a:t>
+              <a:t>6/16/2021</a:t>
             </a:fld>
             <a:endParaRPr lang="en-US" dirty="0"/>
           </a:p>
@@ -1111,7 +1111,7 @@
             <a:fld id="{B61BEF0D-F0BB-DE4B-95CE-6DB70DBA9567}" type="datetimeFigureOut">
               <a:rPr lang="en-US" dirty="0"/>
               <a:pPr/>
-              <a:t>6/15/2021</a:t>
+              <a:t>6/16/2021</a:t>
             </a:fld>
             <a:endParaRPr lang="en-US" dirty="0"/>
           </a:p>
@@ -1422,7 +1422,7 @@
             <a:fld id="{B61BEF0D-F0BB-DE4B-95CE-6DB70DBA9567}" type="datetimeFigureOut">
               <a:rPr lang="en-US" dirty="0"/>
               <a:pPr/>
-              <a:t>6/15/2021</a:t>
+              <a:t>6/16/2021</a:t>
             </a:fld>
             <a:endParaRPr lang="en-US" dirty="0"/>
           </a:p>
@@ -1760,7 +1760,7 @@
             <a:fld id="{B61BEF0D-F0BB-DE4B-95CE-6DB70DBA9567}" type="datetimeFigureOut">
               <a:rPr lang="en-US" dirty="0"/>
               <a:pPr/>
-              <a:t>6/15/2021</a:t>
+              <a:t>6/16/2021</a:t>
             </a:fld>
             <a:endParaRPr lang="en-US" dirty="0"/>
           </a:p>
@@ -2071,7 +2071,7 @@
             <a:fld id="{B61BEF0D-F0BB-DE4B-95CE-6DB70DBA9567}" type="datetimeFigureOut">
               <a:rPr lang="en-US" dirty="0"/>
               <a:pPr/>
-              <a:t>6/15/2021</a:t>
+              <a:t>6/16/2021</a:t>
             </a:fld>
             <a:endParaRPr lang="en-US" dirty="0"/>
           </a:p>
@@ -2461,7 +2461,7 @@
             <a:fld id="{B61BEF0D-F0BB-DE4B-95CE-6DB70DBA9567}" type="datetimeFigureOut">
               <a:rPr lang="en-US" dirty="0"/>
               <a:pPr/>
-              <a:t>6/15/2021</a:t>
+              <a:t>6/16/2021</a:t>
             </a:fld>
             <a:endParaRPr lang="en-US" dirty="0"/>
           </a:p>
@@ -2627,7 +2627,7 @@
           <a:p>
             <a:fld id="{55C6B4A9-1611-4792-9094-5F34BCA07E0B}" type="datetimeFigureOut">
               <a:rPr lang="en-US" dirty="0"/>
-              <a:t>6/15/2021</a:t>
+              <a:t>6/16/2021</a:t>
             </a:fld>
             <a:endParaRPr lang="en-US" dirty="0"/>
           </a:p>
@@ -2803,7 +2803,7 @@
             <a:fld id="{B61BEF0D-F0BB-DE4B-95CE-6DB70DBA9567}" type="datetimeFigureOut">
               <a:rPr lang="en-US" dirty="0"/>
               <a:pPr/>
-              <a:t>6/15/2021</a:t>
+              <a:t>6/16/2021</a:t>
             </a:fld>
             <a:endParaRPr lang="en-US" dirty="0"/>
           </a:p>
@@ -2976,7 +2976,7 @@
             <a:fld id="{B61BEF0D-F0BB-DE4B-95CE-6DB70DBA9567}" type="datetimeFigureOut">
               <a:rPr lang="en-US" dirty="0"/>
               <a:pPr/>
-              <a:t>6/15/2021</a:t>
+              <a:t>6/16/2021</a:t>
             </a:fld>
             <a:endParaRPr lang="en-US" dirty="0"/>
           </a:p>
@@ -3220,7 +3220,7 @@
             <a:fld id="{B61BEF0D-F0BB-DE4B-95CE-6DB70DBA9567}" type="datetimeFigureOut">
               <a:rPr lang="en-US" dirty="0"/>
               <a:pPr/>
-              <a:t>6/15/2021</a:t>
+              <a:t>6/16/2021</a:t>
             </a:fld>
             <a:endParaRPr lang="en-US" dirty="0"/>
           </a:p>
@@ -3448,7 +3448,7 @@
           <a:p>
             <a:fld id="{EB712588-04B1-427B-82EE-E8DB90309F08}" type="datetimeFigureOut">
               <a:rPr lang="en-US" dirty="0"/>
-              <a:t>6/15/2021</a:t>
+              <a:t>6/16/2021</a:t>
             </a:fld>
             <a:endParaRPr lang="en-US" dirty="0"/>
           </a:p>
@@ -3818,7 +3818,7 @@
             <a:fld id="{B61BEF0D-F0BB-DE4B-95CE-6DB70DBA9567}" type="datetimeFigureOut">
               <a:rPr lang="en-US" dirty="0"/>
               <a:pPr/>
-              <a:t>6/15/2021</a:t>
+              <a:t>6/16/2021</a:t>
             </a:fld>
             <a:endParaRPr lang="en-US" dirty="0"/>
           </a:p>
@@ -3938,7 +3938,7 @@
             <a:fld id="{B61BEF0D-F0BB-DE4B-95CE-6DB70DBA9567}" type="datetimeFigureOut">
               <a:rPr lang="en-US" dirty="0"/>
               <a:pPr/>
-              <a:t>6/15/2021</a:t>
+              <a:t>6/16/2021</a:t>
             </a:fld>
             <a:endParaRPr lang="en-US" dirty="0"/>
           </a:p>
@@ -4030,7 +4030,7 @@
             <a:fld id="{B61BEF0D-F0BB-DE4B-95CE-6DB70DBA9567}" type="datetimeFigureOut">
               <a:rPr lang="en-US" dirty="0"/>
               <a:pPr/>
-              <a:t>6/15/2021</a:t>
+              <a:t>6/16/2021</a:t>
             </a:fld>
             <a:endParaRPr lang="en-US" dirty="0"/>
           </a:p>
@@ -4281,7 +4281,7 @@
           <a:p>
             <a:fld id="{42A54C80-263E-416B-A8E0-580EDEADCBDC}" type="datetimeFigureOut">
               <a:rPr lang="en-US" dirty="0"/>
-              <a:t>6/15/2021</a:t>
+              <a:t>6/16/2021</a:t>
             </a:fld>
             <a:endParaRPr lang="en-US" dirty="0"/>
           </a:p>
@@ -4540,7 +4540,7 @@
             <a:fld id="{B61BEF0D-F0BB-DE4B-95CE-6DB70DBA9567}" type="datetimeFigureOut">
               <a:rPr lang="en-US" dirty="0"/>
               <a:pPr/>
-              <a:t>6/15/2021</a:t>
+              <a:t>6/16/2021</a:t>
             </a:fld>
             <a:endParaRPr lang="en-US" dirty="0"/>
           </a:p>
@@ -5280,7 +5280,7 @@
             <a:fld id="{B61BEF0D-F0BB-DE4B-95CE-6DB70DBA9567}" type="datetimeFigureOut">
               <a:rPr lang="en-US" dirty="0"/>
               <a:pPr/>
-              <a:t>6/15/2021</a:t>
+              <a:t>6/16/2021</a:t>
             </a:fld>
             <a:endParaRPr lang="en-US" dirty="0"/>
           </a:p>
@@ -5847,93 +5847,6 @@
           </a:p>
         </p:txBody>
       </p:sp>
-      <p:sp>
-        <p:nvSpPr>
-          <p:cNvPr id="3" name="Sous-titre 2"/>
-          <p:cNvSpPr>
-            <a:spLocks noGrp="1"/>
-          </p:cNvSpPr>
-          <p:nvPr>
-            <p:ph type="subTitle" idx="1"/>
-          </p:nvPr>
-        </p:nvSpPr>
-        <p:spPr>
-          <a:xfrm>
-            <a:off x="233265" y="5761101"/>
-            <a:ext cx="10412963" cy="1096899"/>
-          </a:xfrm>
-        </p:spPr>
-        <p:txBody>
-          <a:bodyPr/>
-          <a:lstStyle/>
-          <a:p>
-            <a:pPr algn="ctr">
-              <a:spcBef>
-                <a:spcPts val="0"/>
-              </a:spcBef>
-            </a:pPr>
-            <a:r>
-              <a:rPr lang="fr-CA" b="1" dirty="0" smtClean="0"/>
-              <a:t>Sarah</a:t>
-            </a:r>
-            <a:r>
-              <a:rPr lang="fr-CA" b="1" dirty="0"/>
-              <a:t> </a:t>
-            </a:r>
-            <a:r>
-              <a:rPr lang="fr-CA" b="1" dirty="0" err="1" smtClean="0"/>
-              <a:t>Bauduin</a:t>
-            </a:r>
-            <a:r>
-              <a:rPr lang="fr-CA" b="1" dirty="0" smtClean="0"/>
-              <a:t> -</a:t>
-            </a:r>
-            <a:r>
-              <a:rPr lang="fr-CA" dirty="0" smtClean="0"/>
-              <a:t> Chargée de recherche à l’OFB</a:t>
-            </a:r>
-          </a:p>
-          <a:p>
-            <a:pPr algn="ctr">
-              <a:spcBef>
-                <a:spcPts val="0"/>
-              </a:spcBef>
-            </a:pPr>
-            <a:r>
-              <a:rPr lang="fr-CA" dirty="0" smtClean="0"/>
-              <a:t>Équipe Loup-Lynx, </a:t>
-            </a:r>
-            <a:r>
-              <a:rPr lang="fr-FR" dirty="0"/>
-              <a:t>Unité Prédateurs Animaux Déprédateurs et Exotiques</a:t>
-            </a:r>
-            <a:endParaRPr lang="fr-CA" dirty="0"/>
-          </a:p>
-        </p:txBody>
-      </p:sp>
-      <p:pic>
-        <p:nvPicPr>
-          <p:cNvPr id="5" name="Image 4"/>
-          <p:cNvPicPr>
-            <a:picLocks noChangeAspect="1"/>
-          </p:cNvPicPr>
-          <p:nvPr/>
-        </p:nvPicPr>
-        <p:blipFill rotWithShape="1">
-          <a:blip r:embed="rId2"/>
-          <a:srcRect l="22662" r="22503"/>
-          <a:stretch/>
-        </p:blipFill>
-        <p:spPr>
-          <a:xfrm>
-            <a:off x="233265" y="5390388"/>
-            <a:ext cx="1073020" cy="1467611"/>
-          </a:xfrm>
-          <a:prstGeom prst="rect">
-            <a:avLst/>
-          </a:prstGeom>
-        </p:spPr>
-      </p:pic>
       <p:sp>
         <p:nvSpPr>
           <p:cNvPr id="6" name="Sous-titre 2"/>
@@ -12069,11 +11982,7 @@
             </a:r>
             <a:r>
               <a:rPr lang="en-US" dirty="0" smtClean="0"/>
-              <a:t> models </a:t>
-            </a:r>
-            <a:r>
-              <a:rPr lang="en-US" dirty="0" smtClean="0"/>
-              <a:t>”</a:t>
+              <a:t> models ”</a:t>
             </a:r>
           </a:p>
           <a:p>
